--- a/toRendre/INFO-G1-presentation.pptx
+++ b/toRendre/INFO-G1-presentation.pptx
@@ -83,10 +83,12 @@
           </a:prstGeom>
         </p:spPr>
         <p:txBody>
-          <a:bodyPr lIns="0" rIns="0" tIns="0" bIns="0" anchor="ctr"/>
+          <a:bodyPr lIns="0" rIns="0" tIns="0" bIns="0" anchor="ctr">
+            <a:spAutoFit/>
+          </a:bodyPr>
           <a:p>
             <a:pPr algn="ctr"/>
-            <a:endParaRPr b="0" lang="fr-BE" sz="4400" spc="-1" strike="noStrike">
+            <a:endParaRPr b="0" lang="fr-FR" sz="4400" spc="-1" strike="noStrike">
               <a:latin typeface="Arial"/>
             </a:endParaRPr>
           </a:p>
@@ -116,7 +118,7 @@
             <a:normAutofit/>
           </a:bodyPr>
           <a:p>
-            <a:endParaRPr b="0" lang="fr-BE" sz="3200" spc="-1" strike="noStrike">
+            <a:endParaRPr b="0" lang="fr-FR" sz="3200" spc="-1" strike="noStrike">
               <a:latin typeface="Arial"/>
             </a:endParaRPr>
           </a:p>
@@ -146,7 +148,7 @@
             <a:normAutofit/>
           </a:bodyPr>
           <a:p>
-            <a:endParaRPr b="0" lang="fr-BE" sz="3200" spc="-1" strike="noStrike">
+            <a:endParaRPr b="0" lang="fr-FR" sz="3200" spc="-1" strike="noStrike">
               <a:latin typeface="Arial"/>
             </a:endParaRPr>
           </a:p>
@@ -194,10 +196,12 @@
           </a:prstGeom>
         </p:spPr>
         <p:txBody>
-          <a:bodyPr lIns="0" rIns="0" tIns="0" bIns="0" anchor="ctr"/>
+          <a:bodyPr lIns="0" rIns="0" tIns="0" bIns="0" anchor="ctr">
+            <a:spAutoFit/>
+          </a:bodyPr>
           <a:p>
             <a:pPr algn="ctr"/>
-            <a:endParaRPr b="0" lang="fr-BE" sz="4400" spc="-1" strike="noStrike">
+            <a:endParaRPr b="0" lang="fr-FR" sz="4400" spc="-1" strike="noStrike">
               <a:latin typeface="Arial"/>
             </a:endParaRPr>
           </a:p>
@@ -227,7 +231,7 @@
             <a:normAutofit/>
           </a:bodyPr>
           <a:p>
-            <a:endParaRPr b="0" lang="fr-BE" sz="3200" spc="-1" strike="noStrike">
+            <a:endParaRPr b="0" lang="fr-FR" sz="3200" spc="-1" strike="noStrike">
               <a:latin typeface="Arial"/>
             </a:endParaRPr>
           </a:p>
@@ -257,7 +261,7 @@
             <a:normAutofit/>
           </a:bodyPr>
           <a:p>
-            <a:endParaRPr b="0" lang="fr-BE" sz="3200" spc="-1" strike="noStrike">
+            <a:endParaRPr b="0" lang="fr-FR" sz="3200" spc="-1" strike="noStrike">
               <a:latin typeface="Arial"/>
             </a:endParaRPr>
           </a:p>
@@ -287,7 +291,7 @@
             <a:normAutofit/>
           </a:bodyPr>
           <a:p>
-            <a:endParaRPr b="0" lang="fr-BE" sz="3200" spc="-1" strike="noStrike">
+            <a:endParaRPr b="0" lang="fr-FR" sz="3200" spc="-1" strike="noStrike">
               <a:latin typeface="Arial"/>
             </a:endParaRPr>
           </a:p>
@@ -317,7 +321,7 @@
             <a:normAutofit/>
           </a:bodyPr>
           <a:p>
-            <a:endParaRPr b="0" lang="fr-BE" sz="3200" spc="-1" strike="noStrike">
+            <a:endParaRPr b="0" lang="fr-FR" sz="3200" spc="-1" strike="noStrike">
               <a:latin typeface="Arial"/>
             </a:endParaRPr>
           </a:p>
@@ -365,10 +369,12 @@
           </a:prstGeom>
         </p:spPr>
         <p:txBody>
-          <a:bodyPr lIns="0" rIns="0" tIns="0" bIns="0" anchor="ctr"/>
+          <a:bodyPr lIns="0" rIns="0" tIns="0" bIns="0" anchor="ctr">
+            <a:spAutoFit/>
+          </a:bodyPr>
           <a:p>
             <a:pPr algn="ctr"/>
-            <a:endParaRPr b="0" lang="fr-BE" sz="4400" spc="-1" strike="noStrike">
+            <a:endParaRPr b="0" lang="fr-FR" sz="4400" spc="-1" strike="noStrike">
               <a:latin typeface="Arial"/>
             </a:endParaRPr>
           </a:p>
@@ -398,7 +404,7 @@
             <a:normAutofit/>
           </a:bodyPr>
           <a:p>
-            <a:endParaRPr b="0" lang="fr-BE" sz="3200" spc="-1" strike="noStrike">
+            <a:endParaRPr b="0" lang="fr-FR" sz="3200" spc="-1" strike="noStrike">
               <a:latin typeface="Arial"/>
             </a:endParaRPr>
           </a:p>
@@ -428,7 +434,7 @@
             <a:normAutofit/>
           </a:bodyPr>
           <a:p>
-            <a:endParaRPr b="0" lang="fr-BE" sz="3200" spc="-1" strike="noStrike">
+            <a:endParaRPr b="0" lang="fr-FR" sz="3200" spc="-1" strike="noStrike">
               <a:latin typeface="Arial"/>
             </a:endParaRPr>
           </a:p>
@@ -458,7 +464,7 @@
             <a:normAutofit/>
           </a:bodyPr>
           <a:p>
-            <a:endParaRPr b="0" lang="fr-BE" sz="3200" spc="-1" strike="noStrike">
+            <a:endParaRPr b="0" lang="fr-FR" sz="3200" spc="-1" strike="noStrike">
               <a:latin typeface="Arial"/>
             </a:endParaRPr>
           </a:p>
@@ -488,7 +494,7 @@
             <a:normAutofit/>
           </a:bodyPr>
           <a:p>
-            <a:endParaRPr b="0" lang="fr-BE" sz="3200" spc="-1" strike="noStrike">
+            <a:endParaRPr b="0" lang="fr-FR" sz="3200" spc="-1" strike="noStrike">
               <a:latin typeface="Arial"/>
             </a:endParaRPr>
           </a:p>
@@ -518,7 +524,7 @@
             <a:normAutofit/>
           </a:bodyPr>
           <a:p>
-            <a:endParaRPr b="0" lang="fr-BE" sz="3200" spc="-1" strike="noStrike">
+            <a:endParaRPr b="0" lang="fr-FR" sz="3200" spc="-1" strike="noStrike">
               <a:latin typeface="Arial"/>
             </a:endParaRPr>
           </a:p>
@@ -548,7 +554,7 @@
             <a:normAutofit/>
           </a:bodyPr>
           <a:p>
-            <a:endParaRPr b="0" lang="fr-BE" sz="3200" spc="-1" strike="noStrike">
+            <a:endParaRPr b="0" lang="fr-FR" sz="3200" spc="-1" strike="noStrike">
               <a:latin typeface="Arial"/>
             </a:endParaRPr>
           </a:p>
@@ -618,10 +624,12 @@
           </a:prstGeom>
         </p:spPr>
         <p:txBody>
-          <a:bodyPr lIns="0" rIns="0" tIns="0" bIns="0" anchor="ctr"/>
+          <a:bodyPr lIns="0" rIns="0" tIns="0" bIns="0" anchor="ctr">
+            <a:spAutoFit/>
+          </a:bodyPr>
           <a:p>
             <a:pPr algn="ctr"/>
-            <a:endParaRPr b="0" lang="fr-BE" sz="4400" spc="-1" strike="noStrike">
+            <a:endParaRPr b="0" lang="fr-FR" sz="4400" spc="-1" strike="noStrike">
               <a:latin typeface="Arial"/>
             </a:endParaRPr>
           </a:p>
@@ -647,10 +655,12 @@
           </a:prstGeom>
         </p:spPr>
         <p:txBody>
-          <a:bodyPr lIns="0" rIns="0" tIns="0" bIns="0" anchor="ctr"/>
+          <a:bodyPr lIns="0" rIns="0" tIns="0" bIns="0" anchor="ctr">
+            <a:spAutoFit/>
+          </a:bodyPr>
           <a:p>
             <a:pPr algn="ctr"/>
-            <a:endParaRPr b="0" lang="fr-BE" sz="3200" spc="-1" strike="noStrike">
+            <a:endParaRPr b="0" lang="fr-FR" sz="3200" spc="-1" strike="noStrike">
               <a:latin typeface="Arial"/>
             </a:endParaRPr>
           </a:p>
@@ -698,10 +708,12 @@
           </a:prstGeom>
         </p:spPr>
         <p:txBody>
-          <a:bodyPr lIns="0" rIns="0" tIns="0" bIns="0" anchor="ctr"/>
+          <a:bodyPr lIns="0" rIns="0" tIns="0" bIns="0" anchor="ctr">
+            <a:spAutoFit/>
+          </a:bodyPr>
           <a:p>
             <a:pPr algn="ctr"/>
-            <a:endParaRPr b="0" lang="fr-BE" sz="4400" spc="-1" strike="noStrike">
+            <a:endParaRPr b="0" lang="fr-FR" sz="4400" spc="-1" strike="noStrike">
               <a:latin typeface="Arial"/>
             </a:endParaRPr>
           </a:p>
@@ -731,7 +743,7 @@
             <a:normAutofit/>
           </a:bodyPr>
           <a:p>
-            <a:endParaRPr b="0" lang="fr-BE" sz="3200" spc="-1" strike="noStrike">
+            <a:endParaRPr b="0" lang="fr-FR" sz="3200" spc="-1" strike="noStrike">
               <a:latin typeface="Arial"/>
             </a:endParaRPr>
           </a:p>
@@ -779,10 +791,12 @@
           </a:prstGeom>
         </p:spPr>
         <p:txBody>
-          <a:bodyPr lIns="0" rIns="0" tIns="0" bIns="0" anchor="ctr"/>
+          <a:bodyPr lIns="0" rIns="0" tIns="0" bIns="0" anchor="ctr">
+            <a:spAutoFit/>
+          </a:bodyPr>
           <a:p>
             <a:pPr algn="ctr"/>
-            <a:endParaRPr b="0" lang="fr-BE" sz="4400" spc="-1" strike="noStrike">
+            <a:endParaRPr b="0" lang="fr-FR" sz="4400" spc="-1" strike="noStrike">
               <a:latin typeface="Arial"/>
             </a:endParaRPr>
           </a:p>
@@ -812,7 +826,7 @@
             <a:normAutofit/>
           </a:bodyPr>
           <a:p>
-            <a:endParaRPr b="0" lang="fr-BE" sz="3200" spc="-1" strike="noStrike">
+            <a:endParaRPr b="0" lang="fr-FR" sz="3200" spc="-1" strike="noStrike">
               <a:latin typeface="Arial"/>
             </a:endParaRPr>
           </a:p>
@@ -842,7 +856,7 @@
             <a:normAutofit/>
           </a:bodyPr>
           <a:p>
-            <a:endParaRPr b="0" lang="fr-BE" sz="3200" spc="-1" strike="noStrike">
+            <a:endParaRPr b="0" lang="fr-FR" sz="3200" spc="-1" strike="noStrike">
               <a:latin typeface="Arial"/>
             </a:endParaRPr>
           </a:p>
@@ -890,10 +904,12 @@
           </a:prstGeom>
         </p:spPr>
         <p:txBody>
-          <a:bodyPr lIns="0" rIns="0" tIns="0" bIns="0" anchor="ctr"/>
+          <a:bodyPr lIns="0" rIns="0" tIns="0" bIns="0" anchor="ctr">
+            <a:spAutoFit/>
+          </a:bodyPr>
           <a:p>
             <a:pPr algn="ctr"/>
-            <a:endParaRPr b="0" lang="fr-BE" sz="4400" spc="-1" strike="noStrike">
+            <a:endParaRPr b="0" lang="fr-FR" sz="4400" spc="-1" strike="noStrike">
               <a:latin typeface="Arial"/>
             </a:endParaRPr>
           </a:p>
@@ -941,10 +957,12 @@
           </a:prstGeom>
         </p:spPr>
         <p:txBody>
-          <a:bodyPr lIns="0" rIns="0" tIns="0" bIns="0" anchor="ctr"/>
+          <a:bodyPr lIns="0" rIns="0" tIns="0" bIns="0" anchor="ctr">
+            <a:spAutoFit/>
+          </a:bodyPr>
           <a:p>
             <a:pPr algn="ctr"/>
-            <a:endParaRPr b="0" lang="fr-BE" sz="3200" spc="-1" strike="noStrike">
+            <a:endParaRPr b="0" lang="fr-FR" sz="3200" spc="-1" strike="noStrike">
               <a:latin typeface="Arial"/>
             </a:endParaRPr>
           </a:p>
@@ -992,10 +1010,12 @@
           </a:prstGeom>
         </p:spPr>
         <p:txBody>
-          <a:bodyPr lIns="0" rIns="0" tIns="0" bIns="0" anchor="ctr"/>
+          <a:bodyPr lIns="0" rIns="0" tIns="0" bIns="0" anchor="ctr">
+            <a:spAutoFit/>
+          </a:bodyPr>
           <a:p>
             <a:pPr algn="ctr"/>
-            <a:endParaRPr b="0" lang="fr-BE" sz="4400" spc="-1" strike="noStrike">
+            <a:endParaRPr b="0" lang="fr-FR" sz="4400" spc="-1" strike="noStrike">
               <a:latin typeface="Arial"/>
             </a:endParaRPr>
           </a:p>
@@ -1025,7 +1045,7 @@
             <a:normAutofit/>
           </a:bodyPr>
           <a:p>
-            <a:endParaRPr b="0" lang="fr-BE" sz="3200" spc="-1" strike="noStrike">
+            <a:endParaRPr b="0" lang="fr-FR" sz="3200" spc="-1" strike="noStrike">
               <a:latin typeface="Arial"/>
             </a:endParaRPr>
           </a:p>
@@ -1055,7 +1075,7 @@
             <a:normAutofit/>
           </a:bodyPr>
           <a:p>
-            <a:endParaRPr b="0" lang="fr-BE" sz="3200" spc="-1" strike="noStrike">
+            <a:endParaRPr b="0" lang="fr-FR" sz="3200" spc="-1" strike="noStrike">
               <a:latin typeface="Arial"/>
             </a:endParaRPr>
           </a:p>
@@ -1085,7 +1105,7 @@
             <a:normAutofit/>
           </a:bodyPr>
           <a:p>
-            <a:endParaRPr b="0" lang="fr-BE" sz="3200" spc="-1" strike="noStrike">
+            <a:endParaRPr b="0" lang="fr-FR" sz="3200" spc="-1" strike="noStrike">
               <a:latin typeface="Arial"/>
             </a:endParaRPr>
           </a:p>
@@ -1133,10 +1153,12 @@
           </a:prstGeom>
         </p:spPr>
         <p:txBody>
-          <a:bodyPr lIns="0" rIns="0" tIns="0" bIns="0" anchor="ctr"/>
+          <a:bodyPr lIns="0" rIns="0" tIns="0" bIns="0" anchor="ctr">
+            <a:spAutoFit/>
+          </a:bodyPr>
           <a:p>
             <a:pPr algn="ctr"/>
-            <a:endParaRPr b="0" lang="fr-BE" sz="4400" spc="-1" strike="noStrike">
+            <a:endParaRPr b="0" lang="fr-FR" sz="4400" spc="-1" strike="noStrike">
               <a:latin typeface="Arial"/>
             </a:endParaRPr>
           </a:p>
@@ -1162,10 +1184,12 @@
           </a:prstGeom>
         </p:spPr>
         <p:txBody>
-          <a:bodyPr lIns="0" rIns="0" tIns="0" bIns="0" anchor="ctr"/>
+          <a:bodyPr lIns="0" rIns="0" tIns="0" bIns="0" anchor="ctr">
+            <a:spAutoFit/>
+          </a:bodyPr>
           <a:p>
             <a:pPr algn="ctr"/>
-            <a:endParaRPr b="0" lang="fr-BE" sz="3200" spc="-1" strike="noStrike">
+            <a:endParaRPr b="0" lang="fr-FR" sz="3200" spc="-1" strike="noStrike">
               <a:latin typeface="Arial"/>
             </a:endParaRPr>
           </a:p>
@@ -1213,10 +1237,12 @@
           </a:prstGeom>
         </p:spPr>
         <p:txBody>
-          <a:bodyPr lIns="0" rIns="0" tIns="0" bIns="0" anchor="ctr"/>
+          <a:bodyPr lIns="0" rIns="0" tIns="0" bIns="0" anchor="ctr">
+            <a:spAutoFit/>
+          </a:bodyPr>
           <a:p>
             <a:pPr algn="ctr"/>
-            <a:endParaRPr b="0" lang="fr-BE" sz="4400" spc="-1" strike="noStrike">
+            <a:endParaRPr b="0" lang="fr-FR" sz="4400" spc="-1" strike="noStrike">
               <a:latin typeface="Arial"/>
             </a:endParaRPr>
           </a:p>
@@ -1246,7 +1272,7 @@
             <a:normAutofit/>
           </a:bodyPr>
           <a:p>
-            <a:endParaRPr b="0" lang="fr-BE" sz="3200" spc="-1" strike="noStrike">
+            <a:endParaRPr b="0" lang="fr-FR" sz="3200" spc="-1" strike="noStrike">
               <a:latin typeface="Arial"/>
             </a:endParaRPr>
           </a:p>
@@ -1276,7 +1302,7 @@
             <a:normAutofit/>
           </a:bodyPr>
           <a:p>
-            <a:endParaRPr b="0" lang="fr-BE" sz="3200" spc="-1" strike="noStrike">
+            <a:endParaRPr b="0" lang="fr-FR" sz="3200" spc="-1" strike="noStrike">
               <a:latin typeface="Arial"/>
             </a:endParaRPr>
           </a:p>
@@ -1306,7 +1332,7 @@
             <a:normAutofit/>
           </a:bodyPr>
           <a:p>
-            <a:endParaRPr b="0" lang="fr-BE" sz="3200" spc="-1" strike="noStrike">
+            <a:endParaRPr b="0" lang="fr-FR" sz="3200" spc="-1" strike="noStrike">
               <a:latin typeface="Arial"/>
             </a:endParaRPr>
           </a:p>
@@ -1354,10 +1380,12 @@
           </a:prstGeom>
         </p:spPr>
         <p:txBody>
-          <a:bodyPr lIns="0" rIns="0" tIns="0" bIns="0" anchor="ctr"/>
+          <a:bodyPr lIns="0" rIns="0" tIns="0" bIns="0" anchor="ctr">
+            <a:spAutoFit/>
+          </a:bodyPr>
           <a:p>
             <a:pPr algn="ctr"/>
-            <a:endParaRPr b="0" lang="fr-BE" sz="4400" spc="-1" strike="noStrike">
+            <a:endParaRPr b="0" lang="fr-FR" sz="4400" spc="-1" strike="noStrike">
               <a:latin typeface="Arial"/>
             </a:endParaRPr>
           </a:p>
@@ -1387,7 +1415,7 @@
             <a:normAutofit/>
           </a:bodyPr>
           <a:p>
-            <a:endParaRPr b="0" lang="fr-BE" sz="3200" spc="-1" strike="noStrike">
+            <a:endParaRPr b="0" lang="fr-FR" sz="3200" spc="-1" strike="noStrike">
               <a:latin typeface="Arial"/>
             </a:endParaRPr>
           </a:p>
@@ -1417,7 +1445,7 @@
             <a:normAutofit/>
           </a:bodyPr>
           <a:p>
-            <a:endParaRPr b="0" lang="fr-BE" sz="3200" spc="-1" strike="noStrike">
+            <a:endParaRPr b="0" lang="fr-FR" sz="3200" spc="-1" strike="noStrike">
               <a:latin typeface="Arial"/>
             </a:endParaRPr>
           </a:p>
@@ -1447,7 +1475,7 @@
             <a:normAutofit/>
           </a:bodyPr>
           <a:p>
-            <a:endParaRPr b="0" lang="fr-BE" sz="3200" spc="-1" strike="noStrike">
+            <a:endParaRPr b="0" lang="fr-FR" sz="3200" spc="-1" strike="noStrike">
               <a:latin typeface="Arial"/>
             </a:endParaRPr>
           </a:p>
@@ -1495,10 +1523,12 @@
           </a:prstGeom>
         </p:spPr>
         <p:txBody>
-          <a:bodyPr lIns="0" rIns="0" tIns="0" bIns="0" anchor="ctr"/>
+          <a:bodyPr lIns="0" rIns="0" tIns="0" bIns="0" anchor="ctr">
+            <a:spAutoFit/>
+          </a:bodyPr>
           <a:p>
             <a:pPr algn="ctr"/>
-            <a:endParaRPr b="0" lang="fr-BE" sz="4400" spc="-1" strike="noStrike">
+            <a:endParaRPr b="0" lang="fr-FR" sz="4400" spc="-1" strike="noStrike">
               <a:latin typeface="Arial"/>
             </a:endParaRPr>
           </a:p>
@@ -1528,7 +1558,7 @@
             <a:normAutofit/>
           </a:bodyPr>
           <a:p>
-            <a:endParaRPr b="0" lang="fr-BE" sz="3200" spc="-1" strike="noStrike">
+            <a:endParaRPr b="0" lang="fr-FR" sz="3200" spc="-1" strike="noStrike">
               <a:latin typeface="Arial"/>
             </a:endParaRPr>
           </a:p>
@@ -1558,7 +1588,7 @@
             <a:normAutofit/>
           </a:bodyPr>
           <a:p>
-            <a:endParaRPr b="0" lang="fr-BE" sz="3200" spc="-1" strike="noStrike">
+            <a:endParaRPr b="0" lang="fr-FR" sz="3200" spc="-1" strike="noStrike">
               <a:latin typeface="Arial"/>
             </a:endParaRPr>
           </a:p>
@@ -1606,10 +1636,12 @@
           </a:prstGeom>
         </p:spPr>
         <p:txBody>
-          <a:bodyPr lIns="0" rIns="0" tIns="0" bIns="0" anchor="ctr"/>
+          <a:bodyPr lIns="0" rIns="0" tIns="0" bIns="0" anchor="ctr">
+            <a:spAutoFit/>
+          </a:bodyPr>
           <a:p>
             <a:pPr algn="ctr"/>
-            <a:endParaRPr b="0" lang="fr-BE" sz="4400" spc="-1" strike="noStrike">
+            <a:endParaRPr b="0" lang="fr-FR" sz="4400" spc="-1" strike="noStrike">
               <a:latin typeface="Arial"/>
             </a:endParaRPr>
           </a:p>
@@ -1639,7 +1671,7 @@
             <a:normAutofit/>
           </a:bodyPr>
           <a:p>
-            <a:endParaRPr b="0" lang="fr-BE" sz="3200" spc="-1" strike="noStrike">
+            <a:endParaRPr b="0" lang="fr-FR" sz="3200" spc="-1" strike="noStrike">
               <a:latin typeface="Arial"/>
             </a:endParaRPr>
           </a:p>
@@ -1669,7 +1701,7 @@
             <a:normAutofit/>
           </a:bodyPr>
           <a:p>
-            <a:endParaRPr b="0" lang="fr-BE" sz="3200" spc="-1" strike="noStrike">
+            <a:endParaRPr b="0" lang="fr-FR" sz="3200" spc="-1" strike="noStrike">
               <a:latin typeface="Arial"/>
             </a:endParaRPr>
           </a:p>
@@ -1699,7 +1731,7 @@
             <a:normAutofit/>
           </a:bodyPr>
           <a:p>
-            <a:endParaRPr b="0" lang="fr-BE" sz="3200" spc="-1" strike="noStrike">
+            <a:endParaRPr b="0" lang="fr-FR" sz="3200" spc="-1" strike="noStrike">
               <a:latin typeface="Arial"/>
             </a:endParaRPr>
           </a:p>
@@ -1729,7 +1761,7 @@
             <a:normAutofit/>
           </a:bodyPr>
           <a:p>
-            <a:endParaRPr b="0" lang="fr-BE" sz="3200" spc="-1" strike="noStrike">
+            <a:endParaRPr b="0" lang="fr-FR" sz="3200" spc="-1" strike="noStrike">
               <a:latin typeface="Arial"/>
             </a:endParaRPr>
           </a:p>
@@ -1777,10 +1809,12 @@
           </a:prstGeom>
         </p:spPr>
         <p:txBody>
-          <a:bodyPr lIns="0" rIns="0" tIns="0" bIns="0" anchor="ctr"/>
+          <a:bodyPr lIns="0" rIns="0" tIns="0" bIns="0" anchor="ctr">
+            <a:spAutoFit/>
+          </a:bodyPr>
           <a:p>
             <a:pPr algn="ctr"/>
-            <a:endParaRPr b="0" lang="fr-BE" sz="4400" spc="-1" strike="noStrike">
+            <a:endParaRPr b="0" lang="fr-FR" sz="4400" spc="-1" strike="noStrike">
               <a:latin typeface="Arial"/>
             </a:endParaRPr>
           </a:p>
@@ -1810,7 +1844,7 @@
             <a:normAutofit/>
           </a:bodyPr>
           <a:p>
-            <a:endParaRPr b="0" lang="fr-BE" sz="3200" spc="-1" strike="noStrike">
+            <a:endParaRPr b="0" lang="fr-FR" sz="3200" spc="-1" strike="noStrike">
               <a:latin typeface="Arial"/>
             </a:endParaRPr>
           </a:p>
@@ -1840,7 +1874,7 @@
             <a:normAutofit/>
           </a:bodyPr>
           <a:p>
-            <a:endParaRPr b="0" lang="fr-BE" sz="3200" spc="-1" strike="noStrike">
+            <a:endParaRPr b="0" lang="fr-FR" sz="3200" spc="-1" strike="noStrike">
               <a:latin typeface="Arial"/>
             </a:endParaRPr>
           </a:p>
@@ -1870,7 +1904,7 @@
             <a:normAutofit/>
           </a:bodyPr>
           <a:p>
-            <a:endParaRPr b="0" lang="fr-BE" sz="3200" spc="-1" strike="noStrike">
+            <a:endParaRPr b="0" lang="fr-FR" sz="3200" spc="-1" strike="noStrike">
               <a:latin typeface="Arial"/>
             </a:endParaRPr>
           </a:p>
@@ -1900,7 +1934,7 @@
             <a:normAutofit/>
           </a:bodyPr>
           <a:p>
-            <a:endParaRPr b="0" lang="fr-BE" sz="3200" spc="-1" strike="noStrike">
+            <a:endParaRPr b="0" lang="fr-FR" sz="3200" spc="-1" strike="noStrike">
               <a:latin typeface="Arial"/>
             </a:endParaRPr>
           </a:p>
@@ -1930,7 +1964,7 @@
             <a:normAutofit/>
           </a:bodyPr>
           <a:p>
-            <a:endParaRPr b="0" lang="fr-BE" sz="3200" spc="-1" strike="noStrike">
+            <a:endParaRPr b="0" lang="fr-FR" sz="3200" spc="-1" strike="noStrike">
               <a:latin typeface="Arial"/>
             </a:endParaRPr>
           </a:p>
@@ -1960,7 +1994,7 @@
             <a:normAutofit/>
           </a:bodyPr>
           <a:p>
-            <a:endParaRPr b="0" lang="fr-BE" sz="3200" spc="-1" strike="noStrike">
+            <a:endParaRPr b="0" lang="fr-FR" sz="3200" spc="-1" strike="noStrike">
               <a:latin typeface="Arial"/>
             </a:endParaRPr>
           </a:p>
@@ -2030,10 +2064,12 @@
           </a:prstGeom>
         </p:spPr>
         <p:txBody>
-          <a:bodyPr lIns="0" rIns="0" tIns="0" bIns="0" anchor="ctr"/>
+          <a:bodyPr lIns="0" rIns="0" tIns="0" bIns="0" anchor="ctr">
+            <a:spAutoFit/>
+          </a:bodyPr>
           <a:p>
             <a:pPr algn="ctr"/>
-            <a:endParaRPr b="0" lang="fr-BE" sz="4400" spc="-1" strike="noStrike">
+            <a:endParaRPr b="0" lang="fr-FR" sz="4400" spc="-1" strike="noStrike">
               <a:latin typeface="Arial"/>
             </a:endParaRPr>
           </a:p>
@@ -2059,10 +2095,12 @@
           </a:prstGeom>
         </p:spPr>
         <p:txBody>
-          <a:bodyPr lIns="0" rIns="0" tIns="0" bIns="0" anchor="ctr"/>
+          <a:bodyPr lIns="0" rIns="0" tIns="0" bIns="0" anchor="ctr">
+            <a:spAutoFit/>
+          </a:bodyPr>
           <a:p>
             <a:pPr algn="ctr"/>
-            <a:endParaRPr b="0" lang="fr-BE" sz="3200" spc="-1" strike="noStrike">
+            <a:endParaRPr b="0" lang="fr-FR" sz="3200" spc="-1" strike="noStrike">
               <a:latin typeface="Arial"/>
             </a:endParaRPr>
           </a:p>
@@ -2110,10 +2148,12 @@
           </a:prstGeom>
         </p:spPr>
         <p:txBody>
-          <a:bodyPr lIns="0" rIns="0" tIns="0" bIns="0" anchor="ctr"/>
+          <a:bodyPr lIns="0" rIns="0" tIns="0" bIns="0" anchor="ctr">
+            <a:spAutoFit/>
+          </a:bodyPr>
           <a:p>
             <a:pPr algn="ctr"/>
-            <a:endParaRPr b="0" lang="fr-BE" sz="4400" spc="-1" strike="noStrike">
+            <a:endParaRPr b="0" lang="fr-FR" sz="4400" spc="-1" strike="noStrike">
               <a:latin typeface="Arial"/>
             </a:endParaRPr>
           </a:p>
@@ -2143,7 +2183,7 @@
             <a:normAutofit/>
           </a:bodyPr>
           <a:p>
-            <a:endParaRPr b="0" lang="fr-BE" sz="3200" spc="-1" strike="noStrike">
+            <a:endParaRPr b="0" lang="fr-FR" sz="3200" spc="-1" strike="noStrike">
               <a:latin typeface="Arial"/>
             </a:endParaRPr>
           </a:p>
@@ -2191,10 +2231,12 @@
           </a:prstGeom>
         </p:spPr>
         <p:txBody>
-          <a:bodyPr lIns="0" rIns="0" tIns="0" bIns="0" anchor="ctr"/>
+          <a:bodyPr lIns="0" rIns="0" tIns="0" bIns="0" anchor="ctr">
+            <a:spAutoFit/>
+          </a:bodyPr>
           <a:p>
             <a:pPr algn="ctr"/>
-            <a:endParaRPr b="0" lang="fr-BE" sz="4400" spc="-1" strike="noStrike">
+            <a:endParaRPr b="0" lang="fr-FR" sz="4400" spc="-1" strike="noStrike">
               <a:latin typeface="Arial"/>
             </a:endParaRPr>
           </a:p>
@@ -2224,7 +2266,7 @@
             <a:normAutofit/>
           </a:bodyPr>
           <a:p>
-            <a:endParaRPr b="0" lang="fr-BE" sz="3200" spc="-1" strike="noStrike">
+            <a:endParaRPr b="0" lang="fr-FR" sz="3200" spc="-1" strike="noStrike">
               <a:latin typeface="Arial"/>
             </a:endParaRPr>
           </a:p>
@@ -2254,7 +2296,7 @@
             <a:normAutofit/>
           </a:bodyPr>
           <a:p>
-            <a:endParaRPr b="0" lang="fr-BE" sz="3200" spc="-1" strike="noStrike">
+            <a:endParaRPr b="0" lang="fr-FR" sz="3200" spc="-1" strike="noStrike">
               <a:latin typeface="Arial"/>
             </a:endParaRPr>
           </a:p>
@@ -2302,10 +2344,12 @@
           </a:prstGeom>
         </p:spPr>
         <p:txBody>
-          <a:bodyPr lIns="0" rIns="0" tIns="0" bIns="0" anchor="ctr"/>
+          <a:bodyPr lIns="0" rIns="0" tIns="0" bIns="0" anchor="ctr">
+            <a:spAutoFit/>
+          </a:bodyPr>
           <a:p>
             <a:pPr algn="ctr"/>
-            <a:endParaRPr b="0" lang="fr-BE" sz="4400" spc="-1" strike="noStrike">
+            <a:endParaRPr b="0" lang="fr-FR" sz="4400" spc="-1" strike="noStrike">
               <a:latin typeface="Arial"/>
             </a:endParaRPr>
           </a:p>
@@ -2353,10 +2397,12 @@
           </a:prstGeom>
         </p:spPr>
         <p:txBody>
-          <a:bodyPr lIns="0" rIns="0" tIns="0" bIns="0" anchor="ctr"/>
+          <a:bodyPr lIns="0" rIns="0" tIns="0" bIns="0" anchor="ctr">
+            <a:spAutoFit/>
+          </a:bodyPr>
           <a:p>
             <a:pPr algn="ctr"/>
-            <a:endParaRPr b="0" lang="fr-BE" sz="4400" spc="-1" strike="noStrike">
+            <a:endParaRPr b="0" lang="fr-FR" sz="4400" spc="-1" strike="noStrike">
               <a:latin typeface="Arial"/>
             </a:endParaRPr>
           </a:p>
@@ -2386,7 +2432,7 @@
             <a:normAutofit/>
           </a:bodyPr>
           <a:p>
-            <a:endParaRPr b="0" lang="fr-BE" sz="3200" spc="-1" strike="noStrike">
+            <a:endParaRPr b="0" lang="fr-FR" sz="3200" spc="-1" strike="noStrike">
               <a:latin typeface="Arial"/>
             </a:endParaRPr>
           </a:p>
@@ -2434,10 +2480,12 @@
           </a:prstGeom>
         </p:spPr>
         <p:txBody>
-          <a:bodyPr lIns="0" rIns="0" tIns="0" bIns="0" anchor="ctr"/>
+          <a:bodyPr lIns="0" rIns="0" tIns="0" bIns="0" anchor="ctr">
+            <a:spAutoFit/>
+          </a:bodyPr>
           <a:p>
             <a:pPr algn="ctr"/>
-            <a:endParaRPr b="0" lang="fr-BE" sz="3200" spc="-1" strike="noStrike">
+            <a:endParaRPr b="0" lang="fr-FR" sz="3200" spc="-1" strike="noStrike">
               <a:latin typeface="Arial"/>
             </a:endParaRPr>
           </a:p>
@@ -2485,10 +2533,12 @@
           </a:prstGeom>
         </p:spPr>
         <p:txBody>
-          <a:bodyPr lIns="0" rIns="0" tIns="0" bIns="0" anchor="ctr"/>
+          <a:bodyPr lIns="0" rIns="0" tIns="0" bIns="0" anchor="ctr">
+            <a:spAutoFit/>
+          </a:bodyPr>
           <a:p>
             <a:pPr algn="ctr"/>
-            <a:endParaRPr b="0" lang="fr-BE" sz="4400" spc="-1" strike="noStrike">
+            <a:endParaRPr b="0" lang="fr-FR" sz="4400" spc="-1" strike="noStrike">
               <a:latin typeface="Arial"/>
             </a:endParaRPr>
           </a:p>
@@ -2518,7 +2568,7 @@
             <a:normAutofit/>
           </a:bodyPr>
           <a:p>
-            <a:endParaRPr b="0" lang="fr-BE" sz="3200" spc="-1" strike="noStrike">
+            <a:endParaRPr b="0" lang="fr-FR" sz="3200" spc="-1" strike="noStrike">
               <a:latin typeface="Arial"/>
             </a:endParaRPr>
           </a:p>
@@ -2548,7 +2598,7 @@
             <a:normAutofit/>
           </a:bodyPr>
           <a:p>
-            <a:endParaRPr b="0" lang="fr-BE" sz="3200" spc="-1" strike="noStrike">
+            <a:endParaRPr b="0" lang="fr-FR" sz="3200" spc="-1" strike="noStrike">
               <a:latin typeface="Arial"/>
             </a:endParaRPr>
           </a:p>
@@ -2578,7 +2628,7 @@
             <a:normAutofit/>
           </a:bodyPr>
           <a:p>
-            <a:endParaRPr b="0" lang="fr-BE" sz="3200" spc="-1" strike="noStrike">
+            <a:endParaRPr b="0" lang="fr-FR" sz="3200" spc="-1" strike="noStrike">
               <a:latin typeface="Arial"/>
             </a:endParaRPr>
           </a:p>
@@ -2626,10 +2676,12 @@
           </a:prstGeom>
         </p:spPr>
         <p:txBody>
-          <a:bodyPr lIns="0" rIns="0" tIns="0" bIns="0" anchor="ctr"/>
+          <a:bodyPr lIns="0" rIns="0" tIns="0" bIns="0" anchor="ctr">
+            <a:spAutoFit/>
+          </a:bodyPr>
           <a:p>
             <a:pPr algn="ctr"/>
-            <a:endParaRPr b="0" lang="fr-BE" sz="4400" spc="-1" strike="noStrike">
+            <a:endParaRPr b="0" lang="fr-FR" sz="4400" spc="-1" strike="noStrike">
               <a:latin typeface="Arial"/>
             </a:endParaRPr>
           </a:p>
@@ -2659,7 +2711,7 @@
             <a:normAutofit/>
           </a:bodyPr>
           <a:p>
-            <a:endParaRPr b="0" lang="fr-BE" sz="3200" spc="-1" strike="noStrike">
+            <a:endParaRPr b="0" lang="fr-FR" sz="3200" spc="-1" strike="noStrike">
               <a:latin typeface="Arial"/>
             </a:endParaRPr>
           </a:p>
@@ -2689,7 +2741,7 @@
             <a:normAutofit/>
           </a:bodyPr>
           <a:p>
-            <a:endParaRPr b="0" lang="fr-BE" sz="3200" spc="-1" strike="noStrike">
+            <a:endParaRPr b="0" lang="fr-FR" sz="3200" spc="-1" strike="noStrike">
               <a:latin typeface="Arial"/>
             </a:endParaRPr>
           </a:p>
@@ -2719,7 +2771,7 @@
             <a:normAutofit/>
           </a:bodyPr>
           <a:p>
-            <a:endParaRPr b="0" lang="fr-BE" sz="3200" spc="-1" strike="noStrike">
+            <a:endParaRPr b="0" lang="fr-FR" sz="3200" spc="-1" strike="noStrike">
               <a:latin typeface="Arial"/>
             </a:endParaRPr>
           </a:p>
@@ -2767,10 +2819,12 @@
           </a:prstGeom>
         </p:spPr>
         <p:txBody>
-          <a:bodyPr lIns="0" rIns="0" tIns="0" bIns="0" anchor="ctr"/>
+          <a:bodyPr lIns="0" rIns="0" tIns="0" bIns="0" anchor="ctr">
+            <a:spAutoFit/>
+          </a:bodyPr>
           <a:p>
             <a:pPr algn="ctr"/>
-            <a:endParaRPr b="0" lang="fr-BE" sz="4400" spc="-1" strike="noStrike">
+            <a:endParaRPr b="0" lang="fr-FR" sz="4400" spc="-1" strike="noStrike">
               <a:latin typeface="Arial"/>
             </a:endParaRPr>
           </a:p>
@@ -2800,7 +2854,7 @@
             <a:normAutofit/>
           </a:bodyPr>
           <a:p>
-            <a:endParaRPr b="0" lang="fr-BE" sz="3200" spc="-1" strike="noStrike">
+            <a:endParaRPr b="0" lang="fr-FR" sz="3200" spc="-1" strike="noStrike">
               <a:latin typeface="Arial"/>
             </a:endParaRPr>
           </a:p>
@@ -2830,7 +2884,7 @@
             <a:normAutofit/>
           </a:bodyPr>
           <a:p>
-            <a:endParaRPr b="0" lang="fr-BE" sz="3200" spc="-1" strike="noStrike">
+            <a:endParaRPr b="0" lang="fr-FR" sz="3200" spc="-1" strike="noStrike">
               <a:latin typeface="Arial"/>
             </a:endParaRPr>
           </a:p>
@@ -2860,7 +2914,7 @@
             <a:normAutofit/>
           </a:bodyPr>
           <a:p>
-            <a:endParaRPr b="0" lang="fr-BE" sz="3200" spc="-1" strike="noStrike">
+            <a:endParaRPr b="0" lang="fr-FR" sz="3200" spc="-1" strike="noStrike">
               <a:latin typeface="Arial"/>
             </a:endParaRPr>
           </a:p>
@@ -2908,10 +2962,12 @@
           </a:prstGeom>
         </p:spPr>
         <p:txBody>
-          <a:bodyPr lIns="0" rIns="0" tIns="0" bIns="0" anchor="ctr"/>
+          <a:bodyPr lIns="0" rIns="0" tIns="0" bIns="0" anchor="ctr">
+            <a:spAutoFit/>
+          </a:bodyPr>
           <a:p>
             <a:pPr algn="ctr"/>
-            <a:endParaRPr b="0" lang="fr-BE" sz="4400" spc="-1" strike="noStrike">
+            <a:endParaRPr b="0" lang="fr-FR" sz="4400" spc="-1" strike="noStrike">
               <a:latin typeface="Arial"/>
             </a:endParaRPr>
           </a:p>
@@ -2941,7 +2997,7 @@
             <a:normAutofit/>
           </a:bodyPr>
           <a:p>
-            <a:endParaRPr b="0" lang="fr-BE" sz="3200" spc="-1" strike="noStrike">
+            <a:endParaRPr b="0" lang="fr-FR" sz="3200" spc="-1" strike="noStrike">
               <a:latin typeface="Arial"/>
             </a:endParaRPr>
           </a:p>
@@ -2971,7 +3027,7 @@
             <a:normAutofit/>
           </a:bodyPr>
           <a:p>
-            <a:endParaRPr b="0" lang="fr-BE" sz="3200" spc="-1" strike="noStrike">
+            <a:endParaRPr b="0" lang="fr-FR" sz="3200" spc="-1" strike="noStrike">
               <a:latin typeface="Arial"/>
             </a:endParaRPr>
           </a:p>
@@ -3019,10 +3075,12 @@
           </a:prstGeom>
         </p:spPr>
         <p:txBody>
-          <a:bodyPr lIns="0" rIns="0" tIns="0" bIns="0" anchor="ctr"/>
+          <a:bodyPr lIns="0" rIns="0" tIns="0" bIns="0" anchor="ctr">
+            <a:spAutoFit/>
+          </a:bodyPr>
           <a:p>
             <a:pPr algn="ctr"/>
-            <a:endParaRPr b="0" lang="fr-BE" sz="4400" spc="-1" strike="noStrike">
+            <a:endParaRPr b="0" lang="fr-FR" sz="4400" spc="-1" strike="noStrike">
               <a:latin typeface="Arial"/>
             </a:endParaRPr>
           </a:p>
@@ -3052,7 +3110,7 @@
             <a:normAutofit/>
           </a:bodyPr>
           <a:p>
-            <a:endParaRPr b="0" lang="fr-BE" sz="3200" spc="-1" strike="noStrike">
+            <a:endParaRPr b="0" lang="fr-FR" sz="3200" spc="-1" strike="noStrike">
               <a:latin typeface="Arial"/>
             </a:endParaRPr>
           </a:p>
@@ -3082,7 +3140,7 @@
             <a:normAutofit/>
           </a:bodyPr>
           <a:p>
-            <a:endParaRPr b="0" lang="fr-BE" sz="3200" spc="-1" strike="noStrike">
+            <a:endParaRPr b="0" lang="fr-FR" sz="3200" spc="-1" strike="noStrike">
               <a:latin typeface="Arial"/>
             </a:endParaRPr>
           </a:p>
@@ -3112,7 +3170,7 @@
             <a:normAutofit/>
           </a:bodyPr>
           <a:p>
-            <a:endParaRPr b="0" lang="fr-BE" sz="3200" spc="-1" strike="noStrike">
+            <a:endParaRPr b="0" lang="fr-FR" sz="3200" spc="-1" strike="noStrike">
               <a:latin typeface="Arial"/>
             </a:endParaRPr>
           </a:p>
@@ -3142,7 +3200,7 @@
             <a:normAutofit/>
           </a:bodyPr>
           <a:p>
-            <a:endParaRPr b="0" lang="fr-BE" sz="3200" spc="-1" strike="noStrike">
+            <a:endParaRPr b="0" lang="fr-FR" sz="3200" spc="-1" strike="noStrike">
               <a:latin typeface="Arial"/>
             </a:endParaRPr>
           </a:p>
@@ -3190,10 +3248,12 @@
           </a:prstGeom>
         </p:spPr>
         <p:txBody>
-          <a:bodyPr lIns="0" rIns="0" tIns="0" bIns="0" anchor="ctr"/>
+          <a:bodyPr lIns="0" rIns="0" tIns="0" bIns="0" anchor="ctr">
+            <a:spAutoFit/>
+          </a:bodyPr>
           <a:p>
             <a:pPr algn="ctr"/>
-            <a:endParaRPr b="0" lang="fr-BE" sz="4400" spc="-1" strike="noStrike">
+            <a:endParaRPr b="0" lang="fr-FR" sz="4400" spc="-1" strike="noStrike">
               <a:latin typeface="Arial"/>
             </a:endParaRPr>
           </a:p>
@@ -3223,7 +3283,7 @@
             <a:normAutofit/>
           </a:bodyPr>
           <a:p>
-            <a:endParaRPr b="0" lang="fr-BE" sz="3200" spc="-1" strike="noStrike">
+            <a:endParaRPr b="0" lang="fr-FR" sz="3200" spc="-1" strike="noStrike">
               <a:latin typeface="Arial"/>
             </a:endParaRPr>
           </a:p>
@@ -3253,7 +3313,7 @@
             <a:normAutofit/>
           </a:bodyPr>
           <a:p>
-            <a:endParaRPr b="0" lang="fr-BE" sz="3200" spc="-1" strike="noStrike">
+            <a:endParaRPr b="0" lang="fr-FR" sz="3200" spc="-1" strike="noStrike">
               <a:latin typeface="Arial"/>
             </a:endParaRPr>
           </a:p>
@@ -3283,7 +3343,7 @@
             <a:normAutofit/>
           </a:bodyPr>
           <a:p>
-            <a:endParaRPr b="0" lang="fr-BE" sz="3200" spc="-1" strike="noStrike">
+            <a:endParaRPr b="0" lang="fr-FR" sz="3200" spc="-1" strike="noStrike">
               <a:latin typeface="Arial"/>
             </a:endParaRPr>
           </a:p>
@@ -3313,7 +3373,7 @@
             <a:normAutofit/>
           </a:bodyPr>
           <a:p>
-            <a:endParaRPr b="0" lang="fr-BE" sz="3200" spc="-1" strike="noStrike">
+            <a:endParaRPr b="0" lang="fr-FR" sz="3200" spc="-1" strike="noStrike">
               <a:latin typeface="Arial"/>
             </a:endParaRPr>
           </a:p>
@@ -3343,7 +3403,7 @@
             <a:normAutofit/>
           </a:bodyPr>
           <a:p>
-            <a:endParaRPr b="0" lang="fr-BE" sz="3200" spc="-1" strike="noStrike">
+            <a:endParaRPr b="0" lang="fr-FR" sz="3200" spc="-1" strike="noStrike">
               <a:latin typeface="Arial"/>
             </a:endParaRPr>
           </a:p>
@@ -3373,7 +3433,7 @@
             <a:normAutofit/>
           </a:bodyPr>
           <a:p>
-            <a:endParaRPr b="0" lang="fr-BE" sz="3200" spc="-1" strike="noStrike">
+            <a:endParaRPr b="0" lang="fr-FR" sz="3200" spc="-1" strike="noStrike">
               <a:latin typeface="Arial"/>
             </a:endParaRPr>
           </a:p>
@@ -3421,10 +3481,12 @@
           </a:prstGeom>
         </p:spPr>
         <p:txBody>
-          <a:bodyPr lIns="0" rIns="0" tIns="0" bIns="0" anchor="ctr"/>
+          <a:bodyPr lIns="0" rIns="0" tIns="0" bIns="0" anchor="ctr">
+            <a:spAutoFit/>
+          </a:bodyPr>
           <a:p>
             <a:pPr algn="ctr"/>
-            <a:endParaRPr b="0" lang="fr-BE" sz="4400" spc="-1" strike="noStrike">
+            <a:endParaRPr b="0" lang="fr-FR" sz="4400" spc="-1" strike="noStrike">
               <a:latin typeface="Arial"/>
             </a:endParaRPr>
           </a:p>
@@ -3454,7 +3516,7 @@
             <a:normAutofit/>
           </a:bodyPr>
           <a:p>
-            <a:endParaRPr b="0" lang="fr-BE" sz="3200" spc="-1" strike="noStrike">
+            <a:endParaRPr b="0" lang="fr-FR" sz="3200" spc="-1" strike="noStrike">
               <a:latin typeface="Arial"/>
             </a:endParaRPr>
           </a:p>
@@ -3484,7 +3546,7 @@
             <a:normAutofit/>
           </a:bodyPr>
           <a:p>
-            <a:endParaRPr b="0" lang="fr-BE" sz="3200" spc="-1" strike="noStrike">
+            <a:endParaRPr b="0" lang="fr-FR" sz="3200" spc="-1" strike="noStrike">
               <a:latin typeface="Arial"/>
             </a:endParaRPr>
           </a:p>
@@ -3532,10 +3594,12 @@
           </a:prstGeom>
         </p:spPr>
         <p:txBody>
-          <a:bodyPr lIns="0" rIns="0" tIns="0" bIns="0" anchor="ctr"/>
+          <a:bodyPr lIns="0" rIns="0" tIns="0" bIns="0" anchor="ctr">
+            <a:spAutoFit/>
+          </a:bodyPr>
           <a:p>
             <a:pPr algn="ctr"/>
-            <a:endParaRPr b="0" lang="fr-BE" sz="4400" spc="-1" strike="noStrike">
+            <a:endParaRPr b="0" lang="fr-FR" sz="4400" spc="-1" strike="noStrike">
               <a:latin typeface="Arial"/>
             </a:endParaRPr>
           </a:p>
@@ -3583,10 +3647,12 @@
           </a:prstGeom>
         </p:spPr>
         <p:txBody>
-          <a:bodyPr lIns="0" rIns="0" tIns="0" bIns="0" anchor="ctr"/>
+          <a:bodyPr lIns="0" rIns="0" tIns="0" bIns="0" anchor="ctr">
+            <a:spAutoFit/>
+          </a:bodyPr>
           <a:p>
             <a:pPr algn="ctr"/>
-            <a:endParaRPr b="0" lang="fr-BE" sz="3200" spc="-1" strike="noStrike">
+            <a:endParaRPr b="0" lang="fr-FR" sz="3200" spc="-1" strike="noStrike">
               <a:latin typeface="Arial"/>
             </a:endParaRPr>
           </a:p>
@@ -3634,10 +3700,12 @@
           </a:prstGeom>
         </p:spPr>
         <p:txBody>
-          <a:bodyPr lIns="0" rIns="0" tIns="0" bIns="0" anchor="ctr"/>
+          <a:bodyPr lIns="0" rIns="0" tIns="0" bIns="0" anchor="ctr">
+            <a:spAutoFit/>
+          </a:bodyPr>
           <a:p>
             <a:pPr algn="ctr"/>
-            <a:endParaRPr b="0" lang="fr-BE" sz="4400" spc="-1" strike="noStrike">
+            <a:endParaRPr b="0" lang="fr-FR" sz="4400" spc="-1" strike="noStrike">
               <a:latin typeface="Arial"/>
             </a:endParaRPr>
           </a:p>
@@ -3667,7 +3735,7 @@
             <a:normAutofit/>
           </a:bodyPr>
           <a:p>
-            <a:endParaRPr b="0" lang="fr-BE" sz="3200" spc="-1" strike="noStrike">
+            <a:endParaRPr b="0" lang="fr-FR" sz="3200" spc="-1" strike="noStrike">
               <a:latin typeface="Arial"/>
             </a:endParaRPr>
           </a:p>
@@ -3697,7 +3765,7 @@
             <a:normAutofit/>
           </a:bodyPr>
           <a:p>
-            <a:endParaRPr b="0" lang="fr-BE" sz="3200" spc="-1" strike="noStrike">
+            <a:endParaRPr b="0" lang="fr-FR" sz="3200" spc="-1" strike="noStrike">
               <a:latin typeface="Arial"/>
             </a:endParaRPr>
           </a:p>
@@ -3727,7 +3795,7 @@
             <a:normAutofit/>
           </a:bodyPr>
           <a:p>
-            <a:endParaRPr b="0" lang="fr-BE" sz="3200" spc="-1" strike="noStrike">
+            <a:endParaRPr b="0" lang="fr-FR" sz="3200" spc="-1" strike="noStrike">
               <a:latin typeface="Arial"/>
             </a:endParaRPr>
           </a:p>
@@ -3775,10 +3843,12 @@
           </a:prstGeom>
         </p:spPr>
         <p:txBody>
-          <a:bodyPr lIns="0" rIns="0" tIns="0" bIns="0" anchor="ctr"/>
+          <a:bodyPr lIns="0" rIns="0" tIns="0" bIns="0" anchor="ctr">
+            <a:spAutoFit/>
+          </a:bodyPr>
           <a:p>
             <a:pPr algn="ctr"/>
-            <a:endParaRPr b="0" lang="fr-BE" sz="4400" spc="-1" strike="noStrike">
+            <a:endParaRPr b="0" lang="fr-FR" sz="4400" spc="-1" strike="noStrike">
               <a:latin typeface="Arial"/>
             </a:endParaRPr>
           </a:p>
@@ -3808,7 +3878,7 @@
             <a:normAutofit/>
           </a:bodyPr>
           <a:p>
-            <a:endParaRPr b="0" lang="fr-BE" sz="3200" spc="-1" strike="noStrike">
+            <a:endParaRPr b="0" lang="fr-FR" sz="3200" spc="-1" strike="noStrike">
               <a:latin typeface="Arial"/>
             </a:endParaRPr>
           </a:p>
@@ -3838,7 +3908,7 @@
             <a:normAutofit/>
           </a:bodyPr>
           <a:p>
-            <a:endParaRPr b="0" lang="fr-BE" sz="3200" spc="-1" strike="noStrike">
+            <a:endParaRPr b="0" lang="fr-FR" sz="3200" spc="-1" strike="noStrike">
               <a:latin typeface="Arial"/>
             </a:endParaRPr>
           </a:p>
@@ -3868,7 +3938,7 @@
             <a:normAutofit/>
           </a:bodyPr>
           <a:p>
-            <a:endParaRPr b="0" lang="fr-BE" sz="3200" spc="-1" strike="noStrike">
+            <a:endParaRPr b="0" lang="fr-FR" sz="3200" spc="-1" strike="noStrike">
               <a:latin typeface="Arial"/>
             </a:endParaRPr>
           </a:p>
@@ -3916,10 +3986,12 @@
           </a:prstGeom>
         </p:spPr>
         <p:txBody>
-          <a:bodyPr lIns="0" rIns="0" tIns="0" bIns="0" anchor="ctr"/>
+          <a:bodyPr lIns="0" rIns="0" tIns="0" bIns="0" anchor="ctr">
+            <a:spAutoFit/>
+          </a:bodyPr>
           <a:p>
             <a:pPr algn="ctr"/>
-            <a:endParaRPr b="0" lang="fr-BE" sz="4400" spc="-1" strike="noStrike">
+            <a:endParaRPr b="0" lang="fr-FR" sz="4400" spc="-1" strike="noStrike">
               <a:latin typeface="Arial"/>
             </a:endParaRPr>
           </a:p>
@@ -3949,7 +4021,7 @@
             <a:normAutofit/>
           </a:bodyPr>
           <a:p>
-            <a:endParaRPr b="0" lang="fr-BE" sz="3200" spc="-1" strike="noStrike">
+            <a:endParaRPr b="0" lang="fr-FR" sz="3200" spc="-1" strike="noStrike">
               <a:latin typeface="Arial"/>
             </a:endParaRPr>
           </a:p>
@@ -3979,7 +4051,7 @@
             <a:normAutofit/>
           </a:bodyPr>
           <a:p>
-            <a:endParaRPr b="0" lang="fr-BE" sz="3200" spc="-1" strike="noStrike">
+            <a:endParaRPr b="0" lang="fr-FR" sz="3200" spc="-1" strike="noStrike">
               <a:latin typeface="Arial"/>
             </a:endParaRPr>
           </a:p>
@@ -4009,7 +4081,7 @@
             <a:normAutofit/>
           </a:bodyPr>
           <a:p>
-            <a:endParaRPr b="0" lang="fr-BE" sz="3200" spc="-1" strike="noStrike">
+            <a:endParaRPr b="0" lang="fr-FR" sz="3200" spc="-1" strike="noStrike">
               <a:latin typeface="Arial"/>
             </a:endParaRPr>
           </a:p>
@@ -4046,7 +4118,7 @@
         <p:spPr>
           <a:xfrm>
             <a:off x="0" y="5400360"/>
-            <a:ext cx="10079280" cy="268560"/>
+            <a:ext cx="10078920" cy="268200"/>
           </a:xfrm>
           <a:prstGeom prst="rect">
             <a:avLst/>
@@ -4074,7 +4146,7 @@
         <p:spPr>
           <a:xfrm>
             <a:off x="0" y="0"/>
-            <a:ext cx="10079280" cy="1213560"/>
+            <a:ext cx="10078920" cy="1213200"/>
           </a:xfrm>
           <a:prstGeom prst="rect">
             <a:avLst/>
@@ -4102,7 +4174,7 @@
         <p:spPr>
           <a:xfrm>
             <a:off x="9270360" y="5171040"/>
-            <a:ext cx="538560" cy="403560"/>
+            <a:ext cx="538200" cy="403200"/>
           </a:xfrm>
           <a:prstGeom prst="ellipse">
             <a:avLst/>
@@ -4141,16 +4213,18 @@
           </a:prstGeom>
         </p:spPr>
         <p:txBody>
-          <a:bodyPr lIns="0" rIns="0" tIns="0" bIns="0" anchor="ctr"/>
+          <a:bodyPr lIns="0" rIns="0" tIns="0" bIns="0" anchor="ctr">
+            <a:noAutofit/>
+          </a:bodyPr>
           <a:p>
             <a:pPr algn="ctr"/>
             <a:r>
-              <a:rPr b="0" lang="fr-BE" sz="4400" spc="-1" strike="noStrike">
+              <a:rPr b="0" lang="fr-FR" sz="4400" spc="-1" strike="noStrike">
                 <a:latin typeface="Arial"/>
               </a:rPr>
-              <a:t>Click to edit the title text format</a:t>
+              <a:t>Cliquez pour éditer le format du texte-titre</a:t>
             </a:r>
-            <a:endParaRPr b="0" lang="fr-BE" sz="4400" spc="-1" strike="noStrike">
+            <a:endParaRPr b="0" lang="fr-FR" sz="4400" spc="-1" strike="noStrike">
               <a:latin typeface="Arial"/>
             </a:endParaRPr>
           </a:p>
@@ -4192,18 +4266,12 @@
               <a:buChar char=""/>
             </a:pPr>
             <a:r>
-              <a:rPr b="0" lang="fr-BE" sz="3200" spc="-1" strike="noStrike">
+              <a:rPr b="0" lang="fr-FR" sz="3200" spc="-1" strike="noStrike">
                 <a:latin typeface="Arial"/>
               </a:rPr>
-              <a:t>Click to edit the </a:t>
+              <a:t>Cliquez pour éditer le format du plan de texte</a:t>
             </a:r>
-            <a:r>
-              <a:rPr b="0" lang="fr-BE" sz="3200" spc="-1" strike="noStrike">
-                <a:latin typeface="Arial"/>
-              </a:rPr>
-              <a:t>outline text format</a:t>
-            </a:r>
-            <a:endParaRPr b="0" lang="fr-BE" sz="3200" spc="-1" strike="noStrike">
+            <a:endParaRPr b="0" lang="fr-FR" sz="3200" spc="-1" strike="noStrike">
               <a:latin typeface="Arial"/>
             </a:endParaRPr>
           </a:p>
@@ -4220,18 +4288,12 @@
               <a:buChar char=""/>
             </a:pPr>
             <a:r>
-              <a:rPr b="0" lang="fr-BE" sz="2800" spc="-1" strike="noStrike">
+              <a:rPr b="0" lang="fr-FR" sz="2800" spc="-1" strike="noStrike">
                 <a:latin typeface="Arial"/>
               </a:rPr>
-              <a:t>Second Outline </a:t>
+              <a:t>Second niveau de plan</a:t>
             </a:r>
-            <a:r>
-              <a:rPr b="0" lang="fr-BE" sz="2800" spc="-1" strike="noStrike">
-                <a:latin typeface="Arial"/>
-              </a:rPr>
-              <a:t>Level</a:t>
-            </a:r>
-            <a:endParaRPr b="0" lang="fr-BE" sz="2800" spc="-1" strike="noStrike">
+            <a:endParaRPr b="0" lang="fr-FR" sz="2800" spc="-1" strike="noStrike">
               <a:latin typeface="Arial"/>
             </a:endParaRPr>
           </a:p>
@@ -4248,12 +4310,12 @@
               <a:buChar char=""/>
             </a:pPr>
             <a:r>
-              <a:rPr b="0" lang="fr-BE" sz="2400" spc="-1" strike="noStrike">
+              <a:rPr b="0" lang="fr-FR" sz="2400" spc="-1" strike="noStrike">
                 <a:latin typeface="Arial"/>
               </a:rPr>
-              <a:t>Third Outline Level</a:t>
+              <a:t>Troisième niveau de plan</a:t>
             </a:r>
-            <a:endParaRPr b="0" lang="fr-BE" sz="2400" spc="-1" strike="noStrike">
+            <a:endParaRPr b="0" lang="fr-FR" sz="2400" spc="-1" strike="noStrike">
               <a:latin typeface="Arial"/>
             </a:endParaRPr>
           </a:p>
@@ -4270,12 +4332,12 @@
               <a:buChar char=""/>
             </a:pPr>
             <a:r>
-              <a:rPr b="0" lang="fr-BE" sz="2000" spc="-1" strike="noStrike">
+              <a:rPr b="0" lang="fr-FR" sz="2000" spc="-1" strike="noStrike">
                 <a:latin typeface="Arial"/>
               </a:rPr>
-              <a:t>Fourth Outline Level</a:t>
+              <a:t>Quatrième niveau de plan</a:t>
             </a:r>
-            <a:endParaRPr b="0" lang="fr-BE" sz="2000" spc="-1" strike="noStrike">
+            <a:endParaRPr b="0" lang="fr-FR" sz="2000" spc="-1" strike="noStrike">
               <a:latin typeface="Arial"/>
             </a:endParaRPr>
           </a:p>
@@ -4292,18 +4354,12 @@
               <a:buChar char=""/>
             </a:pPr>
             <a:r>
-              <a:rPr b="0" lang="fr-BE" sz="2000" spc="-1" strike="noStrike">
+              <a:rPr b="0" lang="fr-FR" sz="2000" spc="-1" strike="noStrike">
                 <a:latin typeface="Arial"/>
               </a:rPr>
-              <a:t>Fifth Outline </a:t>
+              <a:t>Cinquième niveau de plan</a:t>
             </a:r>
-            <a:r>
-              <a:rPr b="0" lang="fr-BE" sz="2000" spc="-1" strike="noStrike">
-                <a:latin typeface="Arial"/>
-              </a:rPr>
-              <a:t>Level</a:t>
-            </a:r>
-            <a:endParaRPr b="0" lang="fr-BE" sz="2000" spc="-1" strike="noStrike">
+            <a:endParaRPr b="0" lang="fr-FR" sz="2000" spc="-1" strike="noStrike">
               <a:latin typeface="Arial"/>
             </a:endParaRPr>
           </a:p>
@@ -4320,18 +4376,12 @@
               <a:buChar char=""/>
             </a:pPr>
             <a:r>
-              <a:rPr b="0" lang="fr-BE" sz="2000" spc="-1" strike="noStrike">
+              <a:rPr b="0" lang="fr-FR" sz="2000" spc="-1" strike="noStrike">
                 <a:latin typeface="Arial"/>
               </a:rPr>
-              <a:t>Sixth Outline </a:t>
+              <a:t>Sixième niveau de plan</a:t>
             </a:r>
-            <a:r>
-              <a:rPr b="0" lang="fr-BE" sz="2000" spc="-1" strike="noStrike">
-                <a:latin typeface="Arial"/>
-              </a:rPr>
-              <a:t>Level</a:t>
-            </a:r>
-            <a:endParaRPr b="0" lang="fr-BE" sz="2000" spc="-1" strike="noStrike">
+            <a:endParaRPr b="0" lang="fr-FR" sz="2000" spc="-1" strike="noStrike">
               <a:latin typeface="Arial"/>
             </a:endParaRPr>
           </a:p>
@@ -4348,24 +4398,12 @@
               <a:buChar char=""/>
             </a:pPr>
             <a:r>
-              <a:rPr b="0" lang="fr-BE" sz="2000" spc="-1" strike="noStrike">
+              <a:rPr b="0" lang="fr-FR" sz="2000" spc="-1" strike="noStrike">
                 <a:latin typeface="Arial"/>
               </a:rPr>
-              <a:t>Seventh </a:t>
+              <a:t>Septième niveau de plan</a:t>
             </a:r>
-            <a:r>
-              <a:rPr b="0" lang="fr-BE" sz="2000" spc="-1" strike="noStrike">
-                <a:latin typeface="Arial"/>
-              </a:rPr>
-              <a:t>Outline </a:t>
-            </a:r>
-            <a:r>
-              <a:rPr b="0" lang="fr-BE" sz="2000" spc="-1" strike="noStrike">
-                <a:latin typeface="Arial"/>
-              </a:rPr>
-              <a:t>Level</a:t>
-            </a:r>
-            <a:endParaRPr b="0" lang="fr-BE" sz="2000" spc="-1" strike="noStrike">
+            <a:endParaRPr b="0" lang="fr-FR" sz="2000" spc="-1" strike="noStrike">
               <a:latin typeface="Arial"/>
             </a:endParaRPr>
           </a:p>
@@ -4417,7 +4455,7 @@
         <p:spPr>
           <a:xfrm>
             <a:off x="0" y="5400360"/>
-            <a:ext cx="10079280" cy="268560"/>
+            <a:ext cx="10078920" cy="268200"/>
           </a:xfrm>
           <a:prstGeom prst="rect">
             <a:avLst/>
@@ -4445,7 +4483,7 @@
         <p:spPr>
           <a:xfrm>
             <a:off x="0" y="0"/>
-            <a:ext cx="10079280" cy="1213560"/>
+            <a:ext cx="10078920" cy="1213200"/>
           </a:xfrm>
           <a:prstGeom prst="rect">
             <a:avLst/>
@@ -4473,7 +4511,7 @@
         <p:spPr>
           <a:xfrm>
             <a:off x="9270360" y="5171040"/>
-            <a:ext cx="538560" cy="403560"/>
+            <a:ext cx="538200" cy="403200"/>
           </a:xfrm>
           <a:prstGeom prst="ellipse">
             <a:avLst/>
@@ -4512,16 +4550,18 @@
           </a:prstGeom>
         </p:spPr>
         <p:txBody>
-          <a:bodyPr lIns="0" rIns="0" tIns="0" bIns="0" anchor="ctr"/>
+          <a:bodyPr lIns="0" rIns="0" tIns="0" bIns="0" anchor="ctr">
+            <a:noAutofit/>
+          </a:bodyPr>
           <a:p>
             <a:pPr algn="ctr"/>
             <a:r>
-              <a:rPr b="0" lang="fr-BE" sz="4400" spc="-1" strike="noStrike">
+              <a:rPr b="0" lang="fr-FR" sz="4400" spc="-1" strike="noStrike">
                 <a:latin typeface="Arial"/>
               </a:rPr>
-              <a:t>Click to edit the title text format</a:t>
+              <a:t>Cliquez pour éditer le format du texte-titre</a:t>
             </a:r>
-            <a:endParaRPr b="0" lang="fr-BE" sz="4400" spc="-1" strike="noStrike">
+            <a:endParaRPr b="0" lang="fr-FR" sz="4400" spc="-1" strike="noStrike">
               <a:latin typeface="Arial"/>
             </a:endParaRPr>
           </a:p>
@@ -4563,12 +4603,12 @@
               <a:buChar char=""/>
             </a:pPr>
             <a:r>
-              <a:rPr b="0" lang="fr-BE" sz="3200" spc="-1" strike="noStrike">
+              <a:rPr b="0" lang="fr-FR" sz="3200" spc="-1" strike="noStrike">
                 <a:latin typeface="Arial"/>
               </a:rPr>
-              <a:t>Click to edit the outline text format</a:t>
+              <a:t>Cliquez pour éditer le format du plan de texte</a:t>
             </a:r>
-            <a:endParaRPr b="0" lang="fr-BE" sz="3200" spc="-1" strike="noStrike">
+            <a:endParaRPr b="0" lang="fr-FR" sz="3200" spc="-1" strike="noStrike">
               <a:latin typeface="Arial"/>
             </a:endParaRPr>
           </a:p>
@@ -4585,12 +4625,12 @@
               <a:buChar char=""/>
             </a:pPr>
             <a:r>
-              <a:rPr b="0" lang="fr-BE" sz="2800" spc="-1" strike="noStrike">
+              <a:rPr b="0" lang="fr-FR" sz="2800" spc="-1" strike="noStrike">
                 <a:latin typeface="Arial"/>
               </a:rPr>
-              <a:t>Second Outline Level</a:t>
+              <a:t>Second niveau de plan</a:t>
             </a:r>
-            <a:endParaRPr b="0" lang="fr-BE" sz="2800" spc="-1" strike="noStrike">
+            <a:endParaRPr b="0" lang="fr-FR" sz="2800" spc="-1" strike="noStrike">
               <a:latin typeface="Arial"/>
             </a:endParaRPr>
           </a:p>
@@ -4607,12 +4647,12 @@
               <a:buChar char=""/>
             </a:pPr>
             <a:r>
-              <a:rPr b="0" lang="fr-BE" sz="2400" spc="-1" strike="noStrike">
+              <a:rPr b="0" lang="fr-FR" sz="2400" spc="-1" strike="noStrike">
                 <a:latin typeface="Arial"/>
               </a:rPr>
-              <a:t>Third Outline Level</a:t>
+              <a:t>Troisième niveau de plan</a:t>
             </a:r>
-            <a:endParaRPr b="0" lang="fr-BE" sz="2400" spc="-1" strike="noStrike">
+            <a:endParaRPr b="0" lang="fr-FR" sz="2400" spc="-1" strike="noStrike">
               <a:latin typeface="Arial"/>
             </a:endParaRPr>
           </a:p>
@@ -4629,12 +4669,12 @@
               <a:buChar char=""/>
             </a:pPr>
             <a:r>
-              <a:rPr b="0" lang="fr-BE" sz="2000" spc="-1" strike="noStrike">
+              <a:rPr b="0" lang="fr-FR" sz="2000" spc="-1" strike="noStrike">
                 <a:latin typeface="Arial"/>
               </a:rPr>
-              <a:t>Fourth Outline Level</a:t>
+              <a:t>Quatrième niveau de plan</a:t>
             </a:r>
-            <a:endParaRPr b="0" lang="fr-BE" sz="2000" spc="-1" strike="noStrike">
+            <a:endParaRPr b="0" lang="fr-FR" sz="2000" spc="-1" strike="noStrike">
               <a:latin typeface="Arial"/>
             </a:endParaRPr>
           </a:p>
@@ -4651,12 +4691,12 @@
               <a:buChar char=""/>
             </a:pPr>
             <a:r>
-              <a:rPr b="0" lang="fr-BE" sz="2000" spc="-1" strike="noStrike">
+              <a:rPr b="0" lang="fr-FR" sz="2000" spc="-1" strike="noStrike">
                 <a:latin typeface="Arial"/>
               </a:rPr>
-              <a:t>Fifth Outline Level</a:t>
+              <a:t>Cinquième niveau de plan</a:t>
             </a:r>
-            <a:endParaRPr b="0" lang="fr-BE" sz="2000" spc="-1" strike="noStrike">
+            <a:endParaRPr b="0" lang="fr-FR" sz="2000" spc="-1" strike="noStrike">
               <a:latin typeface="Arial"/>
             </a:endParaRPr>
           </a:p>
@@ -4673,12 +4713,12 @@
               <a:buChar char=""/>
             </a:pPr>
             <a:r>
-              <a:rPr b="0" lang="fr-BE" sz="2000" spc="-1" strike="noStrike">
+              <a:rPr b="0" lang="fr-FR" sz="2000" spc="-1" strike="noStrike">
                 <a:latin typeface="Arial"/>
               </a:rPr>
-              <a:t>Sixth Outline Level</a:t>
+              <a:t>Sixième niveau de plan</a:t>
             </a:r>
-            <a:endParaRPr b="0" lang="fr-BE" sz="2000" spc="-1" strike="noStrike">
+            <a:endParaRPr b="0" lang="fr-FR" sz="2000" spc="-1" strike="noStrike">
               <a:latin typeface="Arial"/>
             </a:endParaRPr>
           </a:p>
@@ -4695,12 +4735,12 @@
               <a:buChar char=""/>
             </a:pPr>
             <a:r>
-              <a:rPr b="0" lang="fr-BE" sz="2000" spc="-1" strike="noStrike">
+              <a:rPr b="0" lang="fr-FR" sz="2000" spc="-1" strike="noStrike">
                 <a:latin typeface="Arial"/>
               </a:rPr>
-              <a:t>Seventh Outline Level</a:t>
+              <a:t>Septième niveau de plan</a:t>
             </a:r>
-            <a:endParaRPr b="0" lang="fr-BE" sz="2000" spc="-1" strike="noStrike">
+            <a:endParaRPr b="0" lang="fr-FR" sz="2000" spc="-1" strike="noStrike">
               <a:latin typeface="Arial"/>
             </a:endParaRPr>
           </a:p>
@@ -4752,7 +4792,7 @@
         <p:spPr>
           <a:xfrm>
             <a:off x="0" y="5400360"/>
-            <a:ext cx="10079280" cy="268560"/>
+            <a:ext cx="10078920" cy="268200"/>
           </a:xfrm>
           <a:prstGeom prst="rect">
             <a:avLst/>
@@ -4780,7 +4820,7 @@
         <p:spPr>
           <a:xfrm>
             <a:off x="0" y="0"/>
-            <a:ext cx="10079280" cy="1213560"/>
+            <a:ext cx="10078920" cy="1213200"/>
           </a:xfrm>
           <a:prstGeom prst="rect">
             <a:avLst/>
@@ -4808,7 +4848,7 @@
         <p:spPr>
           <a:xfrm>
             <a:off x="9270360" y="5171040"/>
-            <a:ext cx="538560" cy="403560"/>
+            <a:ext cx="538200" cy="403200"/>
           </a:xfrm>
           <a:prstGeom prst="ellipse">
             <a:avLst/>
@@ -4839,23 +4879,25 @@
         </p:nvSpPr>
         <p:spPr>
           <a:xfrm>
-            <a:off x="504000" y="225720"/>
-            <a:ext cx="9071640" cy="946800"/>
-          </a:xfrm>
-          <a:prstGeom prst="rect">
-            <a:avLst/>
-          </a:prstGeom>
-        </p:spPr>
-        <p:txBody>
-          <a:bodyPr lIns="0" rIns="0" tIns="0" bIns="0" anchor="ctr"/>
+            <a:off x="504000" y="226080"/>
+            <a:ext cx="9071640" cy="946080"/>
+          </a:xfrm>
+          <a:prstGeom prst="rect">
+            <a:avLst/>
+          </a:prstGeom>
+        </p:spPr>
+        <p:txBody>
+          <a:bodyPr lIns="0" rIns="0" tIns="0" bIns="0" anchor="ctr">
+            <a:noAutofit/>
+          </a:bodyPr>
           <a:p>
             <a:r>
-              <a:rPr b="0" lang="fr-BE" sz="1800" spc="-1" strike="noStrike">
+              <a:rPr b="0" lang="fr-FR" sz="1800" spc="-1" strike="noStrike">
                 <a:latin typeface="Arial"/>
               </a:rPr>
-              <a:t>Click to edit the title text format</a:t>
+              <a:t>Cliquez pour éditer le format du texte-titre</a:t>
             </a:r>
-            <a:endParaRPr b="0" lang="fr-BE" sz="1800" spc="-1" strike="noStrike">
+            <a:endParaRPr b="0" lang="fr-FR" sz="1800" spc="-1" strike="noStrike">
               <a:latin typeface="Arial"/>
             </a:endParaRPr>
           </a:p>
@@ -4882,7 +4924,7 @@
         </p:spPr>
         <p:txBody>
           <a:bodyPr lIns="0" rIns="0" tIns="0" bIns="0">
-            <a:normAutofit/>
+            <a:normAutofit fontScale="90000"/>
           </a:bodyPr>
           <a:p>
             <a:pPr marL="432000" indent="-324000">
@@ -4897,12 +4939,12 @@
               <a:buChar char=""/>
             </a:pPr>
             <a:r>
-              <a:rPr b="0" lang="fr-BE" sz="1800" spc="-1" strike="noStrike">
+              <a:rPr b="0" lang="fr-FR" sz="1800" spc="-1" strike="noStrike">
                 <a:latin typeface="Arial"/>
               </a:rPr>
-              <a:t>Click to edit the outline text format</a:t>
+              <a:t>Cliquez pour éditer le format du plan de texte</a:t>
             </a:r>
-            <a:endParaRPr b="0" lang="fr-BE" sz="1800" spc="-1" strike="noStrike">
+            <a:endParaRPr b="0" lang="fr-FR" sz="1800" spc="-1" strike="noStrike">
               <a:latin typeface="Arial"/>
             </a:endParaRPr>
           </a:p>
@@ -4919,12 +4961,12 @@
               <a:buChar char=""/>
             </a:pPr>
             <a:r>
-              <a:rPr b="0" lang="fr-BE" sz="1800" spc="-1" strike="noStrike">
+              <a:rPr b="0" lang="fr-FR" sz="1800" spc="-1" strike="noStrike">
                 <a:latin typeface="Arial"/>
               </a:rPr>
-              <a:t>Second Outline Level</a:t>
+              <a:t>Second niveau de plan</a:t>
             </a:r>
-            <a:endParaRPr b="0" lang="fr-BE" sz="1800" spc="-1" strike="noStrike">
+            <a:endParaRPr b="0" lang="fr-FR" sz="1800" spc="-1" strike="noStrike">
               <a:latin typeface="Arial"/>
             </a:endParaRPr>
           </a:p>
@@ -4941,12 +4983,12 @@
               <a:buChar char=""/>
             </a:pPr>
             <a:r>
-              <a:rPr b="0" lang="fr-BE" sz="1800" spc="-1" strike="noStrike">
+              <a:rPr b="0" lang="fr-FR" sz="1800" spc="-1" strike="noStrike">
                 <a:latin typeface="Arial"/>
               </a:rPr>
-              <a:t>Third Outline Level</a:t>
+              <a:t>Troisième niveau de plan</a:t>
             </a:r>
-            <a:endParaRPr b="0" lang="fr-BE" sz="1800" spc="-1" strike="noStrike">
+            <a:endParaRPr b="0" lang="fr-FR" sz="1800" spc="-1" strike="noStrike">
               <a:latin typeface="Arial"/>
             </a:endParaRPr>
           </a:p>
@@ -4963,12 +5005,12 @@
               <a:buChar char=""/>
             </a:pPr>
             <a:r>
-              <a:rPr b="0" lang="fr-BE" sz="1800" spc="-1" strike="noStrike">
+              <a:rPr b="0" lang="fr-FR" sz="1800" spc="-1" strike="noStrike">
                 <a:latin typeface="Arial"/>
               </a:rPr>
-              <a:t>Fourth Outline Level</a:t>
+              <a:t>Quatrième niveau de plan</a:t>
             </a:r>
-            <a:endParaRPr b="0" lang="fr-BE" sz="1800" spc="-1" strike="noStrike">
+            <a:endParaRPr b="0" lang="fr-FR" sz="1800" spc="-1" strike="noStrike">
               <a:latin typeface="Arial"/>
             </a:endParaRPr>
           </a:p>
@@ -4985,12 +5027,12 @@
               <a:buChar char=""/>
             </a:pPr>
             <a:r>
-              <a:rPr b="0" lang="fr-BE" sz="1800" spc="-1" strike="noStrike">
+              <a:rPr b="0" lang="fr-FR" sz="1800" spc="-1" strike="noStrike">
                 <a:latin typeface="Arial"/>
               </a:rPr>
-              <a:t>Fifth Outline Level</a:t>
+              <a:t>Cinquième niveau de plan</a:t>
             </a:r>
-            <a:endParaRPr b="0" lang="fr-BE" sz="1800" spc="-1" strike="noStrike">
+            <a:endParaRPr b="0" lang="fr-FR" sz="1800" spc="-1" strike="noStrike">
               <a:latin typeface="Arial"/>
             </a:endParaRPr>
           </a:p>
@@ -5007,12 +5049,12 @@
               <a:buChar char=""/>
             </a:pPr>
             <a:r>
-              <a:rPr b="0" lang="fr-BE" sz="1800" spc="-1" strike="noStrike">
+              <a:rPr b="0" lang="fr-FR" sz="1800" spc="-1" strike="noStrike">
                 <a:latin typeface="Arial"/>
               </a:rPr>
-              <a:t>Sixth Outline Level</a:t>
+              <a:t>Sixième niveau de plan</a:t>
             </a:r>
-            <a:endParaRPr b="0" lang="fr-BE" sz="1800" spc="-1" strike="noStrike">
+            <a:endParaRPr b="0" lang="fr-FR" sz="1800" spc="-1" strike="noStrike">
               <a:latin typeface="Arial"/>
             </a:endParaRPr>
           </a:p>
@@ -5029,12 +5071,12 @@
               <a:buChar char=""/>
             </a:pPr>
             <a:r>
-              <a:rPr b="0" lang="fr-BE" sz="1800" spc="-1" strike="noStrike">
+              <a:rPr b="0" lang="fr-FR" sz="1800" spc="-1" strike="noStrike">
                 <a:latin typeface="Arial"/>
               </a:rPr>
-              <a:t>Seventh Outline Level</a:t>
+              <a:t>Septième niveau de plan</a:t>
             </a:r>
-            <a:endParaRPr b="0" lang="fr-BE" sz="1800" spc="-1" strike="noStrike">
+            <a:endParaRPr b="0" lang="fr-FR" sz="1800" spc="-1" strike="noStrike">
               <a:latin typeface="Arial"/>
             </a:endParaRPr>
           </a:p>
@@ -5061,7 +5103,7 @@
         </p:spPr>
         <p:txBody>
           <a:bodyPr lIns="0" rIns="0" tIns="0" bIns="0">
-            <a:normAutofit/>
+            <a:normAutofit fontScale="90000"/>
           </a:bodyPr>
           <a:p>
             <a:pPr marL="432000" indent="-324000">
@@ -5076,12 +5118,12 @@
               <a:buChar char=""/>
             </a:pPr>
             <a:r>
-              <a:rPr b="0" lang="fr-BE" sz="1800" spc="-1" strike="noStrike">
+              <a:rPr b="0" lang="fr-FR" sz="1800" spc="-1" strike="noStrike">
                 <a:latin typeface="Arial"/>
               </a:rPr>
-              <a:t>Click to edit the outline text format</a:t>
+              <a:t>Cliquez pour éditer le format du plan de texte</a:t>
             </a:r>
-            <a:endParaRPr b="0" lang="fr-BE" sz="1800" spc="-1" strike="noStrike">
+            <a:endParaRPr b="0" lang="fr-FR" sz="1800" spc="-1" strike="noStrike">
               <a:latin typeface="Arial"/>
             </a:endParaRPr>
           </a:p>
@@ -5098,12 +5140,12 @@
               <a:buChar char=""/>
             </a:pPr>
             <a:r>
-              <a:rPr b="0" lang="fr-BE" sz="1800" spc="-1" strike="noStrike">
+              <a:rPr b="0" lang="fr-FR" sz="1800" spc="-1" strike="noStrike">
                 <a:latin typeface="Arial"/>
               </a:rPr>
-              <a:t>Second Outline Level</a:t>
+              <a:t>Second niveau de plan</a:t>
             </a:r>
-            <a:endParaRPr b="0" lang="fr-BE" sz="1800" spc="-1" strike="noStrike">
+            <a:endParaRPr b="0" lang="fr-FR" sz="1800" spc="-1" strike="noStrike">
               <a:latin typeface="Arial"/>
             </a:endParaRPr>
           </a:p>
@@ -5120,12 +5162,12 @@
               <a:buChar char=""/>
             </a:pPr>
             <a:r>
-              <a:rPr b="0" lang="fr-BE" sz="1800" spc="-1" strike="noStrike">
+              <a:rPr b="0" lang="fr-FR" sz="1800" spc="-1" strike="noStrike">
                 <a:latin typeface="Arial"/>
               </a:rPr>
-              <a:t>Third Outline Level</a:t>
+              <a:t>Troisième niveau de plan</a:t>
             </a:r>
-            <a:endParaRPr b="0" lang="fr-BE" sz="1800" spc="-1" strike="noStrike">
+            <a:endParaRPr b="0" lang="fr-FR" sz="1800" spc="-1" strike="noStrike">
               <a:latin typeface="Arial"/>
             </a:endParaRPr>
           </a:p>
@@ -5142,12 +5184,12 @@
               <a:buChar char=""/>
             </a:pPr>
             <a:r>
-              <a:rPr b="0" lang="fr-BE" sz="1800" spc="-1" strike="noStrike">
+              <a:rPr b="0" lang="fr-FR" sz="1800" spc="-1" strike="noStrike">
                 <a:latin typeface="Arial"/>
               </a:rPr>
-              <a:t>Fourth Outline Level</a:t>
+              <a:t>Quatrième niveau de plan</a:t>
             </a:r>
-            <a:endParaRPr b="0" lang="fr-BE" sz="1800" spc="-1" strike="noStrike">
+            <a:endParaRPr b="0" lang="fr-FR" sz="1800" spc="-1" strike="noStrike">
               <a:latin typeface="Arial"/>
             </a:endParaRPr>
           </a:p>
@@ -5164,12 +5206,12 @@
               <a:buChar char=""/>
             </a:pPr>
             <a:r>
-              <a:rPr b="0" lang="fr-BE" sz="1800" spc="-1" strike="noStrike">
+              <a:rPr b="0" lang="fr-FR" sz="1800" spc="-1" strike="noStrike">
                 <a:latin typeface="Arial"/>
               </a:rPr>
-              <a:t>Fifth Outline Level</a:t>
+              <a:t>Cinquième niveau de plan</a:t>
             </a:r>
-            <a:endParaRPr b="0" lang="fr-BE" sz="1800" spc="-1" strike="noStrike">
+            <a:endParaRPr b="0" lang="fr-FR" sz="1800" spc="-1" strike="noStrike">
               <a:latin typeface="Arial"/>
             </a:endParaRPr>
           </a:p>
@@ -5186,12 +5228,12 @@
               <a:buChar char=""/>
             </a:pPr>
             <a:r>
-              <a:rPr b="0" lang="fr-BE" sz="1800" spc="-1" strike="noStrike">
+              <a:rPr b="0" lang="fr-FR" sz="1800" spc="-1" strike="noStrike">
                 <a:latin typeface="Arial"/>
               </a:rPr>
-              <a:t>Sixth Outline Level</a:t>
+              <a:t>Sixième niveau de plan</a:t>
             </a:r>
-            <a:endParaRPr b="0" lang="fr-BE" sz="1800" spc="-1" strike="noStrike">
+            <a:endParaRPr b="0" lang="fr-FR" sz="1800" spc="-1" strike="noStrike">
               <a:latin typeface="Arial"/>
             </a:endParaRPr>
           </a:p>
@@ -5208,12 +5250,12 @@
               <a:buChar char=""/>
             </a:pPr>
             <a:r>
-              <a:rPr b="0" lang="fr-BE" sz="1800" spc="-1" strike="noStrike">
+              <a:rPr b="0" lang="fr-FR" sz="1800" spc="-1" strike="noStrike">
                 <a:latin typeface="Arial"/>
               </a:rPr>
-              <a:t>Seventh Outline Level</a:t>
+              <a:t>Septième niveau de plan</a:t>
             </a:r>
-            <a:endParaRPr b="0" lang="fr-BE" sz="1800" spc="-1" strike="noStrike">
+            <a:endParaRPr b="0" lang="fr-FR" sz="1800" spc="-1" strike="noStrike">
               <a:latin typeface="Arial"/>
             </a:endParaRPr>
           </a:p>
@@ -5265,7 +5307,7 @@
         <p:spPr>
           <a:xfrm>
             <a:off x="360000" y="1405080"/>
-            <a:ext cx="9359280" cy="974520"/>
+            <a:ext cx="9358920" cy="974160"/>
           </a:xfrm>
           <a:prstGeom prst="rect">
             <a:avLst/>
@@ -5282,7 +5324,9 @@
           <a:fontRef idx="minor"/>
         </p:style>
         <p:txBody>
-          <a:bodyPr lIns="0" rIns="0" tIns="0" bIns="0" anchor="ctr"/>
+          <a:bodyPr lIns="0" rIns="0" tIns="0" bIns="0" anchor="ctr">
+            <a:noAutofit/>
+          </a:bodyPr>
           <a:p>
             <a:pPr algn="ctr">
               <a:lnSpc>
@@ -5290,7 +5334,7 @@
               </a:lnSpc>
             </a:pPr>
             <a:r>
-              <a:rPr b="0" lang="fr-BE" sz="3200" spc="-1" strike="noStrike">
+              <a:rPr b="0" lang="fr-FR" sz="3200" spc="-1" strike="noStrike">
                 <a:solidFill>
                   <a:srgbClr val="2c3e50"/>
                 </a:solidFill>
@@ -5299,7 +5343,7 @@
               </a:rPr>
               <a:t>Modélisation et simulation de la propagation d’une épidémie</a:t>
             </a:r>
-            <a:endParaRPr b="0" lang="fr-BE" sz="3200" spc="-1" strike="noStrike">
+            <a:endParaRPr b="0" lang="fr-FR" sz="3200" spc="-1" strike="noStrike">
               <a:latin typeface="Arial"/>
             </a:endParaRPr>
           </a:p>
@@ -5307,33 +5351,14 @@
       </p:sp>
     </p:spTree>
   </p:cSld>
-  <p:timing>
-    <p:tnLst>
-      <p:par>
-        <p:cTn id="1" dur="indefinite" restart="never" nodeType="tmRoot">
-          <p:childTnLst>
-            <p:seq>
-              <p:cTn id="2" dur="indefinite" nodeType="mainSeq"/>
-              <p:prevCondLst>
-                <p:cond delay="0" evt="onPrev">
-                  <p:tgtEl>
-                    <p:sldTgt/>
-                  </p:tgtEl>
-                </p:cond>
-              </p:prevCondLst>
-              <p:nextCondLst>
-                <p:cond delay="0" evt="onNext">
-                  <p:tgtEl>
-                    <p:sldTgt/>
-                  </p:tgtEl>
-                </p:cond>
-              </p:nextCondLst>
-            </p:seq>
-          </p:childTnLst>
-        </p:cTn>
-      </p:par>
-    </p:tnLst>
-  </p:timing>
+  <mc:AlternateContent>
+    <mc:Choice Requires="p14">
+      <p:transition spd="slow" p14:dur="2000"/>
+    </mc:Choice>
+    <mc:Fallback>
+      <p:transition spd="slow"/>
+    </mc:Fallback>
+  </mc:AlternateContent>
 </p:sld>
 </file>
 
@@ -5356,14 +5381,14 @@
       </p:grpSpPr>
       <p:sp>
         <p:nvSpPr>
-          <p:cNvPr id="147" name="CustomShape 1"/>
+          <p:cNvPr id="152" name="CustomShape 1"/>
           <p:cNvSpPr/>
           <p:nvPr/>
         </p:nvSpPr>
         <p:spPr>
           <a:xfrm>
             <a:off x="360000" y="226080"/>
-            <a:ext cx="9359280" cy="717480"/>
+            <a:ext cx="9358920" cy="717120"/>
           </a:xfrm>
           <a:prstGeom prst="rect">
             <a:avLst/>
@@ -5382,14 +5407,14 @@
       </p:sp>
       <p:sp>
         <p:nvSpPr>
-          <p:cNvPr id="148" name="CustomShape 2"/>
+          <p:cNvPr id="153" name="CustomShape 2"/>
           <p:cNvSpPr/>
           <p:nvPr/>
         </p:nvSpPr>
         <p:spPr>
           <a:xfrm>
             <a:off x="360000" y="1485000"/>
-            <a:ext cx="9359280" cy="3778920"/>
+            <a:ext cx="9358920" cy="3778560"/>
           </a:xfrm>
           <a:prstGeom prst="rect">
             <a:avLst/>
@@ -5408,14 +5433,14 @@
       </p:sp>
       <p:sp>
         <p:nvSpPr>
-          <p:cNvPr id="149" name="CustomShape 3"/>
+          <p:cNvPr id="154" name="CustomShape 3"/>
           <p:cNvSpPr/>
           <p:nvPr/>
         </p:nvSpPr>
         <p:spPr>
           <a:xfrm>
             <a:off x="360000" y="226440"/>
-            <a:ext cx="9359280" cy="717480"/>
+            <a:ext cx="9358920" cy="717120"/>
           </a:xfrm>
           <a:prstGeom prst="rect">
             <a:avLst/>
@@ -5432,7 +5457,9 @@
           <a:fontRef idx="minor"/>
         </p:style>
         <p:txBody>
-          <a:bodyPr lIns="0" rIns="0" tIns="0" bIns="0" anchor="ctr"/>
+          <a:bodyPr lIns="0" rIns="0" tIns="0" bIns="0" anchor="ctr">
+            <a:noAutofit/>
+          </a:bodyPr>
           <a:p>
             <a:pPr>
               <a:lnSpc>
@@ -5440,7 +5467,7 @@
               </a:lnSpc>
             </a:pPr>
             <a:r>
-              <a:rPr b="1" lang="fr-BE" sz="2700" spc="-1" strike="noStrike">
+              <a:rPr b="1" lang="fr-FR" sz="2700" spc="-1" strike="noStrike">
                 <a:solidFill>
                   <a:srgbClr val="ffffff"/>
                 </a:solidFill>
@@ -5449,22 +5476,22 @@
               </a:rPr>
               <a:t>Exemple de modèle spatial (en utilisant une carte)</a:t>
             </a:r>
-            <a:endParaRPr b="0" lang="fr-BE" sz="2700" spc="-1" strike="noStrike">
-              <a:latin typeface="Arial"/>
-            </a:endParaRPr>
-          </a:p>
-        </p:txBody>
-      </p:sp>
-      <p:sp>
-        <p:nvSpPr>
-          <p:cNvPr id="150" name="CustomShape 4"/>
+            <a:endParaRPr b="0" lang="fr-FR" sz="2700" spc="-1" strike="noStrike">
+              <a:latin typeface="Arial"/>
+            </a:endParaRPr>
+          </a:p>
+        </p:txBody>
+      </p:sp>
+      <p:sp>
+        <p:nvSpPr>
+          <p:cNvPr id="155" name="CustomShape 4"/>
           <p:cNvSpPr/>
           <p:nvPr/>
         </p:nvSpPr>
         <p:spPr>
           <a:xfrm>
             <a:off x="360000" y="1485360"/>
-            <a:ext cx="9359280" cy="3778920"/>
+            <a:ext cx="9358920" cy="3778560"/>
           </a:xfrm>
           <a:prstGeom prst="rect">
             <a:avLst/>
@@ -5485,7 +5512,7 @@
             <a:normAutofit/>
           </a:bodyPr>
           <a:p>
-            <a:pPr marL="432000" indent="-322560">
+            <a:pPr marL="432000" indent="-322200">
               <a:lnSpc>
                 <a:spcPct val="100000"/>
               </a:lnSpc>
@@ -5500,7 +5527,7 @@
               <a:buChar char=""/>
             </a:pPr>
             <a:r>
-              <a:rPr b="1" lang="fr-BE" sz="2400" spc="-1" strike="noStrike">
+              <a:rPr b="1" lang="fr-FR" sz="2400" spc="-1" strike="noStrike">
                 <a:solidFill>
                   <a:srgbClr val="2c3e50"/>
                 </a:solidFill>
@@ -5509,7 +5536,7 @@
               </a:rPr>
               <a:t>Idéalement, un tel modèle tient compte de la densité de la population et du mouvement des individus</a:t>
             </a:r>
-            <a:endParaRPr b="0" lang="fr-BE" sz="2400" spc="-1" strike="noStrike">
+            <a:endParaRPr b="0" lang="fr-FR" sz="2400" spc="-1" strike="noStrike">
               <a:latin typeface="Arial"/>
             </a:endParaRPr>
           </a:p>
@@ -5517,7 +5544,7 @@
       </p:sp>
       <p:pic>
         <p:nvPicPr>
-          <p:cNvPr id="151" name="" descr=""/>
+          <p:cNvPr id="156" name="" descr=""/>
           <p:cNvPicPr/>
           <p:nvPr/>
         </p:nvPicPr>
@@ -5528,7 +5555,7 @@
         <p:spPr>
           <a:xfrm>
             <a:off x="2328480" y="2520000"/>
-            <a:ext cx="5519520" cy="2840400"/>
+            <a:ext cx="5519160" cy="2840040"/>
           </a:xfrm>
           <a:prstGeom prst="rect">
             <a:avLst/>
@@ -5540,33 +5567,14 @@
       </p:pic>
     </p:spTree>
   </p:cSld>
-  <p:timing>
-    <p:tnLst>
-      <p:par>
-        <p:cTn id="19" dur="indefinite" restart="never" nodeType="tmRoot">
-          <p:childTnLst>
-            <p:seq>
-              <p:cTn id="20" dur="indefinite" nodeType="mainSeq"/>
-              <p:prevCondLst>
-                <p:cond delay="0" evt="onPrev">
-                  <p:tgtEl>
-                    <p:sldTgt/>
-                  </p:tgtEl>
-                </p:cond>
-              </p:prevCondLst>
-              <p:nextCondLst>
-                <p:cond delay="0" evt="onNext">
-                  <p:tgtEl>
-                    <p:sldTgt/>
-                  </p:tgtEl>
-                </p:cond>
-              </p:nextCondLst>
-            </p:seq>
-          </p:childTnLst>
-        </p:cTn>
-      </p:par>
-    </p:tnLst>
-  </p:timing>
+  <mc:AlternateContent>
+    <mc:Choice Requires="p14">
+      <p:transition spd="slow" p14:dur="2000"/>
+    </mc:Choice>
+    <mc:Fallback>
+      <p:transition spd="slow"/>
+    </mc:Fallback>
+  </mc:AlternateContent>
 </p:sld>
 </file>
 
@@ -5589,14 +5597,14 @@
       </p:grpSpPr>
       <p:sp>
         <p:nvSpPr>
-          <p:cNvPr id="152" name="CustomShape 1"/>
+          <p:cNvPr id="157" name="CustomShape 1"/>
           <p:cNvSpPr/>
           <p:nvPr/>
         </p:nvSpPr>
         <p:spPr>
           <a:xfrm>
             <a:off x="360000" y="226080"/>
-            <a:ext cx="9359280" cy="717480"/>
+            <a:ext cx="9358920" cy="717120"/>
           </a:xfrm>
           <a:prstGeom prst="rect">
             <a:avLst/>
@@ -5615,14 +5623,14 @@
       </p:sp>
       <p:sp>
         <p:nvSpPr>
-          <p:cNvPr id="153" name="CustomShape 2"/>
+          <p:cNvPr id="158" name="CustomShape 2"/>
           <p:cNvSpPr/>
           <p:nvPr/>
         </p:nvSpPr>
         <p:spPr>
           <a:xfrm>
             <a:off x="360000" y="1485000"/>
-            <a:ext cx="9359280" cy="3778920"/>
+            <a:ext cx="9358920" cy="3778560"/>
           </a:xfrm>
           <a:prstGeom prst="rect">
             <a:avLst/>
@@ -5641,33 +5649,14 @@
       </p:sp>
     </p:spTree>
   </p:cSld>
-  <p:timing>
-    <p:tnLst>
-      <p:par>
-        <p:cTn id="21" dur="indefinite" restart="never" nodeType="tmRoot">
-          <p:childTnLst>
-            <p:seq>
-              <p:cTn id="22" dur="indefinite" nodeType="mainSeq"/>
-              <p:prevCondLst>
-                <p:cond delay="0" evt="onPrev">
-                  <p:tgtEl>
-                    <p:sldTgt/>
-                  </p:tgtEl>
-                </p:cond>
-              </p:prevCondLst>
-              <p:nextCondLst>
-                <p:cond delay="0" evt="onNext">
-                  <p:tgtEl>
-                    <p:sldTgt/>
-                  </p:tgtEl>
-                </p:cond>
-              </p:nextCondLst>
-            </p:seq>
-          </p:childTnLst>
-        </p:cTn>
-      </p:par>
-    </p:tnLst>
-  </p:timing>
+  <mc:AlternateContent>
+    <mc:Choice Requires="p14">
+      <p:transition spd="slow" p14:dur="2000"/>
+    </mc:Choice>
+    <mc:Fallback>
+      <p:transition spd="slow"/>
+    </mc:Fallback>
+  </mc:AlternateContent>
 </p:sld>
 </file>
 
@@ -5697,7 +5686,7 @@
         <p:spPr>
           <a:xfrm>
             <a:off x="360000" y="226080"/>
-            <a:ext cx="9359280" cy="717480"/>
+            <a:ext cx="9358920" cy="717120"/>
           </a:xfrm>
           <a:prstGeom prst="rect">
             <a:avLst/>
@@ -5714,7 +5703,9 @@
           <a:fontRef idx="minor"/>
         </p:style>
         <p:txBody>
-          <a:bodyPr lIns="0" rIns="0" tIns="0" bIns="0" anchor="ctr"/>
+          <a:bodyPr lIns="0" rIns="0" tIns="0" bIns="0" anchor="ctr">
+            <a:noAutofit/>
+          </a:bodyPr>
           <a:p>
             <a:pPr>
               <a:lnSpc>
@@ -5722,7 +5713,7 @@
               </a:lnSpc>
             </a:pPr>
             <a:r>
-              <a:rPr b="1" lang="fr-BE" sz="2700" spc="-1" strike="noStrike">
+              <a:rPr b="1" lang="fr-FR" sz="2700" spc="-1" strike="noStrike">
                 <a:solidFill>
                   <a:srgbClr val="ffffff"/>
                 </a:solidFill>
@@ -5731,7 +5722,7 @@
               </a:rPr>
               <a:t>But de la modélisation</a:t>
             </a:r>
-            <a:endParaRPr b="0" lang="fr-BE" sz="2700" spc="-1" strike="noStrike">
+            <a:endParaRPr b="0" lang="fr-FR" sz="2700" spc="-1" strike="noStrike">
               <a:latin typeface="Arial"/>
             </a:endParaRPr>
           </a:p>
@@ -5746,7 +5737,7 @@
         <p:spPr>
           <a:xfrm>
             <a:off x="360000" y="1485000"/>
-            <a:ext cx="9359280" cy="3778920"/>
+            <a:ext cx="9358920" cy="3778560"/>
           </a:xfrm>
           <a:prstGeom prst="rect">
             <a:avLst/>
@@ -5767,7 +5758,7 @@
             <a:normAutofit/>
           </a:bodyPr>
           <a:p>
-            <a:pPr marL="432000" indent="-322560">
+            <a:pPr marL="432000" indent="-322200">
               <a:lnSpc>
                 <a:spcPct val="100000"/>
               </a:lnSpc>
@@ -5782,7 +5773,7 @@
               <a:buChar char=""/>
             </a:pPr>
             <a:r>
-              <a:rPr b="1" lang="fr-BE" sz="2400" spc="-1" strike="noStrike">
+              <a:rPr b="1" lang="fr-FR" sz="2400" spc="-1" strike="noStrike">
                 <a:solidFill>
                   <a:srgbClr val="2c3e50"/>
                 </a:solidFill>
@@ -5791,12 +5782,12 @@
               </a:rPr>
               <a:t>Comprendre la propagation d’une épidémie</a:t>
             </a:r>
-            <a:endParaRPr b="0" lang="fr-BE" sz="2400" spc="-1" strike="noStrike">
-              <a:latin typeface="Arial"/>
-            </a:endParaRPr>
-          </a:p>
-          <a:p>
-            <a:pPr marL="432000" indent="-322560">
+            <a:endParaRPr b="0" lang="fr-FR" sz="2400" spc="-1" strike="noStrike">
+              <a:latin typeface="Arial"/>
+            </a:endParaRPr>
+          </a:p>
+          <a:p>
+            <a:pPr marL="432000" indent="-322200">
               <a:lnSpc>
                 <a:spcPct val="100000"/>
               </a:lnSpc>
@@ -5811,7 +5802,7 @@
               <a:buChar char=""/>
             </a:pPr>
             <a:r>
-              <a:rPr b="1" lang="fr-BE" sz="2400" spc="-1" strike="noStrike">
+              <a:rPr b="1" lang="fr-FR" sz="2400" spc="-1" strike="noStrike">
                 <a:solidFill>
                   <a:srgbClr val="2c3e50"/>
                 </a:solidFill>
@@ -5820,7 +5811,7 @@
               </a:rPr>
               <a:t>Prendre les meilleurs décisions en fonction des résultats des simulations </a:t>
             </a:r>
-            <a:endParaRPr b="0" lang="fr-BE" sz="2400" spc="-1" strike="noStrike">
+            <a:endParaRPr b="0" lang="fr-FR" sz="2400" spc="-1" strike="noStrike">
               <a:latin typeface="Arial"/>
             </a:endParaRPr>
           </a:p>
@@ -5828,33 +5819,14 @@
       </p:sp>
     </p:spTree>
   </p:cSld>
-  <p:timing>
-    <p:tnLst>
-      <p:par>
-        <p:cTn id="3" dur="indefinite" restart="never" nodeType="tmRoot">
-          <p:childTnLst>
-            <p:seq>
-              <p:cTn id="4" dur="indefinite" nodeType="mainSeq"/>
-              <p:prevCondLst>
-                <p:cond delay="0" evt="onPrev">
-                  <p:tgtEl>
-                    <p:sldTgt/>
-                  </p:tgtEl>
-                </p:cond>
-              </p:prevCondLst>
-              <p:nextCondLst>
-                <p:cond delay="0" evt="onNext">
-                  <p:tgtEl>
-                    <p:sldTgt/>
-                  </p:tgtEl>
-                </p:cond>
-              </p:nextCondLst>
-            </p:seq>
-          </p:childTnLst>
-        </p:cTn>
-      </p:par>
-    </p:tnLst>
-  </p:timing>
+  <mc:AlternateContent>
+    <mc:Choice Requires="p14">
+      <p:transition spd="slow" p14:dur="2000"/>
+    </mc:Choice>
+    <mc:Fallback>
+      <p:transition spd="slow"/>
+    </mc:Fallback>
+  </mc:AlternateContent>
 </p:sld>
 </file>
 
@@ -5884,7 +5856,7 @@
         <p:spPr>
           <a:xfrm>
             <a:off x="360000" y="226080"/>
-            <a:ext cx="9359280" cy="717480"/>
+            <a:ext cx="9358920" cy="717120"/>
           </a:xfrm>
           <a:prstGeom prst="rect">
             <a:avLst/>
@@ -5901,7 +5873,9 @@
           <a:fontRef idx="minor"/>
         </p:style>
         <p:txBody>
-          <a:bodyPr lIns="0" rIns="0" tIns="0" bIns="0" anchor="ctr"/>
+          <a:bodyPr lIns="0" rIns="0" tIns="0" bIns="0" anchor="ctr">
+            <a:noAutofit/>
+          </a:bodyPr>
           <a:p>
             <a:pPr>
               <a:lnSpc>
@@ -5909,7 +5883,7 @@
               </a:lnSpc>
             </a:pPr>
             <a:r>
-              <a:rPr b="1" lang="fr-BE" sz="2700" spc="-1" strike="noStrike">
+              <a:rPr b="1" lang="fr-FR" sz="2700" spc="-1" strike="noStrike">
                 <a:solidFill>
                   <a:srgbClr val="ffffff"/>
                 </a:solidFill>
@@ -5918,7 +5892,7 @@
               </a:rPr>
               <a:t>Modèles approximatifs</a:t>
             </a:r>
-            <a:endParaRPr b="0" lang="fr-BE" sz="2700" spc="-1" strike="noStrike">
+            <a:endParaRPr b="0" lang="fr-FR" sz="2700" spc="-1" strike="noStrike">
               <a:latin typeface="Arial"/>
             </a:endParaRPr>
           </a:p>
@@ -5933,7 +5907,7 @@
         <p:spPr>
           <a:xfrm>
             <a:off x="360000" y="1485000"/>
-            <a:ext cx="9359280" cy="3778920"/>
+            <a:ext cx="9358920" cy="3778560"/>
           </a:xfrm>
           <a:prstGeom prst="rect">
             <a:avLst/>
@@ -5954,7 +5928,7 @@
             <a:normAutofit/>
           </a:bodyPr>
           <a:p>
-            <a:pPr marL="432000" indent="-322560">
+            <a:pPr marL="432000" indent="-322200">
               <a:lnSpc>
                 <a:spcPct val="100000"/>
               </a:lnSpc>
@@ -5969,7 +5943,7 @@
               <a:buChar char=""/>
             </a:pPr>
             <a:r>
-              <a:rPr b="1" lang="fr-BE" sz="2400" spc="-1" strike="noStrike">
+              <a:rPr b="1" lang="fr-FR" sz="2400" spc="-1" strike="noStrike">
                 <a:solidFill>
                   <a:srgbClr val="2c3e50"/>
                 </a:solidFill>
@@ -5978,12 +5952,12 @@
               </a:rPr>
               <a:t>Tous les modèles représentent une approximation de la réalité, donc ne fournissent pas les même résultat</a:t>
             </a:r>
-            <a:endParaRPr b="0" lang="fr-BE" sz="2400" spc="-1" strike="noStrike">
-              <a:latin typeface="Arial"/>
-            </a:endParaRPr>
-          </a:p>
-          <a:p>
-            <a:pPr marL="432000" indent="-322560">
+            <a:endParaRPr b="0" lang="fr-FR" sz="2400" spc="-1" strike="noStrike">
+              <a:latin typeface="Arial"/>
+            </a:endParaRPr>
+          </a:p>
+          <a:p>
+            <a:pPr marL="432000" indent="-322200">
               <a:lnSpc>
                 <a:spcPct val="100000"/>
               </a:lnSpc>
@@ -5998,7 +5972,7 @@
               <a:buChar char=""/>
             </a:pPr>
             <a:r>
-              <a:rPr b="1" lang="fr-BE" sz="2400" spc="-1" strike="noStrike">
+              <a:rPr b="1" lang="fr-FR" sz="2400" spc="-1" strike="noStrike">
                 <a:solidFill>
                   <a:srgbClr val="2c3e50"/>
                 </a:solidFill>
@@ -6007,7 +5981,7 @@
               </a:rPr>
               <a:t>Idéalement, le modèle parfait devrait prendre en compte tout l’univers</a:t>
             </a:r>
-            <a:endParaRPr b="0" lang="fr-BE" sz="2400" spc="-1" strike="noStrike">
+            <a:endParaRPr b="0" lang="fr-FR" sz="2400" spc="-1" strike="noStrike">
               <a:latin typeface="Arial"/>
             </a:endParaRPr>
           </a:p>
@@ -6015,33 +5989,14 @@
       </p:sp>
     </p:spTree>
   </p:cSld>
-  <p:timing>
-    <p:tnLst>
-      <p:par>
-        <p:cTn id="5" dur="indefinite" restart="never" nodeType="tmRoot">
-          <p:childTnLst>
-            <p:seq>
-              <p:cTn id="6" dur="indefinite" nodeType="mainSeq"/>
-              <p:prevCondLst>
-                <p:cond delay="0" evt="onPrev">
-                  <p:tgtEl>
-                    <p:sldTgt/>
-                  </p:tgtEl>
-                </p:cond>
-              </p:prevCondLst>
-              <p:nextCondLst>
-                <p:cond delay="0" evt="onNext">
-                  <p:tgtEl>
-                    <p:sldTgt/>
-                  </p:tgtEl>
-                </p:cond>
-              </p:nextCondLst>
-            </p:seq>
-          </p:childTnLst>
-        </p:cTn>
-      </p:par>
-    </p:tnLst>
-  </p:timing>
+  <mc:AlternateContent>
+    <mc:Choice Requires="p14">
+      <p:transition spd="slow" p14:dur="2000"/>
+    </mc:Choice>
+    <mc:Fallback>
+      <p:transition spd="slow"/>
+    </mc:Fallback>
+  </mc:AlternateContent>
 </p:sld>
 </file>
 
@@ -6071,7 +6026,7 @@
         <p:spPr>
           <a:xfrm>
             <a:off x="360000" y="226080"/>
-            <a:ext cx="9359280" cy="717480"/>
+            <a:ext cx="9358920" cy="717120"/>
           </a:xfrm>
           <a:prstGeom prst="rect">
             <a:avLst/>
@@ -6088,7 +6043,9 @@
           <a:fontRef idx="minor"/>
         </p:style>
         <p:txBody>
-          <a:bodyPr lIns="0" rIns="0" tIns="0" bIns="0" anchor="ctr"/>
+          <a:bodyPr lIns="0" rIns="0" tIns="0" bIns="0" anchor="ctr">
+            <a:noAutofit/>
+          </a:bodyPr>
           <a:p>
             <a:pPr>
               <a:lnSpc>
@@ -6096,7 +6053,7 @@
               </a:lnSpc>
             </a:pPr>
             <a:r>
-              <a:rPr b="1" lang="fr-BE" sz="2700" spc="-1" strike="noStrike">
+              <a:rPr b="1" lang="fr-FR" sz="2700" spc="-1" strike="noStrike">
                 <a:solidFill>
                   <a:srgbClr val="ffffff"/>
                 </a:solidFill>
@@ -6105,7 +6062,7 @@
               </a:rPr>
               <a:t>Différences entre modélisation et simulation</a:t>
             </a:r>
-            <a:endParaRPr b="0" lang="fr-BE" sz="2700" spc="-1" strike="noStrike">
+            <a:endParaRPr b="0" lang="fr-FR" sz="2700" spc="-1" strike="noStrike">
               <a:latin typeface="Arial"/>
             </a:endParaRPr>
           </a:p>
@@ -6119,8 +6076,8 @@
         </p:nvSpPr>
         <p:spPr>
           <a:xfrm>
-            <a:off x="360000" y="1485000"/>
-            <a:ext cx="4566240" cy="3778920"/>
+            <a:off x="360000" y="2088000"/>
+            <a:ext cx="4565880" cy="3175560"/>
           </a:xfrm>
           <a:prstGeom prst="rect">
             <a:avLst/>
@@ -6141,7 +6098,7 @@
             <a:normAutofit/>
           </a:bodyPr>
           <a:p>
-            <a:pPr marL="432000" indent="-322560">
+            <a:pPr marL="432000" indent="-322200">
               <a:lnSpc>
                 <a:spcPct val="100000"/>
               </a:lnSpc>
@@ -6156,21 +6113,21 @@
               <a:buChar char=""/>
             </a:pPr>
             <a:r>
-              <a:rPr b="1" lang="fr-BE" sz="2400" spc="-1" strike="noStrike">
+              <a:rPr b="1" lang="fr-FR" sz="2400" spc="-1" strike="noStrike">
                 <a:solidFill>
                   <a:srgbClr val="2c3e50"/>
                 </a:solidFill>
                 <a:latin typeface="Source Sans Pro Semibold"/>
                 <a:ea typeface="DejaVu Sans"/>
               </a:rPr>
-              <a:t>Modélisation</a:t>
+              <a:t>Représentation mathématique d’un problème</a:t>
             </a:r>
-            <a:endParaRPr b="0" lang="fr-BE" sz="2400" spc="-1" strike="noStrike">
-              <a:latin typeface="Arial"/>
-            </a:endParaRPr>
-          </a:p>
-          <a:p>
-            <a:pPr marL="432000" indent="-322560">
+            <a:endParaRPr b="0" lang="fr-FR" sz="2400" spc="-1" strike="noStrike">
+              <a:latin typeface="Arial"/>
+            </a:endParaRPr>
+          </a:p>
+          <a:p>
+            <a:pPr marL="432000" indent="-322200">
               <a:lnSpc>
                 <a:spcPct val="100000"/>
               </a:lnSpc>
@@ -6185,21 +6142,71 @@
               <a:buChar char=""/>
             </a:pPr>
             <a:r>
-              <a:rPr b="1" lang="fr-BE" sz="2400" spc="-1" strike="noStrike">
+              <a:rPr b="1" lang="fr-FR" sz="2400" spc="-1" strike="noStrike">
                 <a:solidFill>
                   <a:srgbClr val="2c3e50"/>
                 </a:solidFill>
                 <a:latin typeface="Source Sans Pro Semibold"/>
                 <a:ea typeface="DejaVu Sans"/>
               </a:rPr>
-              <a:t>Représentation mathématique d’un problème</a:t>
+              <a:t>Exemple: Une pièce à 50% de chance de tomber sur pile, et 50% de chance de tomber sur face</a:t>
             </a:r>
-            <a:endParaRPr b="0" lang="fr-BE" sz="2400" spc="-1" strike="noStrike">
-              <a:latin typeface="Arial"/>
-            </a:endParaRPr>
-          </a:p>
-          <a:p>
-            <a:pPr marL="432000" indent="-322560">
+            <a:endParaRPr b="0" lang="fr-FR" sz="2400" spc="-1" strike="noStrike">
+              <a:latin typeface="Arial"/>
+            </a:endParaRPr>
+          </a:p>
+        </p:txBody>
+      </p:sp>
+      <p:sp>
+        <p:nvSpPr>
+          <p:cNvPr id="131" name="CustomShape 3"/>
+          <p:cNvSpPr/>
+          <p:nvPr/>
+        </p:nvSpPr>
+        <p:spPr>
+          <a:xfrm>
+            <a:off x="5156280" y="2088000"/>
+            <a:ext cx="4565880" cy="3175560"/>
+          </a:xfrm>
+          <a:prstGeom prst="rect">
+            <a:avLst/>
+          </a:prstGeom>
+          <a:noFill/>
+          <a:ln>
+            <a:noFill/>
+          </a:ln>
+        </p:spPr>
+        <p:style>
+          <a:lnRef idx="0"/>
+          <a:fillRef idx="0"/>
+          <a:effectRef idx="0"/>
+          <a:fontRef idx="minor"/>
+        </p:style>
+        <p:txBody>
+          <a:bodyPr lIns="0" rIns="0" tIns="0" bIns="0">
+            <a:normAutofit/>
+          </a:bodyPr>
+          <a:p>
+            <a:pPr marL="432000" indent="-322200">
+              <a:lnSpc>
+                <a:spcPct val="100000"/>
+              </a:lnSpc>
+              <a:spcAft>
+                <a:spcPts val="1057"/>
+              </a:spcAft>
+              <a:buClr>
+                <a:srgbClr val="2c3e50"/>
+              </a:buClr>
+              <a:buSzPct val="45000"/>
+              <a:buFont typeface="Wingdings" charset="2"/>
+              <a:buChar char=""/>
+            </a:pPr>
+            <a:endParaRPr b="0" lang="fr-FR" sz="1800" spc="-1" strike="noStrike">
+              <a:latin typeface="Arial"/>
+            </a:endParaRPr>
+          </a:p>
+          <a:p>
+            <a:pPr marL="432000" indent="-322200">
               <a:lnSpc>
                 <a:spcPct val="100000"/>
               </a:lnSpc>
@@ -6214,52 +6221,21 @@
               <a:buChar char=""/>
             </a:pPr>
             <a:r>
-              <a:rPr b="1" lang="fr-BE" sz="2400" spc="-1" strike="noStrike">
+              <a:rPr b="1" lang="fr-FR" sz="2400" spc="-1" strike="noStrike">
                 <a:solidFill>
                   <a:srgbClr val="2c3e50"/>
                 </a:solidFill>
                 <a:latin typeface="Source Sans Pro Semibold"/>
                 <a:ea typeface="DejaVu Sans"/>
               </a:rPr>
-              <a:t>Exemple: Une pièce à 50% de chance de tomber sur pile, et 50% de chance de tomber sur face</a:t>
+              <a:t>Programme informatique qui fait fonctionner notre modèle</a:t>
             </a:r>
-            <a:endParaRPr b="0" lang="fr-BE" sz="2400" spc="-1" strike="noStrike">
-              <a:latin typeface="Arial"/>
-            </a:endParaRPr>
-          </a:p>
-        </p:txBody>
-      </p:sp>
-      <p:sp>
-        <p:nvSpPr>
-          <p:cNvPr id="131" name="CustomShape 3"/>
-          <p:cNvSpPr/>
-          <p:nvPr/>
-        </p:nvSpPr>
-        <p:spPr>
-          <a:xfrm>
-            <a:off x="5156280" y="1485000"/>
-            <a:ext cx="4566240" cy="3778920"/>
-          </a:xfrm>
-          <a:prstGeom prst="rect">
-            <a:avLst/>
-          </a:prstGeom>
-          <a:noFill/>
-          <a:ln>
-            <a:noFill/>
-          </a:ln>
-        </p:spPr>
-        <p:style>
-          <a:lnRef idx="0"/>
-          <a:fillRef idx="0"/>
-          <a:effectRef idx="0"/>
-          <a:fontRef idx="minor"/>
-        </p:style>
-        <p:txBody>
-          <a:bodyPr lIns="0" rIns="0" tIns="0" bIns="0">
-            <a:normAutofit/>
-          </a:bodyPr>
-          <a:p>
-            <a:pPr marL="432000" indent="-322560">
+            <a:endParaRPr b="0" lang="fr-FR" sz="2400" spc="-1" strike="noStrike">
+              <a:latin typeface="Arial"/>
+            </a:endParaRPr>
+          </a:p>
+          <a:p>
+            <a:pPr marL="432000" indent="-322200">
               <a:lnSpc>
                 <a:spcPct val="100000"/>
               </a:lnSpc>
@@ -6274,65 +6250,7 @@
               <a:buChar char=""/>
             </a:pPr>
             <a:r>
-              <a:rPr b="1" lang="fr-BE" sz="2400" spc="-1" strike="noStrike">
-                <a:solidFill>
-                  <a:srgbClr val="2c3e50"/>
-                </a:solidFill>
-                <a:latin typeface="Source Sans Pro Semibold"/>
-                <a:ea typeface="DejaVu Sans"/>
-              </a:rPr>
-              <a:t>Simulation</a:t>
-            </a:r>
-            <a:endParaRPr b="0" lang="fr-BE" sz="2400" spc="-1" strike="noStrike">
-              <a:latin typeface="Arial"/>
-            </a:endParaRPr>
-          </a:p>
-          <a:p>
-            <a:pPr marL="432000" indent="-322560">
-              <a:lnSpc>
-                <a:spcPct val="100000"/>
-              </a:lnSpc>
-              <a:spcAft>
-                <a:spcPts val="1057"/>
-              </a:spcAft>
-              <a:buClr>
-                <a:srgbClr val="2c3e50"/>
-              </a:buClr>
-              <a:buSzPct val="45000"/>
-              <a:buFont typeface="Wingdings" charset="2"/>
-              <a:buChar char=""/>
-            </a:pPr>
-            <a:r>
-              <a:rPr b="1" lang="fr-BE" sz="2400" spc="-1" strike="noStrike">
-                <a:solidFill>
-                  <a:srgbClr val="2c3e50"/>
-                </a:solidFill>
-                <a:latin typeface="Source Sans Pro Semibold"/>
-                <a:ea typeface="DejaVu Sans"/>
-              </a:rPr>
-              <a:t>Programme informatique qui fait fonctionner notre modèle</a:t>
-            </a:r>
-            <a:endParaRPr b="0" lang="fr-BE" sz="2400" spc="-1" strike="noStrike">
-              <a:latin typeface="Arial"/>
-            </a:endParaRPr>
-          </a:p>
-          <a:p>
-            <a:pPr marL="432000" indent="-322560">
-              <a:lnSpc>
-                <a:spcPct val="100000"/>
-              </a:lnSpc>
-              <a:spcAft>
-                <a:spcPts val="1057"/>
-              </a:spcAft>
-              <a:buClr>
-                <a:srgbClr val="2c3e50"/>
-              </a:buClr>
-              <a:buSzPct val="45000"/>
-              <a:buFont typeface="Wingdings" charset="2"/>
-              <a:buChar char=""/>
-            </a:pPr>
-            <a:r>
-              <a:rPr b="1" lang="fr-BE" sz="2400" spc="-1" strike="noStrike">
+              <a:rPr b="1" lang="fr-FR" sz="2400" spc="-1" strike="noStrike">
                 <a:solidFill>
                   <a:srgbClr val="2c3e50"/>
                 </a:solidFill>
@@ -6341,7 +6259,103 @@
               </a:rPr>
               <a:t>Exemple : Pile, Pile, Face, Pile, Face, Face, ...</a:t>
             </a:r>
-            <a:endParaRPr b="0" lang="fr-BE" sz="2400" spc="-1" strike="noStrike">
+            <a:endParaRPr b="0" lang="fr-FR" sz="2400" spc="-1" strike="noStrike">
+              <a:latin typeface="Arial"/>
+            </a:endParaRPr>
+          </a:p>
+        </p:txBody>
+      </p:sp>
+      <p:sp>
+        <p:nvSpPr>
+          <p:cNvPr id="132" name="TextShape 4"/>
+          <p:cNvSpPr txBox="1"/>
+          <p:nvPr/>
+        </p:nvSpPr>
+        <p:spPr>
+          <a:xfrm>
+            <a:off x="5328000" y="1296000"/>
+            <a:ext cx="4032000" cy="1111320"/>
+          </a:xfrm>
+          <a:prstGeom prst="rect">
+            <a:avLst/>
+          </a:prstGeom>
+          <a:noFill/>
+          <a:ln>
+            <a:noFill/>
+          </a:ln>
+        </p:spPr>
+        <p:txBody>
+          <a:bodyPr lIns="90000" rIns="90000" tIns="45000" bIns="45000">
+            <a:spAutoFit/>
+          </a:bodyPr>
+          <a:p>
+            <a:r>
+              <a:rPr b="1" lang="fr-FR" sz="3600" spc="-1" strike="noStrike" u="sng">
+                <a:solidFill>
+                  <a:srgbClr val="2c3e50"/>
+                </a:solidFill>
+                <a:uFillTx/>
+                <a:latin typeface="Source Sans Pro Semibold"/>
+                <a:ea typeface="DejaVu Sans"/>
+              </a:rPr>
+              <a:t>Simulation</a:t>
+            </a:r>
+            <a:endParaRPr b="1" lang="fr-FR" sz="3600" spc="-1" strike="noStrike" u="sng">
+              <a:uFillTx/>
+              <a:latin typeface="Arial"/>
+            </a:endParaRPr>
+          </a:p>
+          <a:p>
+            <a:endParaRPr b="1" lang="fr-FR" sz="3600" spc="-1" strike="noStrike" u="sng">
+              <a:uFillTx/>
+              <a:latin typeface="Arial"/>
+            </a:endParaRPr>
+          </a:p>
+        </p:txBody>
+      </p:sp>
+      <p:sp>
+        <p:nvSpPr>
+          <p:cNvPr id="133" name="TextShape 5"/>
+          <p:cNvSpPr txBox="1"/>
+          <p:nvPr/>
+        </p:nvSpPr>
+        <p:spPr>
+          <a:xfrm>
+            <a:off x="216000" y="1296360"/>
+            <a:ext cx="4536000" cy="1111320"/>
+          </a:xfrm>
+          <a:prstGeom prst="rect">
+            <a:avLst/>
+          </a:prstGeom>
+          <a:noFill/>
+          <a:ln>
+            <a:noFill/>
+          </a:ln>
+        </p:spPr>
+        <p:txBody>
+          <a:bodyPr lIns="90000" rIns="90000" tIns="45000" bIns="45000">
+            <a:spAutoFit/>
+          </a:bodyPr>
+          <a:p>
+            <a:r>
+              <a:rPr b="1" lang="fr-FR" sz="3600" spc="-1" strike="noStrike" u="sng">
+                <a:solidFill>
+                  <a:srgbClr val="2c3e50"/>
+                </a:solidFill>
+                <a:uFillTx/>
+                <a:latin typeface="Source Sans Pro Semibold"/>
+                <a:ea typeface="DejaVu Sans"/>
+              </a:rPr>
+              <a:t>Modélisation</a:t>
+            </a:r>
+            <a:endParaRPr b="1" lang="fr-FR" sz="3600" spc="-1" strike="noStrike" u="sng">
+              <a:uFillTx/>
+              <a:latin typeface="Arial"/>
+            </a:endParaRPr>
+          </a:p>
+          <a:p>
+            <a:endParaRPr b="1" lang="fr-FR" sz="3600" spc="-1" strike="noStrike" u="sng">
+              <a:uFillTx/>
               <a:latin typeface="Arial"/>
             </a:endParaRPr>
           </a:p>
@@ -6349,33 +6363,14 @@
       </p:sp>
     </p:spTree>
   </p:cSld>
-  <p:timing>
-    <p:tnLst>
-      <p:par>
-        <p:cTn id="7" dur="indefinite" restart="never" nodeType="tmRoot">
-          <p:childTnLst>
-            <p:seq>
-              <p:cTn id="8" dur="indefinite" nodeType="mainSeq"/>
-              <p:prevCondLst>
-                <p:cond delay="0" evt="onPrev">
-                  <p:tgtEl>
-                    <p:sldTgt/>
-                  </p:tgtEl>
-                </p:cond>
-              </p:prevCondLst>
-              <p:nextCondLst>
-                <p:cond delay="0" evt="onNext">
-                  <p:tgtEl>
-                    <p:sldTgt/>
-                  </p:tgtEl>
-                </p:cond>
-              </p:nextCondLst>
-            </p:seq>
-          </p:childTnLst>
-        </p:cTn>
-      </p:par>
-    </p:tnLst>
-  </p:timing>
+  <mc:AlternateContent>
+    <mc:Choice Requires="p14">
+      <p:transition spd="slow" p14:dur="2000"/>
+    </mc:Choice>
+    <mc:Fallback>
+      <p:transition spd="slow"/>
+    </mc:Fallback>
+  </mc:AlternateContent>
 </p:sld>
 </file>
 
@@ -6398,14 +6393,14 @@
       </p:grpSpPr>
       <p:sp>
         <p:nvSpPr>
-          <p:cNvPr id="132" name="CustomShape 1"/>
+          <p:cNvPr id="134" name="CustomShape 1"/>
           <p:cNvSpPr/>
           <p:nvPr/>
         </p:nvSpPr>
         <p:spPr>
           <a:xfrm>
             <a:off x="360000" y="226080"/>
-            <a:ext cx="9359280" cy="717480"/>
+            <a:ext cx="9358920" cy="717120"/>
           </a:xfrm>
           <a:prstGeom prst="rect">
             <a:avLst/>
@@ -6422,7 +6417,9 @@
           <a:fontRef idx="minor"/>
         </p:style>
         <p:txBody>
-          <a:bodyPr lIns="0" rIns="0" tIns="0" bIns="0" anchor="ctr"/>
+          <a:bodyPr lIns="0" rIns="0" tIns="0" bIns="0" anchor="ctr">
+            <a:noAutofit/>
+          </a:bodyPr>
           <a:p>
             <a:pPr>
               <a:lnSpc>
@@ -6430,7 +6427,7 @@
               </a:lnSpc>
             </a:pPr>
             <a:r>
-              <a:rPr b="1" lang="fr-BE" sz="2700" spc="-1" strike="noStrike">
+              <a:rPr b="1" lang="fr-FR" sz="2700" spc="-1" strike="noStrike">
                 <a:solidFill>
                   <a:srgbClr val="ffffff"/>
                 </a:solidFill>
@@ -6439,22 +6436,22 @@
               </a:rPr>
               <a:t>Modèles de propagation</a:t>
             </a:r>
-            <a:endParaRPr b="0" lang="fr-BE" sz="2700" spc="-1" strike="noStrike">
-              <a:latin typeface="Arial"/>
-            </a:endParaRPr>
-          </a:p>
-        </p:txBody>
-      </p:sp>
-      <p:sp>
-        <p:nvSpPr>
-          <p:cNvPr id="133" name="CustomShape 2"/>
+            <a:endParaRPr b="0" lang="fr-FR" sz="2700" spc="-1" strike="noStrike">
+              <a:latin typeface="Arial"/>
+            </a:endParaRPr>
+          </a:p>
+        </p:txBody>
+      </p:sp>
+      <p:sp>
+        <p:nvSpPr>
+          <p:cNvPr id="135" name="CustomShape 2"/>
           <p:cNvSpPr/>
           <p:nvPr/>
         </p:nvSpPr>
         <p:spPr>
           <a:xfrm>
-            <a:off x="360000" y="1485000"/>
-            <a:ext cx="4566240" cy="3778920"/>
+            <a:off x="360000" y="2016000"/>
+            <a:ext cx="4565880" cy="3247560"/>
           </a:xfrm>
           <a:prstGeom prst="rect">
             <a:avLst/>
@@ -6475,7 +6472,7 @@
             <a:normAutofit/>
           </a:bodyPr>
           <a:p>
-            <a:pPr marL="432000" indent="-322560">
+            <a:pPr marL="432000" indent="-322200">
               <a:lnSpc>
                 <a:spcPct val="100000"/>
               </a:lnSpc>
@@ -6490,21 +6487,21 @@
               <a:buChar char=""/>
             </a:pPr>
             <a:r>
-              <a:rPr b="1" lang="fr-BE" sz="2400" spc="-1" strike="noStrike">
+              <a:rPr b="1" lang="fr-FR" sz="2400" spc="-1" strike="noStrike">
                 <a:solidFill>
                   <a:srgbClr val="2c3e50"/>
                 </a:solidFill>
                 <a:latin typeface="Source Sans Pro Semibold"/>
                 <a:ea typeface="DejaVu Sans"/>
               </a:rPr>
-              <a:t>Modèles spatiaux</a:t>
+              <a:t>Représentation des individus</a:t>
             </a:r>
-            <a:endParaRPr b="0" lang="fr-BE" sz="2400" spc="-1" strike="noStrike">
-              <a:latin typeface="Arial"/>
-            </a:endParaRPr>
-          </a:p>
-          <a:p>
-            <a:pPr marL="432000" indent="-322560">
+            <a:endParaRPr b="0" lang="fr-FR" sz="2400" spc="-1" strike="noStrike">
+              <a:latin typeface="Arial"/>
+            </a:endParaRPr>
+          </a:p>
+          <a:p>
+            <a:pPr marL="432000" indent="-322200">
               <a:lnSpc>
                 <a:spcPct val="100000"/>
               </a:lnSpc>
@@ -6519,21 +6516,21 @@
               <a:buChar char=""/>
             </a:pPr>
             <a:r>
-              <a:rPr b="1" lang="fr-BE" sz="2400" spc="-1" strike="noStrike">
+              <a:rPr b="1" lang="fr-FR" sz="2400" spc="-1" strike="noStrike">
                 <a:solidFill>
                   <a:srgbClr val="2c3e50"/>
                 </a:solidFill>
                 <a:latin typeface="Source Sans Pro Semibold"/>
                 <a:ea typeface="DejaVu Sans"/>
               </a:rPr>
-              <a:t>Représentation des individus</a:t>
+              <a:t>Sous forme de matrice, carte... </a:t>
             </a:r>
-            <a:endParaRPr b="0" lang="fr-BE" sz="2400" spc="-1" strike="noStrike">
-              <a:latin typeface="Arial"/>
-            </a:endParaRPr>
-          </a:p>
-          <a:p>
-            <a:pPr marL="432000" indent="-322560">
+            <a:endParaRPr b="0" lang="fr-FR" sz="2400" spc="-1" strike="noStrike">
+              <a:latin typeface="Arial"/>
+            </a:endParaRPr>
+          </a:p>
+          <a:p>
+            <a:pPr marL="432000" indent="-322200">
               <a:lnSpc>
                 <a:spcPct val="100000"/>
               </a:lnSpc>
@@ -6548,21 +6545,21 @@
               <a:buChar char=""/>
             </a:pPr>
             <a:r>
-              <a:rPr b="1" lang="fr-BE" sz="2400" spc="-1" strike="noStrike">
+              <a:rPr b="1" lang="fr-FR" sz="2400" spc="-1" strike="noStrike">
                 <a:solidFill>
                   <a:srgbClr val="2c3e50"/>
                 </a:solidFill>
                 <a:latin typeface="Source Sans Pro Semibold"/>
                 <a:ea typeface="DejaVu Sans"/>
               </a:rPr>
-              <a:t>Sous forme de matrice, carte... </a:t>
+              <a:t>Avantage : plus réaliste </a:t>
             </a:r>
-            <a:endParaRPr b="0" lang="fr-BE" sz="2400" spc="-1" strike="noStrike">
-              <a:latin typeface="Arial"/>
-            </a:endParaRPr>
-          </a:p>
-          <a:p>
-            <a:pPr marL="432000" indent="-322560">
+            <a:endParaRPr b="0" lang="fr-FR" sz="2400" spc="-1" strike="noStrike">
+              <a:latin typeface="Arial"/>
+            </a:endParaRPr>
+          </a:p>
+          <a:p>
+            <a:pPr marL="432000" indent="-322200">
               <a:lnSpc>
                 <a:spcPct val="100000"/>
               </a:lnSpc>
@@ -6577,21 +6574,52 @@
               <a:buChar char=""/>
             </a:pPr>
             <a:r>
-              <a:rPr b="1" lang="fr-BE" sz="2400" spc="-1" strike="noStrike">
+              <a:rPr b="1" lang="fr-FR" sz="2400" spc="-1" strike="noStrike">
                 <a:solidFill>
                   <a:srgbClr val="2c3e50"/>
                 </a:solidFill>
                 <a:latin typeface="Source Sans Pro Semibold"/>
                 <a:ea typeface="DejaVu Sans"/>
               </a:rPr>
-              <a:t>Avantage : plus réaliste </a:t>
+              <a:t>Inconvénient : plus coûteux a mettre en place</a:t>
             </a:r>
-            <a:endParaRPr b="0" lang="fr-BE" sz="2400" spc="-1" strike="noStrike">
-              <a:latin typeface="Arial"/>
-            </a:endParaRPr>
-          </a:p>
-          <a:p>
-            <a:pPr marL="432000" indent="-322560">
+            <a:endParaRPr b="0" lang="fr-FR" sz="2400" spc="-1" strike="noStrike">
+              <a:latin typeface="Arial"/>
+            </a:endParaRPr>
+          </a:p>
+        </p:txBody>
+      </p:sp>
+      <p:sp>
+        <p:nvSpPr>
+          <p:cNvPr id="136" name="CustomShape 3"/>
+          <p:cNvSpPr/>
+          <p:nvPr/>
+        </p:nvSpPr>
+        <p:spPr>
+          <a:xfrm>
+            <a:off x="5156280" y="1872000"/>
+            <a:ext cx="4565880" cy="3391560"/>
+          </a:xfrm>
+          <a:prstGeom prst="rect">
+            <a:avLst/>
+          </a:prstGeom>
+          <a:noFill/>
+          <a:ln>
+            <a:noFill/>
+          </a:ln>
+        </p:spPr>
+        <p:style>
+          <a:lnRef idx="0"/>
+          <a:fillRef idx="0"/>
+          <a:effectRef idx="0"/>
+          <a:fontRef idx="minor"/>
+        </p:style>
+        <p:txBody>
+          <a:bodyPr lIns="0" rIns="0" tIns="0" bIns="0">
+            <a:normAutofit/>
+          </a:bodyPr>
+          <a:p>
+            <a:pPr marL="432000" indent="-322200">
               <a:lnSpc>
                 <a:spcPct val="100000"/>
               </a:lnSpc>
@@ -6606,52 +6634,21 @@
               <a:buChar char=""/>
             </a:pPr>
             <a:r>
-              <a:rPr b="1" lang="fr-BE" sz="2400" spc="-1" strike="noStrike">
+              <a:rPr b="1" lang="fr-FR" sz="2400" spc="-1" strike="noStrike">
                 <a:solidFill>
                   <a:srgbClr val="2c3e50"/>
                 </a:solidFill>
                 <a:latin typeface="Source Sans Pro Semibold"/>
                 <a:ea typeface="DejaVu Sans"/>
               </a:rPr>
-              <a:t>Inconvénient : plus coûteux a mettre en place</a:t>
+              <a:t>Représentation du nombre d’individus dans chaque état</a:t>
             </a:r>
-            <a:endParaRPr b="0" lang="fr-BE" sz="2400" spc="-1" strike="noStrike">
-              <a:latin typeface="Arial"/>
-            </a:endParaRPr>
-          </a:p>
-        </p:txBody>
-      </p:sp>
-      <p:sp>
-        <p:nvSpPr>
-          <p:cNvPr id="134" name="CustomShape 3"/>
-          <p:cNvSpPr/>
-          <p:nvPr/>
-        </p:nvSpPr>
-        <p:spPr>
-          <a:xfrm>
-            <a:off x="5156280" y="1485000"/>
-            <a:ext cx="4566240" cy="3778920"/>
-          </a:xfrm>
-          <a:prstGeom prst="rect">
-            <a:avLst/>
-          </a:prstGeom>
-          <a:noFill/>
-          <a:ln>
-            <a:noFill/>
-          </a:ln>
-        </p:spPr>
-        <p:style>
-          <a:lnRef idx="0"/>
-          <a:fillRef idx="0"/>
-          <a:effectRef idx="0"/>
-          <a:fontRef idx="minor"/>
-        </p:style>
-        <p:txBody>
-          <a:bodyPr lIns="0" rIns="0" tIns="0" bIns="0">
-            <a:normAutofit/>
-          </a:bodyPr>
-          <a:p>
-            <a:pPr marL="432000" indent="-322560">
+            <a:endParaRPr b="0" lang="fr-FR" sz="2400" spc="-1" strike="noStrike">
+              <a:latin typeface="Arial"/>
+            </a:endParaRPr>
+          </a:p>
+          <a:p>
+            <a:pPr marL="432000" indent="-322200">
               <a:lnSpc>
                 <a:spcPct val="100000"/>
               </a:lnSpc>
@@ -6666,21 +6663,21 @@
               <a:buChar char=""/>
             </a:pPr>
             <a:r>
-              <a:rPr b="1" lang="fr-BE" sz="2400" spc="-1" strike="noStrike">
+              <a:rPr b="1" lang="fr-FR" sz="2400" spc="-1" strike="noStrike">
                 <a:solidFill>
                   <a:srgbClr val="2c3e50"/>
                 </a:solidFill>
                 <a:latin typeface="Source Sans Pro Semibold"/>
                 <a:ea typeface="DejaVu Sans"/>
               </a:rPr>
-              <a:t>Modèles compartimentaux</a:t>
+              <a:t>Avantage : Facile a mettre en place </a:t>
             </a:r>
-            <a:endParaRPr b="0" lang="fr-BE" sz="2400" spc="-1" strike="noStrike">
-              <a:latin typeface="Arial"/>
-            </a:endParaRPr>
-          </a:p>
-          <a:p>
-            <a:pPr marL="432000" indent="-322560">
+            <a:endParaRPr b="0" lang="fr-FR" sz="2400" spc="-1" strike="noStrike">
+              <a:latin typeface="Arial"/>
+            </a:endParaRPr>
+          </a:p>
+          <a:p>
+            <a:pPr marL="432000" indent="-322200">
               <a:lnSpc>
                 <a:spcPct val="100000"/>
               </a:lnSpc>
@@ -6695,65 +6692,7 @@
               <a:buChar char=""/>
             </a:pPr>
             <a:r>
-              <a:rPr b="1" lang="fr-BE" sz="2400" spc="-1" strike="noStrike">
-                <a:solidFill>
-                  <a:srgbClr val="2c3e50"/>
-                </a:solidFill>
-                <a:latin typeface="Source Sans Pro Semibold"/>
-                <a:ea typeface="DejaVu Sans"/>
-              </a:rPr>
-              <a:t>Représentation du nombre d’individus dans chaque état</a:t>
-            </a:r>
-            <a:endParaRPr b="0" lang="fr-BE" sz="2400" spc="-1" strike="noStrike">
-              <a:latin typeface="Arial"/>
-            </a:endParaRPr>
-          </a:p>
-          <a:p>
-            <a:pPr marL="432000" indent="-322560">
-              <a:lnSpc>
-                <a:spcPct val="100000"/>
-              </a:lnSpc>
-              <a:spcAft>
-                <a:spcPts val="1057"/>
-              </a:spcAft>
-              <a:buClr>
-                <a:srgbClr val="2c3e50"/>
-              </a:buClr>
-              <a:buSzPct val="45000"/>
-              <a:buFont typeface="Wingdings" charset="2"/>
-              <a:buChar char=""/>
-            </a:pPr>
-            <a:r>
-              <a:rPr b="1" lang="fr-BE" sz="2400" spc="-1" strike="noStrike">
-                <a:solidFill>
-                  <a:srgbClr val="2c3e50"/>
-                </a:solidFill>
-                <a:latin typeface="Source Sans Pro Semibold"/>
-                <a:ea typeface="DejaVu Sans"/>
-              </a:rPr>
-              <a:t>Avantage : Facile a mettre en place </a:t>
-            </a:r>
-            <a:endParaRPr b="0" lang="fr-BE" sz="2400" spc="-1" strike="noStrike">
-              <a:latin typeface="Arial"/>
-            </a:endParaRPr>
-          </a:p>
-          <a:p>
-            <a:pPr marL="432000" indent="-322560">
-              <a:lnSpc>
-                <a:spcPct val="100000"/>
-              </a:lnSpc>
-              <a:spcAft>
-                <a:spcPts val="1057"/>
-              </a:spcAft>
-              <a:buClr>
-                <a:srgbClr val="2c3e50"/>
-              </a:buClr>
-              <a:buSzPct val="45000"/>
-              <a:buFont typeface="Wingdings" charset="2"/>
-              <a:buChar char=""/>
-            </a:pPr>
-            <a:r>
-              <a:rPr b="1" lang="fr-BE" sz="2400" spc="-1" strike="noStrike">
+              <a:rPr b="1" lang="fr-FR" sz="2400" spc="-1" strike="noStrike">
                 <a:solidFill>
                   <a:srgbClr val="2c3e50"/>
                 </a:solidFill>
@@ -6762,7 +6701,101 @@
               </a:rPr>
               <a:t>Inconvénient : fourni uniquement des informations sur le nombre d’individus par état.</a:t>
             </a:r>
-            <a:endParaRPr b="0" lang="fr-BE" sz="2400" spc="-1" strike="noStrike">
+            <a:endParaRPr b="0" lang="fr-FR" sz="2400" spc="-1" strike="noStrike">
+              <a:latin typeface="Arial"/>
+            </a:endParaRPr>
+          </a:p>
+        </p:txBody>
+      </p:sp>
+      <p:sp>
+        <p:nvSpPr>
+          <p:cNvPr id="137" name="TextShape 4"/>
+          <p:cNvSpPr txBox="1"/>
+          <p:nvPr/>
+        </p:nvSpPr>
+        <p:spPr>
+          <a:xfrm>
+            <a:off x="5328000" y="1296360"/>
+            <a:ext cx="4968000" cy="1685880"/>
+          </a:xfrm>
+          <a:prstGeom prst="rect">
+            <a:avLst/>
+          </a:prstGeom>
+          <a:noFill/>
+          <a:ln>
+            <a:noFill/>
+          </a:ln>
+        </p:spPr>
+        <p:txBody>
+          <a:bodyPr lIns="90000" rIns="90000" tIns="45000" bIns="45000">
+            <a:spAutoFit/>
+          </a:bodyPr>
+          <a:p>
+            <a:r>
+              <a:rPr b="1" lang="fr-FR" sz="2600" spc="-1" strike="noStrike" u="sng">
+                <a:solidFill>
+                  <a:srgbClr val="2c3e50"/>
+                </a:solidFill>
+                <a:uFillTx/>
+                <a:latin typeface="Source Sans Pro Semibold"/>
+                <a:ea typeface="DejaVu Sans"/>
+              </a:rPr>
+              <a:t>Modèles compartimentaux</a:t>
+            </a:r>
+            <a:endParaRPr b="1" lang="fr-FR" sz="2600" spc="-1" strike="noStrike" u="sng">
+              <a:uFillTx/>
+              <a:latin typeface="Arial"/>
+            </a:endParaRPr>
+          </a:p>
+          <a:p>
+            <a:endParaRPr b="1" lang="fr-FR" sz="2600" spc="-1" strike="noStrike" u="sng">
+              <a:uFillTx/>
+              <a:latin typeface="Arial"/>
+            </a:endParaRPr>
+          </a:p>
+        </p:txBody>
+      </p:sp>
+      <p:sp>
+        <p:nvSpPr>
+          <p:cNvPr id="138" name="TextShape 5"/>
+          <p:cNvSpPr txBox="1"/>
+          <p:nvPr/>
+        </p:nvSpPr>
+        <p:spPr>
+          <a:xfrm>
+            <a:off x="288000" y="1296360"/>
+            <a:ext cx="4320000" cy="1111320"/>
+          </a:xfrm>
+          <a:prstGeom prst="rect">
+            <a:avLst/>
+          </a:prstGeom>
+          <a:noFill/>
+          <a:ln>
+            <a:noFill/>
+          </a:ln>
+        </p:spPr>
+        <p:txBody>
+          <a:bodyPr lIns="90000" rIns="90000" tIns="45000" bIns="45000">
+            <a:spAutoFit/>
+          </a:bodyPr>
+          <a:p>
+            <a:r>
+              <a:rPr b="1" lang="fr-FR" sz="3600" spc="-1" strike="noStrike" u="sng">
+                <a:solidFill>
+                  <a:srgbClr val="2c3e50"/>
+                </a:solidFill>
+                <a:uFillTx/>
+                <a:latin typeface="Source Sans Pro Semibold"/>
+                <a:ea typeface="DejaVu Sans"/>
+              </a:rPr>
+              <a:t>Modèles spatiaux</a:t>
+            </a:r>
+            <a:endParaRPr b="1" lang="fr-FR" sz="3600" spc="-1" strike="noStrike">
+              <a:latin typeface="Arial"/>
+            </a:endParaRPr>
+          </a:p>
+          <a:p>
+            <a:endParaRPr b="1" lang="fr-FR" sz="3600" spc="-1" strike="noStrike">
               <a:latin typeface="Arial"/>
             </a:endParaRPr>
           </a:p>
@@ -6770,33 +6803,14 @@
       </p:sp>
     </p:spTree>
   </p:cSld>
-  <p:timing>
-    <p:tnLst>
-      <p:par>
-        <p:cTn id="9" dur="indefinite" restart="never" nodeType="tmRoot">
-          <p:childTnLst>
-            <p:seq>
-              <p:cTn id="10" dur="indefinite" nodeType="mainSeq"/>
-              <p:prevCondLst>
-                <p:cond delay="0" evt="onPrev">
-                  <p:tgtEl>
-                    <p:sldTgt/>
-                  </p:tgtEl>
-                </p:cond>
-              </p:prevCondLst>
-              <p:nextCondLst>
-                <p:cond delay="0" evt="onNext">
-                  <p:tgtEl>
-                    <p:sldTgt/>
-                  </p:tgtEl>
-                </p:cond>
-              </p:nextCondLst>
-            </p:seq>
-          </p:childTnLst>
-        </p:cTn>
-      </p:par>
-    </p:tnLst>
-  </p:timing>
+  <mc:AlternateContent>
+    <mc:Choice Requires="p14">
+      <p:transition spd="slow" p14:dur="2000"/>
+    </mc:Choice>
+    <mc:Fallback>
+      <p:transition spd="slow"/>
+    </mc:Fallback>
+  </mc:AlternateContent>
 </p:sld>
 </file>
 
@@ -6819,14 +6833,14 @@
       </p:grpSpPr>
       <p:sp>
         <p:nvSpPr>
-          <p:cNvPr id="135" name="CustomShape 1"/>
+          <p:cNvPr id="139" name="CustomShape 1"/>
           <p:cNvSpPr/>
           <p:nvPr/>
         </p:nvSpPr>
         <p:spPr>
           <a:xfrm>
             <a:off x="360000" y="226080"/>
-            <a:ext cx="9359280" cy="717480"/>
+            <a:ext cx="9358920" cy="717120"/>
           </a:xfrm>
           <a:prstGeom prst="rect">
             <a:avLst/>
@@ -6843,7 +6857,9 @@
           <a:fontRef idx="minor"/>
         </p:style>
         <p:txBody>
-          <a:bodyPr lIns="0" rIns="0" tIns="0" bIns="0" anchor="ctr"/>
+          <a:bodyPr lIns="0" rIns="0" tIns="0" bIns="0" anchor="ctr">
+            <a:noAutofit/>
+          </a:bodyPr>
           <a:p>
             <a:pPr>
               <a:lnSpc>
@@ -6851,7 +6867,7 @@
               </a:lnSpc>
             </a:pPr>
             <a:r>
-              <a:rPr b="1" lang="fr-BE" sz="2700" spc="-1" strike="noStrike">
+              <a:rPr b="1" lang="fr-FR" sz="2700" spc="-1" strike="noStrike">
                 <a:solidFill>
                   <a:srgbClr val="ffffff"/>
                 </a:solidFill>
@@ -6860,22 +6876,22 @@
               </a:rPr>
               <a:t>Nos modèles</a:t>
             </a:r>
-            <a:endParaRPr b="0" lang="fr-BE" sz="2700" spc="-1" strike="noStrike">
-              <a:latin typeface="Arial"/>
-            </a:endParaRPr>
-          </a:p>
-        </p:txBody>
-      </p:sp>
-      <p:sp>
-        <p:nvSpPr>
-          <p:cNvPr id="136" name="CustomShape 2"/>
+            <a:endParaRPr b="0" lang="fr-FR" sz="2700" spc="-1" strike="noStrike">
+              <a:latin typeface="Arial"/>
+            </a:endParaRPr>
+          </a:p>
+        </p:txBody>
+      </p:sp>
+      <p:sp>
+        <p:nvSpPr>
+          <p:cNvPr id="140" name="CustomShape 2"/>
           <p:cNvSpPr/>
           <p:nvPr/>
         </p:nvSpPr>
         <p:spPr>
           <a:xfrm>
             <a:off x="360000" y="1485000"/>
-            <a:ext cx="9359280" cy="3778920"/>
+            <a:ext cx="9358920" cy="3778560"/>
           </a:xfrm>
           <a:prstGeom prst="rect">
             <a:avLst/>
@@ -6896,7 +6912,7 @@
             <a:normAutofit/>
           </a:bodyPr>
           <a:p>
-            <a:pPr marL="432000" indent="-322560">
+            <a:pPr marL="432000" indent="-322200">
               <a:lnSpc>
                 <a:spcPct val="100000"/>
               </a:lnSpc>
@@ -6911,7 +6927,7 @@
               <a:buChar char=""/>
             </a:pPr>
             <a:r>
-              <a:rPr b="1" lang="fr-BE" sz="2400" spc="-1" strike="noStrike">
+              <a:rPr b="1" lang="fr-FR" sz="2400" spc="-1" strike="noStrike">
                 <a:solidFill>
                   <a:srgbClr val="2c3e50"/>
                 </a:solidFill>
@@ -6920,12 +6936,12 @@
               </a:rPr>
               <a:t>Notre programme consiste en plusieurs simulations de différents types de modèles.</a:t>
             </a:r>
-            <a:endParaRPr b="0" lang="fr-BE" sz="2400" spc="-1" strike="noStrike">
-              <a:latin typeface="Arial"/>
-            </a:endParaRPr>
-          </a:p>
-          <a:p>
-            <a:pPr marL="432000" indent="-322560">
+            <a:endParaRPr b="0" lang="fr-FR" sz="2400" spc="-1" strike="noStrike">
+              <a:latin typeface="Arial"/>
+            </a:endParaRPr>
+          </a:p>
+          <a:p>
+            <a:pPr marL="432000" indent="-322200">
               <a:lnSpc>
                 <a:spcPct val="100000"/>
               </a:lnSpc>
@@ -6940,7 +6956,7 @@
               <a:buChar char=""/>
             </a:pPr>
             <a:r>
-              <a:rPr b="1" lang="fr-BE" sz="2400" spc="-1" strike="noStrike">
+              <a:rPr b="1" lang="fr-FR" sz="2400" spc="-1" strike="noStrike">
                 <a:solidFill>
                   <a:srgbClr val="2c3e50"/>
                 </a:solidFill>
@@ -6949,12 +6965,12 @@
               </a:rPr>
               <a:t>Modèles compartimentaux : SIR, SEIHFR,  SEIHFBR et SEIRS</a:t>
             </a:r>
-            <a:endParaRPr b="0" lang="fr-BE" sz="2400" spc="-1" strike="noStrike">
-              <a:latin typeface="Arial"/>
-            </a:endParaRPr>
-          </a:p>
-          <a:p>
-            <a:pPr marL="432000" indent="-322560">
+            <a:endParaRPr b="0" lang="fr-FR" sz="2400" spc="-1" strike="noStrike">
+              <a:latin typeface="Arial"/>
+            </a:endParaRPr>
+          </a:p>
+          <a:p>
+            <a:pPr marL="432000" indent="-322200">
               <a:lnSpc>
                 <a:spcPct val="100000"/>
               </a:lnSpc>
@@ -6969,7 +6985,7 @@
               <a:buChar char=""/>
             </a:pPr>
             <a:r>
-              <a:rPr b="1" lang="fr-BE" sz="2400" spc="-1" strike="noStrike">
+              <a:rPr b="1" lang="fr-FR" sz="2400" spc="-1" strike="noStrike">
                 <a:solidFill>
                   <a:srgbClr val="2c3e50"/>
                 </a:solidFill>
@@ -6978,7 +6994,7 @@
               </a:rPr>
               <a:t>Modèles spatiaux : Dispersion spatiale de deux souches de maladies, propagation d’une maladie à vaccin dans une population, et pandémie sur planisphère</a:t>
             </a:r>
-            <a:endParaRPr b="0" lang="fr-BE" sz="2400" spc="-1" strike="noStrike">
+            <a:endParaRPr b="0" lang="fr-FR" sz="2400" spc="-1" strike="noStrike">
               <a:latin typeface="Arial"/>
             </a:endParaRPr>
           </a:p>
@@ -6986,33 +7002,14 @@
       </p:sp>
     </p:spTree>
   </p:cSld>
-  <p:timing>
-    <p:tnLst>
-      <p:par>
-        <p:cTn id="11" dur="indefinite" restart="never" nodeType="tmRoot">
-          <p:childTnLst>
-            <p:seq>
-              <p:cTn id="12" dur="indefinite" nodeType="mainSeq"/>
-              <p:prevCondLst>
-                <p:cond delay="0" evt="onPrev">
-                  <p:tgtEl>
-                    <p:sldTgt/>
-                  </p:tgtEl>
-                </p:cond>
-              </p:prevCondLst>
-              <p:nextCondLst>
-                <p:cond delay="0" evt="onNext">
-                  <p:tgtEl>
-                    <p:sldTgt/>
-                  </p:tgtEl>
-                </p:cond>
-              </p:nextCondLst>
-            </p:seq>
-          </p:childTnLst>
-        </p:cTn>
-      </p:par>
-    </p:tnLst>
-  </p:timing>
+  <mc:AlternateContent>
+    <mc:Choice Requires="p14">
+      <p:transition spd="slow" p14:dur="2000"/>
+    </mc:Choice>
+    <mc:Fallback>
+      <p:transition spd="slow"/>
+    </mc:Fallback>
+  </mc:AlternateContent>
 </p:sld>
 </file>
 
@@ -7035,14 +7032,14 @@
       </p:grpSpPr>
       <p:sp>
         <p:nvSpPr>
-          <p:cNvPr id="137" name="CustomShape 1"/>
+          <p:cNvPr id="141" name="CustomShape 1"/>
           <p:cNvSpPr/>
           <p:nvPr/>
         </p:nvSpPr>
         <p:spPr>
           <a:xfrm>
             <a:off x="360000" y="226080"/>
-            <a:ext cx="9359280" cy="717480"/>
+            <a:ext cx="9358920" cy="717120"/>
           </a:xfrm>
           <a:prstGeom prst="rect">
             <a:avLst/>
@@ -7059,7 +7056,9 @@
           <a:fontRef idx="minor"/>
         </p:style>
         <p:txBody>
-          <a:bodyPr lIns="0" rIns="0" tIns="0" bIns="0" anchor="ctr"/>
+          <a:bodyPr lIns="0" rIns="0" tIns="0" bIns="0" anchor="ctr">
+            <a:noAutofit/>
+          </a:bodyPr>
           <a:p>
             <a:pPr>
               <a:lnSpc>
@@ -7067,7 +7066,7 @@
               </a:lnSpc>
             </a:pPr>
             <a:r>
-              <a:rPr b="1" lang="fr-BE" sz="2700" spc="-1" strike="noStrike">
+              <a:rPr b="1" lang="fr-FR" sz="2700" spc="-1" strike="noStrike">
                 <a:solidFill>
                   <a:srgbClr val="ffffff"/>
                 </a:solidFill>
@@ -7076,22 +7075,22 @@
               </a:rPr>
               <a:t>Exemple de modèles compartimentaux : SIR</a:t>
             </a:r>
-            <a:endParaRPr b="0" lang="fr-BE" sz="2700" spc="-1" strike="noStrike">
-              <a:latin typeface="Arial"/>
-            </a:endParaRPr>
-          </a:p>
-        </p:txBody>
-      </p:sp>
-      <p:sp>
-        <p:nvSpPr>
-          <p:cNvPr id="138" name="CustomShape 2"/>
+            <a:endParaRPr b="0" lang="fr-FR" sz="2700" spc="-1" strike="noStrike">
+              <a:latin typeface="Arial"/>
+            </a:endParaRPr>
+          </a:p>
+        </p:txBody>
+      </p:sp>
+      <p:sp>
+        <p:nvSpPr>
+          <p:cNvPr id="142" name="CustomShape 2"/>
           <p:cNvSpPr/>
           <p:nvPr/>
         </p:nvSpPr>
         <p:spPr>
           <a:xfrm>
             <a:off x="360000" y="1485000"/>
-            <a:ext cx="4566240" cy="3778920"/>
+            <a:ext cx="4565880" cy="3778560"/>
           </a:xfrm>
           <a:prstGeom prst="rect">
             <a:avLst/>
@@ -7112,7 +7111,7 @@
             <a:normAutofit/>
           </a:bodyPr>
           <a:p>
-            <a:pPr marL="432000" indent="-322560">
+            <a:pPr marL="432000" indent="-322200">
               <a:lnSpc>
                 <a:spcPct val="100000"/>
               </a:lnSpc>
@@ -7127,7 +7126,7 @@
               <a:buChar char=""/>
             </a:pPr>
             <a:r>
-              <a:rPr b="1" lang="fr-BE" sz="2400" spc="-1" strike="noStrike">
+              <a:rPr b="1" lang="fr-FR" sz="2400" spc="-1" strike="noStrike">
                 <a:solidFill>
                   <a:srgbClr val="2c3e50"/>
                 </a:solidFill>
@@ -7136,12 +7135,12 @@
               </a:rPr>
               <a:t>Modèles simple</a:t>
             </a:r>
-            <a:endParaRPr b="0" lang="fr-BE" sz="2400" spc="-1" strike="noStrike">
-              <a:latin typeface="Arial"/>
-            </a:endParaRPr>
-          </a:p>
-          <a:p>
-            <a:pPr marL="432000" indent="-322560">
+            <a:endParaRPr b="0" lang="fr-FR" sz="2400" spc="-1" strike="noStrike">
+              <a:latin typeface="Arial"/>
+            </a:endParaRPr>
+          </a:p>
+          <a:p>
+            <a:pPr marL="432000" indent="-322200">
               <a:lnSpc>
                 <a:spcPct val="100000"/>
               </a:lnSpc>
@@ -7156,7 +7155,7 @@
               <a:buChar char=""/>
             </a:pPr>
             <a:r>
-              <a:rPr b="1" lang="fr-BE" sz="2400" spc="-1" strike="noStrike">
+              <a:rPr b="1" lang="fr-FR" sz="2400" spc="-1" strike="noStrike">
                 <a:solidFill>
                   <a:srgbClr val="2c3e50"/>
                 </a:solidFill>
@@ -7165,12 +7164,12 @@
               </a:rPr>
               <a:t>Individu est sain, rétabli ou infecté</a:t>
             </a:r>
-            <a:endParaRPr b="0" lang="fr-BE" sz="2400" spc="-1" strike="noStrike">
-              <a:latin typeface="Arial"/>
-            </a:endParaRPr>
-          </a:p>
-          <a:p>
-            <a:pPr marL="432000" indent="-322560">
+            <a:endParaRPr b="0" lang="fr-FR" sz="2400" spc="-1" strike="noStrike">
+              <a:latin typeface="Arial"/>
+            </a:endParaRPr>
+          </a:p>
+          <a:p>
+            <a:pPr marL="432000" indent="-322200">
               <a:lnSpc>
                 <a:spcPct val="100000"/>
               </a:lnSpc>
@@ -7185,7 +7184,7 @@
               <a:buChar char=""/>
             </a:pPr>
             <a:r>
-              <a:rPr b="1" lang="fr-BE" sz="2400" spc="-1" strike="noStrike">
+              <a:rPr b="1" lang="fr-FR" sz="2400" spc="-1" strike="noStrike">
                 <a:solidFill>
                   <a:srgbClr val="2c3e50"/>
                 </a:solidFill>
@@ -7194,22 +7193,22 @@
               </a:rPr>
               <a:t>Peu réaliste</a:t>
             </a:r>
-            <a:endParaRPr b="0" lang="fr-BE" sz="2400" spc="-1" strike="noStrike">
-              <a:latin typeface="Arial"/>
-            </a:endParaRPr>
-          </a:p>
-        </p:txBody>
-      </p:sp>
-      <p:sp>
-        <p:nvSpPr>
-          <p:cNvPr id="139" name="CustomShape 3"/>
+            <a:endParaRPr b="0" lang="fr-FR" sz="2400" spc="-1" strike="noStrike">
+              <a:latin typeface="Arial"/>
+            </a:endParaRPr>
+          </a:p>
+        </p:txBody>
+      </p:sp>
+      <p:sp>
+        <p:nvSpPr>
+          <p:cNvPr id="143" name="CustomShape 3"/>
           <p:cNvSpPr/>
           <p:nvPr/>
         </p:nvSpPr>
         <p:spPr>
           <a:xfrm>
             <a:off x="5156280" y="1485000"/>
-            <a:ext cx="4566240" cy="3778920"/>
+            <a:ext cx="4565880" cy="3778560"/>
           </a:xfrm>
           <a:prstGeom prst="rect">
             <a:avLst/>
@@ -7227,10 +7226,143 @@
         </p:style>
         <p:txBody>
           <a:bodyPr lIns="0" rIns="0" tIns="0" bIns="0">
-            <a:normAutofit/>
-          </a:bodyPr>
-          <a:p>
-            <a:pPr marL="432000" indent="-322560">
+            <a:normAutofit fontScale="85000"/>
+          </a:bodyPr>
+          <a:p>
+            <a:pPr marL="432000" indent="-322200">
+              <a:lnSpc>
+                <a:spcPct val="100000"/>
+              </a:lnSpc>
+              <a:spcAft>
+                <a:spcPts val="1057"/>
+              </a:spcAft>
+              <a:buClr>
+                <a:srgbClr val="2c3e50"/>
+              </a:buClr>
+              <a:buSzPct val="45000"/>
+              <a:buFont typeface="Wingdings" charset="2"/>
+              <a:buChar char=""/>
+            </a:pPr>
+            <a:endParaRPr b="0" lang="fr-FR" sz="1800" spc="-1" strike="noStrike">
+              <a:latin typeface="Arial"/>
+            </a:endParaRPr>
+          </a:p>
+          <a:p>
+            <a:pPr marL="432000" indent="-322200">
+              <a:lnSpc>
+                <a:spcPct val="100000"/>
+              </a:lnSpc>
+              <a:spcAft>
+                <a:spcPts val="1057"/>
+              </a:spcAft>
+              <a:buClr>
+                <a:srgbClr val="2c3e50"/>
+              </a:buClr>
+              <a:buSzPct val="45000"/>
+              <a:buFont typeface="Wingdings" charset="2"/>
+              <a:buChar char=""/>
+            </a:pPr>
+            <a:endParaRPr b="0" lang="fr-FR" sz="1800" spc="-1" strike="noStrike">
+              <a:latin typeface="Arial"/>
+            </a:endParaRPr>
+          </a:p>
+          <a:p>
+            <a:pPr marL="432000" indent="-322200">
+              <a:lnSpc>
+                <a:spcPct val="100000"/>
+              </a:lnSpc>
+              <a:spcAft>
+                <a:spcPts val="1057"/>
+              </a:spcAft>
+              <a:buClr>
+                <a:srgbClr val="2c3e50"/>
+              </a:buClr>
+              <a:buSzPct val="45000"/>
+              <a:buFont typeface="Wingdings" charset="2"/>
+              <a:buChar char=""/>
+            </a:pPr>
+            <a:endParaRPr b="0" lang="fr-FR" sz="1800" spc="-1" strike="noStrike">
+              <a:latin typeface="Arial"/>
+            </a:endParaRPr>
+          </a:p>
+          <a:p>
+            <a:pPr marL="432000" indent="-322200">
+              <a:lnSpc>
+                <a:spcPct val="100000"/>
+              </a:lnSpc>
+              <a:spcAft>
+                <a:spcPts val="1057"/>
+              </a:spcAft>
+              <a:buClr>
+                <a:srgbClr val="2c3e50"/>
+              </a:buClr>
+              <a:buSzPct val="45000"/>
+              <a:buFont typeface="Wingdings" charset="2"/>
+              <a:buChar char=""/>
+            </a:pPr>
+            <a:endParaRPr b="0" lang="fr-FR" sz="1800" spc="-1" strike="noStrike">
+              <a:latin typeface="Arial"/>
+            </a:endParaRPr>
+          </a:p>
+          <a:p>
+            <a:pPr marL="432000" indent="-322200">
+              <a:lnSpc>
+                <a:spcPct val="100000"/>
+              </a:lnSpc>
+              <a:spcAft>
+                <a:spcPts val="1057"/>
+              </a:spcAft>
+              <a:buClr>
+                <a:srgbClr val="2c3e50"/>
+              </a:buClr>
+              <a:buSzPct val="45000"/>
+              <a:buFont typeface="Wingdings" charset="2"/>
+              <a:buChar char=""/>
+            </a:pPr>
+            <a:endParaRPr b="0" lang="fr-FR" sz="1800" spc="-1" strike="noStrike">
+              <a:latin typeface="Arial"/>
+            </a:endParaRPr>
+          </a:p>
+          <a:p>
+            <a:pPr marL="432000" indent="-322200">
+              <a:lnSpc>
+                <a:spcPct val="100000"/>
+              </a:lnSpc>
+              <a:spcAft>
+                <a:spcPts val="1057"/>
+              </a:spcAft>
+              <a:buClr>
+                <a:srgbClr val="2c3e50"/>
+              </a:buClr>
+              <a:buSzPct val="45000"/>
+              <a:buFont typeface="Wingdings" charset="2"/>
+              <a:buChar char=""/>
+            </a:pPr>
+            <a:endParaRPr b="0" lang="fr-FR" sz="1800" spc="-1" strike="noStrike">
+              <a:latin typeface="Arial"/>
+            </a:endParaRPr>
+          </a:p>
+          <a:p>
+            <a:pPr marL="432000" indent="-322200">
+              <a:lnSpc>
+                <a:spcPct val="100000"/>
+              </a:lnSpc>
+              <a:spcAft>
+                <a:spcPts val="1057"/>
+              </a:spcAft>
+              <a:buClr>
+                <a:srgbClr val="2c3e50"/>
+              </a:buClr>
+              <a:buSzPct val="45000"/>
+              <a:buFont typeface="Wingdings" charset="2"/>
+              <a:buChar char=""/>
+            </a:pPr>
+            <a:endParaRPr b="0" lang="fr-FR" sz="1800" spc="-1" strike="noStrike">
+              <a:latin typeface="Arial"/>
+            </a:endParaRPr>
+          </a:p>
+          <a:p>
+            <a:pPr marL="432000" indent="-322200">
               <a:lnSpc>
                 <a:spcPct val="100000"/>
               </a:lnSpc>
@@ -7245,21 +7377,21 @@
               <a:buChar char=""/>
             </a:pPr>
             <a:r>
-              <a:rPr b="1" lang="fr-BE" sz="2400" spc="-1" strike="noStrike">
+              <a:rPr b="1" lang="fr-FR" sz="2400" spc="-1" strike="noStrike">
                 <a:solidFill>
                   <a:srgbClr val="2c3e50"/>
                 </a:solidFill>
                 <a:latin typeface="Source Sans Pro Semibold"/>
                 <a:ea typeface="DejaVu Sans"/>
               </a:rPr>
-              <a:t>&lt;inserer 3 boules&gt;</a:t>
+              <a:t>&lt;inserer equadif}</a:t>
             </a:r>
-            <a:endParaRPr b="0" lang="fr-BE" sz="2400" spc="-1" strike="noStrike">
-              <a:latin typeface="Arial"/>
-            </a:endParaRPr>
-          </a:p>
-          <a:p>
-            <a:pPr marL="432000" indent="-322560">
+            <a:endParaRPr b="0" lang="fr-FR" sz="2400" spc="-1" strike="noStrike">
+              <a:latin typeface="Arial"/>
+            </a:endParaRPr>
+          </a:p>
+          <a:p>
+            <a:pPr marL="432000" indent="-322200">
               <a:lnSpc>
                 <a:spcPct val="100000"/>
               </a:lnSpc>
@@ -7273,80 +7405,45 @@
               <a:buFont typeface="Wingdings" charset="2"/>
               <a:buChar char=""/>
             </a:pPr>
-            <a:r>
-              <a:rPr b="1" lang="fr-BE" sz="2400" spc="-1" strike="noStrike">
-                <a:solidFill>
-                  <a:srgbClr val="2c3e50"/>
-                </a:solidFill>
-                <a:latin typeface="Source Sans Pro Semibold"/>
-                <a:ea typeface="DejaVu Sans"/>
-              </a:rPr>
-              <a:t>&lt;inserer equadif}</a:t>
-            </a:r>
-            <a:endParaRPr b="0" lang="fr-BE" sz="2400" spc="-1" strike="noStrike">
-              <a:latin typeface="Arial"/>
-            </a:endParaRPr>
-          </a:p>
-          <a:p>
-            <a:pPr marL="432000" indent="-322560">
-              <a:lnSpc>
-                <a:spcPct val="100000"/>
-              </a:lnSpc>
-              <a:spcAft>
-                <a:spcPts val="1057"/>
-              </a:spcAft>
-              <a:buClr>
-                <a:srgbClr val="2c3e50"/>
-              </a:buClr>
-              <a:buSzPct val="45000"/>
-              <a:buFont typeface="Wingdings" charset="2"/>
-              <a:buChar char=""/>
-            </a:pPr>
-            <a:r>
-              <a:rPr b="1" lang="fr-BE" sz="2400" spc="-1" strike="noStrike">
-                <a:solidFill>
-                  <a:srgbClr val="2c3e50"/>
-                </a:solidFill>
-                <a:latin typeface="Source Sans Pro Semibold"/>
-                <a:ea typeface="DejaVu Sans"/>
-              </a:rPr>
-              <a:t> </a:t>
-            </a:r>
-            <a:endParaRPr b="0" lang="fr-BE" sz="2400" spc="-1" strike="noStrike">
-              <a:latin typeface="Arial"/>
-            </a:endParaRPr>
-          </a:p>
-        </p:txBody>
-      </p:sp>
+            <a:endParaRPr b="0" lang="fr-FR" sz="2400" spc="-1" strike="noStrike">
+              <a:latin typeface="Arial"/>
+            </a:endParaRPr>
+          </a:p>
+        </p:txBody>
+      </p:sp>
+      <p:pic>
+        <p:nvPicPr>
+          <p:cNvPr id="144" name="" descr=""/>
+          <p:cNvPicPr/>
+          <p:nvPr/>
+        </p:nvPicPr>
+        <p:blipFill>
+          <a:blip r:embed="rId1"/>
+          <a:stretch/>
+        </p:blipFill>
+        <p:spPr>
+          <a:xfrm>
+            <a:off x="5472000" y="1440000"/>
+            <a:ext cx="2514240" cy="2514240"/>
+          </a:xfrm>
+          <a:prstGeom prst="rect">
+            <a:avLst/>
+          </a:prstGeom>
+          <a:ln>
+            <a:noFill/>
+          </a:ln>
+        </p:spPr>
+      </p:pic>
     </p:spTree>
   </p:cSld>
-  <p:timing>
-    <p:tnLst>
-      <p:par>
-        <p:cTn id="13" dur="indefinite" restart="never" nodeType="tmRoot">
-          <p:childTnLst>
-            <p:seq>
-              <p:cTn id="14" dur="indefinite" nodeType="mainSeq"/>
-              <p:prevCondLst>
-                <p:cond delay="0" evt="onPrev">
-                  <p:tgtEl>
-                    <p:sldTgt/>
-                  </p:tgtEl>
-                </p:cond>
-              </p:prevCondLst>
-              <p:nextCondLst>
-                <p:cond delay="0" evt="onNext">
-                  <p:tgtEl>
-                    <p:sldTgt/>
-                  </p:tgtEl>
-                </p:cond>
-              </p:nextCondLst>
-            </p:seq>
-          </p:childTnLst>
-        </p:cTn>
-      </p:par>
-    </p:tnLst>
-  </p:timing>
+  <mc:AlternateContent>
+    <mc:Choice Requires="p14">
+      <p:transition spd="slow" p14:dur="2000"/>
+    </mc:Choice>
+    <mc:Fallback>
+      <p:transition spd="slow"/>
+    </mc:Fallback>
+  </mc:AlternateContent>
 </p:sld>
 </file>
 
@@ -7369,14 +7466,14 @@
       </p:grpSpPr>
       <p:sp>
         <p:nvSpPr>
-          <p:cNvPr id="140" name="CustomShape 1"/>
+          <p:cNvPr id="145" name="CustomShape 1"/>
           <p:cNvSpPr/>
           <p:nvPr/>
         </p:nvSpPr>
         <p:spPr>
           <a:xfrm>
             <a:off x="360000" y="226080"/>
-            <a:ext cx="9359280" cy="717480"/>
+            <a:ext cx="9358920" cy="717120"/>
           </a:xfrm>
           <a:prstGeom prst="rect">
             <a:avLst/>
@@ -7393,7 +7490,9 @@
           <a:fontRef idx="minor"/>
         </p:style>
         <p:txBody>
-          <a:bodyPr lIns="0" rIns="0" tIns="0" bIns="0" anchor="ctr"/>
+          <a:bodyPr lIns="0" rIns="0" tIns="0" bIns="0" anchor="ctr">
+            <a:noAutofit/>
+          </a:bodyPr>
           <a:p>
             <a:pPr>
               <a:lnSpc>
@@ -7401,7 +7500,7 @@
               </a:lnSpc>
             </a:pPr>
             <a:r>
-              <a:rPr b="1" lang="fr-BE" sz="2700" spc="-1" strike="noStrike">
+              <a:rPr b="1" lang="fr-FR" sz="2700" spc="-1" strike="noStrike">
                 <a:solidFill>
                   <a:srgbClr val="ffffff"/>
                 </a:solidFill>
@@ -7410,22 +7509,22 @@
               </a:rPr>
               <a:t>Exemple de simulation de modèle compartimental : SIR</a:t>
             </a:r>
-            <a:endParaRPr b="0" lang="fr-BE" sz="2700" spc="-1" strike="noStrike">
-              <a:latin typeface="Arial"/>
-            </a:endParaRPr>
-          </a:p>
-        </p:txBody>
-      </p:sp>
-      <p:sp>
-        <p:nvSpPr>
-          <p:cNvPr id="141" name="CustomShape 2"/>
+            <a:endParaRPr b="0" lang="fr-FR" sz="2700" spc="-1" strike="noStrike">
+              <a:latin typeface="Arial"/>
+            </a:endParaRPr>
+          </a:p>
+        </p:txBody>
+      </p:sp>
+      <p:sp>
+        <p:nvSpPr>
+          <p:cNvPr id="146" name="CustomShape 2"/>
           <p:cNvSpPr/>
           <p:nvPr/>
         </p:nvSpPr>
         <p:spPr>
           <a:xfrm>
             <a:off x="360000" y="1485000"/>
-            <a:ext cx="9359280" cy="3778920"/>
+            <a:ext cx="9358920" cy="3778560"/>
           </a:xfrm>
           <a:prstGeom prst="rect">
             <a:avLst/>
@@ -7444,7 +7543,7 @@
       </p:sp>
       <p:pic>
         <p:nvPicPr>
-          <p:cNvPr id="142" name="" descr=""/>
+          <p:cNvPr id="147" name="" descr=""/>
           <p:cNvPicPr/>
           <p:nvPr/>
         </p:nvPicPr>
@@ -7455,7 +7554,7 @@
         <p:spPr>
           <a:xfrm>
             <a:off x="720000" y="1371960"/>
-            <a:ext cx="8663760" cy="3452040"/>
+            <a:ext cx="8663400" cy="3451680"/>
           </a:xfrm>
           <a:prstGeom prst="rect">
             <a:avLst/>
@@ -7467,7 +7566,7 @@
       </p:pic>
       <p:pic>
         <p:nvPicPr>
-          <p:cNvPr id="143" name="" descr=""/>
+          <p:cNvPr id="148" name="" descr=""/>
           <p:cNvPicPr/>
           <p:nvPr/>
         </p:nvPicPr>
@@ -7478,7 +7577,7 @@
         <p:spPr>
           <a:xfrm>
             <a:off x="177840" y="1371960"/>
-            <a:ext cx="9205920" cy="3668040"/>
+            <a:ext cx="9205560" cy="3667680"/>
           </a:xfrm>
           <a:prstGeom prst="rect">
             <a:avLst/>
@@ -7490,33 +7589,14 @@
       </p:pic>
     </p:spTree>
   </p:cSld>
-  <p:timing>
-    <p:tnLst>
-      <p:par>
-        <p:cTn id="15" dur="indefinite" restart="never" nodeType="tmRoot">
-          <p:childTnLst>
-            <p:seq>
-              <p:cTn id="16" dur="indefinite" nodeType="mainSeq"/>
-              <p:prevCondLst>
-                <p:cond delay="0" evt="onPrev">
-                  <p:tgtEl>
-                    <p:sldTgt/>
-                  </p:tgtEl>
-                </p:cond>
-              </p:prevCondLst>
-              <p:nextCondLst>
-                <p:cond delay="0" evt="onNext">
-                  <p:tgtEl>
-                    <p:sldTgt/>
-                  </p:tgtEl>
-                </p:cond>
-              </p:nextCondLst>
-            </p:seq>
-          </p:childTnLst>
-        </p:cTn>
-      </p:par>
-    </p:tnLst>
-  </p:timing>
+  <mc:AlternateContent>
+    <mc:Choice Requires="p14">
+      <p:transition spd="slow" p14:dur="2000"/>
+    </mc:Choice>
+    <mc:Fallback>
+      <p:transition spd="slow"/>
+    </mc:Fallback>
+  </mc:AlternateContent>
 </p:sld>
 </file>
 
@@ -7539,14 +7619,14 @@
       </p:grpSpPr>
       <p:sp>
         <p:nvSpPr>
-          <p:cNvPr id="144" name="CustomShape 1"/>
+          <p:cNvPr id="149" name="CustomShape 1"/>
           <p:cNvSpPr/>
           <p:nvPr/>
         </p:nvSpPr>
         <p:spPr>
           <a:xfrm>
             <a:off x="360000" y="226440"/>
-            <a:ext cx="9359280" cy="717480"/>
+            <a:ext cx="9358920" cy="717120"/>
           </a:xfrm>
           <a:prstGeom prst="rect">
             <a:avLst/>
@@ -7563,7 +7643,9 @@
           <a:fontRef idx="minor"/>
         </p:style>
         <p:txBody>
-          <a:bodyPr lIns="0" rIns="0" tIns="0" bIns="0" anchor="ctr"/>
+          <a:bodyPr lIns="0" rIns="0" tIns="0" bIns="0" anchor="ctr">
+            <a:noAutofit/>
+          </a:bodyPr>
           <a:p>
             <a:pPr>
               <a:lnSpc>
@@ -7571,7 +7653,7 @@
               </a:lnSpc>
             </a:pPr>
             <a:r>
-              <a:rPr b="1" lang="fr-BE" sz="2700" spc="-1" strike="noStrike">
+              <a:rPr b="1" lang="fr-FR" sz="2700" spc="-1" strike="noStrike">
                 <a:solidFill>
                   <a:srgbClr val="ffffff"/>
                 </a:solidFill>
@@ -7580,22 +7662,22 @@
               </a:rPr>
               <a:t>Exemple de modèle spatial (représentation matricielle)</a:t>
             </a:r>
-            <a:endParaRPr b="0" lang="fr-BE" sz="2700" spc="-1" strike="noStrike">
-              <a:latin typeface="Arial"/>
-            </a:endParaRPr>
-          </a:p>
-        </p:txBody>
-      </p:sp>
-      <p:sp>
-        <p:nvSpPr>
-          <p:cNvPr id="145" name="CustomShape 2"/>
+            <a:endParaRPr b="0" lang="fr-FR" sz="2700" spc="-1" strike="noStrike">
+              <a:latin typeface="Arial"/>
+            </a:endParaRPr>
+          </a:p>
+        </p:txBody>
+      </p:sp>
+      <p:sp>
+        <p:nvSpPr>
+          <p:cNvPr id="150" name="CustomShape 2"/>
           <p:cNvSpPr/>
           <p:nvPr/>
         </p:nvSpPr>
         <p:spPr>
           <a:xfrm>
             <a:off x="360000" y="1485360"/>
-            <a:ext cx="9431640" cy="818280"/>
+            <a:ext cx="9431280" cy="817920"/>
           </a:xfrm>
           <a:prstGeom prst="rect">
             <a:avLst/>
@@ -7613,10 +7695,10 @@
         </p:style>
         <p:txBody>
           <a:bodyPr lIns="0" rIns="0" tIns="0" bIns="0">
-            <a:normAutofit/>
-          </a:bodyPr>
-          <a:p>
-            <a:pPr marL="432000" indent="-322560">
+            <a:normAutofit fontScale="49000"/>
+          </a:bodyPr>
+          <a:p>
+            <a:pPr marL="432000" indent="-322200">
               <a:lnSpc>
                 <a:spcPct val="100000"/>
               </a:lnSpc>
@@ -7631,7 +7713,7 @@
               <a:buChar char=""/>
             </a:pPr>
             <a:r>
-              <a:rPr b="1" lang="fr-BE" sz="2400" spc="-1" strike="noStrike">
+              <a:rPr b="1" lang="fr-FR" sz="2400" spc="-1" strike="noStrike">
                 <a:solidFill>
                   <a:srgbClr val="2c3e50"/>
                 </a:solidFill>
@@ -7640,12 +7722,12 @@
               </a:rPr>
               <a:t>Equivalent de SIR </a:t>
             </a:r>
-            <a:endParaRPr b="0" lang="fr-BE" sz="2400" spc="-1" strike="noStrike">
-              <a:latin typeface="Arial"/>
-            </a:endParaRPr>
-          </a:p>
-          <a:p>
-            <a:pPr marL="432000" indent="-322560">
+            <a:endParaRPr b="0" lang="fr-FR" sz="2400" spc="-1" strike="noStrike">
+              <a:latin typeface="Arial"/>
+            </a:endParaRPr>
+          </a:p>
+          <a:p>
+            <a:pPr marL="432000" indent="-322200">
               <a:lnSpc>
                 <a:spcPct val="100000"/>
               </a:lnSpc>
@@ -7660,7 +7742,7 @@
               <a:buChar char=""/>
             </a:pPr>
             <a:r>
-              <a:rPr b="1" lang="fr-BE" sz="2400" spc="-1" strike="noStrike">
+              <a:rPr b="1" lang="fr-FR" sz="2400" spc="-1" strike="noStrike">
                 <a:solidFill>
                   <a:srgbClr val="2c3e50"/>
                 </a:solidFill>
@@ -7669,7 +7751,7 @@
               </a:rPr>
               <a:t>Chaque individu représenté par un pixel : Vert=Sain, Rouge=Infecté, Bleu=Rétabli</a:t>
             </a:r>
-            <a:endParaRPr b="0" lang="fr-BE" sz="2400" spc="-1" strike="noStrike">
+            <a:endParaRPr b="0" lang="fr-FR" sz="2400" spc="-1" strike="noStrike">
               <a:latin typeface="Arial"/>
             </a:endParaRPr>
           </a:p>
@@ -7677,7 +7759,7 @@
       </p:sp>
       <p:pic>
         <p:nvPicPr>
-          <p:cNvPr id="146" name="" descr=""/>
+          <p:cNvPr id="151" name="" descr=""/>
           <p:cNvPicPr/>
           <p:nvPr/>
         </p:nvPicPr>
@@ -7687,8 +7769,8 @@
         </p:blipFill>
         <p:spPr>
           <a:xfrm>
-            <a:off x="570240" y="2802240"/>
-            <a:ext cx="8933400" cy="2093400"/>
+            <a:off x="144000" y="2553120"/>
+            <a:ext cx="9720000" cy="2414880"/>
           </a:xfrm>
           <a:prstGeom prst="rect">
             <a:avLst/>
@@ -7700,33 +7782,14 @@
       </p:pic>
     </p:spTree>
   </p:cSld>
-  <p:timing>
-    <p:tnLst>
-      <p:par>
-        <p:cTn id="17" dur="indefinite" restart="never" nodeType="tmRoot">
-          <p:childTnLst>
-            <p:seq>
-              <p:cTn id="18" dur="indefinite" nodeType="mainSeq"/>
-              <p:prevCondLst>
-                <p:cond delay="0" evt="onPrev">
-                  <p:tgtEl>
-                    <p:sldTgt/>
-                  </p:tgtEl>
-                </p:cond>
-              </p:prevCondLst>
-              <p:nextCondLst>
-                <p:cond delay="0" evt="onNext">
-                  <p:tgtEl>
-                    <p:sldTgt/>
-                  </p:tgtEl>
-                </p:cond>
-              </p:nextCondLst>
-            </p:seq>
-          </p:childTnLst>
-        </p:cTn>
-      </p:par>
-    </p:tnLst>
-  </p:timing>
+  <mc:AlternateContent>
+    <mc:Choice Requires="p14">
+      <p:transition spd="slow" p14:dur="2000"/>
+    </mc:Choice>
+    <mc:Fallback>
+      <p:transition spd="slow"/>
+    </mc:Fallback>
+  </mc:AlternateContent>
 </p:sld>
 </file>
 
@@ -7844,18 +7907,21 @@
             </a:schemeClr>
           </a:solidFill>
           <a:prstDash val="solid"/>
+          <a:miter/>
         </a:ln>
         <a:ln w="25400" cap="flat" cmpd="sng" algn="ctr">
           <a:solidFill>
             <a:schemeClr val="phClr"/>
           </a:solidFill>
           <a:prstDash val="solid"/>
+          <a:miter/>
         </a:ln>
         <a:ln w="38100" cap="flat" cmpd="sng" algn="ctr">
           <a:solidFill>
             <a:schemeClr val="phClr"/>
           </a:solidFill>
           <a:prstDash val="solid"/>
+          <a:miter/>
         </a:ln>
       </a:lnStyleLst>
       <a:effectStyleLst>
@@ -8067,18 +8133,21 @@
             </a:schemeClr>
           </a:solidFill>
           <a:prstDash val="solid"/>
+          <a:miter/>
         </a:ln>
         <a:ln w="25400" cap="flat" cmpd="sng" algn="ctr">
           <a:solidFill>
             <a:schemeClr val="phClr"/>
           </a:solidFill>
           <a:prstDash val="solid"/>
+          <a:miter/>
         </a:ln>
         <a:ln w="38100" cap="flat" cmpd="sng" algn="ctr">
           <a:solidFill>
             <a:schemeClr val="phClr"/>
           </a:solidFill>
           <a:prstDash val="solid"/>
+          <a:miter/>
         </a:ln>
       </a:lnStyleLst>
       <a:effectStyleLst>
@@ -8290,18 +8359,21 @@
             </a:schemeClr>
           </a:solidFill>
           <a:prstDash val="solid"/>
+          <a:miter/>
         </a:ln>
         <a:ln w="25400" cap="flat" cmpd="sng" algn="ctr">
           <a:solidFill>
             <a:schemeClr val="phClr"/>
           </a:solidFill>
           <a:prstDash val="solid"/>
+          <a:miter/>
         </a:ln>
         <a:ln w="38100" cap="flat" cmpd="sng" algn="ctr">
           <a:solidFill>
             <a:schemeClr val="phClr"/>
           </a:solidFill>
           <a:prstDash val="solid"/>
+          <a:miter/>
         </a:ln>
       </a:lnStyleLst>
       <a:effectStyleLst>

--- a/toRendre/INFO-G1-presentation.pptx
+++ b/toRendre/INFO-G1-presentation.pptx
@@ -15,9 +15,11 @@
     <p:sldId id="261" r:id="rId9"/>
     <p:sldId id="262" r:id="rId10"/>
     <p:sldId id="267" r:id="rId11"/>
-    <p:sldId id="263" r:id="rId12"/>
-    <p:sldId id="264" r:id="rId13"/>
-    <p:sldId id="265" r:id="rId14"/>
+    <p:sldId id="268" r:id="rId12"/>
+    <p:sldId id="263" r:id="rId13"/>
+    <p:sldId id="264" r:id="rId14"/>
+    <p:sldId id="269" r:id="rId15"/>
+    <p:sldId id="265" r:id="rId16"/>
   </p:sldIdLst>
   <p:sldSz cx="10080625" cy="5670550"/>
   <p:notesSz cx="7559675" cy="10691813"/>
@@ -116,7 +118,24 @@
       </a:defRPr>
     </a:lvl9pPr>
   </p:defaultTextStyle>
+  <p:extLst>
+    <p:ext uri="{EFAFB233-063F-42B5-8137-9DF3F51BA10A}">
+      <p15:sldGuideLst xmlns:p15="http://schemas.microsoft.com/office/powerpoint/2012/main"/>
+    </p:ext>
+  </p:extLst>
 </p:presentation>
+</file>
+
+<file path=ppt/commentAuthors.xml><?xml version="1.0" encoding="utf-8"?>
+<p:cmAuthorLst xmlns:a="http://schemas.openxmlformats.org/drawingml/2006/main" xmlns:r="http://schemas.openxmlformats.org/officeDocument/2006/relationships" xmlns:p="http://schemas.openxmlformats.org/presentationml/2006/main">
+  <p:cmAuthor id="1" name="MAROTTE  Nathan" initials="MN" lastIdx="1" clrIdx="0">
+    <p:extLst>
+      <p:ext uri="{19B8F6BF-5375-455C-9EA6-DF929625EA0E}">
+        <p15:presenceInfo xmlns:p15="http://schemas.microsoft.com/office/powerpoint/2012/main" userId="MAROTTE  Nathan" providerId="None"/>
+      </p:ext>
+    </p:extLst>
+  </p:cmAuthor>
+</p:cmAuthorLst>
 </file>
 
 <file path=ppt/slideLayouts/slideLayout1.xml><?xml version="1.0" encoding="utf-8"?>
@@ -6517,13 +6536,13 @@
       </p:grpSpPr>
       <p:sp>
         <p:nvSpPr>
-          <p:cNvPr id="149" name="CustomShape 1"/>
+          <p:cNvPr id="145" name="CustomShape 1"/>
           <p:cNvSpPr/>
           <p:nvPr/>
         </p:nvSpPr>
         <p:spPr>
           <a:xfrm>
-            <a:off x="360000" y="226440"/>
+            <a:off x="360000" y="226080"/>
             <a:ext cx="9358920" cy="717120"/>
           </a:xfrm>
           <a:prstGeom prst="rect">
@@ -6565,7 +6584,7 @@
                 <a:latin typeface="Source Sans Pro Black"/>
                 <a:ea typeface="DejaVu Sans"/>
               </a:rPr>
-              <a:t>Exemple de modèle spatial (représentation matricielle)</a:t>
+              <a:t>Exemple de simulation de modèle compartimental : SIR</a:t>
             </a:r>
             <a:endParaRPr lang="fr-FR" sz="2700" b="0" strike="noStrike" spc="-1">
               <a:latin typeface="Arial"/>
@@ -6575,14 +6594,14 @@
       </p:sp>
       <p:sp>
         <p:nvSpPr>
-          <p:cNvPr id="150" name="CustomShape 2"/>
+          <p:cNvPr id="146" name="CustomShape 2"/>
           <p:cNvSpPr/>
           <p:nvPr/>
         </p:nvSpPr>
         <p:spPr>
           <a:xfrm>
-            <a:off x="360000" y="1485360"/>
-            <a:ext cx="9431280" cy="817920"/>
+            <a:off x="360000" y="1485000"/>
+            <a:ext cx="9358920" cy="3778560"/>
           </a:xfrm>
           <a:prstGeom prst="rect">
             <a:avLst/>
@@ -6604,74 +6623,10 @@
           </a:effectRef>
           <a:fontRef idx="minor"/>
         </p:style>
-        <p:txBody>
-          <a:bodyPr lIns="0" tIns="0" rIns="0" bIns="0">
-            <a:normAutofit fontScale="86500" lnSpcReduction="20000"/>
-          </a:bodyPr>
-          <a:lstStyle/>
-          <a:p>
-            <a:pPr marL="432000" indent="-322200">
-              <a:lnSpc>
-                <a:spcPct val="100000"/>
-              </a:lnSpc>
-              <a:spcAft>
-                <a:spcPts val="1060"/>
-              </a:spcAft>
-              <a:buClr>
-                <a:srgbClr val="2C3E50"/>
-              </a:buClr>
-              <a:buSzPct val="45000"/>
-              <a:buFont typeface="Wingdings" charset="2"/>
-              <a:buChar char=""/>
-            </a:pPr>
-            <a:r>
-              <a:rPr lang="fr-FR" sz="2400" b="1" strike="noStrike" spc="-1">
-                <a:solidFill>
-                  <a:srgbClr val="2C3E50"/>
-                </a:solidFill>
-                <a:latin typeface="Source Sans Pro Semibold"/>
-                <a:ea typeface="DejaVu Sans"/>
-              </a:rPr>
-              <a:t>Equivalent de SIR </a:t>
-            </a:r>
-            <a:endParaRPr lang="fr-FR" sz="2400" b="0" strike="noStrike" spc="-1">
-              <a:latin typeface="Arial"/>
-            </a:endParaRPr>
-          </a:p>
-          <a:p>
-            <a:pPr marL="432000" indent="-322200">
-              <a:lnSpc>
-                <a:spcPct val="100000"/>
-              </a:lnSpc>
-              <a:spcAft>
-                <a:spcPts val="1060"/>
-              </a:spcAft>
-              <a:buClr>
-                <a:srgbClr val="2C3E50"/>
-              </a:buClr>
-              <a:buSzPct val="45000"/>
-              <a:buFont typeface="Wingdings" charset="2"/>
-              <a:buChar char=""/>
-            </a:pPr>
-            <a:r>
-              <a:rPr lang="fr-FR" sz="2400" b="1" strike="noStrike" spc="-1">
-                <a:solidFill>
-                  <a:srgbClr val="2C3E50"/>
-                </a:solidFill>
-                <a:latin typeface="Source Sans Pro Semibold"/>
-                <a:ea typeface="DejaVu Sans"/>
-              </a:rPr>
-              <a:t>Chaque individu représenté par un pixel : Vert=Sain, Rouge=Infecté, Bleu=Rétabli</a:t>
-            </a:r>
-            <a:endParaRPr lang="fr-FR" sz="2400" b="0" strike="noStrike" spc="-1">
-              <a:latin typeface="Arial"/>
-            </a:endParaRPr>
-          </a:p>
-        </p:txBody>
       </p:sp>
       <p:pic>
         <p:nvPicPr>
-          <p:cNvPr id="151" name="Image 150"/>
+          <p:cNvPr id="147" name="Image 146"/>
           <p:cNvPicPr/>
           <p:nvPr/>
         </p:nvPicPr>
@@ -6681,8 +6636,31 @@
         </p:blipFill>
         <p:spPr>
           <a:xfrm>
-            <a:off x="144000" y="2553120"/>
-            <a:ext cx="9720000" cy="2414880"/>
+            <a:off x="720000" y="1371960"/>
+            <a:ext cx="8663400" cy="3451680"/>
+          </a:xfrm>
+          <a:prstGeom prst="rect">
+            <a:avLst/>
+          </a:prstGeom>
+          <a:ln>
+            <a:noFill/>
+          </a:ln>
+        </p:spPr>
+      </p:pic>
+      <p:pic>
+        <p:nvPicPr>
+          <p:cNvPr id="148" name="Image 147"/>
+          <p:cNvPicPr/>
+          <p:nvPr/>
+        </p:nvPicPr>
+        <p:blipFill>
+          <a:blip r:embed="rId2"/>
+          <a:stretch/>
+        </p:blipFill>
+        <p:spPr>
+          <a:xfrm>
+            <a:off x="177840" y="1371960"/>
+            <a:ext cx="9205560" cy="3667680"/>
           </a:xfrm>
           <a:prstGeom prst="rect">
             <a:avLst/>
@@ -6719,6 +6697,453 @@
       </p:grpSpPr>
       <p:sp>
         <p:nvSpPr>
+          <p:cNvPr id="149" name="CustomShape 1"/>
+          <p:cNvSpPr/>
+          <p:nvPr/>
+        </p:nvSpPr>
+        <p:spPr>
+          <a:xfrm>
+            <a:off x="360000" y="226440"/>
+            <a:ext cx="9358920" cy="717120"/>
+          </a:xfrm>
+          <a:prstGeom prst="rect">
+            <a:avLst/>
+          </a:prstGeom>
+          <a:noFill/>
+          <a:ln>
+            <a:noFill/>
+          </a:ln>
+        </p:spPr>
+        <p:style>
+          <a:lnRef idx="0">
+            <a:scrgbClr r="0" g="0" b="0"/>
+          </a:lnRef>
+          <a:fillRef idx="0">
+            <a:scrgbClr r="0" g="0" b="0"/>
+          </a:fillRef>
+          <a:effectRef idx="0">
+            <a:scrgbClr r="0" g="0" b="0"/>
+          </a:effectRef>
+          <a:fontRef idx="minor"/>
+        </p:style>
+        <p:txBody>
+          <a:bodyPr lIns="0" tIns="0" rIns="0" bIns="0" anchor="ctr">
+            <a:noAutofit/>
+          </a:bodyPr>
+          <a:lstStyle/>
+          <a:p>
+            <a:pPr>
+              <a:lnSpc>
+                <a:spcPct val="100000"/>
+              </a:lnSpc>
+            </a:pPr>
+            <a:r>
+              <a:rPr lang="fr-FR" sz="2700" b="1" strike="noStrike" spc="-1" dirty="0">
+                <a:solidFill>
+                  <a:srgbClr val="FFFFFF"/>
+                </a:solidFill>
+                <a:latin typeface="Source Sans Pro Black"/>
+                <a:ea typeface="DejaVu Sans"/>
+              </a:rPr>
+              <a:t>Exemple de modèle spatial (représentation matricielle)</a:t>
+            </a:r>
+            <a:endParaRPr lang="fr-FR" sz="2700" b="0" strike="noStrike" spc="-1" dirty="0">
+              <a:latin typeface="Arial"/>
+            </a:endParaRPr>
+          </a:p>
+        </p:txBody>
+      </p:sp>
+      <p:sp>
+        <p:nvSpPr>
+          <p:cNvPr id="150" name="CustomShape 2"/>
+          <p:cNvSpPr/>
+          <p:nvPr/>
+        </p:nvSpPr>
+        <p:spPr>
+          <a:xfrm>
+            <a:off x="360000" y="1485360"/>
+            <a:ext cx="9431280" cy="817920"/>
+          </a:xfrm>
+          <a:prstGeom prst="rect">
+            <a:avLst/>
+          </a:prstGeom>
+          <a:noFill/>
+          <a:ln>
+            <a:noFill/>
+          </a:ln>
+        </p:spPr>
+        <p:style>
+          <a:lnRef idx="0">
+            <a:scrgbClr r="0" g="0" b="0"/>
+          </a:lnRef>
+          <a:fillRef idx="0">
+            <a:scrgbClr r="0" g="0" b="0"/>
+          </a:fillRef>
+          <a:effectRef idx="0">
+            <a:scrgbClr r="0" g="0" b="0"/>
+          </a:effectRef>
+          <a:fontRef idx="minor"/>
+        </p:style>
+        <p:txBody>
+          <a:bodyPr lIns="0" tIns="0" rIns="0" bIns="0">
+            <a:normAutofit fontScale="79000" lnSpcReduction="10000"/>
+          </a:bodyPr>
+          <a:lstStyle/>
+          <a:p>
+            <a:pPr marL="432000" indent="-322200">
+              <a:lnSpc>
+                <a:spcPct val="100000"/>
+              </a:lnSpc>
+              <a:spcAft>
+                <a:spcPts val="1060"/>
+              </a:spcAft>
+              <a:buClr>
+                <a:srgbClr val="2C3E50"/>
+              </a:buClr>
+              <a:buSzPct val="45000"/>
+              <a:buFont typeface="Wingdings" charset="2"/>
+              <a:buChar char=""/>
+            </a:pPr>
+            <a:r>
+              <a:rPr lang="fr-FR" sz="2400" b="1" strike="noStrike" spc="-1">
+                <a:solidFill>
+                  <a:srgbClr val="2C3E50"/>
+                </a:solidFill>
+                <a:latin typeface="Source Sans Pro Semibold"/>
+                <a:ea typeface="DejaVu Sans"/>
+              </a:rPr>
+              <a:t>Equivalent de SIR </a:t>
+            </a:r>
+            <a:endParaRPr lang="fr-FR" sz="2400" b="0" strike="noStrike" spc="-1">
+              <a:latin typeface="Arial"/>
+            </a:endParaRPr>
+          </a:p>
+          <a:p>
+            <a:pPr marL="432000" indent="-322200">
+              <a:lnSpc>
+                <a:spcPct val="100000"/>
+              </a:lnSpc>
+              <a:spcAft>
+                <a:spcPts val="1060"/>
+              </a:spcAft>
+              <a:buClr>
+                <a:srgbClr val="2C3E50"/>
+              </a:buClr>
+              <a:buSzPct val="45000"/>
+              <a:buFont typeface="Wingdings" charset="2"/>
+              <a:buChar char=""/>
+            </a:pPr>
+            <a:r>
+              <a:rPr lang="fr-FR" sz="2400" b="1" strike="noStrike" spc="-1">
+                <a:solidFill>
+                  <a:srgbClr val="2C3E50"/>
+                </a:solidFill>
+                <a:latin typeface="Source Sans Pro Semibold"/>
+                <a:ea typeface="DejaVu Sans"/>
+              </a:rPr>
+              <a:t>Chaque individu représenté par un pixel : Vert=Sain, Rouge=Infecté, Bleu=Rétabli</a:t>
+            </a:r>
+            <a:endParaRPr lang="fr-FR" sz="2400" b="0" strike="noStrike" spc="-1">
+              <a:latin typeface="Arial"/>
+            </a:endParaRPr>
+          </a:p>
+        </p:txBody>
+      </p:sp>
+      <p:pic>
+        <p:nvPicPr>
+          <p:cNvPr id="151" name="Image 150"/>
+          <p:cNvPicPr/>
+          <p:nvPr/>
+        </p:nvPicPr>
+        <p:blipFill>
+          <a:blip r:embed="rId2"/>
+          <a:stretch/>
+        </p:blipFill>
+        <p:spPr>
+          <a:xfrm>
+            <a:off x="144000" y="2553120"/>
+            <a:ext cx="9720000" cy="2414880"/>
+          </a:xfrm>
+          <a:prstGeom prst="rect">
+            <a:avLst/>
+          </a:prstGeom>
+          <a:ln>
+            <a:noFill/>
+          </a:ln>
+        </p:spPr>
+      </p:pic>
+    </p:spTree>
+  </p:cSld>
+  <p:clrMapOvr>
+    <a:masterClrMapping/>
+  </p:clrMapOvr>
+</p:sld>
+</file>
+
+<file path=ppt/slides/slide12.xml><?xml version="1.0" encoding="utf-8"?>
+<p:sld xmlns:a="http://schemas.openxmlformats.org/drawingml/2006/main" xmlns:r="http://schemas.openxmlformats.org/officeDocument/2006/relationships" xmlns:p="http://schemas.openxmlformats.org/presentationml/2006/main">
+  <p:cSld>
+    <p:spTree>
+      <p:nvGrpSpPr>
+        <p:cNvPr id="1" name=""/>
+        <p:cNvGrpSpPr/>
+        <p:nvPr/>
+      </p:nvGrpSpPr>
+      <p:grpSpPr>
+        <a:xfrm>
+          <a:off x="0" y="0"/>
+          <a:ext cx="0" cy="0"/>
+          <a:chOff x="0" y="0"/>
+          <a:chExt cx="0" cy="0"/>
+        </a:xfrm>
+      </p:grpSpPr>
+      <p:pic>
+        <p:nvPicPr>
+          <p:cNvPr id="2" name="Image 1">
+            <a:extLst>
+              <a:ext uri="{FF2B5EF4-FFF2-40B4-BE49-F238E27FC236}">
+                <a16:creationId xmlns:a16="http://schemas.microsoft.com/office/drawing/2014/main" id="{0BB80E19-55FA-4298-8362-7169FFE1D398}"/>
+              </a:ext>
+            </a:extLst>
+          </p:cNvPr>
+          <p:cNvPicPr>
+            <a:picLocks noChangeAspect="1"/>
+          </p:cNvPicPr>
+          <p:nvPr/>
+        </p:nvPicPr>
+        <p:blipFill>
+          <a:blip r:embed="rId2"/>
+          <a:stretch>
+            <a:fillRect/>
+          </a:stretch>
+        </p:blipFill>
+        <p:spPr>
+          <a:xfrm>
+            <a:off x="5414552" y="1385476"/>
+            <a:ext cx="3543300" cy="3533775"/>
+          </a:xfrm>
+          <a:prstGeom prst="rect">
+            <a:avLst/>
+          </a:prstGeom>
+        </p:spPr>
+      </p:pic>
+      <p:pic>
+        <p:nvPicPr>
+          <p:cNvPr id="3" name="Image 2">
+            <a:extLst>
+              <a:ext uri="{FF2B5EF4-FFF2-40B4-BE49-F238E27FC236}">
+                <a16:creationId xmlns:a16="http://schemas.microsoft.com/office/drawing/2014/main" id="{01822978-D6A2-4965-AB83-0DB97FEE1C52}"/>
+              </a:ext>
+            </a:extLst>
+          </p:cNvPr>
+          <p:cNvPicPr>
+            <a:picLocks noChangeAspect="1"/>
+          </p:cNvPicPr>
+          <p:nvPr/>
+        </p:nvPicPr>
+        <p:blipFill>
+          <a:blip r:embed="rId3"/>
+          <a:stretch>
+            <a:fillRect/>
+          </a:stretch>
+        </p:blipFill>
+        <p:spPr>
+          <a:xfrm>
+            <a:off x="8870950" y="1385476"/>
+            <a:ext cx="1209675" cy="3705225"/>
+          </a:xfrm>
+          <a:prstGeom prst="rect">
+            <a:avLst/>
+          </a:prstGeom>
+        </p:spPr>
+      </p:pic>
+      <p:sp>
+        <p:nvSpPr>
+          <p:cNvPr id="4" name="Rectangle 3">
+            <a:extLst>
+              <a:ext uri="{FF2B5EF4-FFF2-40B4-BE49-F238E27FC236}">
+                <a16:creationId xmlns:a16="http://schemas.microsoft.com/office/drawing/2014/main" id="{B2DD3DFC-9B39-4BA2-B17B-81F07EF94946}"/>
+              </a:ext>
+            </a:extLst>
+          </p:cNvPr>
+          <p:cNvSpPr/>
+          <p:nvPr/>
+        </p:nvSpPr>
+        <p:spPr>
+          <a:xfrm>
+            <a:off x="566788" y="285104"/>
+            <a:ext cx="6763160" cy="646331"/>
+          </a:xfrm>
+          <a:prstGeom prst="rect">
+            <a:avLst/>
+          </a:prstGeom>
+        </p:spPr>
+        <p:txBody>
+          <a:bodyPr wrap="square">
+            <a:spAutoFit/>
+          </a:bodyPr>
+          <a:lstStyle/>
+          <a:p>
+            <a:pPr>
+              <a:lnSpc>
+                <a:spcPct val="100000"/>
+              </a:lnSpc>
+            </a:pPr>
+            <a:r>
+              <a:rPr lang="fr-FR" b="1" spc="-1" dirty="0">
+                <a:solidFill>
+                  <a:srgbClr val="FFFFFF"/>
+                </a:solidFill>
+                <a:latin typeface="Source Sans Pro Black"/>
+              </a:rPr>
+              <a:t>Exemple de simulation : propagation d’une maladie dont une partie de la population est vaccinée</a:t>
+            </a:r>
+            <a:endParaRPr lang="fr-FR" spc="-1" dirty="0"/>
+          </a:p>
+        </p:txBody>
+      </p:sp>
+      <p:sp>
+        <p:nvSpPr>
+          <p:cNvPr id="5" name="ZoneTexte 4">
+            <a:extLst>
+              <a:ext uri="{FF2B5EF4-FFF2-40B4-BE49-F238E27FC236}">
+                <a16:creationId xmlns:a16="http://schemas.microsoft.com/office/drawing/2014/main" id="{B8B7C26F-62F0-425E-A4FE-575289CDAF33}"/>
+              </a:ext>
+            </a:extLst>
+          </p:cNvPr>
+          <p:cNvSpPr txBox="1"/>
+          <p:nvPr/>
+        </p:nvSpPr>
+        <p:spPr>
+          <a:xfrm>
+            <a:off x="547609" y="1544116"/>
+            <a:ext cx="2809568" cy="369332"/>
+          </a:xfrm>
+          <a:prstGeom prst="rect">
+            <a:avLst/>
+          </a:prstGeom>
+          <a:noFill/>
+        </p:spPr>
+        <p:txBody>
+          <a:bodyPr wrap="square" rtlCol="0">
+            <a:spAutoFit/>
+          </a:bodyPr>
+          <a:lstStyle/>
+          <a:p>
+            <a:pPr marL="285750" indent="-285750">
+              <a:buFont typeface="Arial" panose="020B0604020202020204" pitchFamily="34" charset="0"/>
+              <a:buChar char="•"/>
+            </a:pPr>
+            <a:r>
+              <a:rPr lang="fr-FR" dirty="0"/>
+              <a:t>Modèle SIRD</a:t>
+            </a:r>
+          </a:p>
+        </p:txBody>
+      </p:sp>
+      <p:pic>
+        <p:nvPicPr>
+          <p:cNvPr id="7" name="Image 6">
+            <a:extLst>
+              <a:ext uri="{FF2B5EF4-FFF2-40B4-BE49-F238E27FC236}">
+                <a16:creationId xmlns:a16="http://schemas.microsoft.com/office/drawing/2014/main" id="{0E6BA96A-ADFE-4ED6-BA9A-B184B1B1C356}"/>
+              </a:ext>
+            </a:extLst>
+          </p:cNvPr>
+          <p:cNvPicPr>
+            <a:picLocks noChangeAspect="1"/>
+          </p:cNvPicPr>
+          <p:nvPr/>
+        </p:nvPicPr>
+        <p:blipFill>
+          <a:blip r:embed="rId4">
+            <a:extLst>
+              <a:ext uri="{28A0092B-C50C-407E-A947-70E740481C1C}">
+                <a14:useLocalDpi xmlns:a14="http://schemas.microsoft.com/office/drawing/2010/main" val="0"/>
+              </a:ext>
+            </a:extLst>
+          </a:blip>
+          <a:stretch>
+            <a:fillRect/>
+          </a:stretch>
+        </p:blipFill>
+        <p:spPr>
+          <a:xfrm>
+            <a:off x="597899" y="2101645"/>
+            <a:ext cx="2044868" cy="1880420"/>
+          </a:xfrm>
+          <a:prstGeom prst="rect">
+            <a:avLst/>
+          </a:prstGeom>
+        </p:spPr>
+      </p:pic>
+      <p:sp>
+        <p:nvSpPr>
+          <p:cNvPr id="8" name="ZoneTexte 7">
+            <a:extLst>
+              <a:ext uri="{FF2B5EF4-FFF2-40B4-BE49-F238E27FC236}">
+                <a16:creationId xmlns:a16="http://schemas.microsoft.com/office/drawing/2014/main" id="{C8AA3983-E50C-4B2A-A6DF-B1B3A9CDF055}"/>
+              </a:ext>
+            </a:extLst>
+          </p:cNvPr>
+          <p:cNvSpPr txBox="1"/>
+          <p:nvPr/>
+        </p:nvSpPr>
+        <p:spPr>
+          <a:xfrm>
+            <a:off x="1917290" y="3813020"/>
+            <a:ext cx="3596844" cy="1477328"/>
+          </a:xfrm>
+          <a:prstGeom prst="rect">
+            <a:avLst/>
+          </a:prstGeom>
+          <a:noFill/>
+        </p:spPr>
+        <p:txBody>
+          <a:bodyPr wrap="square" rtlCol="0">
+            <a:spAutoFit/>
+          </a:bodyPr>
+          <a:lstStyle/>
+          <a:p>
+            <a:r>
+              <a:rPr lang="fr-FR" dirty="0"/>
+              <a:t>Une partie de la population commence rétablie, et donc immunisée tandis, que la maladie se fraye un chemin dans les susceptibles</a:t>
+            </a:r>
+          </a:p>
+        </p:txBody>
+      </p:sp>
+    </p:spTree>
+    <p:extLst>
+      <p:ext uri="{BB962C8B-B14F-4D97-AF65-F5344CB8AC3E}">
+        <p14:creationId xmlns:p14="http://schemas.microsoft.com/office/powerpoint/2010/main" val="3138490208"/>
+      </p:ext>
+    </p:extLst>
+  </p:cSld>
+  <p:clrMapOvr>
+    <a:masterClrMapping/>
+  </p:clrMapOvr>
+</p:sld>
+</file>
+
+<file path=ppt/slides/slide13.xml><?xml version="1.0" encoding="utf-8"?>
+<p:sld xmlns:a="http://schemas.openxmlformats.org/drawingml/2006/main" xmlns:r="http://schemas.openxmlformats.org/officeDocument/2006/relationships" xmlns:p="http://schemas.openxmlformats.org/presentationml/2006/main">
+  <p:cSld>
+    <p:spTree>
+      <p:nvGrpSpPr>
+        <p:cNvPr id="1" name=""/>
+        <p:cNvGrpSpPr/>
+        <p:nvPr/>
+      </p:nvGrpSpPr>
+      <p:grpSpPr>
+        <a:xfrm>
+          <a:off x="0" y="0"/>
+          <a:ext cx="0" cy="0"/>
+          <a:chOff x="0" y="0"/>
+          <a:chExt cx="0" cy="0"/>
+        </a:xfrm>
+      </p:grpSpPr>
+      <p:sp>
+        <p:nvSpPr>
           <p:cNvPr id="152" name="CustomShape 1"/>
           <p:cNvSpPr/>
           <p:nvPr/>
@@ -7422,7 +7847,7 @@
               <a:buChar char=""/>
             </a:pPr>
             <a:r>
-              <a:rPr lang="fr-FR" sz="2400" b="1" strike="noStrike" spc="-1">
+              <a:rPr lang="fr-FR" sz="2400" b="1" strike="noStrike" spc="-1" dirty="0">
                 <a:solidFill>
                   <a:srgbClr val="2C3E50"/>
                 </a:solidFill>
@@ -7431,7 +7856,7 @@
               </a:rPr>
               <a:t>Représentation mathématique d’un problème</a:t>
             </a:r>
-            <a:endParaRPr lang="fr-FR" sz="2400" b="0" strike="noStrike" spc="-1">
+            <a:endParaRPr lang="fr-FR" sz="2400" b="0" strike="noStrike" spc="-1" dirty="0">
               <a:latin typeface="Arial"/>
             </a:endParaRPr>
           </a:p>
@@ -7451,7 +7876,7 @@
               <a:buChar char=""/>
             </a:pPr>
             <a:r>
-              <a:rPr lang="fr-FR" sz="2400" b="1" strike="noStrike" spc="-1">
+              <a:rPr lang="fr-FR" sz="2400" b="1" strike="noStrike" spc="-1" dirty="0">
                 <a:solidFill>
                   <a:srgbClr val="2C3E50"/>
                 </a:solidFill>
@@ -7460,7 +7885,7 @@
               </a:rPr>
               <a:t>Exemple: Une pièce à 50% de chance de tomber sur pile, et 50% de chance de tomber sur face</a:t>
             </a:r>
-            <a:endParaRPr lang="fr-FR" sz="2400" b="0" strike="noStrike" spc="-1">
+            <a:endParaRPr lang="fr-FR" sz="2400" b="0" strike="noStrike" spc="-1" dirty="0">
               <a:latin typeface="Arial"/>
             </a:endParaRPr>
           </a:p>
@@ -8787,8 +9212,8 @@
           </a:p>
         </p:txBody>
       </p:sp>
-      <mc:AlternateContent xmlns:mc="http://schemas.openxmlformats.org/markup-compatibility/2006">
-        <mc:Choice xmlns:a14="http://schemas.microsoft.com/office/drawing/2010/main" Requires="a14">
+      <mc:AlternateContent xmlns:mc="http://schemas.openxmlformats.org/markup-compatibility/2006" xmlns:a14="http://schemas.microsoft.com/office/drawing/2010/main">
+        <mc:Choice Requires="a14">
           <p:sp>
             <p:nvSpPr>
               <p:cNvPr id="2" name="ZoneTexte 1">
@@ -9098,7 +9523,7 @@
             </p:txBody>
           </p:sp>
         </mc:Choice>
-        <mc:Fallback>
+        <mc:Fallback xmlns="">
           <p:sp>
             <p:nvSpPr>
               <p:cNvPr id="2" name="ZoneTexte 1">
@@ -9143,8 +9568,8 @@
           </p:sp>
         </mc:Fallback>
       </mc:AlternateContent>
-      <mc:AlternateContent xmlns:mc="http://schemas.openxmlformats.org/markup-compatibility/2006">
-        <mc:Choice xmlns:a14="http://schemas.microsoft.com/office/drawing/2010/main" Requires="a14">
+      <mc:AlternateContent xmlns:mc="http://schemas.openxmlformats.org/markup-compatibility/2006" xmlns:a14="http://schemas.microsoft.com/office/drawing/2010/main">
+        <mc:Choice Requires="a14">
           <p:sp>
             <p:nvSpPr>
               <p:cNvPr id="3" name="ZoneTexte 2">
@@ -9173,6 +9598,7 @@
               </a:bodyPr>
               <a:lstStyle/>
               <a:p>
+                <a:pPr/>
                 <a14:m>
                   <m:oMathPara xmlns:m="http://schemas.openxmlformats.org/officeDocument/2006/math">
                     <m:oMathParaPr>
@@ -9194,7 +9620,7 @@
             </p:txBody>
           </p:sp>
         </mc:Choice>
-        <mc:Fallback>
+        <mc:Fallback xmlns="">
           <p:sp>
             <p:nvSpPr>
               <p:cNvPr id="3" name="ZoneTexte 2">
@@ -9239,8 +9665,8 @@
           </p:sp>
         </mc:Fallback>
       </mc:AlternateContent>
-      <mc:AlternateContent xmlns:mc="http://schemas.openxmlformats.org/markup-compatibility/2006">
-        <mc:Choice xmlns:a14="http://schemas.microsoft.com/office/drawing/2010/main" Requires="a14">
+      <mc:AlternateContent xmlns:mc="http://schemas.openxmlformats.org/markup-compatibility/2006" xmlns:a14="http://schemas.microsoft.com/office/drawing/2010/main">
+        <mc:Choice Requires="a14">
           <p:sp>
             <p:nvSpPr>
               <p:cNvPr id="4" name="Rectangle 3">
@@ -9268,6 +9694,7 @@
               </a:bodyPr>
               <a:lstStyle/>
               <a:p>
+                <a:pPr/>
                 <a14:m>
                   <m:oMathPara xmlns:m="http://schemas.openxmlformats.org/officeDocument/2006/math">
                     <m:oMathParaPr>
@@ -9289,7 +9716,7 @@
             </p:txBody>
           </p:sp>
         </mc:Choice>
-        <mc:Fallback>
+        <mc:Fallback xmlns="">
           <p:sp>
             <p:nvSpPr>
               <p:cNvPr id="4" name="Rectangle 3">
@@ -9419,8 +9846,8 @@
         </p:nvSpPr>
         <p:spPr>
           <a:xfrm>
-            <a:off x="432997" y="1561980"/>
-            <a:ext cx="9072000" cy="2347309"/>
+            <a:off x="432997" y="935655"/>
+            <a:ext cx="9072000" cy="3599960"/>
           </a:xfrm>
         </p:spPr>
         <p:txBody>
@@ -9506,7 +9933,25 @@
                 </a:solidFill>
                 <a:latin typeface="Source Sans Pro Semibold"/>
               </a:rPr>
-              <a:t>Plus de complexité mais plus réaliste</a:t>
+              <a:t>Plus de complexité mais plus </a:t>
+            </a:r>
+            <a:r>
+              <a:rPr lang="fr-FR" b="1" spc="-1" dirty="0" err="1">
+                <a:solidFill>
+                  <a:srgbClr val="2C3E50"/>
+                </a:solidFill>
+                <a:latin typeface="Source Sans Pro Semibold"/>
+              </a:rPr>
+              <a:t>plus</a:t>
+            </a:r>
+            <a:r>
+              <a:rPr lang="fr-FR" b="1" spc="-1" dirty="0">
+                <a:solidFill>
+                  <a:srgbClr val="2C3E50"/>
+                </a:solidFill>
+                <a:latin typeface="Source Sans Pro Semibold"/>
+              </a:rPr>
+              <a:t> réaliste</a:t>
             </a:r>
           </a:p>
         </p:txBody>
@@ -9579,141 +10024,1041 @@
       </p:grpSpPr>
       <p:sp>
         <p:nvSpPr>
-          <p:cNvPr id="145" name="CustomShape 1"/>
+          <p:cNvPr id="2" name="Titre 1">
+            <a:extLst>
+              <a:ext uri="{FF2B5EF4-FFF2-40B4-BE49-F238E27FC236}">
+                <a16:creationId xmlns:a16="http://schemas.microsoft.com/office/drawing/2014/main" id="{669C6F35-039F-4BCD-A4AF-D3F6F3118DF7}"/>
+              </a:ext>
+            </a:extLst>
+          </p:cNvPr>
+          <p:cNvSpPr>
+            <a:spLocks noGrp="1"/>
+          </p:cNvSpPr>
+          <p:nvPr>
+            <p:ph type="title"/>
+          </p:nvPr>
+        </p:nvSpPr>
+        <p:spPr>
+          <a:xfrm>
+            <a:off x="504000" y="394601"/>
+            <a:ext cx="9072000" cy="609398"/>
+          </a:xfrm>
+        </p:spPr>
+        <p:txBody>
+          <a:bodyPr/>
+          <a:lstStyle/>
+          <a:p>
+            <a:r>
+              <a:rPr lang="fr-FR" dirty="0">
+                <a:solidFill>
+                  <a:schemeClr val="bg1"/>
+                </a:solidFill>
+              </a:rPr>
+              <a:t>Passer du modèle à la simulation</a:t>
+            </a:r>
+          </a:p>
+        </p:txBody>
+      </p:sp>
+      <mc:AlternateContent xmlns:mc="http://schemas.openxmlformats.org/markup-compatibility/2006">
+        <mc:Choice xmlns:a14="http://schemas.microsoft.com/office/drawing/2010/main" Requires="a14">
+          <p:sp>
+            <p:nvSpPr>
+              <p:cNvPr id="5" name="Sous-titre 4">
+                <a:extLst>
+                  <a:ext uri="{FF2B5EF4-FFF2-40B4-BE49-F238E27FC236}">
+                    <a16:creationId xmlns:a16="http://schemas.microsoft.com/office/drawing/2014/main" id="{295A03FF-CA93-4B55-9C80-E9E2B00DBDB8}"/>
+                  </a:ext>
+                </a:extLst>
+              </p:cNvPr>
+              <p:cNvSpPr txBox="1">
+                <a:spLocks noGrp="1"/>
+              </p:cNvSpPr>
+              <p:nvPr>
+                <p:ph type="subTitle"/>
+              </p:nvPr>
+            </p:nvSpPr>
+            <p:spPr>
+              <a:xfrm>
+                <a:off x="503238" y="1997278"/>
+                <a:ext cx="3469540" cy="1947456"/>
+              </a:xfrm>
+              <a:prstGeom prst="rect">
+                <a:avLst/>
+              </a:prstGeom>
+              <a:noFill/>
+            </p:spPr>
+            <p:txBody>
+              <a:bodyPr wrap="none" rtlCol="0">
+                <a:spAutoFit/>
+              </a:bodyPr>
+              <a:lstStyle/>
+              <a:p>
+                <a:pPr marL="285750" indent="-285750">
+                  <a:buFont typeface="Arial" panose="020B0604020202020204" pitchFamily="34" charset="0"/>
+                  <a:buChar char="•"/>
+                </a:pPr>
+                <a14:m>
+                  <m:oMath xmlns:m="http://schemas.openxmlformats.org/officeDocument/2006/math">
+                    <m:f>
+                      <m:fPr>
+                        <m:ctrlPr>
+                          <a:rPr lang="fr-FR" i="1" spc="-1" smtClean="0">
+                            <a:latin typeface="Cambria Math" panose="02040503050406030204" pitchFamily="18" charset="0"/>
+                          </a:rPr>
+                        </m:ctrlPr>
+                      </m:fPr>
+                      <m:num>
+                        <m:r>
+                          <a:rPr lang="fr-FR" i="1" spc="-1">
+                            <a:latin typeface="Cambria Math" panose="02040503050406030204" pitchFamily="18" charset="0"/>
+                          </a:rPr>
+                          <m:t>𝑑𝑆</m:t>
+                        </m:r>
+                      </m:num>
+                      <m:den>
+                        <m:r>
+                          <a:rPr lang="fr-FR" i="1" spc="-1">
+                            <a:latin typeface="Cambria Math" panose="02040503050406030204" pitchFamily="18" charset="0"/>
+                          </a:rPr>
+                          <m:t>𝑑</m:t>
+                        </m:r>
+                        <m:r>
+                          <a:rPr lang="fr-FR" b="0" i="1" spc="-1" smtClean="0">
+                            <a:latin typeface="Cambria Math" panose="02040503050406030204" pitchFamily="18" charset="0"/>
+                          </a:rPr>
+                          <m:t>𝑡</m:t>
+                        </m:r>
+                      </m:den>
+                    </m:f>
+                    <m:r>
+                      <a:rPr lang="fr-FR" i="1" spc="-1">
+                        <a:latin typeface="Cambria Math" panose="02040503050406030204" pitchFamily="18" charset="0"/>
+                      </a:rPr>
+                      <m:t>=−</m:t>
+                    </m:r>
+                    <m:r>
+                      <a:rPr lang="fr-FR" i="1" spc="-1">
+                        <a:latin typeface="Cambria Math" panose="02040503050406030204" pitchFamily="18" charset="0"/>
+                        <a:ea typeface="Cambria Math" panose="02040503050406030204" pitchFamily="18" charset="0"/>
+                      </a:rPr>
+                      <m:t>𝛽</m:t>
+                    </m:r>
+                    <m:r>
+                      <a:rPr lang="fr-FR" i="1" spc="-1">
+                        <a:latin typeface="Cambria Math" panose="02040503050406030204" pitchFamily="18" charset="0"/>
+                        <a:ea typeface="Cambria Math" panose="02040503050406030204" pitchFamily="18" charset="0"/>
+                      </a:rPr>
+                      <m:t>∗</m:t>
+                    </m:r>
+                    <m:r>
+                      <a:rPr lang="fr-FR" i="1" spc="-1">
+                        <a:latin typeface="Cambria Math" panose="02040503050406030204" pitchFamily="18" charset="0"/>
+                        <a:ea typeface="Cambria Math" panose="02040503050406030204" pitchFamily="18" charset="0"/>
+                      </a:rPr>
+                      <m:t>𝐼</m:t>
+                    </m:r>
+                    <m:r>
+                      <a:rPr lang="fr-FR" i="1" spc="-1">
+                        <a:latin typeface="Cambria Math" panose="02040503050406030204" pitchFamily="18" charset="0"/>
+                        <a:ea typeface="Cambria Math" panose="02040503050406030204" pitchFamily="18" charset="0"/>
+                      </a:rPr>
+                      <m:t>∗</m:t>
+                    </m:r>
+                    <m:r>
+                      <a:rPr lang="fr-FR" i="1" spc="-1">
+                        <a:latin typeface="Cambria Math" panose="02040503050406030204" pitchFamily="18" charset="0"/>
+                        <a:ea typeface="Cambria Math" panose="02040503050406030204" pitchFamily="18" charset="0"/>
+                      </a:rPr>
+                      <m:t>𝑆</m:t>
+                    </m:r>
+                  </m:oMath>
+                </a14:m>
+                <a:endParaRPr lang="fr-FR" dirty="0"/>
+              </a:p>
+              <a:p>
+                <a:pPr marL="285750" indent="-285750">
+                  <a:buFont typeface="Arial" panose="020B0604020202020204" pitchFamily="34" charset="0"/>
+                  <a:buChar char="•"/>
+                </a:pPr>
+                <a14:m>
+                  <m:oMath xmlns:m="http://schemas.openxmlformats.org/officeDocument/2006/math">
+                    <m:f>
+                      <m:fPr>
+                        <m:ctrlPr>
+                          <a:rPr lang="fr-FR" i="1" spc="-1">
+                            <a:latin typeface="Cambria Math" panose="02040503050406030204" pitchFamily="18" charset="0"/>
+                          </a:rPr>
+                        </m:ctrlPr>
+                      </m:fPr>
+                      <m:num>
+                        <m:r>
+                          <a:rPr lang="fr-FR" i="1" spc="-1">
+                            <a:latin typeface="Cambria Math" panose="02040503050406030204" pitchFamily="18" charset="0"/>
+                          </a:rPr>
+                          <m:t>𝑑</m:t>
+                        </m:r>
+                        <m:r>
+                          <a:rPr lang="fr-FR" b="0" i="1" spc="-1" smtClean="0">
+                            <a:latin typeface="Cambria Math" panose="02040503050406030204" pitchFamily="18" charset="0"/>
+                          </a:rPr>
+                          <m:t>𝐼</m:t>
+                        </m:r>
+                      </m:num>
+                      <m:den>
+                        <m:r>
+                          <a:rPr lang="fr-FR" i="1" spc="-1">
+                            <a:latin typeface="Cambria Math" panose="02040503050406030204" pitchFamily="18" charset="0"/>
+                          </a:rPr>
+                          <m:t>𝑑</m:t>
+                        </m:r>
+                        <m:r>
+                          <a:rPr lang="fr-FR" b="0" i="1" spc="-1" smtClean="0">
+                            <a:latin typeface="Cambria Math" panose="02040503050406030204" pitchFamily="18" charset="0"/>
+                          </a:rPr>
+                          <m:t>𝑡</m:t>
+                        </m:r>
+                      </m:den>
+                    </m:f>
+                    <m:r>
+                      <a:rPr lang="fr-FR" i="1" spc="-1">
+                        <a:latin typeface="Cambria Math" panose="02040503050406030204" pitchFamily="18" charset="0"/>
+                      </a:rPr>
+                      <m:t>=</m:t>
+                    </m:r>
+                    <m:r>
+                      <a:rPr lang="fr-FR" i="1" spc="-1">
+                        <a:latin typeface="Cambria Math" panose="02040503050406030204" pitchFamily="18" charset="0"/>
+                        <a:ea typeface="Cambria Math" panose="02040503050406030204" pitchFamily="18" charset="0"/>
+                      </a:rPr>
+                      <m:t>𝛽</m:t>
+                    </m:r>
+                    <m:r>
+                      <a:rPr lang="fr-FR" i="1" spc="-1">
+                        <a:latin typeface="Cambria Math" panose="02040503050406030204" pitchFamily="18" charset="0"/>
+                        <a:ea typeface="Cambria Math" panose="02040503050406030204" pitchFamily="18" charset="0"/>
+                      </a:rPr>
+                      <m:t>∗</m:t>
+                    </m:r>
+                    <m:r>
+                      <a:rPr lang="fr-FR" i="1" spc="-1">
+                        <a:latin typeface="Cambria Math" panose="02040503050406030204" pitchFamily="18" charset="0"/>
+                        <a:ea typeface="Cambria Math" panose="02040503050406030204" pitchFamily="18" charset="0"/>
+                      </a:rPr>
+                      <m:t>𝐼</m:t>
+                    </m:r>
+                    <m:r>
+                      <a:rPr lang="fr-FR" i="1" spc="-1">
+                        <a:latin typeface="Cambria Math" panose="02040503050406030204" pitchFamily="18" charset="0"/>
+                        <a:ea typeface="Cambria Math" panose="02040503050406030204" pitchFamily="18" charset="0"/>
+                      </a:rPr>
+                      <m:t>∗</m:t>
+                    </m:r>
+                    <m:r>
+                      <a:rPr lang="fr-FR" i="1" spc="-1">
+                        <a:latin typeface="Cambria Math" panose="02040503050406030204" pitchFamily="18" charset="0"/>
+                        <a:ea typeface="Cambria Math" panose="02040503050406030204" pitchFamily="18" charset="0"/>
+                      </a:rPr>
+                      <m:t>𝑆</m:t>
+                    </m:r>
+                    <m:r>
+                      <a:rPr lang="fr-FR" b="0" i="1" spc="-1" smtClean="0">
+                        <a:latin typeface="Cambria Math" panose="02040503050406030204" pitchFamily="18" charset="0"/>
+                        <a:ea typeface="Cambria Math" panose="02040503050406030204" pitchFamily="18" charset="0"/>
+                      </a:rPr>
+                      <m:t> −</m:t>
+                    </m:r>
+                    <m:r>
+                      <a:rPr lang="fr-FR" b="0" i="1" spc="-1" smtClean="0">
+                        <a:latin typeface="Cambria Math" panose="02040503050406030204" pitchFamily="18" charset="0"/>
+                        <a:ea typeface="Cambria Math" panose="02040503050406030204" pitchFamily="18" charset="0"/>
+                      </a:rPr>
+                      <m:t>𝛾</m:t>
+                    </m:r>
+                    <m:r>
+                      <a:rPr lang="fr-FR" b="0" i="1" spc="-1" smtClean="0">
+                        <a:latin typeface="Cambria Math" panose="02040503050406030204" pitchFamily="18" charset="0"/>
+                        <a:ea typeface="Cambria Math" panose="02040503050406030204" pitchFamily="18" charset="0"/>
+                      </a:rPr>
+                      <m:t>∗</m:t>
+                    </m:r>
+                    <m:r>
+                      <a:rPr lang="fr-FR" b="0" i="1" spc="-1" smtClean="0">
+                        <a:latin typeface="Cambria Math" panose="02040503050406030204" pitchFamily="18" charset="0"/>
+                        <a:ea typeface="Cambria Math" panose="02040503050406030204" pitchFamily="18" charset="0"/>
+                      </a:rPr>
+                      <m:t>𝐼</m:t>
+                    </m:r>
+                  </m:oMath>
+                </a14:m>
+                <a:endParaRPr lang="fr-FR" b="0" spc="-1" dirty="0">
+                  <a:ea typeface="Cambria Math" panose="02040503050406030204" pitchFamily="18" charset="0"/>
+                </a:endParaRPr>
+              </a:p>
+              <a:p>
+                <a:pPr marL="285750" indent="-285750">
+                  <a:buFont typeface="Arial" panose="020B0604020202020204" pitchFamily="34" charset="0"/>
+                  <a:buChar char="•"/>
+                </a:pPr>
+                <a14:m>
+                  <m:oMath xmlns:m="http://schemas.openxmlformats.org/officeDocument/2006/math">
+                    <m:f>
+                      <m:fPr>
+                        <m:ctrlPr>
+                          <a:rPr lang="fr-FR" i="1" spc="-1">
+                            <a:latin typeface="Cambria Math" panose="02040503050406030204" pitchFamily="18" charset="0"/>
+                          </a:rPr>
+                        </m:ctrlPr>
+                      </m:fPr>
+                      <m:num>
+                        <m:r>
+                          <a:rPr lang="fr-FR" i="1" spc="-1">
+                            <a:latin typeface="Cambria Math" panose="02040503050406030204" pitchFamily="18" charset="0"/>
+                          </a:rPr>
+                          <m:t>𝑑</m:t>
+                        </m:r>
+                        <m:r>
+                          <a:rPr lang="fr-FR" b="0" i="1" spc="-1" smtClean="0">
+                            <a:latin typeface="Cambria Math" panose="02040503050406030204" pitchFamily="18" charset="0"/>
+                          </a:rPr>
+                          <m:t>𝑅</m:t>
+                        </m:r>
+                      </m:num>
+                      <m:den>
+                        <m:r>
+                          <a:rPr lang="fr-FR" i="1" spc="-1">
+                            <a:latin typeface="Cambria Math" panose="02040503050406030204" pitchFamily="18" charset="0"/>
+                          </a:rPr>
+                          <m:t>𝑑</m:t>
+                        </m:r>
+                        <m:r>
+                          <a:rPr lang="fr-FR" b="0" i="1" spc="-1" smtClean="0">
+                            <a:latin typeface="Cambria Math" panose="02040503050406030204" pitchFamily="18" charset="0"/>
+                          </a:rPr>
+                          <m:t>𝑡</m:t>
+                        </m:r>
+                      </m:den>
+                    </m:f>
+                    <m:r>
+                      <a:rPr lang="fr-FR" i="1" spc="-1">
+                        <a:latin typeface="Cambria Math" panose="02040503050406030204" pitchFamily="18" charset="0"/>
+                      </a:rPr>
+                      <m:t>=</m:t>
+                    </m:r>
+                    <m:r>
+                      <a:rPr lang="fr-FR" i="1" spc="-1" smtClean="0">
+                        <a:latin typeface="Cambria Math" panose="02040503050406030204" pitchFamily="18" charset="0"/>
+                        <a:ea typeface="Cambria Math" panose="02040503050406030204" pitchFamily="18" charset="0"/>
+                      </a:rPr>
+                      <m:t>𝛾</m:t>
+                    </m:r>
+                    <m:r>
+                      <a:rPr lang="fr-FR" b="0" i="1" spc="-1" smtClean="0">
+                        <a:latin typeface="Cambria Math" panose="02040503050406030204" pitchFamily="18" charset="0"/>
+                        <a:ea typeface="Cambria Math" panose="02040503050406030204" pitchFamily="18" charset="0"/>
+                      </a:rPr>
+                      <m:t>∗</m:t>
+                    </m:r>
+                    <m:r>
+                      <a:rPr lang="fr-FR" b="0" i="1" spc="-1" smtClean="0">
+                        <a:latin typeface="Cambria Math" panose="02040503050406030204" pitchFamily="18" charset="0"/>
+                        <a:ea typeface="Cambria Math" panose="02040503050406030204" pitchFamily="18" charset="0"/>
+                      </a:rPr>
+                      <m:t>𝐼</m:t>
+                    </m:r>
+                  </m:oMath>
+                </a14:m>
+                <a:endParaRPr lang="fr-FR" b="0" spc="-1" dirty="0">
+                  <a:ea typeface="Cambria Math" panose="02040503050406030204" pitchFamily="18" charset="0"/>
+                </a:endParaRPr>
+              </a:p>
+            </p:txBody>
+          </p:sp>
+        </mc:Choice>
+        <mc:Fallback>
+          <p:sp>
+            <p:nvSpPr>
+              <p:cNvPr id="5" name="Sous-titre 4">
+                <a:extLst>
+                  <a:ext uri="{FF2B5EF4-FFF2-40B4-BE49-F238E27FC236}">
+                    <a16:creationId xmlns:a16="http://schemas.microsoft.com/office/drawing/2014/main" id="{295A03FF-CA93-4B55-9C80-E9E2B00DBDB8}"/>
+                  </a:ext>
+                </a:extLst>
+              </p:cNvPr>
+              <p:cNvSpPr txBox="1">
+                <a:spLocks noGrp="1" noRot="1" noChangeAspect="1" noMove="1" noResize="1" noEditPoints="1" noAdjustHandles="1" noChangeArrowheads="1" noChangeShapeType="1" noTextEdit="1"/>
+              </p:cNvSpPr>
+              <p:nvPr>
+                <p:ph type="subTitle"/>
+              </p:nvPr>
+            </p:nvSpPr>
+            <p:spPr>
+              <a:xfrm>
+                <a:off x="503238" y="1997278"/>
+                <a:ext cx="3469540" cy="1947456"/>
+              </a:xfrm>
+              <a:prstGeom prst="rect">
+                <a:avLst/>
+              </a:prstGeom>
+              <a:blipFill>
+                <a:blip r:embed="rId2"/>
+                <a:stretch>
+                  <a:fillRect/>
+                </a:stretch>
+              </a:blipFill>
+            </p:spPr>
+            <p:txBody>
+              <a:bodyPr/>
+              <a:lstStyle/>
+              <a:p>
+                <a:r>
+                  <a:rPr lang="fr-FR">
+                    <a:noFill/>
+                  </a:rPr>
+                  <a:t> </a:t>
+                </a:r>
+              </a:p>
+            </p:txBody>
+          </p:sp>
+        </mc:Fallback>
+      </mc:AlternateContent>
+      <mc:AlternateContent xmlns:mc="http://schemas.openxmlformats.org/markup-compatibility/2006">
+        <mc:Choice xmlns:a14="http://schemas.microsoft.com/office/drawing/2010/main" Requires="a14">
+          <p:sp>
+            <p:nvSpPr>
+              <p:cNvPr id="6" name="ZoneTexte 5">
+                <a:extLst>
+                  <a:ext uri="{FF2B5EF4-FFF2-40B4-BE49-F238E27FC236}">
+                    <a16:creationId xmlns:a16="http://schemas.microsoft.com/office/drawing/2014/main" id="{F02DAF3D-9196-467A-AB98-D1F9CDD55B96}"/>
+                  </a:ext>
+                </a:extLst>
+              </p:cNvPr>
+              <p:cNvSpPr txBox="1"/>
+              <p:nvPr/>
+            </p:nvSpPr>
+            <p:spPr>
+              <a:xfrm>
+                <a:off x="4122420" y="1997278"/>
+                <a:ext cx="6012180" cy="923330"/>
+              </a:xfrm>
+              <a:prstGeom prst="rect">
+                <a:avLst/>
+              </a:prstGeom>
+              <a:noFill/>
+            </p:spPr>
+            <p:txBody>
+              <a:bodyPr wrap="square" rtlCol="0">
+                <a:spAutoFit/>
+              </a:bodyPr>
+              <a:lstStyle/>
+              <a:p>
+                <a:pPr marL="285750" indent="-285750">
+                  <a:buFont typeface="Arial" panose="020B0604020202020204" pitchFamily="34" charset="0"/>
+                  <a:buChar char="•"/>
+                </a:pPr>
+                <a:r>
+                  <a:rPr lang="fr-FR" dirty="0"/>
+                  <a:t>S est le nombre de susceptible à tout instant</a:t>
+                </a:r>
+              </a:p>
+              <a:p>
+                <a:pPr marL="285750" indent="-285750">
+                  <a:buFont typeface="Arial" panose="020B0604020202020204" pitchFamily="34" charset="0"/>
+                  <a:buChar char="•"/>
+                </a:pPr>
+                <a:r>
+                  <a:rPr lang="fr-FR" dirty="0"/>
+                  <a:t>I est le nombre d’infectés à tout instant</a:t>
+                </a:r>
+              </a:p>
+              <a:p>
+                <a:pPr marL="285750" indent="-285750">
+                  <a:buFont typeface="Arial" panose="020B0604020202020204" pitchFamily="34" charset="0"/>
+                  <a:buChar char="•"/>
+                </a:pPr>
+                <a14:m>
+                  <m:oMath xmlns:m="http://schemas.openxmlformats.org/officeDocument/2006/math">
+                    <m:r>
+                      <a:rPr lang="fr-FR" i="1" spc="-1">
+                        <a:latin typeface="Cambria Math" panose="02040503050406030204" pitchFamily="18" charset="0"/>
+                        <a:ea typeface="Cambria Math" panose="02040503050406030204" pitchFamily="18" charset="0"/>
+                      </a:rPr>
+                      <m:t>𝛾</m:t>
+                    </m:r>
+                    <m:r>
+                      <a:rPr lang="fr-FR" i="1" spc="-1">
+                        <a:latin typeface="Cambria Math" panose="02040503050406030204" pitchFamily="18" charset="0"/>
+                        <a:ea typeface="Cambria Math" panose="02040503050406030204" pitchFamily="18" charset="0"/>
+                      </a:rPr>
+                      <m:t>∗</m:t>
+                    </m:r>
+                    <m:r>
+                      <a:rPr lang="fr-FR" i="1" spc="-1">
+                        <a:latin typeface="Cambria Math" panose="02040503050406030204" pitchFamily="18" charset="0"/>
+                        <a:ea typeface="Cambria Math" panose="02040503050406030204" pitchFamily="18" charset="0"/>
+                      </a:rPr>
+                      <m:t>𝐼</m:t>
+                    </m:r>
+                  </m:oMath>
+                </a14:m>
+                <a:r>
+                  <a:rPr lang="fr-FR" dirty="0"/>
+                  <a:t> est le nombre de rétablis à tout instant</a:t>
+                </a:r>
+              </a:p>
+            </p:txBody>
+          </p:sp>
+        </mc:Choice>
+        <mc:Fallback>
+          <p:sp>
+            <p:nvSpPr>
+              <p:cNvPr id="6" name="ZoneTexte 5">
+                <a:extLst>
+                  <a:ext uri="{FF2B5EF4-FFF2-40B4-BE49-F238E27FC236}">
+                    <a16:creationId xmlns:a16="http://schemas.microsoft.com/office/drawing/2014/main" id="{F02DAF3D-9196-467A-AB98-D1F9CDD55B96}"/>
+                  </a:ext>
+                </a:extLst>
+              </p:cNvPr>
+              <p:cNvSpPr txBox="1">
+                <a:spLocks noRot="1" noChangeAspect="1" noMove="1" noResize="1" noEditPoints="1" noAdjustHandles="1" noChangeArrowheads="1" noChangeShapeType="1" noTextEdit="1"/>
+              </p:cNvSpPr>
+              <p:nvPr/>
+            </p:nvSpPr>
+            <p:spPr>
+              <a:xfrm>
+                <a:off x="4122420" y="1997278"/>
+                <a:ext cx="6012180" cy="923330"/>
+              </a:xfrm>
+              <a:prstGeom prst="rect">
+                <a:avLst/>
+              </a:prstGeom>
+              <a:blipFill>
+                <a:blip r:embed="rId3"/>
+                <a:stretch>
+                  <a:fillRect l="-608" t="-3974" b="-9934"/>
+                </a:stretch>
+              </a:blipFill>
+            </p:spPr>
+            <p:txBody>
+              <a:bodyPr/>
+              <a:lstStyle/>
+              <a:p>
+                <a:r>
+                  <a:rPr lang="fr-FR">
+                    <a:noFill/>
+                  </a:rPr>
+                  <a:t> </a:t>
+                </a:r>
+              </a:p>
+            </p:txBody>
+          </p:sp>
+        </mc:Fallback>
+      </mc:AlternateContent>
+      <mc:AlternateContent xmlns:mc="http://schemas.openxmlformats.org/markup-compatibility/2006">
+        <mc:Choice xmlns:a14="http://schemas.microsoft.com/office/drawing/2010/main" Requires="a14">
+          <p:sp>
+            <p:nvSpPr>
+              <p:cNvPr id="7" name="ZoneTexte 6">
+                <a:extLst>
+                  <a:ext uri="{FF2B5EF4-FFF2-40B4-BE49-F238E27FC236}">
+                    <a16:creationId xmlns:a16="http://schemas.microsoft.com/office/drawing/2014/main" id="{06842826-0D9D-4E33-ADB6-25B501FEFB4E}"/>
+                  </a:ext>
+                </a:extLst>
+              </p:cNvPr>
+              <p:cNvSpPr txBox="1"/>
+              <p:nvPr/>
+            </p:nvSpPr>
+            <p:spPr>
+              <a:xfrm>
+                <a:off x="4503961" y="2971006"/>
+                <a:ext cx="3207773" cy="768287"/>
+              </a:xfrm>
+              <a:prstGeom prst="rect">
+                <a:avLst/>
+              </a:prstGeom>
+              <a:noFill/>
+            </p:spPr>
+            <p:txBody>
+              <a:bodyPr wrap="square" rtlCol="0">
+                <a:spAutoFit/>
+              </a:bodyPr>
+              <a:lstStyle/>
+              <a:p>
+                <a14:m>
+                  <m:oMath xmlns:m="http://schemas.openxmlformats.org/officeDocument/2006/math">
+                    <m:f>
+                      <m:fPr>
+                        <m:ctrlPr>
+                          <a:rPr lang="fr-FR" i="1" spc="-1">
+                            <a:latin typeface="Cambria Math" panose="02040503050406030204" pitchFamily="18" charset="0"/>
+                          </a:rPr>
+                        </m:ctrlPr>
+                      </m:fPr>
+                      <m:num>
+                        <m:r>
+                          <a:rPr lang="fr-FR" i="1" spc="-1">
+                            <a:latin typeface="Cambria Math" panose="02040503050406030204" pitchFamily="18" charset="0"/>
+                          </a:rPr>
+                          <m:t>𝑑𝑆</m:t>
+                        </m:r>
+                      </m:num>
+                      <m:den>
+                        <m:r>
+                          <a:rPr lang="fr-FR" i="1" spc="-1">
+                            <a:latin typeface="Cambria Math" panose="02040503050406030204" pitchFamily="18" charset="0"/>
+                          </a:rPr>
+                          <m:t>𝑑</m:t>
+                        </m:r>
+                        <m:r>
+                          <a:rPr lang="fr-FR" i="1" spc="-1">
+                            <a:latin typeface="Cambria Math" panose="02040503050406030204" pitchFamily="18" charset="0"/>
+                          </a:rPr>
+                          <m:t>𝑡</m:t>
+                        </m:r>
+                      </m:den>
+                    </m:f>
+                  </m:oMath>
+                </a14:m>
+                <a:r>
+                  <a:rPr lang="fr-FR" dirty="0"/>
+                  <a:t> est la façon dont évolue le nombre de susceptibles</a:t>
+                </a:r>
+              </a:p>
+            </p:txBody>
+          </p:sp>
+        </mc:Choice>
+        <mc:Fallback>
+          <p:sp>
+            <p:nvSpPr>
+              <p:cNvPr id="7" name="ZoneTexte 6">
+                <a:extLst>
+                  <a:ext uri="{FF2B5EF4-FFF2-40B4-BE49-F238E27FC236}">
+                    <a16:creationId xmlns:a16="http://schemas.microsoft.com/office/drawing/2014/main" id="{06842826-0D9D-4E33-ADB6-25B501FEFB4E}"/>
+                  </a:ext>
+                </a:extLst>
+              </p:cNvPr>
+              <p:cNvSpPr txBox="1">
+                <a:spLocks noRot="1" noChangeAspect="1" noMove="1" noResize="1" noEditPoints="1" noAdjustHandles="1" noChangeArrowheads="1" noChangeShapeType="1" noTextEdit="1"/>
+              </p:cNvSpPr>
+              <p:nvPr/>
+            </p:nvSpPr>
+            <p:spPr>
+              <a:xfrm>
+                <a:off x="4503961" y="2971006"/>
+                <a:ext cx="3207773" cy="768287"/>
+              </a:xfrm>
+              <a:prstGeom prst="rect">
+                <a:avLst/>
+              </a:prstGeom>
+              <a:blipFill>
+                <a:blip r:embed="rId4"/>
+                <a:stretch>
+                  <a:fillRect l="-1711" r="-190" b="-11905"/>
+                </a:stretch>
+              </a:blipFill>
+            </p:spPr>
+            <p:txBody>
+              <a:bodyPr/>
+              <a:lstStyle/>
+              <a:p>
+                <a:r>
+                  <a:rPr lang="fr-FR">
+                    <a:noFill/>
+                  </a:rPr>
+                  <a:t> </a:t>
+                </a:r>
+              </a:p>
+            </p:txBody>
+          </p:sp>
+        </mc:Fallback>
+      </mc:AlternateContent>
+      <mc:AlternateContent xmlns:mc="http://schemas.openxmlformats.org/markup-compatibility/2006">
+        <mc:Choice xmlns:a14="http://schemas.microsoft.com/office/drawing/2010/main" Requires="a14">
+          <p:sp>
+            <p:nvSpPr>
+              <p:cNvPr id="9" name="Rectangle 8">
+                <a:extLst>
+                  <a:ext uri="{FF2B5EF4-FFF2-40B4-BE49-F238E27FC236}">
+                    <a16:creationId xmlns:a16="http://schemas.microsoft.com/office/drawing/2014/main" id="{0BF7FC89-0474-46D7-9A2B-A1B945849D40}"/>
+                  </a:ext>
+                </a:extLst>
+              </p:cNvPr>
+              <p:cNvSpPr/>
+              <p:nvPr/>
+            </p:nvSpPr>
+            <p:spPr>
+              <a:xfrm>
+                <a:off x="2872378" y="3964874"/>
+                <a:ext cx="3035280" cy="768287"/>
+              </a:xfrm>
+              <a:prstGeom prst="rect">
+                <a:avLst/>
+              </a:prstGeom>
+            </p:spPr>
+            <p:txBody>
+              <a:bodyPr wrap="square">
+                <a:spAutoFit/>
+              </a:bodyPr>
+              <a:lstStyle/>
+              <a:p>
+                <a14:m>
+                  <m:oMath xmlns:m="http://schemas.openxmlformats.org/officeDocument/2006/math">
+                    <m:f>
+                      <m:fPr>
+                        <m:ctrlPr>
+                          <a:rPr lang="fr-FR" i="1" spc="-1" smtClean="0">
+                            <a:latin typeface="Cambria Math" panose="02040503050406030204" pitchFamily="18" charset="0"/>
+                          </a:rPr>
+                        </m:ctrlPr>
+                      </m:fPr>
+                      <m:num>
+                        <m:r>
+                          <a:rPr lang="fr-FR" i="1" spc="-1">
+                            <a:latin typeface="Cambria Math" panose="02040503050406030204" pitchFamily="18" charset="0"/>
+                          </a:rPr>
+                          <m:t>𝑑</m:t>
+                        </m:r>
+                        <m:r>
+                          <a:rPr lang="fr-FR" b="0" i="1" spc="-1" smtClean="0">
+                            <a:latin typeface="Cambria Math" panose="02040503050406030204" pitchFamily="18" charset="0"/>
+                          </a:rPr>
+                          <m:t>𝐼</m:t>
+                        </m:r>
+                      </m:num>
+                      <m:den>
+                        <m:r>
+                          <a:rPr lang="fr-FR" i="1" spc="-1">
+                            <a:latin typeface="Cambria Math" panose="02040503050406030204" pitchFamily="18" charset="0"/>
+                          </a:rPr>
+                          <m:t>𝑑𝑡</m:t>
+                        </m:r>
+                      </m:den>
+                    </m:f>
+                  </m:oMath>
+                </a14:m>
+                <a:r>
+                  <a:rPr lang="fr-FR" dirty="0"/>
+                  <a:t> est la façon dont évolue le nombre d’infectés</a:t>
+                </a:r>
+              </a:p>
+            </p:txBody>
+          </p:sp>
+        </mc:Choice>
+        <mc:Fallback>
+          <p:sp>
+            <p:nvSpPr>
+              <p:cNvPr id="9" name="Rectangle 8">
+                <a:extLst>
+                  <a:ext uri="{FF2B5EF4-FFF2-40B4-BE49-F238E27FC236}">
+                    <a16:creationId xmlns:a16="http://schemas.microsoft.com/office/drawing/2014/main" id="{0BF7FC89-0474-46D7-9A2B-A1B945849D40}"/>
+                  </a:ext>
+                </a:extLst>
+              </p:cNvPr>
+              <p:cNvSpPr>
+                <a:spLocks noRot="1" noChangeAspect="1" noMove="1" noResize="1" noEditPoints="1" noAdjustHandles="1" noChangeArrowheads="1" noChangeShapeType="1" noTextEdit="1"/>
+              </p:cNvSpPr>
+              <p:nvPr/>
+            </p:nvSpPr>
+            <p:spPr>
+              <a:xfrm>
+                <a:off x="2872378" y="3964874"/>
+                <a:ext cx="3035280" cy="768287"/>
+              </a:xfrm>
+              <a:prstGeom prst="rect">
+                <a:avLst/>
+              </a:prstGeom>
+              <a:blipFill>
+                <a:blip r:embed="rId5"/>
+                <a:stretch>
+                  <a:fillRect l="-1606" b="-11905"/>
+                </a:stretch>
+              </a:blipFill>
+            </p:spPr>
+            <p:txBody>
+              <a:bodyPr/>
+              <a:lstStyle/>
+              <a:p>
+                <a:r>
+                  <a:rPr lang="fr-FR">
+                    <a:noFill/>
+                  </a:rPr>
+                  <a:t> </a:t>
+                </a:r>
+              </a:p>
+            </p:txBody>
+          </p:sp>
+        </mc:Fallback>
+      </mc:AlternateContent>
+      <mc:AlternateContent xmlns:mc="http://schemas.openxmlformats.org/markup-compatibility/2006">
+        <mc:Choice xmlns:a14="http://schemas.microsoft.com/office/drawing/2010/main" Requires="a14">
+          <p:sp>
+            <p:nvSpPr>
+              <p:cNvPr id="10" name="Rectangle 9">
+                <a:extLst>
+                  <a:ext uri="{FF2B5EF4-FFF2-40B4-BE49-F238E27FC236}">
+                    <a16:creationId xmlns:a16="http://schemas.microsoft.com/office/drawing/2014/main" id="{17A751D2-C7E6-4625-A777-7F66D1B12870}"/>
+                  </a:ext>
+                </a:extLst>
+              </p:cNvPr>
+              <p:cNvSpPr/>
+              <p:nvPr/>
+            </p:nvSpPr>
+            <p:spPr>
+              <a:xfrm>
+                <a:off x="6162197" y="4415369"/>
+                <a:ext cx="3099073" cy="768287"/>
+              </a:xfrm>
+              <a:prstGeom prst="rect">
+                <a:avLst/>
+              </a:prstGeom>
+            </p:spPr>
+            <p:txBody>
+              <a:bodyPr wrap="square">
+                <a:spAutoFit/>
+              </a:bodyPr>
+              <a:lstStyle/>
+              <a:p>
+                <a14:m>
+                  <m:oMath xmlns:m="http://schemas.openxmlformats.org/officeDocument/2006/math">
+                    <m:f>
+                      <m:fPr>
+                        <m:ctrlPr>
+                          <a:rPr lang="fr-FR" i="1" spc="-1" smtClean="0">
+                            <a:latin typeface="Cambria Math" panose="02040503050406030204" pitchFamily="18" charset="0"/>
+                          </a:rPr>
+                        </m:ctrlPr>
+                      </m:fPr>
+                      <m:num>
+                        <m:r>
+                          <a:rPr lang="fr-FR" i="1" spc="-1">
+                            <a:latin typeface="Cambria Math" panose="02040503050406030204" pitchFamily="18" charset="0"/>
+                          </a:rPr>
+                          <m:t>𝑑</m:t>
+                        </m:r>
+                        <m:r>
+                          <a:rPr lang="fr-FR" b="0" i="1" spc="-1" smtClean="0">
+                            <a:latin typeface="Cambria Math" panose="02040503050406030204" pitchFamily="18" charset="0"/>
+                          </a:rPr>
+                          <m:t>𝑅</m:t>
+                        </m:r>
+                      </m:num>
+                      <m:den>
+                        <m:r>
+                          <a:rPr lang="fr-FR" i="1" spc="-1">
+                            <a:latin typeface="Cambria Math" panose="02040503050406030204" pitchFamily="18" charset="0"/>
+                          </a:rPr>
+                          <m:t>𝑑𝑡</m:t>
+                        </m:r>
+                      </m:den>
+                    </m:f>
+                  </m:oMath>
+                </a14:m>
+                <a:r>
+                  <a:rPr lang="fr-FR" dirty="0"/>
+                  <a:t> est la façon dont évolue le nombre de rétablis</a:t>
+                </a:r>
+              </a:p>
+            </p:txBody>
+          </p:sp>
+        </mc:Choice>
+        <mc:Fallback>
+          <p:sp>
+            <p:nvSpPr>
+              <p:cNvPr id="10" name="Rectangle 9">
+                <a:extLst>
+                  <a:ext uri="{FF2B5EF4-FFF2-40B4-BE49-F238E27FC236}">
+                    <a16:creationId xmlns:a16="http://schemas.microsoft.com/office/drawing/2014/main" id="{17A751D2-C7E6-4625-A777-7F66D1B12870}"/>
+                  </a:ext>
+                </a:extLst>
+              </p:cNvPr>
+              <p:cNvSpPr>
+                <a:spLocks noRot="1" noChangeAspect="1" noMove="1" noResize="1" noEditPoints="1" noAdjustHandles="1" noChangeArrowheads="1" noChangeShapeType="1" noTextEdit="1"/>
+              </p:cNvSpPr>
+              <p:nvPr/>
+            </p:nvSpPr>
+            <p:spPr>
+              <a:xfrm>
+                <a:off x="6162197" y="4415369"/>
+                <a:ext cx="3099073" cy="768287"/>
+              </a:xfrm>
+              <a:prstGeom prst="rect">
+                <a:avLst/>
+              </a:prstGeom>
+              <a:blipFill>
+                <a:blip r:embed="rId6"/>
+                <a:stretch>
+                  <a:fillRect l="-1772" b="-11905"/>
+                </a:stretch>
+              </a:blipFill>
+            </p:spPr>
+            <p:txBody>
+              <a:bodyPr/>
+              <a:lstStyle/>
+              <a:p>
+                <a:r>
+                  <a:rPr lang="fr-FR">
+                    <a:noFill/>
+                  </a:rPr>
+                  <a:t> </a:t>
+                </a:r>
+              </a:p>
+            </p:txBody>
+          </p:sp>
+        </mc:Fallback>
+      </mc:AlternateContent>
+      <p:cxnSp>
+        <p:nvCxnSpPr>
+          <p:cNvPr id="19" name="Connecteur droit avec flèche 18">
+            <a:extLst>
+              <a:ext uri="{FF2B5EF4-FFF2-40B4-BE49-F238E27FC236}">
+                <a16:creationId xmlns:a16="http://schemas.microsoft.com/office/drawing/2014/main" id="{DB2F1D97-62D8-48D6-B4CF-6C9BD01E8F0F}"/>
+              </a:ext>
+            </a:extLst>
+          </p:cNvPr>
+          <p:cNvCxnSpPr>
+            <a:cxnSpLocks/>
+          </p:cNvCxnSpPr>
+          <p:nvPr/>
+        </p:nvCxnSpPr>
+        <p:spPr>
+          <a:xfrm flipV="1">
+            <a:off x="1194619" y="3944734"/>
+            <a:ext cx="390833" cy="590395"/>
+          </a:xfrm>
+          <a:prstGeom prst="straightConnector1">
+            <a:avLst/>
+          </a:prstGeom>
+          <a:ln>
+            <a:tailEnd type="triangle"/>
+          </a:ln>
+        </p:spPr>
+        <p:style>
+          <a:lnRef idx="1">
+            <a:schemeClr val="accent1"/>
+          </a:lnRef>
+          <a:fillRef idx="0">
+            <a:schemeClr val="accent1"/>
+          </a:fillRef>
+          <a:effectRef idx="0">
+            <a:schemeClr val="accent1"/>
+          </a:effectRef>
+          <a:fontRef idx="minor">
+            <a:schemeClr val="tx1"/>
+          </a:fontRef>
+        </p:style>
+      </p:cxnSp>
+      <p:sp>
+        <p:nvSpPr>
+          <p:cNvPr id="21" name="Rectangle 20">
+            <a:extLst>
+              <a:ext uri="{FF2B5EF4-FFF2-40B4-BE49-F238E27FC236}">
+                <a16:creationId xmlns:a16="http://schemas.microsoft.com/office/drawing/2014/main" id="{7F376914-F53C-4E23-A166-47ED0813277B}"/>
+              </a:ext>
+            </a:extLst>
+          </p:cNvPr>
           <p:cNvSpPr/>
           <p:nvPr/>
         </p:nvSpPr>
         <p:spPr>
           <a:xfrm>
-            <a:off x="360000" y="226080"/>
-            <a:ext cx="9358920" cy="717120"/>
-          </a:xfrm>
-          <a:prstGeom prst="rect">
-            <a:avLst/>
-          </a:prstGeom>
-          <a:noFill/>
+            <a:off x="0" y="4476348"/>
+            <a:ext cx="2617839" cy="646331"/>
+          </a:xfrm>
+          <a:prstGeom prst="rect">
+            <a:avLst/>
+          </a:prstGeom>
+        </p:spPr>
+        <p:txBody>
+          <a:bodyPr wrap="square">
+            <a:spAutoFit/>
+          </a:bodyPr>
+          <a:lstStyle/>
+          <a:p>
+            <a:r>
+              <a:rPr lang="fr-FR" dirty="0"/>
+              <a:t>Taux de rétablissement (probabilité de guérir)</a:t>
+            </a:r>
+          </a:p>
+        </p:txBody>
+      </p:sp>
+      <p:cxnSp>
+        <p:nvCxnSpPr>
+          <p:cNvPr id="25" name="Connecteur droit avec flèche 24">
+            <a:extLst>
+              <a:ext uri="{FF2B5EF4-FFF2-40B4-BE49-F238E27FC236}">
+                <a16:creationId xmlns:a16="http://schemas.microsoft.com/office/drawing/2014/main" id="{D77B27FA-2981-4235-9F66-D895E0B1E8EC}"/>
+              </a:ext>
+            </a:extLst>
+          </p:cNvPr>
+          <p:cNvCxnSpPr/>
+          <p:nvPr/>
+        </p:nvCxnSpPr>
+        <p:spPr>
+          <a:xfrm flipH="1">
+            <a:off x="1998406" y="1533832"/>
+            <a:ext cx="501446" cy="538316"/>
+          </a:xfrm>
+          <a:prstGeom prst="straightConnector1">
+            <a:avLst/>
+          </a:prstGeom>
           <a:ln>
-            <a:noFill/>
+            <a:tailEnd type="triangle"/>
           </a:ln>
         </p:spPr>
         <p:style>
-          <a:lnRef idx="0">
-            <a:scrgbClr r="0" g="0" b="0"/>
+          <a:lnRef idx="1">
+            <a:schemeClr val="accent1"/>
           </a:lnRef>
           <a:fillRef idx="0">
-            <a:scrgbClr r="0" g="0" b="0"/>
+            <a:schemeClr val="accent1"/>
           </a:fillRef>
           <a:effectRef idx="0">
-            <a:scrgbClr r="0" g="0" b="0"/>
+            <a:schemeClr val="accent1"/>
           </a:effectRef>
-          <a:fontRef idx="minor"/>
+          <a:fontRef idx="minor">
+            <a:schemeClr val="tx1"/>
+          </a:fontRef>
         </p:style>
-        <p:txBody>
-          <a:bodyPr lIns="0" tIns="0" rIns="0" bIns="0" anchor="ctr">
-            <a:noAutofit/>
-          </a:bodyPr>
-          <a:lstStyle/>
-          <a:p>
-            <a:pPr>
-              <a:lnSpc>
-                <a:spcPct val="100000"/>
-              </a:lnSpc>
-            </a:pPr>
-            <a:r>
-              <a:rPr lang="fr-FR" sz="2700" b="1" strike="noStrike" spc="-1">
-                <a:solidFill>
-                  <a:srgbClr val="FFFFFF"/>
-                </a:solidFill>
-                <a:latin typeface="Source Sans Pro Black"/>
-                <a:ea typeface="DejaVu Sans"/>
-              </a:rPr>
-              <a:t>Exemple de simulation de modèle compartimental : SIR</a:t>
-            </a:r>
-            <a:endParaRPr lang="fr-FR" sz="2700" b="0" strike="noStrike" spc="-1">
-              <a:latin typeface="Arial"/>
-            </a:endParaRPr>
-          </a:p>
-        </p:txBody>
-      </p:sp>
-      <p:sp>
-        <p:nvSpPr>
-          <p:cNvPr id="146" name="CustomShape 2"/>
+      </p:cxnSp>
+      <p:sp>
+        <p:nvSpPr>
+          <p:cNvPr id="26" name="Rectangle 25">
+            <a:extLst>
+              <a:ext uri="{FF2B5EF4-FFF2-40B4-BE49-F238E27FC236}">
+                <a16:creationId xmlns:a16="http://schemas.microsoft.com/office/drawing/2014/main" id="{1482EFDF-CE4E-47D4-B2E5-BD8B4FCD1808}"/>
+              </a:ext>
+            </a:extLst>
+          </p:cNvPr>
           <p:cNvSpPr/>
           <p:nvPr/>
         </p:nvSpPr>
         <p:spPr>
           <a:xfrm>
-            <a:off x="360000" y="1485000"/>
-            <a:ext cx="9358920" cy="3778560"/>
-          </a:xfrm>
-          <a:prstGeom prst="rect">
-            <a:avLst/>
-          </a:prstGeom>
-          <a:noFill/>
-          <a:ln>
-            <a:noFill/>
-          </a:ln>
-        </p:spPr>
-        <p:style>
-          <a:lnRef idx="0">
-            <a:scrgbClr r="0" g="0" b="0"/>
-          </a:lnRef>
-          <a:fillRef idx="0">
-            <a:scrgbClr r="0" g="0" b="0"/>
-          </a:fillRef>
-          <a:effectRef idx="0">
-            <a:scrgbClr r="0" g="0" b="0"/>
-          </a:effectRef>
-          <a:fontRef idx="minor"/>
-        </p:style>
-      </p:sp>
-      <p:pic>
-        <p:nvPicPr>
-          <p:cNvPr id="147" name="Image 146"/>
-          <p:cNvPicPr/>
-          <p:nvPr/>
-        </p:nvPicPr>
-        <p:blipFill>
-          <a:blip r:embed="rId2"/>
-          <a:stretch/>
-        </p:blipFill>
-        <p:spPr>
-          <a:xfrm>
-            <a:off x="720000" y="1371960"/>
-            <a:ext cx="8663400" cy="3451680"/>
-          </a:xfrm>
-          <a:prstGeom prst="rect">
-            <a:avLst/>
-          </a:prstGeom>
-          <a:ln>
-            <a:noFill/>
-          </a:ln>
-        </p:spPr>
-      </p:pic>
-      <p:pic>
-        <p:nvPicPr>
-          <p:cNvPr id="148" name="Image 147"/>
-          <p:cNvPicPr/>
-          <p:nvPr/>
-        </p:nvPicPr>
-        <p:blipFill>
-          <a:blip r:embed="rId2"/>
-          <a:stretch/>
-        </p:blipFill>
-        <p:spPr>
-          <a:xfrm>
-            <a:off x="177840" y="1371960"/>
-            <a:ext cx="9205560" cy="3667680"/>
-          </a:xfrm>
-          <a:prstGeom prst="rect">
-            <a:avLst/>
-          </a:prstGeom>
-          <a:ln>
-            <a:noFill/>
-          </a:ln>
-        </p:spPr>
-      </p:pic>
+            <a:off x="2499852" y="1337722"/>
+            <a:ext cx="3078559" cy="646331"/>
+          </a:xfrm>
+          <a:prstGeom prst="rect">
+            <a:avLst/>
+          </a:prstGeom>
+        </p:spPr>
+        <p:txBody>
+          <a:bodyPr wrap="square">
+            <a:spAutoFit/>
+          </a:bodyPr>
+          <a:lstStyle/>
+          <a:p>
+            <a:r>
+              <a:rPr lang="fr-FR" dirty="0"/>
+              <a:t>Taux d’infection (probabilité de tomber malade)</a:t>
+            </a:r>
+          </a:p>
+        </p:txBody>
+      </p:sp>
     </p:spTree>
+    <p:extLst>
+      <p:ext uri="{BB962C8B-B14F-4D97-AF65-F5344CB8AC3E}">
+        <p14:creationId xmlns:p14="http://schemas.microsoft.com/office/powerpoint/2010/main" val="2662990598"/>
+      </p:ext>
+    </p:extLst>
   </p:cSld>
   <p:clrMapOvr>
     <a:masterClrMapping/>

--- a/toRendre/INFO-G1-presentation.pptx
+++ b/toRendre/INFO-G1-presentation.pptx
@@ -19,7 +19,8 @@
     <p:sldId id="263" r:id="rId13"/>
     <p:sldId id="264" r:id="rId14"/>
     <p:sldId id="269" r:id="rId15"/>
-    <p:sldId id="265" r:id="rId16"/>
+    <p:sldId id="270" r:id="rId16"/>
+    <p:sldId id="265" r:id="rId17"/>
   </p:sldIdLst>
   <p:sldSz cx="10080625" cy="5670550"/>
   <p:notesSz cx="7559675" cy="10691813"/>
@@ -7126,6 +7127,66 @@
 </file>
 
 <file path=ppt/slides/slide13.xml><?xml version="1.0" encoding="utf-8"?>
+<p:sld xmlns:a="http://schemas.openxmlformats.org/drawingml/2006/main" xmlns:r="http://schemas.openxmlformats.org/officeDocument/2006/relationships" xmlns:p="http://schemas.openxmlformats.org/presentationml/2006/main">
+  <p:cSld>
+    <p:spTree>
+      <p:nvGrpSpPr>
+        <p:cNvPr id="1" name=""/>
+        <p:cNvGrpSpPr/>
+        <p:nvPr/>
+      </p:nvGrpSpPr>
+      <p:grpSpPr>
+        <a:xfrm>
+          <a:off x="0" y="0"/>
+          <a:ext cx="0" cy="0"/>
+          <a:chOff x="0" y="0"/>
+          <a:chExt cx="0" cy="0"/>
+        </a:xfrm>
+      </p:grpSpPr>
+      <p:pic>
+        <p:nvPicPr>
+          <p:cNvPr id="4" name="Image 3">
+            <a:extLst>
+              <a:ext uri="{FF2B5EF4-FFF2-40B4-BE49-F238E27FC236}">
+                <a16:creationId xmlns:a16="http://schemas.microsoft.com/office/drawing/2014/main" id="{50ABC5F3-BA23-44E2-B073-D789B4F169F9}"/>
+              </a:ext>
+            </a:extLst>
+          </p:cNvPr>
+          <p:cNvPicPr>
+            <a:picLocks noChangeAspect="1"/>
+          </p:cNvPicPr>
+          <p:nvPr/>
+        </p:nvPicPr>
+        <p:blipFill>
+          <a:blip r:embed="rId2"/>
+          <a:stretch>
+            <a:fillRect/>
+          </a:stretch>
+        </p:blipFill>
+        <p:spPr>
+          <a:xfrm>
+            <a:off x="-313" y="436257"/>
+            <a:ext cx="10080625" cy="4935196"/>
+          </a:xfrm>
+          <a:prstGeom prst="rect">
+            <a:avLst/>
+          </a:prstGeom>
+        </p:spPr>
+      </p:pic>
+    </p:spTree>
+    <p:extLst>
+      <p:ext uri="{BB962C8B-B14F-4D97-AF65-F5344CB8AC3E}">
+        <p14:creationId xmlns:p14="http://schemas.microsoft.com/office/powerpoint/2010/main" val="3541595003"/>
+      </p:ext>
+    </p:extLst>
+  </p:cSld>
+  <p:clrMapOvr>
+    <a:masterClrMapping/>
+  </p:clrMapOvr>
+</p:sld>
+</file>
+
+<file path=ppt/slides/slide14.xml><?xml version="1.0" encoding="utf-8"?>
 <p:sld xmlns:a="http://schemas.openxmlformats.org/drawingml/2006/main" xmlns:r="http://schemas.openxmlformats.org/officeDocument/2006/relationships" xmlns:p="http://schemas.openxmlformats.org/presentationml/2006/main">
   <p:cSld>
     <p:spTree>
@@ -10059,8 +10120,8 @@
           </a:p>
         </p:txBody>
       </p:sp>
-      <mc:AlternateContent xmlns:mc="http://schemas.openxmlformats.org/markup-compatibility/2006">
-        <mc:Choice xmlns:a14="http://schemas.microsoft.com/office/drawing/2010/main" Requires="a14">
+      <mc:AlternateContent xmlns:mc="http://schemas.openxmlformats.org/markup-compatibility/2006" xmlns:a14="http://schemas.microsoft.com/office/drawing/2010/main">
+        <mc:Choice Requires="a14">
           <p:sp>
             <p:nvSpPr>
               <p:cNvPr id="5" name="Sous-titre 4">
@@ -10374,7 +10435,7 @@
             </p:txBody>
           </p:sp>
         </mc:Choice>
-        <mc:Fallback>
+        <mc:Fallback xmlns="">
           <p:sp>
             <p:nvSpPr>
               <p:cNvPr id="5" name="Sous-titre 4">
@@ -10421,8 +10482,8 @@
           </p:sp>
         </mc:Fallback>
       </mc:AlternateContent>
-      <mc:AlternateContent xmlns:mc="http://schemas.openxmlformats.org/markup-compatibility/2006">
-        <mc:Choice xmlns:a14="http://schemas.microsoft.com/office/drawing/2010/main" Requires="a14">
+      <mc:AlternateContent xmlns:mc="http://schemas.openxmlformats.org/markup-compatibility/2006" xmlns:a14="http://schemas.microsoft.com/office/drawing/2010/main">
+        <mc:Choice Requires="a14">
           <p:sp>
             <p:nvSpPr>
               <p:cNvPr id="6" name="ZoneTexte 5">
@@ -10508,7 +10569,7 @@
             </p:txBody>
           </p:sp>
         </mc:Choice>
-        <mc:Fallback>
+        <mc:Fallback xmlns="">
           <p:sp>
             <p:nvSpPr>
               <p:cNvPr id="6" name="ZoneTexte 5">
@@ -10553,8 +10614,8 @@
           </p:sp>
         </mc:Fallback>
       </mc:AlternateContent>
-      <mc:AlternateContent xmlns:mc="http://schemas.openxmlformats.org/markup-compatibility/2006">
-        <mc:Choice xmlns:a14="http://schemas.microsoft.com/office/drawing/2010/main" Requires="a14">
+      <mc:AlternateContent xmlns:mc="http://schemas.openxmlformats.org/markup-compatibility/2006" xmlns:a14="http://schemas.microsoft.com/office/drawing/2010/main">
+        <mc:Choice Requires="a14">
           <p:sp>
             <p:nvSpPr>
               <p:cNvPr id="7" name="ZoneTexte 6">
@@ -10606,13 +10667,7 @@
                           <a:rPr lang="fr-FR" i="1" spc="-1">
                             <a:latin typeface="Cambria Math" panose="02040503050406030204" pitchFamily="18" charset="0"/>
                           </a:rPr>
-                          <m:t>𝑑</m:t>
-                        </m:r>
-                        <m:r>
-                          <a:rPr lang="fr-FR" i="1" spc="-1">
-                            <a:latin typeface="Cambria Math" panose="02040503050406030204" pitchFamily="18" charset="0"/>
-                          </a:rPr>
-                          <m:t>𝑡</m:t>
+                          <m:t>𝑑𝑡</m:t>
                         </m:r>
                       </m:den>
                     </m:f>
@@ -10626,7 +10681,7 @@
             </p:txBody>
           </p:sp>
         </mc:Choice>
-        <mc:Fallback>
+        <mc:Fallback xmlns="">
           <p:sp>
             <p:nvSpPr>
               <p:cNvPr id="7" name="ZoneTexte 6">
@@ -10671,8 +10726,8 @@
           </p:sp>
         </mc:Fallback>
       </mc:AlternateContent>
-      <mc:AlternateContent xmlns:mc="http://schemas.openxmlformats.org/markup-compatibility/2006">
-        <mc:Choice xmlns:a14="http://schemas.microsoft.com/office/drawing/2010/main" Requires="a14">
+      <mc:AlternateContent xmlns:mc="http://schemas.openxmlformats.org/markup-compatibility/2006" xmlns:a14="http://schemas.microsoft.com/office/drawing/2010/main">
+        <mc:Choice Requires="a14">
           <p:sp>
             <p:nvSpPr>
               <p:cNvPr id="9" name="Rectangle 8">
@@ -10743,7 +10798,7 @@
             </p:txBody>
           </p:sp>
         </mc:Choice>
-        <mc:Fallback>
+        <mc:Fallback xmlns="">
           <p:sp>
             <p:nvSpPr>
               <p:cNvPr id="9" name="Rectangle 8">
@@ -10788,8 +10843,8 @@
           </p:sp>
         </mc:Fallback>
       </mc:AlternateContent>
-      <mc:AlternateContent xmlns:mc="http://schemas.openxmlformats.org/markup-compatibility/2006">
-        <mc:Choice xmlns:a14="http://schemas.microsoft.com/office/drawing/2010/main" Requires="a14">
+      <mc:AlternateContent xmlns:mc="http://schemas.openxmlformats.org/markup-compatibility/2006" xmlns:a14="http://schemas.microsoft.com/office/drawing/2010/main">
+        <mc:Choice Requires="a14">
           <p:sp>
             <p:nvSpPr>
               <p:cNvPr id="10" name="Rectangle 9">
@@ -10860,7 +10915,7 @@
             </p:txBody>
           </p:sp>
         </mc:Choice>
-        <mc:Fallback>
+        <mc:Fallback xmlns="">
           <p:sp>
             <p:nvSpPr>
               <p:cNvPr id="10" name="Rectangle 9">

--- a/toRendre/INFO-G1-presentation.pptx
+++ b/toRendre/INFO-G1-presentation.pptx
@@ -4,23 +4,23 @@
   <p:sldMasterIdLst>
     <p:sldMasterId id="2147483648" r:id="rId1"/>
     <p:sldMasterId id="2147483661" r:id="rId2"/>
-    <p:sldMasterId id="2147483674" r:id="rId3"/>
   </p:sldMasterIdLst>
   <p:sldIdLst>
-    <p:sldId id="256" r:id="rId4"/>
-    <p:sldId id="257" r:id="rId5"/>
-    <p:sldId id="258" r:id="rId6"/>
-    <p:sldId id="259" r:id="rId7"/>
-    <p:sldId id="260" r:id="rId8"/>
-    <p:sldId id="261" r:id="rId9"/>
-    <p:sldId id="262" r:id="rId10"/>
-    <p:sldId id="267" r:id="rId11"/>
-    <p:sldId id="268" r:id="rId12"/>
-    <p:sldId id="263" r:id="rId13"/>
-    <p:sldId id="264" r:id="rId14"/>
-    <p:sldId id="269" r:id="rId15"/>
-    <p:sldId id="270" r:id="rId16"/>
-    <p:sldId id="265" r:id="rId17"/>
+    <p:sldId id="256" r:id="rId3"/>
+    <p:sldId id="257" r:id="rId4"/>
+    <p:sldId id="258" r:id="rId5"/>
+    <p:sldId id="259" r:id="rId6"/>
+    <p:sldId id="260" r:id="rId7"/>
+    <p:sldId id="261" r:id="rId8"/>
+    <p:sldId id="262" r:id="rId9"/>
+    <p:sldId id="267" r:id="rId10"/>
+    <p:sldId id="268" r:id="rId11"/>
+    <p:sldId id="263" r:id="rId12"/>
+    <p:sldId id="264" r:id="rId13"/>
+    <p:sldId id="269" r:id="rId14"/>
+    <p:sldId id="270" r:id="rId15"/>
+    <p:sldId id="265" r:id="rId16"/>
+    <p:sldId id="271" r:id="rId17"/>
   </p:sldIdLst>
   <p:sldSz cx="10080625" cy="5670550"/>
   <p:notesSz cx="7559675" cy="10691813"/>
@@ -2224,384 +2224,6 @@
 </p:sldLayout>
 </file>
 
-<file path=ppt/slideLayouts/slideLayout25.xml><?xml version="1.0" encoding="utf-8"?>
-<p:sldLayout xmlns:a="http://schemas.openxmlformats.org/drawingml/2006/main" xmlns:r="http://schemas.openxmlformats.org/officeDocument/2006/relationships" xmlns:p="http://schemas.openxmlformats.org/presentationml/2006/main" type="blank" preserve="1">
-  <p:cSld name="Blank Slide">
-    <p:spTree>
-      <p:nvGrpSpPr>
-        <p:cNvPr id="1" name=""/>
-        <p:cNvGrpSpPr/>
-        <p:nvPr/>
-      </p:nvGrpSpPr>
-      <p:grpSpPr>
-        <a:xfrm>
-          <a:off x="0" y="0"/>
-          <a:ext cx="0" cy="0"/>
-          <a:chOff x="0" y="0"/>
-          <a:chExt cx="0" cy="0"/>
-        </a:xfrm>
-      </p:grpSpPr>
-    </p:spTree>
-  </p:cSld>
-  <p:clrMapOvr>
-    <a:masterClrMapping/>
-  </p:clrMapOvr>
-</p:sldLayout>
-</file>
-
-<file path=ppt/slideLayouts/slideLayout26.xml><?xml version="1.0" encoding="utf-8"?>
-<p:sldLayout xmlns:a="http://schemas.openxmlformats.org/drawingml/2006/main" xmlns:r="http://schemas.openxmlformats.org/officeDocument/2006/relationships" xmlns:p="http://schemas.openxmlformats.org/presentationml/2006/main" type="tx" preserve="1">
-  <p:cSld name="Title Slide">
-    <p:spTree>
-      <p:nvGrpSpPr>
-        <p:cNvPr id="1" name=""/>
-        <p:cNvGrpSpPr/>
-        <p:nvPr/>
-      </p:nvGrpSpPr>
-      <p:grpSpPr>
-        <a:xfrm>
-          <a:off x="0" y="0"/>
-          <a:ext cx="0" cy="0"/>
-          <a:chOff x="0" y="0"/>
-          <a:chExt cx="0" cy="0"/>
-        </a:xfrm>
-      </p:grpSpPr>
-      <p:sp>
-        <p:nvSpPr>
-          <p:cNvPr id="88" name="PlaceHolder 1"/>
-          <p:cNvSpPr>
-            <a:spLocks noGrp="1"/>
-          </p:cNvSpPr>
-          <p:nvPr>
-            <p:ph type="title"/>
-          </p:nvPr>
-        </p:nvSpPr>
-        <p:spPr>
-          <a:xfrm>
-            <a:off x="504000" y="226080"/>
-            <a:ext cx="9072000" cy="946440"/>
-          </a:xfrm>
-          <a:prstGeom prst="rect">
-            <a:avLst/>
-          </a:prstGeom>
-        </p:spPr>
-        <p:txBody>
-          <a:bodyPr lIns="0" tIns="0" rIns="0" bIns="0" anchor="ctr">
-            <a:spAutoFit/>
-          </a:bodyPr>
-          <a:lstStyle/>
-          <a:p>
-            <a:pPr algn="ctr"/>
-            <a:endParaRPr lang="fr-FR" sz="4400" b="0" strike="noStrike" spc="-1">
-              <a:latin typeface="Arial"/>
-            </a:endParaRPr>
-          </a:p>
-        </p:txBody>
-      </p:sp>
-      <p:sp>
-        <p:nvSpPr>
-          <p:cNvPr id="89" name="PlaceHolder 2"/>
-          <p:cNvSpPr>
-            <a:spLocks noGrp="1"/>
-          </p:cNvSpPr>
-          <p:nvPr>
-            <p:ph type="subTitle"/>
-          </p:nvPr>
-        </p:nvSpPr>
-        <p:spPr>
-          <a:xfrm>
-            <a:off x="504000" y="1326600"/>
-            <a:ext cx="9072000" cy="3288600"/>
-          </a:xfrm>
-          <a:prstGeom prst="rect">
-            <a:avLst/>
-          </a:prstGeom>
-        </p:spPr>
-        <p:txBody>
-          <a:bodyPr lIns="0" tIns="0" rIns="0" bIns="0" anchor="ctr">
-            <a:spAutoFit/>
-          </a:bodyPr>
-          <a:lstStyle/>
-          <a:p>
-            <a:pPr algn="ctr"/>
-            <a:endParaRPr lang="fr-FR" sz="3200" b="0" strike="noStrike" spc="-1">
-              <a:latin typeface="Arial"/>
-            </a:endParaRPr>
-          </a:p>
-        </p:txBody>
-      </p:sp>
-    </p:spTree>
-  </p:cSld>
-  <p:clrMapOvr>
-    <a:masterClrMapping/>
-  </p:clrMapOvr>
-</p:sldLayout>
-</file>
-
-<file path=ppt/slideLayouts/slideLayout27.xml><?xml version="1.0" encoding="utf-8"?>
-<p:sldLayout xmlns:a="http://schemas.openxmlformats.org/drawingml/2006/main" xmlns:r="http://schemas.openxmlformats.org/officeDocument/2006/relationships" xmlns:p="http://schemas.openxmlformats.org/presentationml/2006/main" type="obj" preserve="1">
-  <p:cSld name="Title, Content">
-    <p:spTree>
-      <p:nvGrpSpPr>
-        <p:cNvPr id="1" name=""/>
-        <p:cNvGrpSpPr/>
-        <p:nvPr/>
-      </p:nvGrpSpPr>
-      <p:grpSpPr>
-        <a:xfrm>
-          <a:off x="0" y="0"/>
-          <a:ext cx="0" cy="0"/>
-          <a:chOff x="0" y="0"/>
-          <a:chExt cx="0" cy="0"/>
-        </a:xfrm>
-      </p:grpSpPr>
-      <p:sp>
-        <p:nvSpPr>
-          <p:cNvPr id="90" name="PlaceHolder 1"/>
-          <p:cNvSpPr>
-            <a:spLocks noGrp="1"/>
-          </p:cNvSpPr>
-          <p:nvPr>
-            <p:ph type="title"/>
-          </p:nvPr>
-        </p:nvSpPr>
-        <p:spPr>
-          <a:xfrm>
-            <a:off x="504000" y="226080"/>
-            <a:ext cx="9072000" cy="946440"/>
-          </a:xfrm>
-          <a:prstGeom prst="rect">
-            <a:avLst/>
-          </a:prstGeom>
-        </p:spPr>
-        <p:txBody>
-          <a:bodyPr lIns="0" tIns="0" rIns="0" bIns="0" anchor="ctr">
-            <a:spAutoFit/>
-          </a:bodyPr>
-          <a:lstStyle/>
-          <a:p>
-            <a:pPr algn="ctr"/>
-            <a:endParaRPr lang="fr-FR" sz="4400" b="0" strike="noStrike" spc="-1">
-              <a:latin typeface="Arial"/>
-            </a:endParaRPr>
-          </a:p>
-        </p:txBody>
-      </p:sp>
-      <p:sp>
-        <p:nvSpPr>
-          <p:cNvPr id="91" name="PlaceHolder 2"/>
-          <p:cNvSpPr>
-            <a:spLocks noGrp="1"/>
-          </p:cNvSpPr>
-          <p:nvPr>
-            <p:ph type="body"/>
-          </p:nvPr>
-        </p:nvSpPr>
-        <p:spPr>
-          <a:xfrm>
-            <a:off x="504000" y="1326600"/>
-            <a:ext cx="9072000" cy="3288600"/>
-          </a:xfrm>
-          <a:prstGeom prst="rect">
-            <a:avLst/>
-          </a:prstGeom>
-        </p:spPr>
-        <p:txBody>
-          <a:bodyPr lIns="0" tIns="0" rIns="0" bIns="0">
-            <a:normAutofit/>
-          </a:bodyPr>
-          <a:lstStyle/>
-          <a:p>
-            <a:endParaRPr lang="fr-FR" sz="3200" b="0" strike="noStrike" spc="-1">
-              <a:latin typeface="Arial"/>
-            </a:endParaRPr>
-          </a:p>
-        </p:txBody>
-      </p:sp>
-    </p:spTree>
-  </p:cSld>
-  <p:clrMapOvr>
-    <a:masterClrMapping/>
-  </p:clrMapOvr>
-</p:sldLayout>
-</file>
-
-<file path=ppt/slideLayouts/slideLayout28.xml><?xml version="1.0" encoding="utf-8"?>
-<p:sldLayout xmlns:a="http://schemas.openxmlformats.org/drawingml/2006/main" xmlns:r="http://schemas.openxmlformats.org/officeDocument/2006/relationships" xmlns:p="http://schemas.openxmlformats.org/presentationml/2006/main" type="twoObj" preserve="1">
-  <p:cSld name="Title, 2 Content">
-    <p:spTree>
-      <p:nvGrpSpPr>
-        <p:cNvPr id="1" name=""/>
-        <p:cNvGrpSpPr/>
-        <p:nvPr/>
-      </p:nvGrpSpPr>
-      <p:grpSpPr>
-        <a:xfrm>
-          <a:off x="0" y="0"/>
-          <a:ext cx="0" cy="0"/>
-          <a:chOff x="0" y="0"/>
-          <a:chExt cx="0" cy="0"/>
-        </a:xfrm>
-      </p:grpSpPr>
-      <p:sp>
-        <p:nvSpPr>
-          <p:cNvPr id="92" name="PlaceHolder 1"/>
-          <p:cNvSpPr>
-            <a:spLocks noGrp="1"/>
-          </p:cNvSpPr>
-          <p:nvPr>
-            <p:ph type="title"/>
-          </p:nvPr>
-        </p:nvSpPr>
-        <p:spPr>
-          <a:xfrm>
-            <a:off x="504000" y="226080"/>
-            <a:ext cx="9072000" cy="946440"/>
-          </a:xfrm>
-          <a:prstGeom prst="rect">
-            <a:avLst/>
-          </a:prstGeom>
-        </p:spPr>
-        <p:txBody>
-          <a:bodyPr lIns="0" tIns="0" rIns="0" bIns="0" anchor="ctr">
-            <a:spAutoFit/>
-          </a:bodyPr>
-          <a:lstStyle/>
-          <a:p>
-            <a:pPr algn="ctr"/>
-            <a:endParaRPr lang="fr-FR" sz="4400" b="0" strike="noStrike" spc="-1">
-              <a:latin typeface="Arial"/>
-            </a:endParaRPr>
-          </a:p>
-        </p:txBody>
-      </p:sp>
-      <p:sp>
-        <p:nvSpPr>
-          <p:cNvPr id="93" name="PlaceHolder 2"/>
-          <p:cNvSpPr>
-            <a:spLocks noGrp="1"/>
-          </p:cNvSpPr>
-          <p:nvPr>
-            <p:ph type="body"/>
-          </p:nvPr>
-        </p:nvSpPr>
-        <p:spPr>
-          <a:xfrm>
-            <a:off x="504000" y="1326600"/>
-            <a:ext cx="4426920" cy="3288600"/>
-          </a:xfrm>
-          <a:prstGeom prst="rect">
-            <a:avLst/>
-          </a:prstGeom>
-        </p:spPr>
-        <p:txBody>
-          <a:bodyPr lIns="0" tIns="0" rIns="0" bIns="0">
-            <a:normAutofit/>
-          </a:bodyPr>
-          <a:lstStyle/>
-          <a:p>
-            <a:endParaRPr lang="fr-FR" sz="3200" b="0" strike="noStrike" spc="-1">
-              <a:latin typeface="Arial"/>
-            </a:endParaRPr>
-          </a:p>
-        </p:txBody>
-      </p:sp>
-      <p:sp>
-        <p:nvSpPr>
-          <p:cNvPr id="94" name="PlaceHolder 3"/>
-          <p:cNvSpPr>
-            <a:spLocks noGrp="1"/>
-          </p:cNvSpPr>
-          <p:nvPr>
-            <p:ph type="body"/>
-          </p:nvPr>
-        </p:nvSpPr>
-        <p:spPr>
-          <a:xfrm>
-            <a:off x="5152680" y="1326600"/>
-            <a:ext cx="4426920" cy="3288600"/>
-          </a:xfrm>
-          <a:prstGeom prst="rect">
-            <a:avLst/>
-          </a:prstGeom>
-        </p:spPr>
-        <p:txBody>
-          <a:bodyPr lIns="0" tIns="0" rIns="0" bIns="0">
-            <a:normAutofit/>
-          </a:bodyPr>
-          <a:lstStyle/>
-          <a:p>
-            <a:endParaRPr lang="fr-FR" sz="3200" b="0" strike="noStrike" spc="-1">
-              <a:latin typeface="Arial"/>
-            </a:endParaRPr>
-          </a:p>
-        </p:txBody>
-      </p:sp>
-    </p:spTree>
-  </p:cSld>
-  <p:clrMapOvr>
-    <a:masterClrMapping/>
-  </p:clrMapOvr>
-</p:sldLayout>
-</file>
-
-<file path=ppt/slideLayouts/slideLayout29.xml><?xml version="1.0" encoding="utf-8"?>
-<p:sldLayout xmlns:a="http://schemas.openxmlformats.org/drawingml/2006/main" xmlns:r="http://schemas.openxmlformats.org/officeDocument/2006/relationships" xmlns:p="http://schemas.openxmlformats.org/presentationml/2006/main" type="titleOnly" preserve="1">
-  <p:cSld name="Title Only">
-    <p:spTree>
-      <p:nvGrpSpPr>
-        <p:cNvPr id="1" name=""/>
-        <p:cNvGrpSpPr/>
-        <p:nvPr/>
-      </p:nvGrpSpPr>
-      <p:grpSpPr>
-        <a:xfrm>
-          <a:off x="0" y="0"/>
-          <a:ext cx="0" cy="0"/>
-          <a:chOff x="0" y="0"/>
-          <a:chExt cx="0" cy="0"/>
-        </a:xfrm>
-      </p:grpSpPr>
-      <p:sp>
-        <p:nvSpPr>
-          <p:cNvPr id="95" name="PlaceHolder 1"/>
-          <p:cNvSpPr>
-            <a:spLocks noGrp="1"/>
-          </p:cNvSpPr>
-          <p:nvPr>
-            <p:ph type="title"/>
-          </p:nvPr>
-        </p:nvSpPr>
-        <p:spPr>
-          <a:xfrm>
-            <a:off x="504000" y="226080"/>
-            <a:ext cx="9072000" cy="946440"/>
-          </a:xfrm>
-          <a:prstGeom prst="rect">
-            <a:avLst/>
-          </a:prstGeom>
-        </p:spPr>
-        <p:txBody>
-          <a:bodyPr lIns="0" tIns="0" rIns="0" bIns="0" anchor="ctr">
-            <a:spAutoFit/>
-          </a:bodyPr>
-          <a:lstStyle/>
-          <a:p>
-            <a:pPr algn="ctr"/>
-            <a:endParaRPr lang="fr-FR" sz="4400" b="0" strike="noStrike" spc="-1">
-              <a:latin typeface="Arial"/>
-            </a:endParaRPr>
-          </a:p>
-        </p:txBody>
-      </p:sp>
-    </p:spTree>
-  </p:cSld>
-  <p:clrMapOvr>
-    <a:masterClrMapping/>
-  </p:clrMapOvr>
-</p:sldLayout>
-</file>
-
 <file path=ppt/slideLayouts/slideLayout3.xml><?xml version="1.0" encoding="utf-8"?>
 <p:sldLayout xmlns:a="http://schemas.openxmlformats.org/drawingml/2006/main" xmlns:r="http://schemas.openxmlformats.org/officeDocument/2006/relationships" xmlns:p="http://schemas.openxmlformats.org/presentationml/2006/main" type="obj" preserve="1">
   <p:cSld name="Title, Content">
@@ -2665,1056 +2287,6 @@
           <a:xfrm>
             <a:off x="504000" y="1326600"/>
             <a:ext cx="9072000" cy="3288600"/>
-          </a:xfrm>
-          <a:prstGeom prst="rect">
-            <a:avLst/>
-          </a:prstGeom>
-        </p:spPr>
-        <p:txBody>
-          <a:bodyPr lIns="0" tIns="0" rIns="0" bIns="0">
-            <a:normAutofit/>
-          </a:bodyPr>
-          <a:lstStyle/>
-          <a:p>
-            <a:endParaRPr lang="fr-FR" sz="3200" b="0" strike="noStrike" spc="-1">
-              <a:latin typeface="Arial"/>
-            </a:endParaRPr>
-          </a:p>
-        </p:txBody>
-      </p:sp>
-    </p:spTree>
-  </p:cSld>
-  <p:clrMapOvr>
-    <a:masterClrMapping/>
-  </p:clrMapOvr>
-</p:sldLayout>
-</file>
-
-<file path=ppt/slideLayouts/slideLayout30.xml><?xml version="1.0" encoding="utf-8"?>
-<p:sldLayout xmlns:a="http://schemas.openxmlformats.org/drawingml/2006/main" xmlns:r="http://schemas.openxmlformats.org/officeDocument/2006/relationships" xmlns:p="http://schemas.openxmlformats.org/presentationml/2006/main" type="objOnly" preserve="1">
-  <p:cSld name="Centered Text">
-    <p:spTree>
-      <p:nvGrpSpPr>
-        <p:cNvPr id="1" name=""/>
-        <p:cNvGrpSpPr/>
-        <p:nvPr/>
-      </p:nvGrpSpPr>
-      <p:grpSpPr>
-        <a:xfrm>
-          <a:off x="0" y="0"/>
-          <a:ext cx="0" cy="0"/>
-          <a:chOff x="0" y="0"/>
-          <a:chExt cx="0" cy="0"/>
-        </a:xfrm>
-      </p:grpSpPr>
-      <p:sp>
-        <p:nvSpPr>
-          <p:cNvPr id="96" name="PlaceHolder 1"/>
-          <p:cNvSpPr>
-            <a:spLocks noGrp="1"/>
-          </p:cNvSpPr>
-          <p:nvPr>
-            <p:ph type="subTitle"/>
-          </p:nvPr>
-        </p:nvSpPr>
-        <p:spPr>
-          <a:xfrm>
-            <a:off x="504000" y="226080"/>
-            <a:ext cx="9072000" cy="4388400"/>
-          </a:xfrm>
-          <a:prstGeom prst="rect">
-            <a:avLst/>
-          </a:prstGeom>
-        </p:spPr>
-        <p:txBody>
-          <a:bodyPr lIns="0" tIns="0" rIns="0" bIns="0" anchor="ctr">
-            <a:spAutoFit/>
-          </a:bodyPr>
-          <a:lstStyle/>
-          <a:p>
-            <a:pPr algn="ctr"/>
-            <a:endParaRPr lang="fr-FR" sz="3200" b="0" strike="noStrike" spc="-1">
-              <a:latin typeface="Arial"/>
-            </a:endParaRPr>
-          </a:p>
-        </p:txBody>
-      </p:sp>
-    </p:spTree>
-  </p:cSld>
-  <p:clrMapOvr>
-    <a:masterClrMapping/>
-  </p:clrMapOvr>
-</p:sldLayout>
-</file>
-
-<file path=ppt/slideLayouts/slideLayout31.xml><?xml version="1.0" encoding="utf-8"?>
-<p:sldLayout xmlns:a="http://schemas.openxmlformats.org/drawingml/2006/main" xmlns:r="http://schemas.openxmlformats.org/officeDocument/2006/relationships" xmlns:p="http://schemas.openxmlformats.org/presentationml/2006/main" type="twoObjAndObj" preserve="1">
-  <p:cSld name="Title, 2 Content and Content">
-    <p:spTree>
-      <p:nvGrpSpPr>
-        <p:cNvPr id="1" name=""/>
-        <p:cNvGrpSpPr/>
-        <p:nvPr/>
-      </p:nvGrpSpPr>
-      <p:grpSpPr>
-        <a:xfrm>
-          <a:off x="0" y="0"/>
-          <a:ext cx="0" cy="0"/>
-          <a:chOff x="0" y="0"/>
-          <a:chExt cx="0" cy="0"/>
-        </a:xfrm>
-      </p:grpSpPr>
-      <p:sp>
-        <p:nvSpPr>
-          <p:cNvPr id="97" name="PlaceHolder 1"/>
-          <p:cNvSpPr>
-            <a:spLocks noGrp="1"/>
-          </p:cNvSpPr>
-          <p:nvPr>
-            <p:ph type="title"/>
-          </p:nvPr>
-        </p:nvSpPr>
-        <p:spPr>
-          <a:xfrm>
-            <a:off x="504000" y="226080"/>
-            <a:ext cx="9072000" cy="946440"/>
-          </a:xfrm>
-          <a:prstGeom prst="rect">
-            <a:avLst/>
-          </a:prstGeom>
-        </p:spPr>
-        <p:txBody>
-          <a:bodyPr lIns="0" tIns="0" rIns="0" bIns="0" anchor="ctr">
-            <a:spAutoFit/>
-          </a:bodyPr>
-          <a:lstStyle/>
-          <a:p>
-            <a:pPr algn="ctr"/>
-            <a:endParaRPr lang="fr-FR" sz="4400" b="0" strike="noStrike" spc="-1">
-              <a:latin typeface="Arial"/>
-            </a:endParaRPr>
-          </a:p>
-        </p:txBody>
-      </p:sp>
-      <p:sp>
-        <p:nvSpPr>
-          <p:cNvPr id="98" name="PlaceHolder 2"/>
-          <p:cNvSpPr>
-            <a:spLocks noGrp="1"/>
-          </p:cNvSpPr>
-          <p:nvPr>
-            <p:ph type="body"/>
-          </p:nvPr>
-        </p:nvSpPr>
-        <p:spPr>
-          <a:xfrm>
-            <a:off x="504000" y="1326600"/>
-            <a:ext cx="4426920" cy="1568520"/>
-          </a:xfrm>
-          <a:prstGeom prst="rect">
-            <a:avLst/>
-          </a:prstGeom>
-        </p:spPr>
-        <p:txBody>
-          <a:bodyPr lIns="0" tIns="0" rIns="0" bIns="0">
-            <a:normAutofit/>
-          </a:bodyPr>
-          <a:lstStyle/>
-          <a:p>
-            <a:endParaRPr lang="fr-FR" sz="3200" b="0" strike="noStrike" spc="-1">
-              <a:latin typeface="Arial"/>
-            </a:endParaRPr>
-          </a:p>
-        </p:txBody>
-      </p:sp>
-      <p:sp>
-        <p:nvSpPr>
-          <p:cNvPr id="99" name="PlaceHolder 3"/>
-          <p:cNvSpPr>
-            <a:spLocks noGrp="1"/>
-          </p:cNvSpPr>
-          <p:nvPr>
-            <p:ph type="body"/>
-          </p:nvPr>
-        </p:nvSpPr>
-        <p:spPr>
-          <a:xfrm>
-            <a:off x="5152680" y="1326600"/>
-            <a:ext cx="4426920" cy="3288600"/>
-          </a:xfrm>
-          <a:prstGeom prst="rect">
-            <a:avLst/>
-          </a:prstGeom>
-        </p:spPr>
-        <p:txBody>
-          <a:bodyPr lIns="0" tIns="0" rIns="0" bIns="0">
-            <a:normAutofit/>
-          </a:bodyPr>
-          <a:lstStyle/>
-          <a:p>
-            <a:endParaRPr lang="fr-FR" sz="3200" b="0" strike="noStrike" spc="-1">
-              <a:latin typeface="Arial"/>
-            </a:endParaRPr>
-          </a:p>
-        </p:txBody>
-      </p:sp>
-      <p:sp>
-        <p:nvSpPr>
-          <p:cNvPr id="100" name="PlaceHolder 4"/>
-          <p:cNvSpPr>
-            <a:spLocks noGrp="1"/>
-          </p:cNvSpPr>
-          <p:nvPr>
-            <p:ph type="body"/>
-          </p:nvPr>
-        </p:nvSpPr>
-        <p:spPr>
-          <a:xfrm>
-            <a:off x="504000" y="3044520"/>
-            <a:ext cx="4426920" cy="1568520"/>
-          </a:xfrm>
-          <a:prstGeom prst="rect">
-            <a:avLst/>
-          </a:prstGeom>
-        </p:spPr>
-        <p:txBody>
-          <a:bodyPr lIns="0" tIns="0" rIns="0" bIns="0">
-            <a:normAutofit/>
-          </a:bodyPr>
-          <a:lstStyle/>
-          <a:p>
-            <a:endParaRPr lang="fr-FR" sz="3200" b="0" strike="noStrike" spc="-1">
-              <a:latin typeface="Arial"/>
-            </a:endParaRPr>
-          </a:p>
-        </p:txBody>
-      </p:sp>
-    </p:spTree>
-  </p:cSld>
-  <p:clrMapOvr>
-    <a:masterClrMapping/>
-  </p:clrMapOvr>
-</p:sldLayout>
-</file>
-
-<file path=ppt/slideLayouts/slideLayout32.xml><?xml version="1.0" encoding="utf-8"?>
-<p:sldLayout xmlns:a="http://schemas.openxmlformats.org/drawingml/2006/main" xmlns:r="http://schemas.openxmlformats.org/officeDocument/2006/relationships" xmlns:p="http://schemas.openxmlformats.org/presentationml/2006/main" type="objAndTwoObj" preserve="1">
-  <p:cSld name="Title Content and 2 Content">
-    <p:spTree>
-      <p:nvGrpSpPr>
-        <p:cNvPr id="1" name=""/>
-        <p:cNvGrpSpPr/>
-        <p:nvPr/>
-      </p:nvGrpSpPr>
-      <p:grpSpPr>
-        <a:xfrm>
-          <a:off x="0" y="0"/>
-          <a:ext cx="0" cy="0"/>
-          <a:chOff x="0" y="0"/>
-          <a:chExt cx="0" cy="0"/>
-        </a:xfrm>
-      </p:grpSpPr>
-      <p:sp>
-        <p:nvSpPr>
-          <p:cNvPr id="101" name="PlaceHolder 1"/>
-          <p:cNvSpPr>
-            <a:spLocks noGrp="1"/>
-          </p:cNvSpPr>
-          <p:nvPr>
-            <p:ph type="title"/>
-          </p:nvPr>
-        </p:nvSpPr>
-        <p:spPr>
-          <a:xfrm>
-            <a:off x="504000" y="226080"/>
-            <a:ext cx="9072000" cy="946440"/>
-          </a:xfrm>
-          <a:prstGeom prst="rect">
-            <a:avLst/>
-          </a:prstGeom>
-        </p:spPr>
-        <p:txBody>
-          <a:bodyPr lIns="0" tIns="0" rIns="0" bIns="0" anchor="ctr">
-            <a:spAutoFit/>
-          </a:bodyPr>
-          <a:lstStyle/>
-          <a:p>
-            <a:pPr algn="ctr"/>
-            <a:endParaRPr lang="fr-FR" sz="4400" b="0" strike="noStrike" spc="-1">
-              <a:latin typeface="Arial"/>
-            </a:endParaRPr>
-          </a:p>
-        </p:txBody>
-      </p:sp>
-      <p:sp>
-        <p:nvSpPr>
-          <p:cNvPr id="102" name="PlaceHolder 2"/>
-          <p:cNvSpPr>
-            <a:spLocks noGrp="1"/>
-          </p:cNvSpPr>
-          <p:nvPr>
-            <p:ph type="body"/>
-          </p:nvPr>
-        </p:nvSpPr>
-        <p:spPr>
-          <a:xfrm>
-            <a:off x="504000" y="1326600"/>
-            <a:ext cx="4426920" cy="3288600"/>
-          </a:xfrm>
-          <a:prstGeom prst="rect">
-            <a:avLst/>
-          </a:prstGeom>
-        </p:spPr>
-        <p:txBody>
-          <a:bodyPr lIns="0" tIns="0" rIns="0" bIns="0">
-            <a:normAutofit/>
-          </a:bodyPr>
-          <a:lstStyle/>
-          <a:p>
-            <a:endParaRPr lang="fr-FR" sz="3200" b="0" strike="noStrike" spc="-1">
-              <a:latin typeface="Arial"/>
-            </a:endParaRPr>
-          </a:p>
-        </p:txBody>
-      </p:sp>
-      <p:sp>
-        <p:nvSpPr>
-          <p:cNvPr id="103" name="PlaceHolder 3"/>
-          <p:cNvSpPr>
-            <a:spLocks noGrp="1"/>
-          </p:cNvSpPr>
-          <p:nvPr>
-            <p:ph type="body"/>
-          </p:nvPr>
-        </p:nvSpPr>
-        <p:spPr>
-          <a:xfrm>
-            <a:off x="5152680" y="1326600"/>
-            <a:ext cx="4426920" cy="1568520"/>
-          </a:xfrm>
-          <a:prstGeom prst="rect">
-            <a:avLst/>
-          </a:prstGeom>
-        </p:spPr>
-        <p:txBody>
-          <a:bodyPr lIns="0" tIns="0" rIns="0" bIns="0">
-            <a:normAutofit/>
-          </a:bodyPr>
-          <a:lstStyle/>
-          <a:p>
-            <a:endParaRPr lang="fr-FR" sz="3200" b="0" strike="noStrike" spc="-1">
-              <a:latin typeface="Arial"/>
-            </a:endParaRPr>
-          </a:p>
-        </p:txBody>
-      </p:sp>
-      <p:sp>
-        <p:nvSpPr>
-          <p:cNvPr id="104" name="PlaceHolder 4"/>
-          <p:cNvSpPr>
-            <a:spLocks noGrp="1"/>
-          </p:cNvSpPr>
-          <p:nvPr>
-            <p:ph type="body"/>
-          </p:nvPr>
-        </p:nvSpPr>
-        <p:spPr>
-          <a:xfrm>
-            <a:off x="5152680" y="3044520"/>
-            <a:ext cx="4426920" cy="1568520"/>
-          </a:xfrm>
-          <a:prstGeom prst="rect">
-            <a:avLst/>
-          </a:prstGeom>
-        </p:spPr>
-        <p:txBody>
-          <a:bodyPr lIns="0" tIns="0" rIns="0" bIns="0">
-            <a:normAutofit/>
-          </a:bodyPr>
-          <a:lstStyle/>
-          <a:p>
-            <a:endParaRPr lang="fr-FR" sz="3200" b="0" strike="noStrike" spc="-1">
-              <a:latin typeface="Arial"/>
-            </a:endParaRPr>
-          </a:p>
-        </p:txBody>
-      </p:sp>
-    </p:spTree>
-  </p:cSld>
-  <p:clrMapOvr>
-    <a:masterClrMapping/>
-  </p:clrMapOvr>
-</p:sldLayout>
-</file>
-
-<file path=ppt/slideLayouts/slideLayout33.xml><?xml version="1.0" encoding="utf-8"?>
-<p:sldLayout xmlns:a="http://schemas.openxmlformats.org/drawingml/2006/main" xmlns:r="http://schemas.openxmlformats.org/officeDocument/2006/relationships" xmlns:p="http://schemas.openxmlformats.org/presentationml/2006/main" type="twoObjOverTx" preserve="1">
-  <p:cSld name="Title, 2 Content over Content">
-    <p:spTree>
-      <p:nvGrpSpPr>
-        <p:cNvPr id="1" name=""/>
-        <p:cNvGrpSpPr/>
-        <p:nvPr/>
-      </p:nvGrpSpPr>
-      <p:grpSpPr>
-        <a:xfrm>
-          <a:off x="0" y="0"/>
-          <a:ext cx="0" cy="0"/>
-          <a:chOff x="0" y="0"/>
-          <a:chExt cx="0" cy="0"/>
-        </a:xfrm>
-      </p:grpSpPr>
-      <p:sp>
-        <p:nvSpPr>
-          <p:cNvPr id="105" name="PlaceHolder 1"/>
-          <p:cNvSpPr>
-            <a:spLocks noGrp="1"/>
-          </p:cNvSpPr>
-          <p:nvPr>
-            <p:ph type="title"/>
-          </p:nvPr>
-        </p:nvSpPr>
-        <p:spPr>
-          <a:xfrm>
-            <a:off x="504000" y="226080"/>
-            <a:ext cx="9072000" cy="946440"/>
-          </a:xfrm>
-          <a:prstGeom prst="rect">
-            <a:avLst/>
-          </a:prstGeom>
-        </p:spPr>
-        <p:txBody>
-          <a:bodyPr lIns="0" tIns="0" rIns="0" bIns="0" anchor="ctr">
-            <a:spAutoFit/>
-          </a:bodyPr>
-          <a:lstStyle/>
-          <a:p>
-            <a:pPr algn="ctr"/>
-            <a:endParaRPr lang="fr-FR" sz="4400" b="0" strike="noStrike" spc="-1">
-              <a:latin typeface="Arial"/>
-            </a:endParaRPr>
-          </a:p>
-        </p:txBody>
-      </p:sp>
-      <p:sp>
-        <p:nvSpPr>
-          <p:cNvPr id="106" name="PlaceHolder 2"/>
-          <p:cNvSpPr>
-            <a:spLocks noGrp="1"/>
-          </p:cNvSpPr>
-          <p:nvPr>
-            <p:ph type="body"/>
-          </p:nvPr>
-        </p:nvSpPr>
-        <p:spPr>
-          <a:xfrm>
-            <a:off x="504000" y="1326600"/>
-            <a:ext cx="4426920" cy="1568520"/>
-          </a:xfrm>
-          <a:prstGeom prst="rect">
-            <a:avLst/>
-          </a:prstGeom>
-        </p:spPr>
-        <p:txBody>
-          <a:bodyPr lIns="0" tIns="0" rIns="0" bIns="0">
-            <a:normAutofit/>
-          </a:bodyPr>
-          <a:lstStyle/>
-          <a:p>
-            <a:endParaRPr lang="fr-FR" sz="3200" b="0" strike="noStrike" spc="-1">
-              <a:latin typeface="Arial"/>
-            </a:endParaRPr>
-          </a:p>
-        </p:txBody>
-      </p:sp>
-      <p:sp>
-        <p:nvSpPr>
-          <p:cNvPr id="107" name="PlaceHolder 3"/>
-          <p:cNvSpPr>
-            <a:spLocks noGrp="1"/>
-          </p:cNvSpPr>
-          <p:nvPr>
-            <p:ph type="body"/>
-          </p:nvPr>
-        </p:nvSpPr>
-        <p:spPr>
-          <a:xfrm>
-            <a:off x="5152680" y="1326600"/>
-            <a:ext cx="4426920" cy="1568520"/>
-          </a:xfrm>
-          <a:prstGeom prst="rect">
-            <a:avLst/>
-          </a:prstGeom>
-        </p:spPr>
-        <p:txBody>
-          <a:bodyPr lIns="0" tIns="0" rIns="0" bIns="0">
-            <a:normAutofit/>
-          </a:bodyPr>
-          <a:lstStyle/>
-          <a:p>
-            <a:endParaRPr lang="fr-FR" sz="3200" b="0" strike="noStrike" spc="-1">
-              <a:latin typeface="Arial"/>
-            </a:endParaRPr>
-          </a:p>
-        </p:txBody>
-      </p:sp>
-      <p:sp>
-        <p:nvSpPr>
-          <p:cNvPr id="108" name="PlaceHolder 4"/>
-          <p:cNvSpPr>
-            <a:spLocks noGrp="1"/>
-          </p:cNvSpPr>
-          <p:nvPr>
-            <p:ph type="body"/>
-          </p:nvPr>
-        </p:nvSpPr>
-        <p:spPr>
-          <a:xfrm>
-            <a:off x="504000" y="3044520"/>
-            <a:ext cx="9072000" cy="1568520"/>
-          </a:xfrm>
-          <a:prstGeom prst="rect">
-            <a:avLst/>
-          </a:prstGeom>
-        </p:spPr>
-        <p:txBody>
-          <a:bodyPr lIns="0" tIns="0" rIns="0" bIns="0">
-            <a:normAutofit/>
-          </a:bodyPr>
-          <a:lstStyle/>
-          <a:p>
-            <a:endParaRPr lang="fr-FR" sz="3200" b="0" strike="noStrike" spc="-1">
-              <a:latin typeface="Arial"/>
-            </a:endParaRPr>
-          </a:p>
-        </p:txBody>
-      </p:sp>
-    </p:spTree>
-  </p:cSld>
-  <p:clrMapOvr>
-    <a:masterClrMapping/>
-  </p:clrMapOvr>
-</p:sldLayout>
-</file>
-
-<file path=ppt/slideLayouts/slideLayout34.xml><?xml version="1.0" encoding="utf-8"?>
-<p:sldLayout xmlns:a="http://schemas.openxmlformats.org/drawingml/2006/main" xmlns:r="http://schemas.openxmlformats.org/officeDocument/2006/relationships" xmlns:p="http://schemas.openxmlformats.org/presentationml/2006/main" type="objOverTx" preserve="1">
-  <p:cSld name="Title, Content over Content">
-    <p:spTree>
-      <p:nvGrpSpPr>
-        <p:cNvPr id="1" name=""/>
-        <p:cNvGrpSpPr/>
-        <p:nvPr/>
-      </p:nvGrpSpPr>
-      <p:grpSpPr>
-        <a:xfrm>
-          <a:off x="0" y="0"/>
-          <a:ext cx="0" cy="0"/>
-          <a:chOff x="0" y="0"/>
-          <a:chExt cx="0" cy="0"/>
-        </a:xfrm>
-      </p:grpSpPr>
-      <p:sp>
-        <p:nvSpPr>
-          <p:cNvPr id="109" name="PlaceHolder 1"/>
-          <p:cNvSpPr>
-            <a:spLocks noGrp="1"/>
-          </p:cNvSpPr>
-          <p:nvPr>
-            <p:ph type="title"/>
-          </p:nvPr>
-        </p:nvSpPr>
-        <p:spPr>
-          <a:xfrm>
-            <a:off x="504000" y="226080"/>
-            <a:ext cx="9072000" cy="946440"/>
-          </a:xfrm>
-          <a:prstGeom prst="rect">
-            <a:avLst/>
-          </a:prstGeom>
-        </p:spPr>
-        <p:txBody>
-          <a:bodyPr lIns="0" tIns="0" rIns="0" bIns="0" anchor="ctr">
-            <a:spAutoFit/>
-          </a:bodyPr>
-          <a:lstStyle/>
-          <a:p>
-            <a:pPr algn="ctr"/>
-            <a:endParaRPr lang="fr-FR" sz="4400" b="0" strike="noStrike" spc="-1">
-              <a:latin typeface="Arial"/>
-            </a:endParaRPr>
-          </a:p>
-        </p:txBody>
-      </p:sp>
-      <p:sp>
-        <p:nvSpPr>
-          <p:cNvPr id="110" name="PlaceHolder 2"/>
-          <p:cNvSpPr>
-            <a:spLocks noGrp="1"/>
-          </p:cNvSpPr>
-          <p:nvPr>
-            <p:ph type="body"/>
-          </p:nvPr>
-        </p:nvSpPr>
-        <p:spPr>
-          <a:xfrm>
-            <a:off x="504000" y="1326600"/>
-            <a:ext cx="9072000" cy="1568520"/>
-          </a:xfrm>
-          <a:prstGeom prst="rect">
-            <a:avLst/>
-          </a:prstGeom>
-        </p:spPr>
-        <p:txBody>
-          <a:bodyPr lIns="0" tIns="0" rIns="0" bIns="0">
-            <a:normAutofit/>
-          </a:bodyPr>
-          <a:lstStyle/>
-          <a:p>
-            <a:endParaRPr lang="fr-FR" sz="3200" b="0" strike="noStrike" spc="-1">
-              <a:latin typeface="Arial"/>
-            </a:endParaRPr>
-          </a:p>
-        </p:txBody>
-      </p:sp>
-      <p:sp>
-        <p:nvSpPr>
-          <p:cNvPr id="111" name="PlaceHolder 3"/>
-          <p:cNvSpPr>
-            <a:spLocks noGrp="1"/>
-          </p:cNvSpPr>
-          <p:nvPr>
-            <p:ph type="body"/>
-          </p:nvPr>
-        </p:nvSpPr>
-        <p:spPr>
-          <a:xfrm>
-            <a:off x="504000" y="3044520"/>
-            <a:ext cx="9072000" cy="1568520"/>
-          </a:xfrm>
-          <a:prstGeom prst="rect">
-            <a:avLst/>
-          </a:prstGeom>
-        </p:spPr>
-        <p:txBody>
-          <a:bodyPr lIns="0" tIns="0" rIns="0" bIns="0">
-            <a:normAutofit/>
-          </a:bodyPr>
-          <a:lstStyle/>
-          <a:p>
-            <a:endParaRPr lang="fr-FR" sz="3200" b="0" strike="noStrike" spc="-1">
-              <a:latin typeface="Arial"/>
-            </a:endParaRPr>
-          </a:p>
-        </p:txBody>
-      </p:sp>
-    </p:spTree>
-  </p:cSld>
-  <p:clrMapOvr>
-    <a:masterClrMapping/>
-  </p:clrMapOvr>
-</p:sldLayout>
-</file>
-
-<file path=ppt/slideLayouts/slideLayout35.xml><?xml version="1.0" encoding="utf-8"?>
-<p:sldLayout xmlns:a="http://schemas.openxmlformats.org/drawingml/2006/main" xmlns:r="http://schemas.openxmlformats.org/officeDocument/2006/relationships" xmlns:p="http://schemas.openxmlformats.org/presentationml/2006/main" type="fourObj" preserve="1">
-  <p:cSld name="Title, 4 Content">
-    <p:spTree>
-      <p:nvGrpSpPr>
-        <p:cNvPr id="1" name=""/>
-        <p:cNvGrpSpPr/>
-        <p:nvPr/>
-      </p:nvGrpSpPr>
-      <p:grpSpPr>
-        <a:xfrm>
-          <a:off x="0" y="0"/>
-          <a:ext cx="0" cy="0"/>
-          <a:chOff x="0" y="0"/>
-          <a:chExt cx="0" cy="0"/>
-        </a:xfrm>
-      </p:grpSpPr>
-      <p:sp>
-        <p:nvSpPr>
-          <p:cNvPr id="112" name="PlaceHolder 1"/>
-          <p:cNvSpPr>
-            <a:spLocks noGrp="1"/>
-          </p:cNvSpPr>
-          <p:nvPr>
-            <p:ph type="title"/>
-          </p:nvPr>
-        </p:nvSpPr>
-        <p:spPr>
-          <a:xfrm>
-            <a:off x="504000" y="226080"/>
-            <a:ext cx="9072000" cy="946440"/>
-          </a:xfrm>
-          <a:prstGeom prst="rect">
-            <a:avLst/>
-          </a:prstGeom>
-        </p:spPr>
-        <p:txBody>
-          <a:bodyPr lIns="0" tIns="0" rIns="0" bIns="0" anchor="ctr">
-            <a:spAutoFit/>
-          </a:bodyPr>
-          <a:lstStyle/>
-          <a:p>
-            <a:pPr algn="ctr"/>
-            <a:endParaRPr lang="fr-FR" sz="4400" b="0" strike="noStrike" spc="-1">
-              <a:latin typeface="Arial"/>
-            </a:endParaRPr>
-          </a:p>
-        </p:txBody>
-      </p:sp>
-      <p:sp>
-        <p:nvSpPr>
-          <p:cNvPr id="113" name="PlaceHolder 2"/>
-          <p:cNvSpPr>
-            <a:spLocks noGrp="1"/>
-          </p:cNvSpPr>
-          <p:nvPr>
-            <p:ph type="body"/>
-          </p:nvPr>
-        </p:nvSpPr>
-        <p:spPr>
-          <a:xfrm>
-            <a:off x="504000" y="1326600"/>
-            <a:ext cx="4426920" cy="1568520"/>
-          </a:xfrm>
-          <a:prstGeom prst="rect">
-            <a:avLst/>
-          </a:prstGeom>
-        </p:spPr>
-        <p:txBody>
-          <a:bodyPr lIns="0" tIns="0" rIns="0" bIns="0">
-            <a:normAutofit/>
-          </a:bodyPr>
-          <a:lstStyle/>
-          <a:p>
-            <a:endParaRPr lang="fr-FR" sz="3200" b="0" strike="noStrike" spc="-1">
-              <a:latin typeface="Arial"/>
-            </a:endParaRPr>
-          </a:p>
-        </p:txBody>
-      </p:sp>
-      <p:sp>
-        <p:nvSpPr>
-          <p:cNvPr id="114" name="PlaceHolder 3"/>
-          <p:cNvSpPr>
-            <a:spLocks noGrp="1"/>
-          </p:cNvSpPr>
-          <p:nvPr>
-            <p:ph type="body"/>
-          </p:nvPr>
-        </p:nvSpPr>
-        <p:spPr>
-          <a:xfrm>
-            <a:off x="5152680" y="1326600"/>
-            <a:ext cx="4426920" cy="1568520"/>
-          </a:xfrm>
-          <a:prstGeom prst="rect">
-            <a:avLst/>
-          </a:prstGeom>
-        </p:spPr>
-        <p:txBody>
-          <a:bodyPr lIns="0" tIns="0" rIns="0" bIns="0">
-            <a:normAutofit/>
-          </a:bodyPr>
-          <a:lstStyle/>
-          <a:p>
-            <a:endParaRPr lang="fr-FR" sz="3200" b="0" strike="noStrike" spc="-1">
-              <a:latin typeface="Arial"/>
-            </a:endParaRPr>
-          </a:p>
-        </p:txBody>
-      </p:sp>
-      <p:sp>
-        <p:nvSpPr>
-          <p:cNvPr id="115" name="PlaceHolder 4"/>
-          <p:cNvSpPr>
-            <a:spLocks noGrp="1"/>
-          </p:cNvSpPr>
-          <p:nvPr>
-            <p:ph type="body"/>
-          </p:nvPr>
-        </p:nvSpPr>
-        <p:spPr>
-          <a:xfrm>
-            <a:off x="504000" y="3044520"/>
-            <a:ext cx="4426920" cy="1568520"/>
-          </a:xfrm>
-          <a:prstGeom prst="rect">
-            <a:avLst/>
-          </a:prstGeom>
-        </p:spPr>
-        <p:txBody>
-          <a:bodyPr lIns="0" tIns="0" rIns="0" bIns="0">
-            <a:normAutofit/>
-          </a:bodyPr>
-          <a:lstStyle/>
-          <a:p>
-            <a:endParaRPr lang="fr-FR" sz="3200" b="0" strike="noStrike" spc="-1">
-              <a:latin typeface="Arial"/>
-            </a:endParaRPr>
-          </a:p>
-        </p:txBody>
-      </p:sp>
-      <p:sp>
-        <p:nvSpPr>
-          <p:cNvPr id="116" name="PlaceHolder 5"/>
-          <p:cNvSpPr>
-            <a:spLocks noGrp="1"/>
-          </p:cNvSpPr>
-          <p:nvPr>
-            <p:ph type="body"/>
-          </p:nvPr>
-        </p:nvSpPr>
-        <p:spPr>
-          <a:xfrm>
-            <a:off x="5152680" y="3044520"/>
-            <a:ext cx="4426920" cy="1568520"/>
-          </a:xfrm>
-          <a:prstGeom prst="rect">
-            <a:avLst/>
-          </a:prstGeom>
-        </p:spPr>
-        <p:txBody>
-          <a:bodyPr lIns="0" tIns="0" rIns="0" bIns="0">
-            <a:normAutofit/>
-          </a:bodyPr>
-          <a:lstStyle/>
-          <a:p>
-            <a:endParaRPr lang="fr-FR" sz="3200" b="0" strike="noStrike" spc="-1">
-              <a:latin typeface="Arial"/>
-            </a:endParaRPr>
-          </a:p>
-        </p:txBody>
-      </p:sp>
-    </p:spTree>
-  </p:cSld>
-  <p:clrMapOvr>
-    <a:masterClrMapping/>
-  </p:clrMapOvr>
-</p:sldLayout>
-</file>
-
-<file path=ppt/slideLayouts/slideLayout36.xml><?xml version="1.0" encoding="utf-8"?>
-<p:sldLayout xmlns:a="http://schemas.openxmlformats.org/drawingml/2006/main" xmlns:r="http://schemas.openxmlformats.org/officeDocument/2006/relationships" xmlns:p="http://schemas.openxmlformats.org/presentationml/2006/main" type="blank" preserve="1">
-  <p:cSld name="Title, 6 Content">
-    <p:spTree>
-      <p:nvGrpSpPr>
-        <p:cNvPr id="1" name=""/>
-        <p:cNvGrpSpPr/>
-        <p:nvPr/>
-      </p:nvGrpSpPr>
-      <p:grpSpPr>
-        <a:xfrm>
-          <a:off x="0" y="0"/>
-          <a:ext cx="0" cy="0"/>
-          <a:chOff x="0" y="0"/>
-          <a:chExt cx="0" cy="0"/>
-        </a:xfrm>
-      </p:grpSpPr>
-      <p:sp>
-        <p:nvSpPr>
-          <p:cNvPr id="117" name="PlaceHolder 1"/>
-          <p:cNvSpPr>
-            <a:spLocks noGrp="1"/>
-          </p:cNvSpPr>
-          <p:nvPr>
-            <p:ph type="title"/>
-          </p:nvPr>
-        </p:nvSpPr>
-        <p:spPr>
-          <a:xfrm>
-            <a:off x="504000" y="226080"/>
-            <a:ext cx="9072000" cy="946440"/>
-          </a:xfrm>
-          <a:prstGeom prst="rect">
-            <a:avLst/>
-          </a:prstGeom>
-        </p:spPr>
-        <p:txBody>
-          <a:bodyPr lIns="0" tIns="0" rIns="0" bIns="0" anchor="ctr">
-            <a:spAutoFit/>
-          </a:bodyPr>
-          <a:lstStyle/>
-          <a:p>
-            <a:pPr algn="ctr"/>
-            <a:endParaRPr lang="fr-FR" sz="4400" b="0" strike="noStrike" spc="-1">
-              <a:latin typeface="Arial"/>
-            </a:endParaRPr>
-          </a:p>
-        </p:txBody>
-      </p:sp>
-      <p:sp>
-        <p:nvSpPr>
-          <p:cNvPr id="118" name="PlaceHolder 2"/>
-          <p:cNvSpPr>
-            <a:spLocks noGrp="1"/>
-          </p:cNvSpPr>
-          <p:nvPr>
-            <p:ph type="body"/>
-          </p:nvPr>
-        </p:nvSpPr>
-        <p:spPr>
-          <a:xfrm>
-            <a:off x="504000" y="1326600"/>
-            <a:ext cx="2921040" cy="1568520"/>
-          </a:xfrm>
-          <a:prstGeom prst="rect">
-            <a:avLst/>
-          </a:prstGeom>
-        </p:spPr>
-        <p:txBody>
-          <a:bodyPr lIns="0" tIns="0" rIns="0" bIns="0">
-            <a:normAutofit/>
-          </a:bodyPr>
-          <a:lstStyle/>
-          <a:p>
-            <a:endParaRPr lang="fr-FR" sz="3200" b="0" strike="noStrike" spc="-1">
-              <a:latin typeface="Arial"/>
-            </a:endParaRPr>
-          </a:p>
-        </p:txBody>
-      </p:sp>
-      <p:sp>
-        <p:nvSpPr>
-          <p:cNvPr id="119" name="PlaceHolder 3"/>
-          <p:cNvSpPr>
-            <a:spLocks noGrp="1"/>
-          </p:cNvSpPr>
-          <p:nvPr>
-            <p:ph type="body"/>
-          </p:nvPr>
-        </p:nvSpPr>
-        <p:spPr>
-          <a:xfrm>
-            <a:off x="3571560" y="1326600"/>
-            <a:ext cx="2921040" cy="1568520"/>
-          </a:xfrm>
-          <a:prstGeom prst="rect">
-            <a:avLst/>
-          </a:prstGeom>
-        </p:spPr>
-        <p:txBody>
-          <a:bodyPr lIns="0" tIns="0" rIns="0" bIns="0">
-            <a:normAutofit/>
-          </a:bodyPr>
-          <a:lstStyle/>
-          <a:p>
-            <a:endParaRPr lang="fr-FR" sz="3200" b="0" strike="noStrike" spc="-1">
-              <a:latin typeface="Arial"/>
-            </a:endParaRPr>
-          </a:p>
-        </p:txBody>
-      </p:sp>
-      <p:sp>
-        <p:nvSpPr>
-          <p:cNvPr id="120" name="PlaceHolder 4"/>
-          <p:cNvSpPr>
-            <a:spLocks noGrp="1"/>
-          </p:cNvSpPr>
-          <p:nvPr>
-            <p:ph type="body"/>
-          </p:nvPr>
-        </p:nvSpPr>
-        <p:spPr>
-          <a:xfrm>
-            <a:off x="6639120" y="1326600"/>
-            <a:ext cx="2921040" cy="1568520"/>
-          </a:xfrm>
-          <a:prstGeom prst="rect">
-            <a:avLst/>
-          </a:prstGeom>
-        </p:spPr>
-        <p:txBody>
-          <a:bodyPr lIns="0" tIns="0" rIns="0" bIns="0">
-            <a:normAutofit/>
-          </a:bodyPr>
-          <a:lstStyle/>
-          <a:p>
-            <a:endParaRPr lang="fr-FR" sz="3200" b="0" strike="noStrike" spc="-1">
-              <a:latin typeface="Arial"/>
-            </a:endParaRPr>
-          </a:p>
-        </p:txBody>
-      </p:sp>
-      <p:sp>
-        <p:nvSpPr>
-          <p:cNvPr id="121" name="PlaceHolder 5"/>
-          <p:cNvSpPr>
-            <a:spLocks noGrp="1"/>
-          </p:cNvSpPr>
-          <p:nvPr>
-            <p:ph type="body"/>
-          </p:nvPr>
-        </p:nvSpPr>
-        <p:spPr>
-          <a:xfrm>
-            <a:off x="504000" y="3044520"/>
-            <a:ext cx="2921040" cy="1568520"/>
-          </a:xfrm>
-          <a:prstGeom prst="rect">
-            <a:avLst/>
-          </a:prstGeom>
-        </p:spPr>
-        <p:txBody>
-          <a:bodyPr lIns="0" tIns="0" rIns="0" bIns="0">
-            <a:normAutofit/>
-          </a:bodyPr>
-          <a:lstStyle/>
-          <a:p>
-            <a:endParaRPr lang="fr-FR" sz="3200" b="0" strike="noStrike" spc="-1">
-              <a:latin typeface="Arial"/>
-            </a:endParaRPr>
-          </a:p>
-        </p:txBody>
-      </p:sp>
-      <p:sp>
-        <p:nvSpPr>
-          <p:cNvPr id="122" name="PlaceHolder 6"/>
-          <p:cNvSpPr>
-            <a:spLocks noGrp="1"/>
-          </p:cNvSpPr>
-          <p:nvPr>
-            <p:ph type="body"/>
-          </p:nvPr>
-        </p:nvSpPr>
-        <p:spPr>
-          <a:xfrm>
-            <a:off x="3571560" y="3044520"/>
-            <a:ext cx="2921040" cy="1568520"/>
-          </a:xfrm>
-          <a:prstGeom prst="rect">
-            <a:avLst/>
-          </a:prstGeom>
-        </p:spPr>
-        <p:txBody>
-          <a:bodyPr lIns="0" tIns="0" rIns="0" bIns="0">
-            <a:normAutofit/>
-          </a:bodyPr>
-          <a:lstStyle/>
-          <a:p>
-            <a:endParaRPr lang="fr-FR" sz="3200" b="0" strike="noStrike" spc="-1">
-              <a:latin typeface="Arial"/>
-            </a:endParaRPr>
-          </a:p>
-        </p:txBody>
-      </p:sp>
-      <p:sp>
-        <p:nvSpPr>
-          <p:cNvPr id="123" name="PlaceHolder 7"/>
-          <p:cNvSpPr>
-            <a:spLocks noGrp="1"/>
-          </p:cNvSpPr>
-          <p:nvPr>
-            <p:ph type="body"/>
-          </p:nvPr>
-        </p:nvSpPr>
-        <p:spPr>
-          <a:xfrm>
-            <a:off x="6639120" y="3044520"/>
-            <a:ext cx="2921040" cy="1568520"/>
           </a:xfrm>
           <a:prstGeom prst="rect">
             <a:avLst/>
@@ -5659,782 +4231,6 @@
 </p:sldMaster>
 </file>
 
-<file path=ppt/slideMasters/slideMaster3.xml><?xml version="1.0" encoding="utf-8"?>
-<p:sldMaster xmlns:a="http://schemas.openxmlformats.org/drawingml/2006/main" xmlns:r="http://schemas.openxmlformats.org/officeDocument/2006/relationships" xmlns:p="http://schemas.openxmlformats.org/presentationml/2006/main">
-  <p:cSld>
-    <p:bg>
-      <p:bgRef idx="1001">
-        <a:schemeClr val="bg1"/>
-      </p:bgRef>
-    </p:bg>
-    <p:spTree>
-      <p:nvGrpSpPr>
-        <p:cNvPr id="1" name=""/>
-        <p:cNvGrpSpPr/>
-        <p:nvPr/>
-      </p:nvGrpSpPr>
-      <p:grpSpPr>
-        <a:xfrm>
-          <a:off x="0" y="0"/>
-          <a:ext cx="0" cy="0"/>
-          <a:chOff x="0" y="0"/>
-          <a:chExt cx="0" cy="0"/>
-        </a:xfrm>
-      </p:grpSpPr>
-      <p:sp>
-        <p:nvSpPr>
-          <p:cNvPr id="82" name="CustomShape 1"/>
-          <p:cNvSpPr/>
-          <p:nvPr/>
-        </p:nvSpPr>
-        <p:spPr>
-          <a:xfrm>
-            <a:off x="0" y="5400360"/>
-            <a:ext cx="10078920" cy="268200"/>
-          </a:xfrm>
-          <a:prstGeom prst="rect">
-            <a:avLst/>
-          </a:prstGeom>
-          <a:solidFill>
-            <a:srgbClr val="2C3E50"/>
-          </a:solidFill>
-          <a:ln>
-            <a:noFill/>
-          </a:ln>
-        </p:spPr>
-        <p:style>
-          <a:lnRef idx="0">
-            <a:scrgbClr r="0" g="0" b="0"/>
-          </a:lnRef>
-          <a:fillRef idx="0">
-            <a:scrgbClr r="0" g="0" b="0"/>
-          </a:fillRef>
-          <a:effectRef idx="0">
-            <a:scrgbClr r="0" g="0" b="0"/>
-          </a:effectRef>
-          <a:fontRef idx="minor"/>
-        </p:style>
-      </p:sp>
-      <p:sp>
-        <p:nvSpPr>
-          <p:cNvPr id="83" name="CustomShape 2"/>
-          <p:cNvSpPr/>
-          <p:nvPr/>
-        </p:nvSpPr>
-        <p:spPr>
-          <a:xfrm>
-            <a:off x="0" y="0"/>
-            <a:ext cx="10078920" cy="1213200"/>
-          </a:xfrm>
-          <a:prstGeom prst="rect">
-            <a:avLst/>
-          </a:prstGeom>
-          <a:solidFill>
-            <a:srgbClr val="2C3E50"/>
-          </a:solidFill>
-          <a:ln>
-            <a:noFill/>
-          </a:ln>
-        </p:spPr>
-        <p:style>
-          <a:lnRef idx="0">
-            <a:scrgbClr r="0" g="0" b="0"/>
-          </a:lnRef>
-          <a:fillRef idx="0">
-            <a:scrgbClr r="0" g="0" b="0"/>
-          </a:fillRef>
-          <a:effectRef idx="0">
-            <a:scrgbClr r="0" g="0" b="0"/>
-          </a:effectRef>
-          <a:fontRef idx="minor"/>
-        </p:style>
-      </p:sp>
-      <p:sp>
-        <p:nvSpPr>
-          <p:cNvPr id="84" name="CustomShape 3"/>
-          <p:cNvSpPr/>
-          <p:nvPr/>
-        </p:nvSpPr>
-        <p:spPr>
-          <a:xfrm>
-            <a:off x="9270360" y="5171040"/>
-            <a:ext cx="538200" cy="403200"/>
-          </a:xfrm>
-          <a:prstGeom prst="ellipse">
-            <a:avLst/>
-          </a:prstGeom>
-          <a:solidFill>
-            <a:srgbClr val="1ABC9C"/>
-          </a:solidFill>
-          <a:ln>
-            <a:noFill/>
-          </a:ln>
-        </p:spPr>
-        <p:style>
-          <a:lnRef idx="0">
-            <a:scrgbClr r="0" g="0" b="0"/>
-          </a:lnRef>
-          <a:fillRef idx="0">
-            <a:scrgbClr r="0" g="0" b="0"/>
-          </a:fillRef>
-          <a:effectRef idx="0">
-            <a:scrgbClr r="0" g="0" b="0"/>
-          </a:effectRef>
-          <a:fontRef idx="minor"/>
-        </p:style>
-      </p:sp>
-      <p:sp>
-        <p:nvSpPr>
-          <p:cNvPr id="85" name="PlaceHolder 4"/>
-          <p:cNvSpPr>
-            <a:spLocks noGrp="1"/>
-          </p:cNvSpPr>
-          <p:nvPr>
-            <p:ph type="title"/>
-          </p:nvPr>
-        </p:nvSpPr>
-        <p:spPr>
-          <a:xfrm>
-            <a:off x="504000" y="226080"/>
-            <a:ext cx="9071640" cy="946080"/>
-          </a:xfrm>
-          <a:prstGeom prst="rect">
-            <a:avLst/>
-          </a:prstGeom>
-        </p:spPr>
-        <p:txBody>
-          <a:bodyPr lIns="0" tIns="0" rIns="0" bIns="0" anchor="ctr">
-            <a:noAutofit/>
-          </a:bodyPr>
-          <a:lstStyle/>
-          <a:p>
-            <a:r>
-              <a:rPr lang="fr-FR" sz="1800" b="0" strike="noStrike" spc="-1">
-                <a:latin typeface="Arial"/>
-              </a:rPr>
-              <a:t>Cliquez pour éditer le format du texte-titre</a:t>
-            </a:r>
-          </a:p>
-        </p:txBody>
-      </p:sp>
-      <p:sp>
-        <p:nvSpPr>
-          <p:cNvPr id="86" name="PlaceHolder 5"/>
-          <p:cNvSpPr>
-            <a:spLocks noGrp="1"/>
-          </p:cNvSpPr>
-          <p:nvPr>
-            <p:ph type="body"/>
-          </p:nvPr>
-        </p:nvSpPr>
-        <p:spPr>
-          <a:xfrm>
-            <a:off x="504000" y="1326600"/>
-            <a:ext cx="4426560" cy="3288240"/>
-          </a:xfrm>
-          <a:prstGeom prst="rect">
-            <a:avLst/>
-          </a:prstGeom>
-        </p:spPr>
-        <p:txBody>
-          <a:bodyPr lIns="0" tIns="0" rIns="0" bIns="0">
-            <a:normAutofit fontScale="90000"/>
-          </a:bodyPr>
-          <a:lstStyle/>
-          <a:p>
-            <a:pPr marL="432000" indent="-324000">
-              <a:spcBef>
-                <a:spcPts val="1417"/>
-              </a:spcBef>
-              <a:buClr>
-                <a:srgbClr val="000000"/>
-              </a:buClr>
-              <a:buSzPct val="45000"/>
-              <a:buFont typeface="Wingdings" charset="2"/>
-              <a:buChar char=""/>
-            </a:pPr>
-            <a:r>
-              <a:rPr lang="fr-FR" sz="1800" b="0" strike="noStrike" spc="-1">
-                <a:latin typeface="Arial"/>
-              </a:rPr>
-              <a:t>Cliquez pour éditer le format du plan de texte</a:t>
-            </a:r>
-          </a:p>
-          <a:p>
-            <a:pPr marL="864000" lvl="1" indent="-324000">
-              <a:spcBef>
-                <a:spcPts val="1134"/>
-              </a:spcBef>
-              <a:buClr>
-                <a:srgbClr val="000000"/>
-              </a:buClr>
-              <a:buSzPct val="75000"/>
-              <a:buFont typeface="Symbol" charset="2"/>
-              <a:buChar char=""/>
-            </a:pPr>
-            <a:r>
-              <a:rPr lang="fr-FR" sz="1800" b="0" strike="noStrike" spc="-1">
-                <a:latin typeface="Arial"/>
-              </a:rPr>
-              <a:t>Second niveau de plan</a:t>
-            </a:r>
-          </a:p>
-          <a:p>
-            <a:pPr marL="1296000" lvl="2" indent="-288000">
-              <a:spcBef>
-                <a:spcPts val="850"/>
-              </a:spcBef>
-              <a:buClr>
-                <a:srgbClr val="000000"/>
-              </a:buClr>
-              <a:buSzPct val="45000"/>
-              <a:buFont typeface="Wingdings" charset="2"/>
-              <a:buChar char=""/>
-            </a:pPr>
-            <a:r>
-              <a:rPr lang="fr-FR" sz="1800" b="0" strike="noStrike" spc="-1">
-                <a:latin typeface="Arial"/>
-              </a:rPr>
-              <a:t>Troisième niveau de plan</a:t>
-            </a:r>
-          </a:p>
-          <a:p>
-            <a:pPr marL="1728000" lvl="3" indent="-216000">
-              <a:spcBef>
-                <a:spcPts val="567"/>
-              </a:spcBef>
-              <a:buClr>
-                <a:srgbClr val="000000"/>
-              </a:buClr>
-              <a:buSzPct val="75000"/>
-              <a:buFont typeface="Symbol" charset="2"/>
-              <a:buChar char=""/>
-            </a:pPr>
-            <a:r>
-              <a:rPr lang="fr-FR" sz="1800" b="0" strike="noStrike" spc="-1">
-                <a:latin typeface="Arial"/>
-              </a:rPr>
-              <a:t>Quatrième niveau de plan</a:t>
-            </a:r>
-          </a:p>
-          <a:p>
-            <a:pPr marL="2160000" lvl="4" indent="-216000">
-              <a:spcBef>
-                <a:spcPts val="283"/>
-              </a:spcBef>
-              <a:buClr>
-                <a:srgbClr val="000000"/>
-              </a:buClr>
-              <a:buSzPct val="45000"/>
-              <a:buFont typeface="Wingdings" charset="2"/>
-              <a:buChar char=""/>
-            </a:pPr>
-            <a:r>
-              <a:rPr lang="fr-FR" sz="1800" b="0" strike="noStrike" spc="-1">
-                <a:latin typeface="Arial"/>
-              </a:rPr>
-              <a:t>Cinquième niveau de plan</a:t>
-            </a:r>
-          </a:p>
-          <a:p>
-            <a:pPr marL="2592000" lvl="5" indent="-216000">
-              <a:spcBef>
-                <a:spcPts val="283"/>
-              </a:spcBef>
-              <a:buClr>
-                <a:srgbClr val="000000"/>
-              </a:buClr>
-              <a:buSzPct val="45000"/>
-              <a:buFont typeface="Wingdings" charset="2"/>
-              <a:buChar char=""/>
-            </a:pPr>
-            <a:r>
-              <a:rPr lang="fr-FR" sz="1800" b="0" strike="noStrike" spc="-1">
-                <a:latin typeface="Arial"/>
-              </a:rPr>
-              <a:t>Sixième niveau de plan</a:t>
-            </a:r>
-          </a:p>
-          <a:p>
-            <a:pPr marL="3024000" lvl="6" indent="-216000">
-              <a:spcBef>
-                <a:spcPts val="283"/>
-              </a:spcBef>
-              <a:buClr>
-                <a:srgbClr val="000000"/>
-              </a:buClr>
-              <a:buSzPct val="45000"/>
-              <a:buFont typeface="Wingdings" charset="2"/>
-              <a:buChar char=""/>
-            </a:pPr>
-            <a:r>
-              <a:rPr lang="fr-FR" sz="1800" b="0" strike="noStrike" spc="-1">
-                <a:latin typeface="Arial"/>
-              </a:rPr>
-              <a:t>Septième niveau de plan</a:t>
-            </a:r>
-          </a:p>
-        </p:txBody>
-      </p:sp>
-      <p:sp>
-        <p:nvSpPr>
-          <p:cNvPr id="87" name="PlaceHolder 6"/>
-          <p:cNvSpPr>
-            <a:spLocks noGrp="1"/>
-          </p:cNvSpPr>
-          <p:nvPr>
-            <p:ph type="body"/>
-          </p:nvPr>
-        </p:nvSpPr>
-        <p:spPr>
-          <a:xfrm>
-            <a:off x="5152680" y="1326600"/>
-            <a:ext cx="4426560" cy="3288240"/>
-          </a:xfrm>
-          <a:prstGeom prst="rect">
-            <a:avLst/>
-          </a:prstGeom>
-        </p:spPr>
-        <p:txBody>
-          <a:bodyPr lIns="0" tIns="0" rIns="0" bIns="0">
-            <a:normAutofit fontScale="90000"/>
-          </a:bodyPr>
-          <a:lstStyle/>
-          <a:p>
-            <a:pPr marL="432000" indent="-324000">
-              <a:spcBef>
-                <a:spcPts val="1417"/>
-              </a:spcBef>
-              <a:buClr>
-                <a:srgbClr val="000000"/>
-              </a:buClr>
-              <a:buSzPct val="45000"/>
-              <a:buFont typeface="Wingdings" charset="2"/>
-              <a:buChar char=""/>
-            </a:pPr>
-            <a:r>
-              <a:rPr lang="fr-FR" sz="1800" b="0" strike="noStrike" spc="-1">
-                <a:latin typeface="Arial"/>
-              </a:rPr>
-              <a:t>Cliquez pour éditer le format du plan de texte</a:t>
-            </a:r>
-          </a:p>
-          <a:p>
-            <a:pPr marL="864000" lvl="1" indent="-324000">
-              <a:spcBef>
-                <a:spcPts val="1134"/>
-              </a:spcBef>
-              <a:buClr>
-                <a:srgbClr val="000000"/>
-              </a:buClr>
-              <a:buSzPct val="75000"/>
-              <a:buFont typeface="Symbol" charset="2"/>
-              <a:buChar char=""/>
-            </a:pPr>
-            <a:r>
-              <a:rPr lang="fr-FR" sz="1800" b="0" strike="noStrike" spc="-1">
-                <a:latin typeface="Arial"/>
-              </a:rPr>
-              <a:t>Second niveau de plan</a:t>
-            </a:r>
-          </a:p>
-          <a:p>
-            <a:pPr marL="1296000" lvl="2" indent="-288000">
-              <a:spcBef>
-                <a:spcPts val="850"/>
-              </a:spcBef>
-              <a:buClr>
-                <a:srgbClr val="000000"/>
-              </a:buClr>
-              <a:buSzPct val="45000"/>
-              <a:buFont typeface="Wingdings" charset="2"/>
-              <a:buChar char=""/>
-            </a:pPr>
-            <a:r>
-              <a:rPr lang="fr-FR" sz="1800" b="0" strike="noStrike" spc="-1">
-                <a:latin typeface="Arial"/>
-              </a:rPr>
-              <a:t>Troisième niveau de plan</a:t>
-            </a:r>
-          </a:p>
-          <a:p>
-            <a:pPr marL="1728000" lvl="3" indent="-216000">
-              <a:spcBef>
-                <a:spcPts val="567"/>
-              </a:spcBef>
-              <a:buClr>
-                <a:srgbClr val="000000"/>
-              </a:buClr>
-              <a:buSzPct val="75000"/>
-              <a:buFont typeface="Symbol" charset="2"/>
-              <a:buChar char=""/>
-            </a:pPr>
-            <a:r>
-              <a:rPr lang="fr-FR" sz="1800" b="0" strike="noStrike" spc="-1">
-                <a:latin typeface="Arial"/>
-              </a:rPr>
-              <a:t>Quatrième niveau de plan</a:t>
-            </a:r>
-          </a:p>
-          <a:p>
-            <a:pPr marL="2160000" lvl="4" indent="-216000">
-              <a:spcBef>
-                <a:spcPts val="283"/>
-              </a:spcBef>
-              <a:buClr>
-                <a:srgbClr val="000000"/>
-              </a:buClr>
-              <a:buSzPct val="45000"/>
-              <a:buFont typeface="Wingdings" charset="2"/>
-              <a:buChar char=""/>
-            </a:pPr>
-            <a:r>
-              <a:rPr lang="fr-FR" sz="1800" b="0" strike="noStrike" spc="-1">
-                <a:latin typeface="Arial"/>
-              </a:rPr>
-              <a:t>Cinquième niveau de plan</a:t>
-            </a:r>
-          </a:p>
-          <a:p>
-            <a:pPr marL="2592000" lvl="5" indent="-216000">
-              <a:spcBef>
-                <a:spcPts val="283"/>
-              </a:spcBef>
-              <a:buClr>
-                <a:srgbClr val="000000"/>
-              </a:buClr>
-              <a:buSzPct val="45000"/>
-              <a:buFont typeface="Wingdings" charset="2"/>
-              <a:buChar char=""/>
-            </a:pPr>
-            <a:r>
-              <a:rPr lang="fr-FR" sz="1800" b="0" strike="noStrike" spc="-1">
-                <a:latin typeface="Arial"/>
-              </a:rPr>
-              <a:t>Sixième niveau de plan</a:t>
-            </a:r>
-          </a:p>
-          <a:p>
-            <a:pPr marL="3024000" lvl="6" indent="-216000">
-              <a:spcBef>
-                <a:spcPts val="283"/>
-              </a:spcBef>
-              <a:buClr>
-                <a:srgbClr val="000000"/>
-              </a:buClr>
-              <a:buSzPct val="45000"/>
-              <a:buFont typeface="Wingdings" charset="2"/>
-              <a:buChar char=""/>
-            </a:pPr>
-            <a:r>
-              <a:rPr lang="fr-FR" sz="1800" b="0" strike="noStrike" spc="-1">
-                <a:latin typeface="Arial"/>
-              </a:rPr>
-              <a:t>Septième niveau de plan</a:t>
-            </a:r>
-          </a:p>
-        </p:txBody>
-      </p:sp>
-    </p:spTree>
-  </p:cSld>
-  <p:clrMap bg1="lt1" tx1="dk1" bg2="lt2" tx2="dk2" accent1="accent1" accent2="accent2" accent3="accent3" accent4="accent4" accent5="accent5" accent6="accent6" hlink="hlink" folHlink="folHlink"/>
-  <p:sldLayoutIdLst>
-    <p:sldLayoutId id="2147483675" r:id="rId1"/>
-    <p:sldLayoutId id="2147483676" r:id="rId2"/>
-    <p:sldLayoutId id="2147483677" r:id="rId3"/>
-    <p:sldLayoutId id="2147483678" r:id="rId4"/>
-    <p:sldLayoutId id="2147483679" r:id="rId5"/>
-    <p:sldLayoutId id="2147483680" r:id="rId6"/>
-    <p:sldLayoutId id="2147483681" r:id="rId7"/>
-    <p:sldLayoutId id="2147483682" r:id="rId8"/>
-    <p:sldLayoutId id="2147483683" r:id="rId9"/>
-    <p:sldLayoutId id="2147483684" r:id="rId10"/>
-    <p:sldLayoutId id="2147483685" r:id="rId11"/>
-    <p:sldLayoutId id="2147483686" r:id="rId12"/>
-  </p:sldLayoutIdLst>
-  <p:txStyles>
-    <p:titleStyle>
-      <a:lvl1pPr algn="l" defTabSz="914400" rtl="0" eaLnBrk="1" latinLnBrk="0" hangingPunct="1">
-        <a:lnSpc>
-          <a:spcPct val="90000"/>
-        </a:lnSpc>
-        <a:spcBef>
-          <a:spcPct val="0"/>
-        </a:spcBef>
-        <a:buNone/>
-        <a:defRPr sz="4400" kern="1200">
-          <a:solidFill>
-            <a:schemeClr val="tx1"/>
-          </a:solidFill>
-          <a:latin typeface="+mj-lt"/>
-          <a:ea typeface="+mj-ea"/>
-          <a:cs typeface="+mj-cs"/>
-        </a:defRPr>
-      </a:lvl1pPr>
-    </p:titleStyle>
-    <p:bodyStyle>
-      <a:lvl1pPr marL="228600" indent="-228600" algn="l" defTabSz="914400" rtl="0" eaLnBrk="1" latinLnBrk="0" hangingPunct="1">
-        <a:lnSpc>
-          <a:spcPct val="90000"/>
-        </a:lnSpc>
-        <a:spcBef>
-          <a:spcPts val="1000"/>
-        </a:spcBef>
-        <a:buFont typeface="Arial" panose="020B0604020202020204" pitchFamily="34" charset="0"/>
-        <a:buChar char="•"/>
-        <a:defRPr sz="2800" kern="1200">
-          <a:solidFill>
-            <a:schemeClr val="tx1"/>
-          </a:solidFill>
-          <a:latin typeface="+mn-lt"/>
-          <a:ea typeface="+mn-ea"/>
-          <a:cs typeface="+mn-cs"/>
-        </a:defRPr>
-      </a:lvl1pPr>
-      <a:lvl2pPr marL="685800" indent="-228600" algn="l" defTabSz="914400" rtl="0" eaLnBrk="1" latinLnBrk="0" hangingPunct="1">
-        <a:lnSpc>
-          <a:spcPct val="90000"/>
-        </a:lnSpc>
-        <a:spcBef>
-          <a:spcPts val="500"/>
-        </a:spcBef>
-        <a:buFont typeface="Arial" panose="020B0604020202020204" pitchFamily="34" charset="0"/>
-        <a:buChar char="•"/>
-        <a:defRPr sz="2400" kern="1200">
-          <a:solidFill>
-            <a:schemeClr val="tx1"/>
-          </a:solidFill>
-          <a:latin typeface="+mn-lt"/>
-          <a:ea typeface="+mn-ea"/>
-          <a:cs typeface="+mn-cs"/>
-        </a:defRPr>
-      </a:lvl2pPr>
-      <a:lvl3pPr marL="1143000" indent="-228600" algn="l" defTabSz="914400" rtl="0" eaLnBrk="1" latinLnBrk="0" hangingPunct="1">
-        <a:lnSpc>
-          <a:spcPct val="90000"/>
-        </a:lnSpc>
-        <a:spcBef>
-          <a:spcPts val="500"/>
-        </a:spcBef>
-        <a:buFont typeface="Arial" panose="020B0604020202020204" pitchFamily="34" charset="0"/>
-        <a:buChar char="•"/>
-        <a:defRPr sz="2000" kern="1200">
-          <a:solidFill>
-            <a:schemeClr val="tx1"/>
-          </a:solidFill>
-          <a:latin typeface="+mn-lt"/>
-          <a:ea typeface="+mn-ea"/>
-          <a:cs typeface="+mn-cs"/>
-        </a:defRPr>
-      </a:lvl3pPr>
-      <a:lvl4pPr marL="1600200" indent="-228600" algn="l" defTabSz="914400" rtl="0" eaLnBrk="1" latinLnBrk="0" hangingPunct="1">
-        <a:lnSpc>
-          <a:spcPct val="90000"/>
-        </a:lnSpc>
-        <a:spcBef>
-          <a:spcPts val="500"/>
-        </a:spcBef>
-        <a:buFont typeface="Arial" panose="020B0604020202020204" pitchFamily="34" charset="0"/>
-        <a:buChar char="•"/>
-        <a:defRPr sz="1800" kern="1200">
-          <a:solidFill>
-            <a:schemeClr val="tx1"/>
-          </a:solidFill>
-          <a:latin typeface="+mn-lt"/>
-          <a:ea typeface="+mn-ea"/>
-          <a:cs typeface="+mn-cs"/>
-        </a:defRPr>
-      </a:lvl4pPr>
-      <a:lvl5pPr marL="2057400" indent="-228600" algn="l" defTabSz="914400" rtl="0" eaLnBrk="1" latinLnBrk="0" hangingPunct="1">
-        <a:lnSpc>
-          <a:spcPct val="90000"/>
-        </a:lnSpc>
-        <a:spcBef>
-          <a:spcPts val="500"/>
-        </a:spcBef>
-        <a:buFont typeface="Arial" panose="020B0604020202020204" pitchFamily="34" charset="0"/>
-        <a:buChar char="•"/>
-        <a:defRPr sz="1800" kern="1200">
-          <a:solidFill>
-            <a:schemeClr val="tx1"/>
-          </a:solidFill>
-          <a:latin typeface="+mn-lt"/>
-          <a:ea typeface="+mn-ea"/>
-          <a:cs typeface="+mn-cs"/>
-        </a:defRPr>
-      </a:lvl5pPr>
-      <a:lvl6pPr marL="2514600" indent="-228600" algn="l" defTabSz="914400" rtl="0" eaLnBrk="1" latinLnBrk="0" hangingPunct="1">
-        <a:lnSpc>
-          <a:spcPct val="90000"/>
-        </a:lnSpc>
-        <a:spcBef>
-          <a:spcPts val="500"/>
-        </a:spcBef>
-        <a:buFont typeface="Arial" panose="020B0604020202020204" pitchFamily="34" charset="0"/>
-        <a:buChar char="•"/>
-        <a:defRPr sz="1800" kern="1200">
-          <a:solidFill>
-            <a:schemeClr val="tx1"/>
-          </a:solidFill>
-          <a:latin typeface="+mn-lt"/>
-          <a:ea typeface="+mn-ea"/>
-          <a:cs typeface="+mn-cs"/>
-        </a:defRPr>
-      </a:lvl6pPr>
-      <a:lvl7pPr marL="2971800" indent="-228600" algn="l" defTabSz="914400" rtl="0" eaLnBrk="1" latinLnBrk="0" hangingPunct="1">
-        <a:lnSpc>
-          <a:spcPct val="90000"/>
-        </a:lnSpc>
-        <a:spcBef>
-          <a:spcPts val="500"/>
-        </a:spcBef>
-        <a:buFont typeface="Arial" panose="020B0604020202020204" pitchFamily="34" charset="0"/>
-        <a:buChar char="•"/>
-        <a:defRPr sz="1800" kern="1200">
-          <a:solidFill>
-            <a:schemeClr val="tx1"/>
-          </a:solidFill>
-          <a:latin typeface="+mn-lt"/>
-          <a:ea typeface="+mn-ea"/>
-          <a:cs typeface="+mn-cs"/>
-        </a:defRPr>
-      </a:lvl7pPr>
-      <a:lvl8pPr marL="3429000" indent="-228600" algn="l" defTabSz="914400" rtl="0" eaLnBrk="1" latinLnBrk="0" hangingPunct="1">
-        <a:lnSpc>
-          <a:spcPct val="90000"/>
-        </a:lnSpc>
-        <a:spcBef>
-          <a:spcPts val="500"/>
-        </a:spcBef>
-        <a:buFont typeface="Arial" panose="020B0604020202020204" pitchFamily="34" charset="0"/>
-        <a:buChar char="•"/>
-        <a:defRPr sz="1800" kern="1200">
-          <a:solidFill>
-            <a:schemeClr val="tx1"/>
-          </a:solidFill>
-          <a:latin typeface="+mn-lt"/>
-          <a:ea typeface="+mn-ea"/>
-          <a:cs typeface="+mn-cs"/>
-        </a:defRPr>
-      </a:lvl8pPr>
-      <a:lvl9pPr marL="3886200" indent="-228600" algn="l" defTabSz="914400" rtl="0" eaLnBrk="1" latinLnBrk="0" hangingPunct="1">
-        <a:lnSpc>
-          <a:spcPct val="90000"/>
-        </a:lnSpc>
-        <a:spcBef>
-          <a:spcPts val="500"/>
-        </a:spcBef>
-        <a:buFont typeface="Arial" panose="020B0604020202020204" pitchFamily="34" charset="0"/>
-        <a:buChar char="•"/>
-        <a:defRPr sz="1800" kern="1200">
-          <a:solidFill>
-            <a:schemeClr val="tx1"/>
-          </a:solidFill>
-          <a:latin typeface="+mn-lt"/>
-          <a:ea typeface="+mn-ea"/>
-          <a:cs typeface="+mn-cs"/>
-        </a:defRPr>
-      </a:lvl9pPr>
-    </p:bodyStyle>
-    <p:otherStyle>
-      <a:defPPr>
-        <a:defRPr lang="fr-FR"/>
-      </a:defPPr>
-      <a:lvl1pPr marL="0" algn="l" defTabSz="914400" rtl="0" eaLnBrk="1" latinLnBrk="0" hangingPunct="1">
-        <a:defRPr sz="1800" kern="1200">
-          <a:solidFill>
-            <a:schemeClr val="tx1"/>
-          </a:solidFill>
-          <a:latin typeface="+mn-lt"/>
-          <a:ea typeface="+mn-ea"/>
-          <a:cs typeface="+mn-cs"/>
-        </a:defRPr>
-      </a:lvl1pPr>
-      <a:lvl2pPr marL="457200" algn="l" defTabSz="914400" rtl="0" eaLnBrk="1" latinLnBrk="0" hangingPunct="1">
-        <a:defRPr sz="1800" kern="1200">
-          <a:solidFill>
-            <a:schemeClr val="tx1"/>
-          </a:solidFill>
-          <a:latin typeface="+mn-lt"/>
-          <a:ea typeface="+mn-ea"/>
-          <a:cs typeface="+mn-cs"/>
-        </a:defRPr>
-      </a:lvl2pPr>
-      <a:lvl3pPr marL="914400" algn="l" defTabSz="914400" rtl="0" eaLnBrk="1" latinLnBrk="0" hangingPunct="1">
-        <a:defRPr sz="1800" kern="1200">
-          <a:solidFill>
-            <a:schemeClr val="tx1"/>
-          </a:solidFill>
-          <a:latin typeface="+mn-lt"/>
-          <a:ea typeface="+mn-ea"/>
-          <a:cs typeface="+mn-cs"/>
-        </a:defRPr>
-      </a:lvl3pPr>
-      <a:lvl4pPr marL="1371600" algn="l" defTabSz="914400" rtl="0" eaLnBrk="1" latinLnBrk="0" hangingPunct="1">
-        <a:defRPr sz="1800" kern="1200">
-          <a:solidFill>
-            <a:schemeClr val="tx1"/>
-          </a:solidFill>
-          <a:latin typeface="+mn-lt"/>
-          <a:ea typeface="+mn-ea"/>
-          <a:cs typeface="+mn-cs"/>
-        </a:defRPr>
-      </a:lvl4pPr>
-      <a:lvl5pPr marL="1828800" algn="l" defTabSz="914400" rtl="0" eaLnBrk="1" latinLnBrk="0" hangingPunct="1">
-        <a:defRPr sz="1800" kern="1200">
-          <a:solidFill>
-            <a:schemeClr val="tx1"/>
-          </a:solidFill>
-          <a:latin typeface="+mn-lt"/>
-          <a:ea typeface="+mn-ea"/>
-          <a:cs typeface="+mn-cs"/>
-        </a:defRPr>
-      </a:lvl5pPr>
-      <a:lvl6pPr marL="2286000" algn="l" defTabSz="914400" rtl="0" eaLnBrk="1" latinLnBrk="0" hangingPunct="1">
-        <a:defRPr sz="1800" kern="1200">
-          <a:solidFill>
-            <a:schemeClr val="tx1"/>
-          </a:solidFill>
-          <a:latin typeface="+mn-lt"/>
-          <a:ea typeface="+mn-ea"/>
-          <a:cs typeface="+mn-cs"/>
-        </a:defRPr>
-      </a:lvl6pPr>
-      <a:lvl7pPr marL="2743200" algn="l" defTabSz="914400" rtl="0" eaLnBrk="1" latinLnBrk="0" hangingPunct="1">
-        <a:defRPr sz="1800" kern="1200">
-          <a:solidFill>
-            <a:schemeClr val="tx1"/>
-          </a:solidFill>
-          <a:latin typeface="+mn-lt"/>
-          <a:ea typeface="+mn-ea"/>
-          <a:cs typeface="+mn-cs"/>
-        </a:defRPr>
-      </a:lvl7pPr>
-      <a:lvl8pPr marL="3200400" algn="l" defTabSz="914400" rtl="0" eaLnBrk="1" latinLnBrk="0" hangingPunct="1">
-        <a:defRPr sz="1800" kern="1200">
-          <a:solidFill>
-            <a:schemeClr val="tx1"/>
-          </a:solidFill>
-          <a:latin typeface="+mn-lt"/>
-          <a:ea typeface="+mn-ea"/>
-          <a:cs typeface="+mn-cs"/>
-        </a:defRPr>
-      </a:lvl8pPr>
-      <a:lvl9pPr marL="3657600" algn="l" defTabSz="914400" rtl="0" eaLnBrk="1" latinLnBrk="0" hangingPunct="1">
-        <a:defRPr sz="1800" kern="1200">
-          <a:solidFill>
-            <a:schemeClr val="tx1"/>
-          </a:solidFill>
-          <a:latin typeface="+mn-lt"/>
-          <a:ea typeface="+mn-ea"/>
-          <a:cs typeface="+mn-cs"/>
-        </a:defRPr>
-      </a:lvl9pPr>
-    </p:otherStyle>
-  </p:txStyles>
-</p:sldMaster>
-</file>
-
 <file path=ppt/slides/slide1.xml><?xml version="1.0" encoding="utf-8"?>
 <p:sld xmlns:a="http://schemas.openxmlformats.org/drawingml/2006/main" xmlns:r="http://schemas.openxmlformats.org/officeDocument/2006/relationships" xmlns:p="http://schemas.openxmlformats.org/presentationml/2006/main">
   <p:cSld>
@@ -7420,6 +5216,87 @@
   <p:clrMapOvr>
     <a:masterClrMapping/>
   </p:clrMapOvr>
+</p:sld>
+</file>
+
+<file path=ppt/slides/slide15.xml><?xml version="1.0" encoding="utf-8"?>
+<p:sld xmlns:a="http://schemas.openxmlformats.org/drawingml/2006/main" xmlns:r="http://schemas.openxmlformats.org/officeDocument/2006/relationships" xmlns:p="http://schemas.openxmlformats.org/presentationml/2006/main">
+  <p:cSld>
+    <p:spTree>
+      <p:nvGrpSpPr>
+        <p:cNvPr id="1" name=""/>
+        <p:cNvGrpSpPr/>
+        <p:nvPr/>
+      </p:nvGrpSpPr>
+      <p:grpSpPr>
+        <a:xfrm>
+          <a:off x="0" y="0"/>
+          <a:ext cx="0" cy="0"/>
+          <a:chOff x="0" y="0"/>
+          <a:chExt cx="0" cy="0"/>
+        </a:xfrm>
+      </p:grpSpPr>
+      <p:sp>
+        <p:nvSpPr>
+          <p:cNvPr id="3" name="Subtitle 2">
+            <a:extLst>
+              <a:ext uri="{FF2B5EF4-FFF2-40B4-BE49-F238E27FC236}">
+                <a16:creationId xmlns:a16="http://schemas.microsoft.com/office/drawing/2014/main" id="{1AD03D9B-F76C-4F7E-A7E7-CBE41AF8DE0F}"/>
+              </a:ext>
+            </a:extLst>
+          </p:cNvPr>
+          <p:cNvSpPr>
+            <a:spLocks noGrp="1"/>
+          </p:cNvSpPr>
+          <p:nvPr>
+            <p:ph type="subTitle"/>
+          </p:nvPr>
+        </p:nvSpPr>
+        <p:spPr>
+          <a:xfrm>
+            <a:off x="2981977" y="2406216"/>
+            <a:ext cx="4116669" cy="903837"/>
+          </a:xfrm>
+        </p:spPr>
+        <p:txBody>
+          <a:bodyPr/>
+          <a:lstStyle/>
+          <a:p>
+            <a:pPr marL="0" indent="0">
+              <a:buNone/>
+            </a:pPr>
+            <a:r>
+              <a:rPr lang="fr-BE" dirty="0"/>
+              <a:t>Merci de votre attention</a:t>
+            </a:r>
+          </a:p>
+          <a:p>
+            <a:endParaRPr lang="fr-BE" dirty="0"/>
+          </a:p>
+        </p:txBody>
+      </p:sp>
+    </p:spTree>
+    <p:extLst>
+      <p:ext uri="{BB962C8B-B14F-4D97-AF65-F5344CB8AC3E}">
+        <p14:creationId xmlns:p14="http://schemas.microsoft.com/office/powerpoint/2010/main" val="2345215833"/>
+      </p:ext>
+    </p:extLst>
+  </p:cSld>
+  <p:clrMapOvr>
+    <a:masterClrMapping/>
+  </p:clrMapOvr>
+  <mc:AlternateContent xmlns:mc="http://schemas.openxmlformats.org/markup-compatibility/2006" xmlns:p15="http://schemas.microsoft.com/office/powerpoint/2012/main">
+    <mc:Choice Requires="p15">
+      <p:transition xmlns:p14="http://schemas.microsoft.com/office/powerpoint/2010/main" spd="slow" p14:dur="1250">
+        <p15:prstTrans prst="airplane"/>
+      </p:transition>
+    </mc:Choice>
+    <mc:Fallback xmlns="">
+      <p:transition spd="slow">
+        <p:fade/>
+      </p:transition>
+    </mc:Fallback>
+  </mc:AlternateContent>
 </p:sld>
 </file>
 
@@ -9907,7 +7784,7 @@
         </p:nvSpPr>
         <p:spPr>
           <a:xfrm>
-            <a:off x="432997" y="935655"/>
+            <a:off x="374004" y="948599"/>
             <a:ext cx="9072000" cy="3599960"/>
           </a:xfrm>
         </p:spPr>
@@ -10140,8 +8017,8 @@
             </p:nvSpPr>
             <p:spPr>
               <a:xfrm>
-                <a:off x="503238" y="1997278"/>
-                <a:ext cx="3469540" cy="1947456"/>
+                <a:off x="504000" y="1741177"/>
+                <a:ext cx="3469540" cy="2466573"/>
               </a:xfrm>
               <a:prstGeom prst="rect">
                 <a:avLst/>
@@ -10163,14 +8040,14 @@
                     <m:f>
                       <m:fPr>
                         <m:ctrlPr>
-                          <a:rPr lang="fr-FR" i="1" spc="-1" smtClean="0">
+                          <a:rPr lang="fr-FR" sz="2800" i="1" spc="-1" smtClean="0">
                             <a:latin typeface="Cambria Math" panose="02040503050406030204" pitchFamily="18" charset="0"/>
                           </a:rPr>
                         </m:ctrlPr>
                       </m:fPr>
                       <m:num>
                         <m:r>
-                          <a:rPr lang="fr-FR" i="1" spc="-1">
+                          <a:rPr lang="fr-FR" sz="2800" i="1" spc="-1">
                             <a:latin typeface="Cambria Math" panose="02040503050406030204" pitchFamily="18" charset="0"/>
                           </a:rPr>
                           <m:t>𝑑𝑆</m:t>
@@ -10178,13 +8055,13 @@
                       </m:num>
                       <m:den>
                         <m:r>
-                          <a:rPr lang="fr-FR" i="1" spc="-1">
+                          <a:rPr lang="fr-FR" sz="2800" i="1" spc="-1">
                             <a:latin typeface="Cambria Math" panose="02040503050406030204" pitchFamily="18" charset="0"/>
                           </a:rPr>
                           <m:t>𝑑</m:t>
                         </m:r>
                         <m:r>
-                          <a:rPr lang="fr-FR" b="0" i="1" spc="-1" smtClean="0">
+                          <a:rPr lang="fr-FR" sz="2800" b="0" i="1" spc="-1" smtClean="0">
                             <a:latin typeface="Cambria Math" panose="02040503050406030204" pitchFamily="18" charset="0"/>
                           </a:rPr>
                           <m:t>𝑡</m:t>
@@ -10192,41 +8069,41 @@
                       </m:den>
                     </m:f>
                     <m:r>
-                      <a:rPr lang="fr-FR" i="1" spc="-1">
+                      <a:rPr lang="fr-FR" sz="2800" i="1" spc="-1">
                         <a:latin typeface="Cambria Math" panose="02040503050406030204" pitchFamily="18" charset="0"/>
                       </a:rPr>
                       <m:t>=−</m:t>
                     </m:r>
                     <m:r>
-                      <a:rPr lang="fr-FR" i="1" spc="-1">
+                      <a:rPr lang="fr-FR" sz="2800" i="1" spc="-1">
                         <a:latin typeface="Cambria Math" panose="02040503050406030204" pitchFamily="18" charset="0"/>
                         <a:ea typeface="Cambria Math" panose="02040503050406030204" pitchFamily="18" charset="0"/>
                       </a:rPr>
                       <m:t>𝛽</m:t>
                     </m:r>
                     <m:r>
-                      <a:rPr lang="fr-FR" i="1" spc="-1">
+                      <a:rPr lang="fr-FR" sz="2800" i="1" spc="-1">
                         <a:latin typeface="Cambria Math" panose="02040503050406030204" pitchFamily="18" charset="0"/>
                         <a:ea typeface="Cambria Math" panose="02040503050406030204" pitchFamily="18" charset="0"/>
                       </a:rPr>
                       <m:t>∗</m:t>
                     </m:r>
                     <m:r>
-                      <a:rPr lang="fr-FR" i="1" spc="-1">
+                      <a:rPr lang="fr-FR" sz="2800" i="1" spc="-1">
                         <a:latin typeface="Cambria Math" panose="02040503050406030204" pitchFamily="18" charset="0"/>
                         <a:ea typeface="Cambria Math" panose="02040503050406030204" pitchFamily="18" charset="0"/>
                       </a:rPr>
                       <m:t>𝐼</m:t>
                     </m:r>
                     <m:r>
-                      <a:rPr lang="fr-FR" i="1" spc="-1">
+                      <a:rPr lang="fr-FR" sz="2800" i="1" spc="-1">
                         <a:latin typeface="Cambria Math" panose="02040503050406030204" pitchFamily="18" charset="0"/>
                         <a:ea typeface="Cambria Math" panose="02040503050406030204" pitchFamily="18" charset="0"/>
                       </a:rPr>
                       <m:t>∗</m:t>
                     </m:r>
                     <m:r>
-                      <a:rPr lang="fr-FR" i="1" spc="-1">
+                      <a:rPr lang="fr-FR" sz="2800" i="1" spc="-1">
                         <a:latin typeface="Cambria Math" panose="02040503050406030204" pitchFamily="18" charset="0"/>
                         <a:ea typeface="Cambria Math" panose="02040503050406030204" pitchFamily="18" charset="0"/>
                       </a:rPr>
@@ -10234,7 +8111,14 @@
                     </m:r>
                   </m:oMath>
                 </a14:m>
-                <a:endParaRPr lang="fr-FR" dirty="0"/>
+                <a:endParaRPr lang="fr-FR" sz="2800" dirty="0"/>
+              </a:p>
+              <a:p>
+                <a:pPr marL="285750" indent="-285750">
+                  <a:buFont typeface="Arial" panose="020B0604020202020204" pitchFamily="34" charset="0"/>
+                  <a:buChar char="•"/>
+                </a:pPr>
+                <a:endParaRPr lang="fr-FR" sz="2800" dirty="0"/>
               </a:p>
               <a:p>
                 <a:pPr marL="285750" indent="-285750">
@@ -10246,20 +8130,20 @@
                     <m:f>
                       <m:fPr>
                         <m:ctrlPr>
-                          <a:rPr lang="fr-FR" i="1" spc="-1">
+                          <a:rPr lang="fr-FR" sz="2800" i="1" spc="-1">
                             <a:latin typeface="Cambria Math" panose="02040503050406030204" pitchFamily="18" charset="0"/>
                           </a:rPr>
                         </m:ctrlPr>
                       </m:fPr>
                       <m:num>
                         <m:r>
-                          <a:rPr lang="fr-FR" i="1" spc="-1">
+                          <a:rPr lang="fr-FR" sz="2800" i="1" spc="-1">
                             <a:latin typeface="Cambria Math" panose="02040503050406030204" pitchFamily="18" charset="0"/>
                           </a:rPr>
                           <m:t>𝑑</m:t>
                         </m:r>
                         <m:r>
-                          <a:rPr lang="fr-FR" b="0" i="1" spc="-1" smtClean="0">
+                          <a:rPr lang="fr-FR" sz="2800" b="0" i="1" spc="-1" smtClean="0">
                             <a:latin typeface="Cambria Math" panose="02040503050406030204" pitchFamily="18" charset="0"/>
                           </a:rPr>
                           <m:t>𝐼</m:t>
@@ -10267,13 +8151,13 @@
                       </m:num>
                       <m:den>
                         <m:r>
-                          <a:rPr lang="fr-FR" i="1" spc="-1">
+                          <a:rPr lang="fr-FR" sz="2800" i="1" spc="-1">
                             <a:latin typeface="Cambria Math" panose="02040503050406030204" pitchFamily="18" charset="0"/>
                           </a:rPr>
                           <m:t>𝑑</m:t>
                         </m:r>
                         <m:r>
-                          <a:rPr lang="fr-FR" b="0" i="1" spc="-1" smtClean="0">
+                          <a:rPr lang="fr-FR" sz="2800" b="0" i="1" spc="-1" smtClean="0">
                             <a:latin typeface="Cambria Math" panose="02040503050406030204" pitchFamily="18" charset="0"/>
                           </a:rPr>
                           <m:t>𝑡</m:t>
@@ -10281,69 +8165,69 @@
                       </m:den>
                     </m:f>
                     <m:r>
-                      <a:rPr lang="fr-FR" i="1" spc="-1">
+                      <a:rPr lang="fr-FR" sz="2800" i="1" spc="-1">
                         <a:latin typeface="Cambria Math" panose="02040503050406030204" pitchFamily="18" charset="0"/>
                       </a:rPr>
                       <m:t>=</m:t>
                     </m:r>
                     <m:r>
-                      <a:rPr lang="fr-FR" i="1" spc="-1">
+                      <a:rPr lang="fr-FR" sz="2800" i="1" spc="-1">
                         <a:latin typeface="Cambria Math" panose="02040503050406030204" pitchFamily="18" charset="0"/>
                         <a:ea typeface="Cambria Math" panose="02040503050406030204" pitchFamily="18" charset="0"/>
                       </a:rPr>
                       <m:t>𝛽</m:t>
                     </m:r>
                     <m:r>
-                      <a:rPr lang="fr-FR" i="1" spc="-1">
+                      <a:rPr lang="fr-FR" sz="2800" i="1" spc="-1">
                         <a:latin typeface="Cambria Math" panose="02040503050406030204" pitchFamily="18" charset="0"/>
                         <a:ea typeface="Cambria Math" panose="02040503050406030204" pitchFamily="18" charset="0"/>
                       </a:rPr>
                       <m:t>∗</m:t>
                     </m:r>
                     <m:r>
-                      <a:rPr lang="fr-FR" i="1" spc="-1">
+                      <a:rPr lang="fr-FR" sz="2800" i="1" spc="-1">
                         <a:latin typeface="Cambria Math" panose="02040503050406030204" pitchFamily="18" charset="0"/>
                         <a:ea typeface="Cambria Math" panose="02040503050406030204" pitchFamily="18" charset="0"/>
                       </a:rPr>
                       <m:t>𝐼</m:t>
                     </m:r>
                     <m:r>
-                      <a:rPr lang="fr-FR" i="1" spc="-1">
+                      <a:rPr lang="fr-FR" sz="2800" i="1" spc="-1">
                         <a:latin typeface="Cambria Math" panose="02040503050406030204" pitchFamily="18" charset="0"/>
                         <a:ea typeface="Cambria Math" panose="02040503050406030204" pitchFamily="18" charset="0"/>
                       </a:rPr>
                       <m:t>∗</m:t>
                     </m:r>
                     <m:r>
-                      <a:rPr lang="fr-FR" i="1" spc="-1">
+                      <a:rPr lang="fr-FR" sz="2800" i="1" spc="-1">
                         <a:latin typeface="Cambria Math" panose="02040503050406030204" pitchFamily="18" charset="0"/>
                         <a:ea typeface="Cambria Math" panose="02040503050406030204" pitchFamily="18" charset="0"/>
                       </a:rPr>
                       <m:t>𝑆</m:t>
                     </m:r>
                     <m:r>
-                      <a:rPr lang="fr-FR" b="0" i="1" spc="-1" smtClean="0">
+                      <a:rPr lang="fr-FR" sz="2800" b="0" i="1" spc="-1" smtClean="0">
                         <a:latin typeface="Cambria Math" panose="02040503050406030204" pitchFamily="18" charset="0"/>
                         <a:ea typeface="Cambria Math" panose="02040503050406030204" pitchFamily="18" charset="0"/>
                       </a:rPr>
                       <m:t> −</m:t>
                     </m:r>
                     <m:r>
-                      <a:rPr lang="fr-FR" b="0" i="1" spc="-1" smtClean="0">
+                      <a:rPr lang="fr-FR" sz="2800" b="0" i="1" spc="-1" smtClean="0">
                         <a:latin typeface="Cambria Math" panose="02040503050406030204" pitchFamily="18" charset="0"/>
                         <a:ea typeface="Cambria Math" panose="02040503050406030204" pitchFamily="18" charset="0"/>
                       </a:rPr>
                       <m:t>𝛾</m:t>
                     </m:r>
                     <m:r>
-                      <a:rPr lang="fr-FR" b="0" i="1" spc="-1" smtClean="0">
+                      <a:rPr lang="fr-FR" sz="2800" b="0" i="1" spc="-1" smtClean="0">
                         <a:latin typeface="Cambria Math" panose="02040503050406030204" pitchFamily="18" charset="0"/>
                         <a:ea typeface="Cambria Math" panose="02040503050406030204" pitchFamily="18" charset="0"/>
                       </a:rPr>
                       <m:t>∗</m:t>
                     </m:r>
                     <m:r>
-                      <a:rPr lang="fr-FR" b="0" i="1" spc="-1" smtClean="0">
+                      <a:rPr lang="fr-FR" sz="2800" b="0" i="1" spc="-1" smtClean="0">
                         <a:latin typeface="Cambria Math" panose="02040503050406030204" pitchFamily="18" charset="0"/>
                         <a:ea typeface="Cambria Math" panose="02040503050406030204" pitchFamily="18" charset="0"/>
                       </a:rPr>
@@ -10351,7 +8235,16 @@
                     </m:r>
                   </m:oMath>
                 </a14:m>
-                <a:endParaRPr lang="fr-FR" b="0" spc="-1" dirty="0">
+                <a:endParaRPr lang="fr-BE" sz="2800" b="0" spc="-1" dirty="0">
+                  <a:ea typeface="Cambria Math" panose="02040503050406030204" pitchFamily="18" charset="0"/>
+                </a:endParaRPr>
+              </a:p>
+              <a:p>
+                <a:pPr marL="285750" indent="-285750">
+                  <a:buFont typeface="Arial" panose="020B0604020202020204" pitchFamily="34" charset="0"/>
+                  <a:buChar char="•"/>
+                </a:pPr>
+                <a:endParaRPr lang="fr-FR" sz="2800" b="0" spc="-1" dirty="0">
                   <a:ea typeface="Cambria Math" panose="02040503050406030204" pitchFamily="18" charset="0"/>
                 </a:endParaRPr>
               </a:p>
@@ -10365,20 +8258,20 @@
                     <m:f>
                       <m:fPr>
                         <m:ctrlPr>
-                          <a:rPr lang="fr-FR" i="1" spc="-1">
+                          <a:rPr lang="fr-FR" sz="2800" i="1" spc="-1">
                             <a:latin typeface="Cambria Math" panose="02040503050406030204" pitchFamily="18" charset="0"/>
                           </a:rPr>
                         </m:ctrlPr>
                       </m:fPr>
                       <m:num>
                         <m:r>
-                          <a:rPr lang="fr-FR" i="1" spc="-1">
+                          <a:rPr lang="fr-FR" sz="2800" i="1" spc="-1">
                             <a:latin typeface="Cambria Math" panose="02040503050406030204" pitchFamily="18" charset="0"/>
                           </a:rPr>
                           <m:t>𝑑</m:t>
                         </m:r>
                         <m:r>
-                          <a:rPr lang="fr-FR" b="0" i="1" spc="-1" smtClean="0">
+                          <a:rPr lang="fr-FR" sz="2800" b="0" i="1" spc="-1" smtClean="0">
                             <a:latin typeface="Cambria Math" panose="02040503050406030204" pitchFamily="18" charset="0"/>
                           </a:rPr>
                           <m:t>𝑅</m:t>
@@ -10386,13 +8279,13 @@
                       </m:num>
                       <m:den>
                         <m:r>
-                          <a:rPr lang="fr-FR" i="1" spc="-1">
+                          <a:rPr lang="fr-FR" sz="2800" i="1" spc="-1">
                             <a:latin typeface="Cambria Math" panose="02040503050406030204" pitchFamily="18" charset="0"/>
                           </a:rPr>
                           <m:t>𝑑</m:t>
                         </m:r>
                         <m:r>
-                          <a:rPr lang="fr-FR" b="0" i="1" spc="-1" smtClean="0">
+                          <a:rPr lang="fr-FR" sz="2800" b="0" i="1" spc="-1" smtClean="0">
                             <a:latin typeface="Cambria Math" panose="02040503050406030204" pitchFamily="18" charset="0"/>
                           </a:rPr>
                           <m:t>𝑡</m:t>
@@ -10400,27 +8293,27 @@
                       </m:den>
                     </m:f>
                     <m:r>
-                      <a:rPr lang="fr-FR" i="1" spc="-1">
+                      <a:rPr lang="fr-FR" sz="2800" i="1" spc="-1">
                         <a:latin typeface="Cambria Math" panose="02040503050406030204" pitchFamily="18" charset="0"/>
                       </a:rPr>
                       <m:t>=</m:t>
                     </m:r>
                     <m:r>
-                      <a:rPr lang="fr-FR" i="1" spc="-1" smtClean="0">
+                      <a:rPr lang="fr-FR" sz="2800" i="1" spc="-1" smtClean="0">
                         <a:latin typeface="Cambria Math" panose="02040503050406030204" pitchFamily="18" charset="0"/>
                         <a:ea typeface="Cambria Math" panose="02040503050406030204" pitchFamily="18" charset="0"/>
                       </a:rPr>
                       <m:t>𝛾</m:t>
                     </m:r>
                     <m:r>
-                      <a:rPr lang="fr-FR" b="0" i="1" spc="-1" smtClean="0">
+                      <a:rPr lang="fr-FR" sz="2800" b="0" i="1" spc="-1" smtClean="0">
                         <a:latin typeface="Cambria Math" panose="02040503050406030204" pitchFamily="18" charset="0"/>
                         <a:ea typeface="Cambria Math" panose="02040503050406030204" pitchFamily="18" charset="0"/>
                       </a:rPr>
                       <m:t>∗</m:t>
                     </m:r>
                     <m:r>
-                      <a:rPr lang="fr-FR" b="0" i="1" spc="-1" smtClean="0">
+                      <a:rPr lang="fr-FR" sz="2800" b="0" i="1" spc="-1" smtClean="0">
                         <a:latin typeface="Cambria Math" panose="02040503050406030204" pitchFamily="18" charset="0"/>
                         <a:ea typeface="Cambria Math" panose="02040503050406030204" pitchFamily="18" charset="0"/>
                       </a:rPr>
@@ -10428,7 +8321,7 @@
                     </m:r>
                   </m:oMath>
                 </a14:m>
-                <a:endParaRPr lang="fr-FR" b="0" spc="-1" dirty="0">
+                <a:endParaRPr lang="fr-FR" sz="2800" b="0" spc="-1" dirty="0">
                   <a:ea typeface="Cambria Math" panose="02040503050406030204" pitchFamily="18" charset="0"/>
                 </a:endParaRPr>
               </a:p>
@@ -10454,8 +8347,8 @@
             </p:nvSpPr>
             <p:spPr>
               <a:xfrm>
-                <a:off x="503238" y="1997278"/>
-                <a:ext cx="3469540" cy="1947456"/>
+                <a:off x="504000" y="1741177"/>
+                <a:ext cx="3469540" cy="2466573"/>
               </a:xfrm>
               <a:prstGeom prst="rect">
                 <a:avLst/>
@@ -10472,7 +8365,7 @@
               <a:lstStyle/>
               <a:p>
                 <a:r>
-                  <a:rPr lang="fr-FR">
+                  <a:rPr lang="en-BE">
                     <a:noFill/>
                   </a:rPr>
                   <a:t> </a:t>
@@ -10498,7 +8391,7 @@
             </p:nvSpPr>
             <p:spPr>
               <a:xfrm>
-                <a:off x="4122420" y="1997278"/>
+                <a:off x="4068445" y="1884487"/>
                 <a:ext cx="6012180" cy="923330"/>
               </a:xfrm>
               <a:prstGeom prst="rect">
@@ -10586,7 +8479,7 @@
             </p:nvSpPr>
             <p:spPr>
               <a:xfrm>
-                <a:off x="4122420" y="1997278"/>
+                <a:off x="4068445" y="1884487"/>
                 <a:ext cx="6012180" cy="923330"/>
               </a:xfrm>
               <a:prstGeom prst="rect">
@@ -10595,7 +8488,7 @@
               <a:blipFill>
                 <a:blip r:embed="rId3"/>
                 <a:stretch>
-                  <a:fillRect l="-608" t="-3974" b="-9934"/>
+                  <a:fillRect l="-608" t="-3289" b="-9211"/>
                 </a:stretch>
               </a:blipFill>
             </p:spPr>
@@ -10604,7 +8497,7 @@
               <a:lstStyle/>
               <a:p>
                 <a:r>
-                  <a:rPr lang="fr-FR">
+                  <a:rPr lang="en-BE">
                     <a:noFill/>
                   </a:rPr>
                   <a:t> </a:t>
@@ -10976,8 +8869,8 @@
         </p:nvCxnSpPr>
         <p:spPr>
           <a:xfrm flipV="1">
-            <a:off x="1194619" y="3944734"/>
-            <a:ext cx="390833" cy="590395"/>
+            <a:off x="1194619" y="4175258"/>
+            <a:ext cx="298154" cy="359872"/>
           </a:xfrm>
           <a:prstGeom prst="straightConnector1">
             <a:avLst/>
@@ -11044,13 +8937,15 @@
               </a:ext>
             </a:extLst>
           </p:cNvPr>
-          <p:cNvCxnSpPr/>
+          <p:cNvCxnSpPr>
+            <a:cxnSpLocks/>
+          </p:cNvCxnSpPr>
           <p:nvPr/>
         </p:nvCxnSpPr>
         <p:spPr>
           <a:xfrm flipH="1">
-            <a:off x="1998406" y="1533832"/>
-            <a:ext cx="501446" cy="538316"/>
+            <a:off x="1969431" y="1585452"/>
+            <a:ext cx="582040" cy="223156"/>
           </a:xfrm>
           <a:prstGeom prst="straightConnector1">
             <a:avLst/>
@@ -11088,7 +8983,7 @@
         </p:nvSpPr>
         <p:spPr>
           <a:xfrm>
-            <a:off x="2499852" y="1337722"/>
+            <a:off x="2508701" y="1238156"/>
             <a:ext cx="3078559" cy="646331"/>
           </a:xfrm>
           <a:prstGeom prst="rect">
@@ -11575,232 +9470,4 @@
   <a:objectDefaults/>
   <a:extraClrSchemeLst/>
 </a:theme>
-</file>
-
-<file path=ppt/theme/theme3.xml><?xml version="1.0" encoding="utf-8"?>
-<a:theme xmlns:a="http://schemas.openxmlformats.org/drawingml/2006/main" name="Office Theme">
-  <a:themeElements>
-    <a:clrScheme name="Office">
-      <a:dk1>
-        <a:sysClr val="windowText" lastClr="000000"/>
-      </a:dk1>
-      <a:lt1>
-        <a:sysClr val="window" lastClr="FFFFFF"/>
-      </a:lt1>
-      <a:dk2>
-        <a:srgbClr val="000000"/>
-      </a:dk2>
-      <a:lt2>
-        <a:srgbClr val="808080"/>
-      </a:lt2>
-      <a:accent1>
-        <a:srgbClr val="BBE0E3"/>
-      </a:accent1>
-      <a:accent2>
-        <a:srgbClr val="333399"/>
-      </a:accent2>
-      <a:accent3>
-        <a:srgbClr val="FFFFFF"/>
-      </a:accent3>
-      <a:accent4>
-        <a:srgbClr val="000000"/>
-      </a:accent4>
-      <a:accent5>
-        <a:srgbClr val="DAEDEF"/>
-      </a:accent5>
-      <a:accent6>
-        <a:srgbClr val="2D2D8A"/>
-      </a:accent6>
-      <a:hlink>
-        <a:srgbClr val="009999"/>
-      </a:hlink>
-      <a:folHlink>
-        <a:srgbClr val="99CC00"/>
-      </a:folHlink>
-    </a:clrScheme>
-    <a:fontScheme name="Office">
-      <a:majorFont>
-        <a:latin typeface="Arial"/>
-        <a:ea typeface="DejaVu Sans"/>
-        <a:cs typeface="DejaVu Sans"/>
-      </a:majorFont>
-      <a:minorFont>
-        <a:latin typeface="Arial"/>
-        <a:ea typeface="DejaVu Sans"/>
-        <a:cs typeface="DejaVu Sans"/>
-      </a:minorFont>
-    </a:fontScheme>
-    <a:fmtScheme name="Office">
-      <a:fillStyleLst>
-        <a:solidFill>
-          <a:schemeClr val="phClr"/>
-        </a:solidFill>
-        <a:gradFill rotWithShape="1">
-          <a:gsLst>
-            <a:gs pos="0">
-              <a:schemeClr val="phClr">
-                <a:tint val="50000"/>
-                <a:satMod val="300000"/>
-              </a:schemeClr>
-            </a:gs>
-            <a:gs pos="35000">
-              <a:schemeClr val="phClr">
-                <a:tint val="37000"/>
-                <a:satMod val="300000"/>
-              </a:schemeClr>
-            </a:gs>
-            <a:gs pos="100000">
-              <a:schemeClr val="phClr">
-                <a:tint val="15000"/>
-                <a:satMod val="350000"/>
-              </a:schemeClr>
-            </a:gs>
-          </a:gsLst>
-          <a:lin ang="16200000" scaled="1"/>
-        </a:gradFill>
-        <a:gradFill rotWithShape="1">
-          <a:gsLst>
-            <a:gs pos="0">
-              <a:schemeClr val="phClr">
-                <a:shade val="51000"/>
-                <a:satMod val="130000"/>
-              </a:schemeClr>
-            </a:gs>
-            <a:gs pos="80000">
-              <a:schemeClr val="phClr">
-                <a:shade val="93000"/>
-                <a:satMod val="130000"/>
-              </a:schemeClr>
-            </a:gs>
-            <a:gs pos="100000">
-              <a:schemeClr val="phClr">
-                <a:shade val="94000"/>
-                <a:satMod val="135000"/>
-              </a:schemeClr>
-            </a:gs>
-          </a:gsLst>
-          <a:lin ang="16200000" scaled="0"/>
-        </a:gradFill>
-      </a:fillStyleLst>
-      <a:lnStyleLst>
-        <a:ln w="9525" cap="flat" cmpd="sng" algn="ctr">
-          <a:solidFill>
-            <a:schemeClr val="phClr">
-              <a:shade val="95000"/>
-              <a:satMod val="105000"/>
-            </a:schemeClr>
-          </a:solidFill>
-          <a:prstDash val="solid"/>
-          <a:miter/>
-        </a:ln>
-        <a:ln w="25400" cap="flat" cmpd="sng" algn="ctr">
-          <a:solidFill>
-            <a:schemeClr val="phClr"/>
-          </a:solidFill>
-          <a:prstDash val="solid"/>
-          <a:miter/>
-        </a:ln>
-        <a:ln w="38100" cap="flat" cmpd="sng" algn="ctr">
-          <a:solidFill>
-            <a:schemeClr val="phClr"/>
-          </a:solidFill>
-          <a:prstDash val="solid"/>
-          <a:miter/>
-        </a:ln>
-      </a:lnStyleLst>
-      <a:effectStyleLst>
-        <a:effectStyle>
-          <a:effectLst>
-            <a:outerShdw blurRad="40000" dist="20000" dir="5400000" rotWithShape="0">
-              <a:srgbClr val="000000">
-                <a:alpha val="38000"/>
-              </a:srgbClr>
-            </a:outerShdw>
-          </a:effectLst>
-        </a:effectStyle>
-        <a:effectStyle>
-          <a:effectLst>
-            <a:outerShdw blurRad="40000" dist="23000" dir="5400000" rotWithShape="0">
-              <a:srgbClr val="000000">
-                <a:alpha val="35000"/>
-              </a:srgbClr>
-            </a:outerShdw>
-          </a:effectLst>
-        </a:effectStyle>
-        <a:effectStyle>
-          <a:effectLst>
-            <a:outerShdw blurRad="40000" dist="23000" dir="5400000" rotWithShape="0">
-              <a:srgbClr val="000000">
-                <a:alpha val="35000"/>
-              </a:srgbClr>
-            </a:outerShdw>
-          </a:effectLst>
-          <a:scene3d>
-            <a:camera prst="orthographicFront">
-              <a:rot lat="0" lon="0" rev="0"/>
-            </a:camera>
-            <a:lightRig rig="threePt" dir="t">
-              <a:rot lat="0" lon="0" rev="1200000"/>
-            </a:lightRig>
-          </a:scene3d>
-          <a:sp3d>
-            <a:bevelT w="63500" h="25400"/>
-          </a:sp3d>
-        </a:effectStyle>
-      </a:effectStyleLst>
-      <a:bgFillStyleLst>
-        <a:solidFill>
-          <a:schemeClr val="phClr"/>
-        </a:solidFill>
-        <a:gradFill rotWithShape="1">
-          <a:gsLst>
-            <a:gs pos="0">
-              <a:schemeClr val="phClr">
-                <a:tint val="40000"/>
-                <a:satMod val="350000"/>
-              </a:schemeClr>
-            </a:gs>
-            <a:gs pos="40000">
-              <a:schemeClr val="phClr">
-                <a:tint val="45000"/>
-                <a:shade val="99000"/>
-                <a:satMod val="350000"/>
-              </a:schemeClr>
-            </a:gs>
-            <a:gs pos="100000">
-              <a:schemeClr val="phClr">
-                <a:shade val="20000"/>
-                <a:satMod val="255000"/>
-              </a:schemeClr>
-            </a:gs>
-          </a:gsLst>
-          <a:path path="circle">
-            <a:fillToRect l="50000" t="-80000" r="50000" b="180000"/>
-          </a:path>
-        </a:gradFill>
-        <a:gradFill rotWithShape="1">
-          <a:gsLst>
-            <a:gs pos="0">
-              <a:schemeClr val="phClr">
-                <a:tint val="80000"/>
-                <a:satMod val="300000"/>
-              </a:schemeClr>
-            </a:gs>
-            <a:gs pos="100000">
-              <a:schemeClr val="phClr">
-                <a:shade val="30000"/>
-                <a:satMod val="200000"/>
-              </a:schemeClr>
-            </a:gs>
-          </a:gsLst>
-          <a:path path="circle">
-            <a:fillToRect l="50000" t="50000" r="50000" b="50000"/>
-          </a:path>
-        </a:gradFill>
-      </a:bgFillStyleLst>
-    </a:fmtScheme>
-  </a:themeElements>
-  <a:objectDefaults/>
-  <a:extraClrSchemeLst/>
-</a:theme>
 </file>